--- a/Java Урок 3 ifelse switch.pptx
+++ b/Java Урок 3 ifelse switch.pptx
@@ -111,7 +111,24 @@
       </a:defRPr>
     </a:lvl9pPr>
   </p:defaultTextStyle>
+  <p:extLst>
+    <p:ext uri="{EFAFB233-063F-42B5-8137-9DF3F51BA10A}">
+      <p15:sldGuideLst xmlns:p15="http://schemas.microsoft.com/office/powerpoint/2012/main"/>
+    </p:ext>
+  </p:extLst>
 </p:presentation>
+</file>
+
+<file path=ppt/commentAuthors.xml><?xml version="1.0" encoding="utf-8"?>
+<p:cmAuthorLst xmlns:a="http://schemas.openxmlformats.org/drawingml/2006/main" xmlns:r="http://schemas.openxmlformats.org/officeDocument/2006/relationships" xmlns:p="http://schemas.openxmlformats.org/presentationml/2006/main">
+  <p:cmAuthor id="1" name="Шейко Ростислав Олександрович" initials="ШРО" lastIdx="1" clrIdx="0">
+    <p:extLst>
+      <p:ext uri="{19B8F6BF-5375-455C-9EA6-DF929625EA0E}">
+        <p15:presenceInfo xmlns:p15="http://schemas.microsoft.com/office/powerpoint/2012/main" userId="Шейко Ростислав Олександрович" providerId="None"/>
+      </p:ext>
+    </p:extLst>
+  </p:cmAuthor>
+</p:cmAuthorLst>
 </file>
 
 <file path=ppt/slideLayouts/slideLayout1.xml><?xml version="1.0" encoding="utf-8"?>
@@ -263,7 +280,7 @@
           <a:p>
             <a:fld id="{E461E9BA-8501-4193-BA88-839E340A9D5A}" type="datetimeFigureOut">
               <a:rPr lang="uk-UA" smtClean="0"/>
-              <a:t>21.10.2023</a:t>
+              <a:t>25.10.2023</a:t>
             </a:fld>
             <a:endParaRPr lang="uk-UA"/>
           </a:p>
@@ -463,7 +480,7 @@
           <a:p>
             <a:fld id="{E461E9BA-8501-4193-BA88-839E340A9D5A}" type="datetimeFigureOut">
               <a:rPr lang="uk-UA" smtClean="0"/>
-              <a:t>21.10.2023</a:t>
+              <a:t>25.10.2023</a:t>
             </a:fld>
             <a:endParaRPr lang="uk-UA"/>
           </a:p>
@@ -673,7 +690,7 @@
           <a:p>
             <a:fld id="{E461E9BA-8501-4193-BA88-839E340A9D5A}" type="datetimeFigureOut">
               <a:rPr lang="uk-UA" smtClean="0"/>
-              <a:t>21.10.2023</a:t>
+              <a:t>25.10.2023</a:t>
             </a:fld>
             <a:endParaRPr lang="uk-UA"/>
           </a:p>
@@ -873,7 +890,7 @@
           <a:p>
             <a:fld id="{E461E9BA-8501-4193-BA88-839E340A9D5A}" type="datetimeFigureOut">
               <a:rPr lang="uk-UA" smtClean="0"/>
-              <a:t>21.10.2023</a:t>
+              <a:t>25.10.2023</a:t>
             </a:fld>
             <a:endParaRPr lang="uk-UA"/>
           </a:p>
@@ -1149,7 +1166,7 @@
           <a:p>
             <a:fld id="{E461E9BA-8501-4193-BA88-839E340A9D5A}" type="datetimeFigureOut">
               <a:rPr lang="uk-UA" smtClean="0"/>
-              <a:t>21.10.2023</a:t>
+              <a:t>25.10.2023</a:t>
             </a:fld>
             <a:endParaRPr lang="uk-UA"/>
           </a:p>
@@ -1417,7 +1434,7 @@
           <a:p>
             <a:fld id="{E461E9BA-8501-4193-BA88-839E340A9D5A}" type="datetimeFigureOut">
               <a:rPr lang="uk-UA" smtClean="0"/>
-              <a:t>21.10.2023</a:t>
+              <a:t>25.10.2023</a:t>
             </a:fld>
             <a:endParaRPr lang="uk-UA"/>
           </a:p>
@@ -1832,7 +1849,7 @@
           <a:p>
             <a:fld id="{E461E9BA-8501-4193-BA88-839E340A9D5A}" type="datetimeFigureOut">
               <a:rPr lang="uk-UA" smtClean="0"/>
-              <a:t>21.10.2023</a:t>
+              <a:t>25.10.2023</a:t>
             </a:fld>
             <a:endParaRPr lang="uk-UA"/>
           </a:p>
@@ -1974,7 +1991,7 @@
           <a:p>
             <a:fld id="{E461E9BA-8501-4193-BA88-839E340A9D5A}" type="datetimeFigureOut">
               <a:rPr lang="uk-UA" smtClean="0"/>
-              <a:t>21.10.2023</a:t>
+              <a:t>25.10.2023</a:t>
             </a:fld>
             <a:endParaRPr lang="uk-UA"/>
           </a:p>
@@ -2087,7 +2104,7 @@
           <a:p>
             <a:fld id="{E461E9BA-8501-4193-BA88-839E340A9D5A}" type="datetimeFigureOut">
               <a:rPr lang="uk-UA" smtClean="0"/>
-              <a:t>21.10.2023</a:t>
+              <a:t>25.10.2023</a:t>
             </a:fld>
             <a:endParaRPr lang="uk-UA"/>
           </a:p>
@@ -2400,7 +2417,7 @@
           <a:p>
             <a:fld id="{E461E9BA-8501-4193-BA88-839E340A9D5A}" type="datetimeFigureOut">
               <a:rPr lang="uk-UA" smtClean="0"/>
-              <a:t>21.10.2023</a:t>
+              <a:t>25.10.2023</a:t>
             </a:fld>
             <a:endParaRPr lang="uk-UA"/>
           </a:p>
@@ -2689,7 +2706,7 @@
           <a:p>
             <a:fld id="{E461E9BA-8501-4193-BA88-839E340A9D5A}" type="datetimeFigureOut">
               <a:rPr lang="uk-UA" smtClean="0"/>
-              <a:t>21.10.2023</a:t>
+              <a:t>25.10.2023</a:t>
             </a:fld>
             <a:endParaRPr lang="uk-UA"/>
           </a:p>
@@ -2932,7 +2949,7 @@
           <a:p>
             <a:fld id="{E461E9BA-8501-4193-BA88-839E340A9D5A}" type="datetimeFigureOut">
               <a:rPr lang="uk-UA" smtClean="0"/>
-              <a:t>21.10.2023</a:t>
+              <a:t>25.10.2023</a:t>
             </a:fld>
             <a:endParaRPr lang="uk-UA"/>
           </a:p>
@@ -5758,8 +5775,8 @@
         </p:nvSpPr>
         <p:spPr bwMode="auto">
           <a:xfrm>
-            <a:off x="8066201" y="1751617"/>
-            <a:ext cx="2793477" cy="3354765"/>
+            <a:off x="8066201" y="1736228"/>
+            <a:ext cx="2793477" cy="3385542"/>
           </a:xfrm>
           <a:prstGeom prst="rect">
             <a:avLst/>
@@ -5852,18 +5869,14 @@
               <a:t> (</a:t>
             </a:r>
             <a:r>
-              <a:rPr kumimoji="0" lang="uk-UA" altLang="uk-UA" sz="2000" b="0" i="0" u="none" strike="noStrike" cap="none" normalizeH="0" baseline="0" dirty="0" err="1">
-                <a:ln>
-                  <a:noFill/>
-                </a:ln>
+              <a:rPr lang="uk-UA" altLang="uk-UA" sz="2000" dirty="0">
                 <a:solidFill>
                   <a:srgbClr val="212529"/>
                 </a:solidFill>
-                <a:effectLst/>
                 <a:latin typeface="Courier New" panose="02070309020205020404" pitchFamily="49" charset="0"/>
                 <a:cs typeface="Courier New" panose="02070309020205020404" pitchFamily="49" charset="0"/>
               </a:rPr>
-              <a:t>выражение</a:t>
+              <a:t>вираження</a:t>
             </a:r>
             <a:r>
               <a:rPr kumimoji="0" lang="uk-UA" altLang="uk-UA" sz="2000" b="0" i="0" u="none" strike="noStrike" cap="none" normalizeH="0" baseline="0" dirty="0">
@@ -5948,35 +5961,7 @@
                 <a:latin typeface="Courier New" panose="02070309020205020404" pitchFamily="49" charset="0"/>
                 <a:cs typeface="Courier New" panose="02070309020205020404" pitchFamily="49" charset="0"/>
               </a:rPr>
-              <a:t> x: // фрагмент </a:t>
-            </a:r>
-            <a:r>
-              <a:rPr kumimoji="0" lang="uk-UA" altLang="uk-UA" sz="2000" b="0" i="0" u="none" strike="noStrike" cap="none" normalizeH="0" baseline="0" dirty="0" err="1">
-                <a:ln>
-                  <a:noFill/>
-                </a:ln>
-                <a:solidFill>
-                  <a:srgbClr val="212529"/>
-                </a:solidFill>
-                <a:effectLst/>
-                <a:latin typeface="Courier New" panose="02070309020205020404" pitchFamily="49" charset="0"/>
-                <a:cs typeface="Courier New" panose="02070309020205020404" pitchFamily="49" charset="0"/>
-              </a:rPr>
-              <a:t>кода</a:t>
-            </a:r>
-            <a:r>
-              <a:rPr kumimoji="0" lang="uk-UA" altLang="uk-UA" sz="2000" b="0" i="0" u="none" strike="noStrike" cap="none" normalizeH="0" baseline="0" dirty="0">
-                <a:ln>
-                  <a:noFill/>
-                </a:ln>
-                <a:solidFill>
-                  <a:srgbClr val="212529"/>
-                </a:solidFill>
-                <a:effectLst/>
-                <a:latin typeface="Courier New" panose="02070309020205020404" pitchFamily="49" charset="0"/>
-                <a:cs typeface="Courier New" panose="02070309020205020404" pitchFamily="49" charset="0"/>
-              </a:rPr>
-              <a:t> </a:t>
+              <a:t> x: // фрагмент коду </a:t>
             </a:r>
             <a:endParaRPr kumimoji="0" lang="en-US" altLang="uk-UA" sz="2000" b="0" i="0" u="none" strike="noStrike" cap="none" normalizeH="0" baseline="0" dirty="0">
               <a:ln>
@@ -6133,35 +6118,7 @@
                 <a:latin typeface="Courier New" panose="02070309020205020404" pitchFamily="49" charset="0"/>
                 <a:cs typeface="Courier New" panose="02070309020205020404" pitchFamily="49" charset="0"/>
               </a:rPr>
-              <a:t>// фрагмент </a:t>
-            </a:r>
-            <a:r>
-              <a:rPr kumimoji="0" lang="uk-UA" altLang="uk-UA" sz="2000" b="0" i="0" u="none" strike="noStrike" cap="none" normalizeH="0" baseline="0" dirty="0" err="1">
-                <a:ln>
-                  <a:noFill/>
-                </a:ln>
-                <a:solidFill>
-                  <a:srgbClr val="212529"/>
-                </a:solidFill>
-                <a:effectLst/>
-                <a:latin typeface="Courier New" panose="02070309020205020404" pitchFamily="49" charset="0"/>
-                <a:cs typeface="Courier New" panose="02070309020205020404" pitchFamily="49" charset="0"/>
-              </a:rPr>
-              <a:t>кода</a:t>
-            </a:r>
-            <a:r>
-              <a:rPr kumimoji="0" lang="uk-UA" altLang="uk-UA" sz="2000" b="0" i="0" u="none" strike="noStrike" cap="none" normalizeH="0" baseline="0" dirty="0">
-                <a:ln>
-                  <a:noFill/>
-                </a:ln>
-                <a:solidFill>
-                  <a:srgbClr val="212529"/>
-                </a:solidFill>
-                <a:effectLst/>
-                <a:latin typeface="Courier New" panose="02070309020205020404" pitchFamily="49" charset="0"/>
-                <a:cs typeface="Courier New" panose="02070309020205020404" pitchFamily="49" charset="0"/>
-              </a:rPr>
-              <a:t> </a:t>
+              <a:t>// фрагмент коду </a:t>
             </a:r>
             <a:endParaRPr kumimoji="0" lang="en-US" altLang="uk-UA" sz="2000" b="0" i="0" u="none" strike="noStrike" cap="none" normalizeH="0" baseline="0" dirty="0">
               <a:ln>
@@ -6318,35 +6275,7 @@
                 <a:latin typeface="Courier New" panose="02070309020205020404" pitchFamily="49" charset="0"/>
                 <a:cs typeface="Courier New" panose="02070309020205020404" pitchFamily="49" charset="0"/>
               </a:rPr>
-              <a:t>// фрагмент </a:t>
-            </a:r>
-            <a:r>
-              <a:rPr kumimoji="0" lang="uk-UA" altLang="uk-UA" sz="2000" b="0" i="0" u="none" strike="noStrike" cap="none" normalizeH="0" baseline="0" dirty="0" err="1">
-                <a:ln>
-                  <a:noFill/>
-                </a:ln>
-                <a:solidFill>
-                  <a:srgbClr val="212529"/>
-                </a:solidFill>
-                <a:effectLst/>
-                <a:latin typeface="Courier New" panose="02070309020205020404" pitchFamily="49" charset="0"/>
-                <a:cs typeface="Courier New" panose="02070309020205020404" pitchFamily="49" charset="0"/>
-              </a:rPr>
-              <a:t>кода</a:t>
-            </a:r>
-            <a:r>
-              <a:rPr kumimoji="0" lang="uk-UA" altLang="uk-UA" sz="2000" b="0" i="0" u="none" strike="noStrike" cap="none" normalizeH="0" baseline="0" dirty="0">
-                <a:ln>
-                  <a:noFill/>
-                </a:ln>
-                <a:solidFill>
-                  <a:srgbClr val="212529"/>
-                </a:solidFill>
-                <a:effectLst/>
-                <a:latin typeface="Courier New" panose="02070309020205020404" pitchFamily="49" charset="0"/>
-                <a:cs typeface="Courier New" panose="02070309020205020404" pitchFamily="49" charset="0"/>
-              </a:rPr>
-              <a:t> </a:t>
+              <a:t>// фрагмент коду </a:t>
             </a:r>
             <a:endParaRPr kumimoji="0" lang="en-US" altLang="uk-UA" sz="2000" b="0" i="0" u="none" strike="noStrike" cap="none" normalizeH="0" baseline="0" dirty="0">
               <a:ln>
@@ -6815,7 +6744,7 @@
                 <a:latin typeface="Courier New" panose="02070309020205020404" pitchFamily="49" charset="0"/>
                 <a:cs typeface="Courier New" panose="02070309020205020404" pitchFamily="49" charset="0"/>
               </a:rPr>
-              <a:t> = "Маленький"; </a:t>
+              <a:t> = «Маленький"; </a:t>
             </a:r>
             <a:r>
               <a:rPr kumimoji="0" lang="uk-UA" altLang="uk-UA" sz="2400" b="0" i="0" u="none" strike="noStrike" cap="none" normalizeH="0" baseline="0" dirty="0" err="1">
@@ -6928,21 +6857,17 @@
                 <a:latin typeface="Courier New" panose="02070309020205020404" pitchFamily="49" charset="0"/>
                 <a:cs typeface="Courier New" panose="02070309020205020404" pitchFamily="49" charset="0"/>
               </a:rPr>
-              <a:t> = "</a:t>
-            </a:r>
-            <a:r>
-              <a:rPr kumimoji="0" lang="uk-UA" altLang="uk-UA" sz="2400" b="0" i="0" u="none" strike="noStrike" cap="none" normalizeH="0" baseline="0" dirty="0" err="1">
-                <a:ln>
-                  <a:noFill/>
-                </a:ln>
+              <a:t> = «Середн</a:t>
+            </a:r>
+            <a:r>
+              <a:rPr lang="uk-UA" altLang="uk-UA" sz="2400" dirty="0">
                 <a:solidFill>
                   <a:srgbClr val="212529"/>
                 </a:solidFill>
-                <a:effectLst/>
                 <a:latin typeface="Courier New" panose="02070309020205020404" pitchFamily="49" charset="0"/>
                 <a:cs typeface="Courier New" panose="02070309020205020404" pitchFamily="49" charset="0"/>
               </a:rPr>
-              <a:t>Средний</a:t>
+              <a:t>ій</a:t>
             </a:r>
             <a:r>
               <a:rPr kumimoji="0" lang="uk-UA" altLang="uk-UA" sz="2400" b="0" i="0" u="none" strike="noStrike" cap="none" normalizeH="0" baseline="0" dirty="0">
@@ -7069,35 +6994,7 @@
                 <a:latin typeface="Courier New" panose="02070309020205020404" pitchFamily="49" charset="0"/>
                 <a:cs typeface="Courier New" panose="02070309020205020404" pitchFamily="49" charset="0"/>
               </a:rPr>
-              <a:t> = "</a:t>
-            </a:r>
-            <a:r>
-              <a:rPr kumimoji="0" lang="uk-UA" altLang="uk-UA" sz="2400" b="0" i="0" u="none" strike="noStrike" cap="none" normalizeH="0" baseline="0" dirty="0" err="1">
-                <a:ln>
-                  <a:noFill/>
-                </a:ln>
-                <a:solidFill>
-                  <a:srgbClr val="212529"/>
-                </a:solidFill>
-                <a:effectLst/>
-                <a:latin typeface="Courier New" panose="02070309020205020404" pitchFamily="49" charset="0"/>
-                <a:cs typeface="Courier New" panose="02070309020205020404" pitchFamily="49" charset="0"/>
-              </a:rPr>
-              <a:t>Большой</a:t>
-            </a:r>
-            <a:r>
-              <a:rPr kumimoji="0" lang="uk-UA" altLang="uk-UA" sz="2400" b="0" i="0" u="none" strike="noStrike" cap="none" normalizeH="0" baseline="0" dirty="0">
-                <a:ln>
-                  <a:noFill/>
-                </a:ln>
-                <a:solidFill>
-                  <a:srgbClr val="212529"/>
-                </a:solidFill>
-                <a:effectLst/>
-                <a:latin typeface="Courier New" panose="02070309020205020404" pitchFamily="49" charset="0"/>
-                <a:cs typeface="Courier New" panose="02070309020205020404" pitchFamily="49" charset="0"/>
-              </a:rPr>
-              <a:t>"; </a:t>
+              <a:t> = «Великий"; </a:t>
             </a:r>
             <a:r>
               <a:rPr kumimoji="0" lang="uk-UA" altLang="uk-UA" sz="2400" b="0" i="0" u="none" strike="noStrike" cap="none" normalizeH="0" baseline="0" dirty="0" err="1">
@@ -7210,10 +7107,10 @@
                 <a:latin typeface="Courier New" panose="02070309020205020404" pitchFamily="49" charset="0"/>
                 <a:cs typeface="Courier New" panose="02070309020205020404" pitchFamily="49" charset="0"/>
               </a:rPr>
-              <a:t> = "</a:t>
-            </a:r>
-            <a:r>
-              <a:rPr kumimoji="0" lang="uk-UA" altLang="uk-UA" sz="2400" b="0" i="0" u="none" strike="noStrike" cap="none" normalizeH="0" baseline="0" dirty="0" err="1">
+              <a:t> = «</a:t>
+            </a:r>
+            <a:r>
+              <a:rPr kumimoji="0" lang="uk-UA" altLang="uk-UA" sz="2400" b="0" i="0" u="none" strike="noStrike" cap="none" normalizeH="0" baseline="0">
                 <a:ln>
                   <a:noFill/>
                 </a:ln>
@@ -7224,21 +7121,7 @@
                 <a:latin typeface="Courier New" panose="02070309020205020404" pitchFamily="49" charset="0"/>
                 <a:cs typeface="Courier New" panose="02070309020205020404" pitchFamily="49" charset="0"/>
               </a:rPr>
-              <a:t>Неизвестно</a:t>
-            </a:r>
-            <a:r>
-              <a:rPr kumimoji="0" lang="uk-UA" altLang="uk-UA" sz="2400" b="0" i="0" u="none" strike="noStrike" cap="none" normalizeH="0" baseline="0" dirty="0">
-                <a:ln>
-                  <a:noFill/>
-                </a:ln>
-                <a:solidFill>
-                  <a:srgbClr val="212529"/>
-                </a:solidFill>
-                <a:effectLst/>
-                <a:latin typeface="Courier New" panose="02070309020205020404" pitchFamily="49" charset="0"/>
-                <a:cs typeface="Courier New" panose="02070309020205020404" pitchFamily="49" charset="0"/>
-              </a:rPr>
-              <a:t>"; </a:t>
+              <a:t>Не відомо"; </a:t>
             </a:r>
             <a:r>
               <a:rPr kumimoji="0" lang="uk-UA" altLang="uk-UA" sz="2400" b="0" i="0" u="none" strike="noStrike" cap="none" normalizeH="0" baseline="0" dirty="0" err="1">

--- a/Java Урок 3 ifelse switch.pptx
+++ b/Java Урок 3 ifelse switch.pptx
@@ -280,7 +280,7 @@
           <a:p>
             <a:fld id="{E461E9BA-8501-4193-BA88-839E340A9D5A}" type="datetimeFigureOut">
               <a:rPr lang="uk-UA" smtClean="0"/>
-              <a:t>25.10.2023</a:t>
+              <a:t>30.10.2023</a:t>
             </a:fld>
             <a:endParaRPr lang="uk-UA"/>
           </a:p>
@@ -480,7 +480,7 @@
           <a:p>
             <a:fld id="{E461E9BA-8501-4193-BA88-839E340A9D5A}" type="datetimeFigureOut">
               <a:rPr lang="uk-UA" smtClean="0"/>
-              <a:t>25.10.2023</a:t>
+              <a:t>30.10.2023</a:t>
             </a:fld>
             <a:endParaRPr lang="uk-UA"/>
           </a:p>
@@ -690,7 +690,7 @@
           <a:p>
             <a:fld id="{E461E9BA-8501-4193-BA88-839E340A9D5A}" type="datetimeFigureOut">
               <a:rPr lang="uk-UA" smtClean="0"/>
-              <a:t>25.10.2023</a:t>
+              <a:t>30.10.2023</a:t>
             </a:fld>
             <a:endParaRPr lang="uk-UA"/>
           </a:p>
@@ -890,7 +890,7 @@
           <a:p>
             <a:fld id="{E461E9BA-8501-4193-BA88-839E340A9D5A}" type="datetimeFigureOut">
               <a:rPr lang="uk-UA" smtClean="0"/>
-              <a:t>25.10.2023</a:t>
+              <a:t>30.10.2023</a:t>
             </a:fld>
             <a:endParaRPr lang="uk-UA"/>
           </a:p>
@@ -1166,7 +1166,7 @@
           <a:p>
             <a:fld id="{E461E9BA-8501-4193-BA88-839E340A9D5A}" type="datetimeFigureOut">
               <a:rPr lang="uk-UA" smtClean="0"/>
-              <a:t>25.10.2023</a:t>
+              <a:t>30.10.2023</a:t>
             </a:fld>
             <a:endParaRPr lang="uk-UA"/>
           </a:p>
@@ -1434,7 +1434,7 @@
           <a:p>
             <a:fld id="{E461E9BA-8501-4193-BA88-839E340A9D5A}" type="datetimeFigureOut">
               <a:rPr lang="uk-UA" smtClean="0"/>
-              <a:t>25.10.2023</a:t>
+              <a:t>30.10.2023</a:t>
             </a:fld>
             <a:endParaRPr lang="uk-UA"/>
           </a:p>
@@ -1849,7 +1849,7 @@
           <a:p>
             <a:fld id="{E461E9BA-8501-4193-BA88-839E340A9D5A}" type="datetimeFigureOut">
               <a:rPr lang="uk-UA" smtClean="0"/>
-              <a:t>25.10.2023</a:t>
+              <a:t>30.10.2023</a:t>
             </a:fld>
             <a:endParaRPr lang="uk-UA"/>
           </a:p>
@@ -1991,7 +1991,7 @@
           <a:p>
             <a:fld id="{E461E9BA-8501-4193-BA88-839E340A9D5A}" type="datetimeFigureOut">
               <a:rPr lang="uk-UA" smtClean="0"/>
-              <a:t>25.10.2023</a:t>
+              <a:t>30.10.2023</a:t>
             </a:fld>
             <a:endParaRPr lang="uk-UA"/>
           </a:p>
@@ -2104,7 +2104,7 @@
           <a:p>
             <a:fld id="{E461E9BA-8501-4193-BA88-839E340A9D5A}" type="datetimeFigureOut">
               <a:rPr lang="uk-UA" smtClean="0"/>
-              <a:t>25.10.2023</a:t>
+              <a:t>30.10.2023</a:t>
             </a:fld>
             <a:endParaRPr lang="uk-UA"/>
           </a:p>
@@ -2417,7 +2417,7 @@
           <a:p>
             <a:fld id="{E461E9BA-8501-4193-BA88-839E340A9D5A}" type="datetimeFigureOut">
               <a:rPr lang="uk-UA" smtClean="0"/>
-              <a:t>25.10.2023</a:t>
+              <a:t>30.10.2023</a:t>
             </a:fld>
             <a:endParaRPr lang="uk-UA"/>
           </a:p>
@@ -2706,7 +2706,7 @@
           <a:p>
             <a:fld id="{E461E9BA-8501-4193-BA88-839E340A9D5A}" type="datetimeFigureOut">
               <a:rPr lang="uk-UA" smtClean="0"/>
-              <a:t>25.10.2023</a:t>
+              <a:t>30.10.2023</a:t>
             </a:fld>
             <a:endParaRPr lang="uk-UA"/>
           </a:p>
@@ -2949,7 +2949,7 @@
           <a:p>
             <a:fld id="{E461E9BA-8501-4193-BA88-839E340A9D5A}" type="datetimeFigureOut">
               <a:rPr lang="uk-UA" smtClean="0"/>
-              <a:t>25.10.2023</a:t>
+              <a:t>30.10.2023</a:t>
             </a:fld>
             <a:endParaRPr lang="uk-UA"/>
           </a:p>
@@ -6507,20 +6507,6 @@
               <a:tabLst/>
             </a:pPr>
             <a:r>
-              <a:rPr kumimoji="0" lang="uk-UA" altLang="uk-UA" sz="2400" b="0" i="0" u="none" strike="noStrike" cap="none" normalizeH="0" baseline="0" dirty="0" err="1">
-                <a:ln>
-                  <a:noFill/>
-                </a:ln>
-                <a:solidFill>
-                  <a:srgbClr val="212529"/>
-                </a:solidFill>
-                <a:effectLst/>
-                <a:latin typeface="Courier New" panose="02070309020205020404" pitchFamily="49" charset="0"/>
-                <a:cs typeface="Courier New" panose="02070309020205020404" pitchFamily="49" charset="0"/>
-              </a:rPr>
-              <a:t>int</a:t>
-            </a:r>
-            <a:r>
               <a:rPr kumimoji="0" lang="uk-UA" altLang="uk-UA" sz="2400" b="0" i="0" u="none" strike="noStrike" cap="none" normalizeH="0" baseline="0" dirty="0">
                 <a:ln>
                   <a:noFill/>
@@ -6532,7 +6518,7 @@
                 <a:latin typeface="Courier New" panose="02070309020205020404" pitchFamily="49" charset="0"/>
                 <a:cs typeface="Courier New" panose="02070309020205020404" pitchFamily="49" charset="0"/>
               </a:rPr>
-              <a:t> </a:t>
+              <a:t>int </a:t>
             </a:r>
             <a:r>
               <a:rPr kumimoji="0" lang="uk-UA" altLang="uk-UA" sz="2400" b="0" i="0" u="none" strike="noStrike" cap="none" normalizeH="0" baseline="0" dirty="0" err="1">
@@ -7107,21 +7093,7 @@
                 <a:latin typeface="Courier New" panose="02070309020205020404" pitchFamily="49" charset="0"/>
                 <a:cs typeface="Courier New" panose="02070309020205020404" pitchFamily="49" charset="0"/>
               </a:rPr>
-              <a:t> = «</a:t>
-            </a:r>
-            <a:r>
-              <a:rPr kumimoji="0" lang="uk-UA" altLang="uk-UA" sz="2400" b="0" i="0" u="none" strike="noStrike" cap="none" normalizeH="0" baseline="0">
-                <a:ln>
-                  <a:noFill/>
-                </a:ln>
-                <a:solidFill>
-                  <a:srgbClr val="212529"/>
-                </a:solidFill>
-                <a:effectLst/>
-                <a:latin typeface="Courier New" panose="02070309020205020404" pitchFamily="49" charset="0"/>
-                <a:cs typeface="Courier New" panose="02070309020205020404" pitchFamily="49" charset="0"/>
-              </a:rPr>
-              <a:t>Не відомо"; </a:t>
+              <a:t> = «Не відомо"; </a:t>
             </a:r>
             <a:r>
               <a:rPr kumimoji="0" lang="uk-UA" altLang="uk-UA" sz="2400" b="0" i="0" u="none" strike="noStrike" cap="none" normalizeH="0" baseline="0" dirty="0" err="1">

--- a/Java Урок 3 ifelse switch.pptx
+++ b/Java Урок 3 ifelse switch.pptx
@@ -280,7 +280,7 @@
           <a:p>
             <a:fld id="{E461E9BA-8501-4193-BA88-839E340A9D5A}" type="datetimeFigureOut">
               <a:rPr lang="uk-UA" smtClean="0"/>
-              <a:t>30.10.2023</a:t>
+              <a:t>15.11.2023</a:t>
             </a:fld>
             <a:endParaRPr lang="uk-UA"/>
           </a:p>
@@ -480,7 +480,7 @@
           <a:p>
             <a:fld id="{E461E9BA-8501-4193-BA88-839E340A9D5A}" type="datetimeFigureOut">
               <a:rPr lang="uk-UA" smtClean="0"/>
-              <a:t>30.10.2023</a:t>
+              <a:t>15.11.2023</a:t>
             </a:fld>
             <a:endParaRPr lang="uk-UA"/>
           </a:p>
@@ -690,7 +690,7 @@
           <a:p>
             <a:fld id="{E461E9BA-8501-4193-BA88-839E340A9D5A}" type="datetimeFigureOut">
               <a:rPr lang="uk-UA" smtClean="0"/>
-              <a:t>30.10.2023</a:t>
+              <a:t>15.11.2023</a:t>
             </a:fld>
             <a:endParaRPr lang="uk-UA"/>
           </a:p>
@@ -890,7 +890,7 @@
           <a:p>
             <a:fld id="{E461E9BA-8501-4193-BA88-839E340A9D5A}" type="datetimeFigureOut">
               <a:rPr lang="uk-UA" smtClean="0"/>
-              <a:t>30.10.2023</a:t>
+              <a:t>15.11.2023</a:t>
             </a:fld>
             <a:endParaRPr lang="uk-UA"/>
           </a:p>
@@ -1166,7 +1166,7 @@
           <a:p>
             <a:fld id="{E461E9BA-8501-4193-BA88-839E340A9D5A}" type="datetimeFigureOut">
               <a:rPr lang="uk-UA" smtClean="0"/>
-              <a:t>30.10.2023</a:t>
+              <a:t>15.11.2023</a:t>
             </a:fld>
             <a:endParaRPr lang="uk-UA"/>
           </a:p>
@@ -1434,7 +1434,7 @@
           <a:p>
             <a:fld id="{E461E9BA-8501-4193-BA88-839E340A9D5A}" type="datetimeFigureOut">
               <a:rPr lang="uk-UA" smtClean="0"/>
-              <a:t>30.10.2023</a:t>
+              <a:t>15.11.2023</a:t>
             </a:fld>
             <a:endParaRPr lang="uk-UA"/>
           </a:p>
@@ -1849,7 +1849,7 @@
           <a:p>
             <a:fld id="{E461E9BA-8501-4193-BA88-839E340A9D5A}" type="datetimeFigureOut">
               <a:rPr lang="uk-UA" smtClean="0"/>
-              <a:t>30.10.2023</a:t>
+              <a:t>15.11.2023</a:t>
             </a:fld>
             <a:endParaRPr lang="uk-UA"/>
           </a:p>
@@ -1991,7 +1991,7 @@
           <a:p>
             <a:fld id="{E461E9BA-8501-4193-BA88-839E340A9D5A}" type="datetimeFigureOut">
               <a:rPr lang="uk-UA" smtClean="0"/>
-              <a:t>30.10.2023</a:t>
+              <a:t>15.11.2023</a:t>
             </a:fld>
             <a:endParaRPr lang="uk-UA"/>
           </a:p>
@@ -2104,7 +2104,7 @@
           <a:p>
             <a:fld id="{E461E9BA-8501-4193-BA88-839E340A9D5A}" type="datetimeFigureOut">
               <a:rPr lang="uk-UA" smtClean="0"/>
-              <a:t>30.10.2023</a:t>
+              <a:t>15.11.2023</a:t>
             </a:fld>
             <a:endParaRPr lang="uk-UA"/>
           </a:p>
@@ -2417,7 +2417,7 @@
           <a:p>
             <a:fld id="{E461E9BA-8501-4193-BA88-839E340A9D5A}" type="datetimeFigureOut">
               <a:rPr lang="uk-UA" smtClean="0"/>
-              <a:t>30.10.2023</a:t>
+              <a:t>15.11.2023</a:t>
             </a:fld>
             <a:endParaRPr lang="uk-UA"/>
           </a:p>
@@ -2706,7 +2706,7 @@
           <a:p>
             <a:fld id="{E461E9BA-8501-4193-BA88-839E340A9D5A}" type="datetimeFigureOut">
               <a:rPr lang="uk-UA" smtClean="0"/>
-              <a:t>30.10.2023</a:t>
+              <a:t>15.11.2023</a:t>
             </a:fld>
             <a:endParaRPr lang="uk-UA"/>
           </a:p>
@@ -2949,7 +2949,7 @@
           <a:p>
             <a:fld id="{E461E9BA-8501-4193-BA88-839E340A9D5A}" type="datetimeFigureOut">
               <a:rPr lang="uk-UA" smtClean="0"/>
-              <a:t>30.10.2023</a:t>
+              <a:t>15.11.2023</a:t>
             </a:fld>
             <a:endParaRPr lang="uk-UA"/>
           </a:p>
@@ -6546,7 +6546,31 @@
                 <a:latin typeface="Courier New" panose="02070309020205020404" pitchFamily="49" charset="0"/>
                 <a:cs typeface="Courier New" panose="02070309020205020404" pitchFamily="49" charset="0"/>
               </a:rPr>
-              <a:t> = 100; </a:t>
+              <a:t> = </a:t>
+            </a:r>
+            <a:r>
+              <a:rPr lang="en-US" altLang="uk-UA" sz="2400" dirty="0">
+                <a:solidFill>
+                  <a:srgbClr val="212529"/>
+                </a:solidFill>
+                <a:latin typeface="Courier New" panose="02070309020205020404" pitchFamily="49" charset="0"/>
+                <a:cs typeface="Courier New" panose="02070309020205020404" pitchFamily="49" charset="0"/>
+              </a:rPr>
+              <a:t>6</a:t>
+            </a:r>
+            <a:r>
+              <a:rPr kumimoji="0" lang="uk-UA" altLang="uk-UA" sz="2400" b="0" i="0" u="none" strike="noStrike" cap="none" normalizeH="0" baseline="0" dirty="0">
+                <a:ln>
+                  <a:noFill/>
+                </a:ln>
+                <a:solidFill>
+                  <a:srgbClr val="212529"/>
+                </a:solidFill>
+                <a:effectLst/>
+                <a:latin typeface="Courier New" panose="02070309020205020404" pitchFamily="49" charset="0"/>
+                <a:cs typeface="Courier New" panose="02070309020205020404" pitchFamily="49" charset="0"/>
+              </a:rPr>
+              <a:t>0; </a:t>
             </a:r>
             <a:endParaRPr kumimoji="0" lang="en-US" altLang="uk-UA" sz="2400" b="0" i="0" u="none" strike="noStrike" cap="none" normalizeH="0" baseline="0" dirty="0">
               <a:ln>

--- a/Java Урок 3 ifelse switch.pptx
+++ b/Java Урок 3 ifelse switch.pptx
@@ -280,7 +280,7 @@
           <a:p>
             <a:fld id="{E461E9BA-8501-4193-BA88-839E340A9D5A}" type="datetimeFigureOut">
               <a:rPr lang="uk-UA" smtClean="0"/>
-              <a:t>15.11.2023</a:t>
+              <a:t>22.12.2023</a:t>
             </a:fld>
             <a:endParaRPr lang="uk-UA"/>
           </a:p>
@@ -480,7 +480,7 @@
           <a:p>
             <a:fld id="{E461E9BA-8501-4193-BA88-839E340A9D5A}" type="datetimeFigureOut">
               <a:rPr lang="uk-UA" smtClean="0"/>
-              <a:t>15.11.2023</a:t>
+              <a:t>22.12.2023</a:t>
             </a:fld>
             <a:endParaRPr lang="uk-UA"/>
           </a:p>
@@ -690,7 +690,7 @@
           <a:p>
             <a:fld id="{E461E9BA-8501-4193-BA88-839E340A9D5A}" type="datetimeFigureOut">
               <a:rPr lang="uk-UA" smtClean="0"/>
-              <a:t>15.11.2023</a:t>
+              <a:t>22.12.2023</a:t>
             </a:fld>
             <a:endParaRPr lang="uk-UA"/>
           </a:p>
@@ -890,7 +890,7 @@
           <a:p>
             <a:fld id="{E461E9BA-8501-4193-BA88-839E340A9D5A}" type="datetimeFigureOut">
               <a:rPr lang="uk-UA" smtClean="0"/>
-              <a:t>15.11.2023</a:t>
+              <a:t>22.12.2023</a:t>
             </a:fld>
             <a:endParaRPr lang="uk-UA"/>
           </a:p>
@@ -1166,7 +1166,7 @@
           <a:p>
             <a:fld id="{E461E9BA-8501-4193-BA88-839E340A9D5A}" type="datetimeFigureOut">
               <a:rPr lang="uk-UA" smtClean="0"/>
-              <a:t>15.11.2023</a:t>
+              <a:t>22.12.2023</a:t>
             </a:fld>
             <a:endParaRPr lang="uk-UA"/>
           </a:p>
@@ -1434,7 +1434,7 @@
           <a:p>
             <a:fld id="{E461E9BA-8501-4193-BA88-839E340A9D5A}" type="datetimeFigureOut">
               <a:rPr lang="uk-UA" smtClean="0"/>
-              <a:t>15.11.2023</a:t>
+              <a:t>22.12.2023</a:t>
             </a:fld>
             <a:endParaRPr lang="uk-UA"/>
           </a:p>
@@ -1849,7 +1849,7 @@
           <a:p>
             <a:fld id="{E461E9BA-8501-4193-BA88-839E340A9D5A}" type="datetimeFigureOut">
               <a:rPr lang="uk-UA" smtClean="0"/>
-              <a:t>15.11.2023</a:t>
+              <a:t>22.12.2023</a:t>
             </a:fld>
             <a:endParaRPr lang="uk-UA"/>
           </a:p>
@@ -1991,7 +1991,7 @@
           <a:p>
             <a:fld id="{E461E9BA-8501-4193-BA88-839E340A9D5A}" type="datetimeFigureOut">
               <a:rPr lang="uk-UA" smtClean="0"/>
-              <a:t>15.11.2023</a:t>
+              <a:t>22.12.2023</a:t>
             </a:fld>
             <a:endParaRPr lang="uk-UA"/>
           </a:p>
@@ -2104,7 +2104,7 @@
           <a:p>
             <a:fld id="{E461E9BA-8501-4193-BA88-839E340A9D5A}" type="datetimeFigureOut">
               <a:rPr lang="uk-UA" smtClean="0"/>
-              <a:t>15.11.2023</a:t>
+              <a:t>22.12.2023</a:t>
             </a:fld>
             <a:endParaRPr lang="uk-UA"/>
           </a:p>
@@ -2417,7 +2417,7 @@
           <a:p>
             <a:fld id="{E461E9BA-8501-4193-BA88-839E340A9D5A}" type="datetimeFigureOut">
               <a:rPr lang="uk-UA" smtClean="0"/>
-              <a:t>15.11.2023</a:t>
+              <a:t>22.12.2023</a:t>
             </a:fld>
             <a:endParaRPr lang="uk-UA"/>
           </a:p>
@@ -2706,7 +2706,7 @@
           <a:p>
             <a:fld id="{E461E9BA-8501-4193-BA88-839E340A9D5A}" type="datetimeFigureOut">
               <a:rPr lang="uk-UA" smtClean="0"/>
-              <a:t>15.11.2023</a:t>
+              <a:t>22.12.2023</a:t>
             </a:fld>
             <a:endParaRPr lang="uk-UA"/>
           </a:p>
@@ -2949,7 +2949,7 @@
           <a:p>
             <a:fld id="{E461E9BA-8501-4193-BA88-839E340A9D5A}" type="datetimeFigureOut">
               <a:rPr lang="uk-UA" smtClean="0"/>
-              <a:t>15.11.2023</a:t>
+              <a:t>22.12.2023</a:t>
             </a:fld>
             <a:endParaRPr lang="uk-UA"/>
           </a:p>
@@ -3368,10 +3368,10 @@
       </p:grpSpPr>
       <p:sp>
         <p:nvSpPr>
-          <p:cNvPr id="4" name="TextBox 3">
-            <a:extLst>
-              <a:ext uri="{FF2B5EF4-FFF2-40B4-BE49-F238E27FC236}">
-                <a16:creationId xmlns:a16="http://schemas.microsoft.com/office/drawing/2014/main" id="{B09DE99F-9C23-41C9-A27C-0417E52408B1}"/>
+          <p:cNvPr id="3" name="TextBox 2">
+            <a:extLst>
+              <a:ext uri="{FF2B5EF4-FFF2-40B4-BE49-F238E27FC236}">
+                <a16:creationId xmlns:a16="http://schemas.microsoft.com/office/drawing/2014/main" id="{2F696BCE-DE62-4164-80FA-57C5796D8B28}"/>
               </a:ext>
             </a:extLst>
           </p:cNvPr>
@@ -3380,13 +3380,36 @@
         </p:nvSpPr>
         <p:spPr>
           <a:xfrm>
-            <a:off x="1745137" y="1982769"/>
-            <a:ext cx="8701725" cy="2554545"/>
+            <a:off x="1223423" y="2028616"/>
+            <a:ext cx="9745154" cy="2800767"/>
           </a:xfrm>
           <a:prstGeom prst="rect">
             <a:avLst/>
           </a:prstGeom>
-          <a:noFill/>
+          <a:solidFill>
+            <a:schemeClr val="accent6"/>
+          </a:solidFill>
+          <a:ln>
+            <a:noFill/>
+          </a:ln>
+          <a:effectLst>
+            <a:outerShdw blurRad="190500" dist="228600" dir="2700000" algn="ctr">
+              <a:srgbClr val="000000">
+                <a:alpha val="30000"/>
+              </a:srgbClr>
+            </a:outerShdw>
+          </a:effectLst>
+          <a:scene3d>
+            <a:camera prst="orthographicFront">
+              <a:rot lat="0" lon="0" rev="0"/>
+            </a:camera>
+            <a:lightRig rig="glow" dir="t">
+              <a:rot lat="0" lon="0" rev="4800000"/>
+            </a:lightRig>
+          </a:scene3d>
+          <a:sp3d prstMaterial="matte">
+            <a:bevelT w="127000" h="63500"/>
+          </a:sp3d>
         </p:spPr>
         <p:txBody>
           <a:bodyPr wrap="square" rtlCol="0">
@@ -3396,51 +3419,22 @@
           <a:p>
             <a:pPr algn="ctr"/>
             <a:r>
-              <a:rPr lang="ru-RU" sz="8000" b="1" dirty="0">
-                <a:solidFill>
-                  <a:schemeClr val="accent4">
-                    <a:lumMod val="50000"/>
-                  </a:schemeClr>
-                </a:solidFill>
+              <a:rPr lang="ru-RU" sz="8800" b="1" dirty="0">
+                <a:latin typeface="Times New Roman" panose="02020603050405020304" pitchFamily="18" charset="0"/>
+                <a:cs typeface="Times New Roman" panose="02020603050405020304" pitchFamily="18" charset="0"/>
               </a:rPr>
               <a:t>Тема уроку: </a:t>
             </a:r>
             <a:r>
-              <a:rPr lang="en-US" sz="8000" b="1" dirty="0">
-                <a:solidFill>
-                  <a:schemeClr val="accent4">
-                    <a:lumMod val="50000"/>
-                  </a:schemeClr>
-                </a:solidFill>
-              </a:rPr>
-              <a:t>if else, </a:t>
-            </a:r>
-            <a:r>
-              <a:rPr lang="en-US" sz="8000" b="1" dirty="0" err="1">
-                <a:solidFill>
-                  <a:schemeClr val="accent4">
-                    <a:lumMod val="50000"/>
-                  </a:schemeClr>
-                </a:solidFill>
-              </a:rPr>
-              <a:t>swich</a:t>
-            </a:r>
-            <a:r>
-              <a:rPr lang="en-US" sz="8000" b="1" dirty="0">
-                <a:solidFill>
-                  <a:schemeClr val="accent4">
-                    <a:lumMod val="50000"/>
-                  </a:schemeClr>
-                </a:solidFill>
-              </a:rPr>
-              <a:t> case</a:t>
-            </a:r>
-            <a:endParaRPr lang="uk-UA" sz="8000" b="1" dirty="0">
-              <a:solidFill>
-                <a:schemeClr val="accent4">
-                  <a:lumMod val="50000"/>
-                </a:schemeClr>
-              </a:solidFill>
+              <a:rPr lang="en-US" sz="8800" b="1" dirty="0">
+                <a:latin typeface="Times New Roman" panose="02020603050405020304" pitchFamily="18" charset="0"/>
+                <a:cs typeface="Times New Roman" panose="02020603050405020304" pitchFamily="18" charset="0"/>
+              </a:rPr>
+              <a:t>if else switch case</a:t>
+            </a:r>
+            <a:endParaRPr lang="uk-UA" sz="8800" b="1" dirty="0">
+              <a:latin typeface="Times New Roman" panose="02020603050405020304" pitchFamily="18" charset="0"/>
+              <a:cs typeface="Times New Roman" panose="02020603050405020304" pitchFamily="18" charset="0"/>
             </a:endParaRPr>
           </a:p>
         </p:txBody>
@@ -3505,15 +3499,16 @@
           <a:p>
             <a:r>
               <a:rPr lang="uk-UA" sz="2000" b="0" i="0" dirty="0">
-                <a:solidFill>
-                  <a:srgbClr val="172B53"/>
-                </a:solidFill>
-                <a:effectLst/>
-                <a:latin typeface="Arial" panose="020B0604020202020204" pitchFamily="34" charset="0"/>
+                <a:effectLst/>
+                <a:latin typeface="Times New Roman" panose="02020603050405020304" pitchFamily="18" charset="0"/>
+                <a:cs typeface="Times New Roman" panose="02020603050405020304" pitchFamily="18" charset="0"/>
               </a:rPr>
               <a:t>Від програм було б мало користі, якби вони робили абсолютно одне й те саме незалежно від зміни зовнішніх обставин. Потрібно, щоб програма вміла підлаштовуватися під різні ситуації та виконувати одні дії в одних випадках, а інші — в інших.</a:t>
             </a:r>
-            <a:endParaRPr lang="uk-UA" sz="2000" dirty="0"/>
+            <a:endParaRPr lang="uk-UA" sz="2000" dirty="0">
+              <a:latin typeface="Times New Roman" panose="02020603050405020304" pitchFamily="18" charset="0"/>
+              <a:cs typeface="Times New Roman" panose="02020603050405020304" pitchFamily="18" charset="0"/>
+            </a:endParaRPr>
           </a:p>
         </p:txBody>
       </p:sp>
@@ -3571,7 +3566,7 @@
         <p:spPr>
           <a:xfrm>
             <a:off x="4628561" y="4787298"/>
-            <a:ext cx="7147088" cy="1323439"/>
+            <a:ext cx="7147088" cy="1015663"/>
           </a:xfrm>
           <a:prstGeom prst="rect">
             <a:avLst/>
@@ -3586,305 +3581,248 @@
           <a:p>
             <a:r>
               <a:rPr lang="ru-RU" sz="2000" b="0" i="0" dirty="0">
-                <a:solidFill>
-                  <a:srgbClr val="172B53"/>
-                </a:solidFill>
-                <a:effectLst/>
-                <a:latin typeface="Arial" panose="020B0604020202020204" pitchFamily="34" charset="0"/>
+                <a:effectLst/>
+                <a:latin typeface="Times New Roman" panose="02020603050405020304" pitchFamily="18" charset="0"/>
+                <a:cs typeface="Times New Roman" panose="02020603050405020304" pitchFamily="18" charset="0"/>
               </a:rPr>
               <a:t>У Java </a:t>
             </a:r>
             <a:r>
               <a:rPr lang="ru-RU" sz="2000" b="0" i="0" dirty="0" err="1">
-                <a:solidFill>
-                  <a:srgbClr val="172B53"/>
-                </a:solidFill>
-                <a:effectLst/>
-                <a:latin typeface="Arial" panose="020B0604020202020204" pitchFamily="34" charset="0"/>
+                <a:effectLst/>
+                <a:latin typeface="Times New Roman" panose="02020603050405020304" pitchFamily="18" charset="0"/>
+                <a:cs typeface="Times New Roman" panose="02020603050405020304" pitchFamily="18" charset="0"/>
               </a:rPr>
               <a:t>це</a:t>
             </a:r>
             <a:r>
               <a:rPr lang="ru-RU" sz="2000" b="0" i="0" dirty="0">
-                <a:solidFill>
-                  <a:srgbClr val="172B53"/>
-                </a:solidFill>
-                <a:effectLst/>
-                <a:latin typeface="Arial" panose="020B0604020202020204" pitchFamily="34" charset="0"/>
+                <a:effectLst/>
+                <a:latin typeface="Times New Roman" panose="02020603050405020304" pitchFamily="18" charset="0"/>
+                <a:cs typeface="Times New Roman" panose="02020603050405020304" pitchFamily="18" charset="0"/>
               </a:rPr>
               <a:t> </a:t>
             </a:r>
             <a:r>
               <a:rPr lang="ru-RU" sz="2000" b="0" i="0" dirty="0" err="1">
-                <a:solidFill>
-                  <a:srgbClr val="172B53"/>
-                </a:solidFill>
-                <a:effectLst/>
-                <a:latin typeface="Arial" panose="020B0604020202020204" pitchFamily="34" charset="0"/>
+                <a:effectLst/>
+                <a:latin typeface="Times New Roman" panose="02020603050405020304" pitchFamily="18" charset="0"/>
+                <a:cs typeface="Times New Roman" panose="02020603050405020304" pitchFamily="18" charset="0"/>
               </a:rPr>
               <a:t>реалізовано</a:t>
             </a:r>
             <a:r>
               <a:rPr lang="ru-RU" sz="2000" b="0" i="0" dirty="0">
-                <a:solidFill>
-                  <a:srgbClr val="172B53"/>
-                </a:solidFill>
-                <a:effectLst/>
-                <a:latin typeface="Arial" panose="020B0604020202020204" pitchFamily="34" charset="0"/>
+                <a:effectLst/>
+                <a:latin typeface="Times New Roman" panose="02020603050405020304" pitchFamily="18" charset="0"/>
+                <a:cs typeface="Times New Roman" panose="02020603050405020304" pitchFamily="18" charset="0"/>
               </a:rPr>
               <a:t> за </a:t>
             </a:r>
             <a:r>
               <a:rPr lang="ru-RU" sz="2000" b="0" i="0" dirty="0" err="1">
-                <a:solidFill>
-                  <a:srgbClr val="172B53"/>
-                </a:solidFill>
-                <a:effectLst/>
-                <a:latin typeface="Arial" panose="020B0604020202020204" pitchFamily="34" charset="0"/>
+                <a:effectLst/>
+                <a:latin typeface="Times New Roman" panose="02020603050405020304" pitchFamily="18" charset="0"/>
+                <a:cs typeface="Times New Roman" panose="02020603050405020304" pitchFamily="18" charset="0"/>
               </a:rPr>
               <a:t>допомогою</a:t>
             </a:r>
             <a:r>
               <a:rPr lang="ru-RU" sz="2000" b="0" i="0" dirty="0">
-                <a:solidFill>
-                  <a:srgbClr val="172B53"/>
-                </a:solidFill>
-                <a:effectLst/>
-                <a:latin typeface="Arial" panose="020B0604020202020204" pitchFamily="34" charset="0"/>
+                <a:effectLst/>
+                <a:latin typeface="Times New Roman" panose="02020603050405020304" pitchFamily="18" charset="0"/>
+                <a:cs typeface="Times New Roman" panose="02020603050405020304" pitchFamily="18" charset="0"/>
               </a:rPr>
               <a:t> </a:t>
             </a:r>
             <a:r>
               <a:rPr lang="ru-RU" sz="2000" b="0" i="1" dirty="0" err="1">
-                <a:solidFill>
-                  <a:srgbClr val="000000"/>
-                </a:solidFill>
-                <a:effectLst/>
-                <a:latin typeface="Arial" panose="020B0604020202020204" pitchFamily="34" charset="0"/>
+                <a:effectLst/>
+                <a:latin typeface="Times New Roman" panose="02020603050405020304" pitchFamily="18" charset="0"/>
+                <a:cs typeface="Times New Roman" panose="02020603050405020304" pitchFamily="18" charset="0"/>
               </a:rPr>
               <a:t>умовного</a:t>
             </a:r>
             <a:r>
               <a:rPr lang="ru-RU" sz="2000" b="0" i="1" dirty="0">
-                <a:solidFill>
-                  <a:srgbClr val="000000"/>
-                </a:solidFill>
-                <a:effectLst/>
-                <a:latin typeface="Arial" panose="020B0604020202020204" pitchFamily="34" charset="0"/>
+                <a:effectLst/>
+                <a:latin typeface="Times New Roman" panose="02020603050405020304" pitchFamily="18" charset="0"/>
+                <a:cs typeface="Times New Roman" panose="02020603050405020304" pitchFamily="18" charset="0"/>
               </a:rPr>
               <a:t> оператора</a:t>
             </a:r>
             <a:r>
               <a:rPr lang="ru-RU" sz="2000" b="0" i="0" dirty="0">
-                <a:solidFill>
-                  <a:srgbClr val="172B53"/>
-                </a:solidFill>
-                <a:effectLst/>
-                <a:latin typeface="Arial" panose="020B0604020202020204" pitchFamily="34" charset="0"/>
+                <a:effectLst/>
+                <a:latin typeface="Times New Roman" panose="02020603050405020304" pitchFamily="18" charset="0"/>
+                <a:cs typeface="Times New Roman" panose="02020603050405020304" pitchFamily="18" charset="0"/>
               </a:rPr>
               <a:t> — </a:t>
             </a:r>
             <a:r>
               <a:rPr lang="ru-RU" sz="2000" b="0" i="0" dirty="0" err="1">
-                <a:solidFill>
-                  <a:srgbClr val="172B53"/>
-                </a:solidFill>
-                <a:effectLst/>
-                <a:latin typeface="Arial" panose="020B0604020202020204" pitchFamily="34" charset="0"/>
+                <a:effectLst/>
+                <a:latin typeface="Times New Roman" panose="02020603050405020304" pitchFamily="18" charset="0"/>
+                <a:cs typeface="Times New Roman" panose="02020603050405020304" pitchFamily="18" charset="0"/>
               </a:rPr>
               <a:t>спеціального</a:t>
             </a:r>
             <a:r>
               <a:rPr lang="ru-RU" sz="2000" b="0" i="0" dirty="0">
-                <a:solidFill>
-                  <a:srgbClr val="172B53"/>
-                </a:solidFill>
-                <a:effectLst/>
-                <a:latin typeface="Arial" panose="020B0604020202020204" pitchFamily="34" charset="0"/>
+                <a:effectLst/>
+                <a:latin typeface="Times New Roman" panose="02020603050405020304" pitchFamily="18" charset="0"/>
+                <a:cs typeface="Times New Roman" panose="02020603050405020304" pitchFamily="18" charset="0"/>
               </a:rPr>
               <a:t> </a:t>
             </a:r>
             <a:r>
               <a:rPr lang="ru-RU" sz="2000" b="0" i="0" dirty="0" err="1">
-                <a:solidFill>
-                  <a:srgbClr val="172B53"/>
-                </a:solidFill>
-                <a:effectLst/>
-                <a:latin typeface="Arial" panose="020B0604020202020204" pitchFamily="34" charset="0"/>
+                <a:effectLst/>
+                <a:latin typeface="Times New Roman" panose="02020603050405020304" pitchFamily="18" charset="0"/>
+                <a:cs typeface="Times New Roman" panose="02020603050405020304" pitchFamily="18" charset="0"/>
               </a:rPr>
               <a:t>ключового</a:t>
             </a:r>
             <a:r>
               <a:rPr lang="ru-RU" sz="2000" b="0" i="0" dirty="0">
-                <a:solidFill>
-                  <a:srgbClr val="172B53"/>
-                </a:solidFill>
-                <a:effectLst/>
-                <a:latin typeface="Arial" panose="020B0604020202020204" pitchFamily="34" charset="0"/>
+                <a:effectLst/>
+                <a:latin typeface="Times New Roman" panose="02020603050405020304" pitchFamily="18" charset="0"/>
+                <a:cs typeface="Times New Roman" panose="02020603050405020304" pitchFamily="18" charset="0"/>
               </a:rPr>
               <a:t> слова, яке </a:t>
             </a:r>
             <a:r>
               <a:rPr lang="ru-RU" sz="2000" b="0" i="0" dirty="0" err="1">
-                <a:solidFill>
-                  <a:srgbClr val="172B53"/>
-                </a:solidFill>
-                <a:effectLst/>
-                <a:latin typeface="Arial" panose="020B0604020202020204" pitchFamily="34" charset="0"/>
+                <a:effectLst/>
+                <a:latin typeface="Times New Roman" panose="02020603050405020304" pitchFamily="18" charset="0"/>
+                <a:cs typeface="Times New Roman" panose="02020603050405020304" pitchFamily="18" charset="0"/>
               </a:rPr>
               <a:t>дає</a:t>
             </a:r>
             <a:r>
               <a:rPr lang="ru-RU" sz="2000" b="0" i="0" dirty="0">
-                <a:solidFill>
-                  <a:srgbClr val="172B53"/>
-                </a:solidFill>
-                <a:effectLst/>
-                <a:latin typeface="Arial" panose="020B0604020202020204" pitchFamily="34" charset="0"/>
+                <a:effectLst/>
+                <a:latin typeface="Times New Roman" panose="02020603050405020304" pitchFamily="18" charset="0"/>
+                <a:cs typeface="Times New Roman" panose="02020603050405020304" pitchFamily="18" charset="0"/>
               </a:rPr>
               <a:t> </a:t>
             </a:r>
             <a:r>
               <a:rPr lang="ru-RU" sz="2000" b="0" i="0" dirty="0" err="1">
-                <a:solidFill>
-                  <a:srgbClr val="172B53"/>
-                </a:solidFill>
-                <a:effectLst/>
-                <a:latin typeface="Arial" panose="020B0604020202020204" pitchFamily="34" charset="0"/>
+                <a:effectLst/>
+                <a:latin typeface="Times New Roman" panose="02020603050405020304" pitchFamily="18" charset="0"/>
+                <a:cs typeface="Times New Roman" panose="02020603050405020304" pitchFamily="18" charset="0"/>
               </a:rPr>
               <a:t>змогу</a:t>
             </a:r>
             <a:r>
               <a:rPr lang="ru-RU" sz="2000" b="0" i="0" dirty="0">
-                <a:solidFill>
-                  <a:srgbClr val="172B53"/>
-                </a:solidFill>
-                <a:effectLst/>
-                <a:latin typeface="Arial" panose="020B0604020202020204" pitchFamily="34" charset="0"/>
+                <a:effectLst/>
+                <a:latin typeface="Times New Roman" panose="02020603050405020304" pitchFamily="18" charset="0"/>
+                <a:cs typeface="Times New Roman" panose="02020603050405020304" pitchFamily="18" charset="0"/>
               </a:rPr>
               <a:t> </a:t>
             </a:r>
             <a:r>
               <a:rPr lang="ru-RU" sz="2000" b="0" i="0" dirty="0" err="1">
-                <a:solidFill>
-                  <a:srgbClr val="172B53"/>
-                </a:solidFill>
-                <a:effectLst/>
-                <a:latin typeface="Arial" panose="020B0604020202020204" pitchFamily="34" charset="0"/>
+                <a:effectLst/>
+                <a:latin typeface="Times New Roman" panose="02020603050405020304" pitchFamily="18" charset="0"/>
+                <a:cs typeface="Times New Roman" panose="02020603050405020304" pitchFamily="18" charset="0"/>
               </a:rPr>
               <a:t>виконувати</a:t>
             </a:r>
             <a:r>
               <a:rPr lang="ru-RU" sz="2000" b="0" i="0" dirty="0">
-                <a:solidFill>
-                  <a:srgbClr val="172B53"/>
-                </a:solidFill>
-                <a:effectLst/>
-                <a:latin typeface="Arial" panose="020B0604020202020204" pitchFamily="34" charset="0"/>
+                <a:effectLst/>
+                <a:latin typeface="Times New Roman" panose="02020603050405020304" pitchFamily="18" charset="0"/>
+                <a:cs typeface="Times New Roman" panose="02020603050405020304" pitchFamily="18" charset="0"/>
               </a:rPr>
               <a:t> </a:t>
             </a:r>
             <a:r>
               <a:rPr lang="ru-RU" sz="2000" b="0" i="0" dirty="0" err="1">
-                <a:solidFill>
-                  <a:srgbClr val="172B53"/>
-                </a:solidFill>
-                <a:effectLst/>
-                <a:latin typeface="Arial" panose="020B0604020202020204" pitchFamily="34" charset="0"/>
+                <a:effectLst/>
+                <a:latin typeface="Times New Roman" panose="02020603050405020304" pitchFamily="18" charset="0"/>
+                <a:cs typeface="Times New Roman" panose="02020603050405020304" pitchFamily="18" charset="0"/>
               </a:rPr>
               <a:t>різні</a:t>
             </a:r>
             <a:r>
               <a:rPr lang="ru-RU" sz="2000" b="0" i="0" dirty="0">
-                <a:solidFill>
-                  <a:srgbClr val="172B53"/>
-                </a:solidFill>
-                <a:effectLst/>
-                <a:latin typeface="Arial" panose="020B0604020202020204" pitchFamily="34" charset="0"/>
+                <a:effectLst/>
+                <a:latin typeface="Times New Roman" panose="02020603050405020304" pitchFamily="18" charset="0"/>
+                <a:cs typeface="Times New Roman" panose="02020603050405020304" pitchFamily="18" charset="0"/>
               </a:rPr>
               <a:t> блоки команд </a:t>
             </a:r>
             <a:r>
               <a:rPr lang="ru-RU" sz="2000" b="0" i="0" dirty="0" err="1">
-                <a:solidFill>
-                  <a:srgbClr val="172B53"/>
-                </a:solidFill>
-                <a:effectLst/>
-                <a:latin typeface="Arial" panose="020B0604020202020204" pitchFamily="34" charset="0"/>
+                <a:effectLst/>
+                <a:latin typeface="Times New Roman" panose="02020603050405020304" pitchFamily="18" charset="0"/>
+                <a:cs typeface="Times New Roman" panose="02020603050405020304" pitchFamily="18" charset="0"/>
               </a:rPr>
               <a:t>залежно</a:t>
             </a:r>
             <a:r>
               <a:rPr lang="ru-RU" sz="2000" b="0" i="0" dirty="0">
-                <a:solidFill>
-                  <a:srgbClr val="172B53"/>
-                </a:solidFill>
-                <a:effectLst/>
-                <a:latin typeface="Arial" panose="020B0604020202020204" pitchFamily="34" charset="0"/>
+                <a:effectLst/>
+                <a:latin typeface="Times New Roman" panose="02020603050405020304" pitchFamily="18" charset="0"/>
+                <a:cs typeface="Times New Roman" panose="02020603050405020304" pitchFamily="18" charset="0"/>
               </a:rPr>
               <a:t> </a:t>
             </a:r>
             <a:r>
               <a:rPr lang="ru-RU" sz="2000" b="0" i="0" dirty="0" err="1">
-                <a:solidFill>
-                  <a:srgbClr val="172B53"/>
-                </a:solidFill>
-                <a:effectLst/>
-                <a:latin typeface="Arial" panose="020B0604020202020204" pitchFamily="34" charset="0"/>
+                <a:effectLst/>
+                <a:latin typeface="Times New Roman" panose="02020603050405020304" pitchFamily="18" charset="0"/>
+                <a:cs typeface="Times New Roman" panose="02020603050405020304" pitchFamily="18" charset="0"/>
               </a:rPr>
               <a:t>від</a:t>
             </a:r>
             <a:r>
               <a:rPr lang="ru-RU" sz="2000" b="0" i="0" dirty="0">
-                <a:solidFill>
-                  <a:srgbClr val="172B53"/>
-                </a:solidFill>
-                <a:effectLst/>
-                <a:latin typeface="Arial" panose="020B0604020202020204" pitchFamily="34" charset="0"/>
+                <a:effectLst/>
+                <a:latin typeface="Times New Roman" panose="02020603050405020304" pitchFamily="18" charset="0"/>
+                <a:cs typeface="Times New Roman" panose="02020603050405020304" pitchFamily="18" charset="0"/>
               </a:rPr>
               <a:t> </a:t>
             </a:r>
             <a:r>
               <a:rPr lang="ru-RU" sz="2000" b="0" i="0" dirty="0" err="1">
-                <a:solidFill>
-                  <a:srgbClr val="172B53"/>
-                </a:solidFill>
-                <a:effectLst/>
-                <a:latin typeface="Arial" panose="020B0604020202020204" pitchFamily="34" charset="0"/>
+                <a:effectLst/>
+                <a:latin typeface="Times New Roman" panose="02020603050405020304" pitchFamily="18" charset="0"/>
+                <a:cs typeface="Times New Roman" panose="02020603050405020304" pitchFamily="18" charset="0"/>
               </a:rPr>
               <a:t>правдивості</a:t>
             </a:r>
             <a:r>
               <a:rPr lang="ru-RU" sz="2000" b="0" i="0" dirty="0">
-                <a:solidFill>
-                  <a:srgbClr val="172B53"/>
-                </a:solidFill>
-                <a:effectLst/>
-                <a:latin typeface="Arial" panose="020B0604020202020204" pitchFamily="34" charset="0"/>
+                <a:effectLst/>
+                <a:latin typeface="Times New Roman" panose="02020603050405020304" pitchFamily="18" charset="0"/>
+                <a:cs typeface="Times New Roman" panose="02020603050405020304" pitchFamily="18" charset="0"/>
               </a:rPr>
               <a:t> </a:t>
             </a:r>
             <a:r>
               <a:rPr lang="ru-RU" sz="2000" b="0" i="0" dirty="0" err="1">
-                <a:solidFill>
-                  <a:srgbClr val="172B53"/>
-                </a:solidFill>
-                <a:effectLst/>
-                <a:latin typeface="Arial" panose="020B0604020202020204" pitchFamily="34" charset="0"/>
+                <a:effectLst/>
+                <a:latin typeface="Times New Roman" panose="02020603050405020304" pitchFamily="18" charset="0"/>
+                <a:cs typeface="Times New Roman" panose="02020603050405020304" pitchFamily="18" charset="0"/>
               </a:rPr>
               <a:t>умови</a:t>
             </a:r>
             <a:r>
               <a:rPr lang="ru-RU" sz="2000" b="0" i="0" dirty="0">
-                <a:solidFill>
-                  <a:srgbClr val="172B53"/>
-                </a:solidFill>
-                <a:effectLst/>
-                <a:latin typeface="Arial" panose="020B0604020202020204" pitchFamily="34" charset="0"/>
+                <a:effectLst/>
+                <a:latin typeface="Times New Roman" panose="02020603050405020304" pitchFamily="18" charset="0"/>
+                <a:cs typeface="Times New Roman" panose="02020603050405020304" pitchFamily="18" charset="0"/>
               </a:rPr>
               <a:t>.</a:t>
             </a:r>
-            <a:endParaRPr lang="uk-UA" sz="2000" dirty="0"/>
+            <a:endParaRPr lang="uk-UA" sz="2000" dirty="0">
+              <a:latin typeface="Times New Roman" panose="02020603050405020304" pitchFamily="18" charset="0"/>
+              <a:cs typeface="Times New Roman" panose="02020603050405020304" pitchFamily="18" charset="0"/>
+            </a:endParaRPr>
           </a:p>
         </p:txBody>
       </p:sp>
@@ -4008,465 +3946,376 @@
           <a:p>
             <a:r>
               <a:rPr lang="ru-RU" b="0" i="0" dirty="0" err="1">
-                <a:solidFill>
-                  <a:srgbClr val="172B53"/>
-                </a:solidFill>
-                <a:effectLst/>
-                <a:latin typeface="Arial" panose="020B0604020202020204" pitchFamily="34" charset="0"/>
+                <a:effectLst/>
+                <a:latin typeface="Times New Roman" panose="02020603050405020304" pitchFamily="18" charset="0"/>
+                <a:cs typeface="Times New Roman" panose="02020603050405020304" pitchFamily="18" charset="0"/>
               </a:rPr>
               <a:t>Умовний</a:t>
             </a:r>
             <a:r>
               <a:rPr lang="ru-RU" b="0" i="0" dirty="0">
-                <a:solidFill>
-                  <a:srgbClr val="172B53"/>
-                </a:solidFill>
-                <a:effectLst/>
-                <a:latin typeface="Arial" panose="020B0604020202020204" pitchFamily="34" charset="0"/>
+                <a:effectLst/>
+                <a:latin typeface="Times New Roman" panose="02020603050405020304" pitchFamily="18" charset="0"/>
+                <a:cs typeface="Times New Roman" panose="02020603050405020304" pitchFamily="18" charset="0"/>
               </a:rPr>
               <a:t> оператор </a:t>
             </a:r>
             <a:r>
               <a:rPr lang="ru-RU" b="0" i="0" dirty="0" err="1">
-                <a:solidFill>
-                  <a:srgbClr val="172B53"/>
-                </a:solidFill>
-                <a:effectLst/>
-                <a:latin typeface="Arial" panose="020B0604020202020204" pitchFamily="34" charset="0"/>
+                <a:effectLst/>
+                <a:latin typeface="Times New Roman" panose="02020603050405020304" pitchFamily="18" charset="0"/>
+                <a:cs typeface="Times New Roman" panose="02020603050405020304" pitchFamily="18" charset="0"/>
               </a:rPr>
               <a:t>складається</a:t>
             </a:r>
             <a:r>
               <a:rPr lang="ru-RU" b="0" i="0" dirty="0">
-                <a:solidFill>
-                  <a:srgbClr val="172B53"/>
-                </a:solidFill>
-                <a:effectLst/>
-                <a:latin typeface="Arial" panose="020B0604020202020204" pitchFamily="34" charset="0"/>
+                <a:effectLst/>
+                <a:latin typeface="Times New Roman" panose="02020603050405020304" pitchFamily="18" charset="0"/>
+                <a:cs typeface="Times New Roman" panose="02020603050405020304" pitchFamily="18" charset="0"/>
               </a:rPr>
               <a:t> з </a:t>
             </a:r>
             <a:r>
               <a:rPr lang="ru-RU" b="0" i="0" dirty="0" err="1">
-                <a:solidFill>
-                  <a:srgbClr val="172B53"/>
-                </a:solidFill>
-                <a:effectLst/>
-                <a:latin typeface="Arial" panose="020B0604020202020204" pitchFamily="34" charset="0"/>
+                <a:effectLst/>
+                <a:latin typeface="Times New Roman" panose="02020603050405020304" pitchFamily="18" charset="0"/>
+                <a:cs typeface="Times New Roman" panose="02020603050405020304" pitchFamily="18" charset="0"/>
               </a:rPr>
               <a:t>трьох</a:t>
             </a:r>
             <a:r>
               <a:rPr lang="ru-RU" b="0" i="0" dirty="0">
-                <a:solidFill>
-                  <a:srgbClr val="172B53"/>
-                </a:solidFill>
-                <a:effectLst/>
-                <a:latin typeface="Arial" panose="020B0604020202020204" pitchFamily="34" charset="0"/>
+                <a:effectLst/>
+                <a:latin typeface="Times New Roman" panose="02020603050405020304" pitchFamily="18" charset="0"/>
+                <a:cs typeface="Times New Roman" panose="02020603050405020304" pitchFamily="18" charset="0"/>
               </a:rPr>
               <a:t> </a:t>
             </a:r>
             <a:r>
               <a:rPr lang="ru-RU" b="0" i="0" dirty="0" err="1">
-                <a:solidFill>
-                  <a:srgbClr val="172B53"/>
-                </a:solidFill>
-                <a:effectLst/>
-                <a:latin typeface="Arial" panose="020B0604020202020204" pitchFamily="34" charset="0"/>
+                <a:effectLst/>
+                <a:latin typeface="Times New Roman" panose="02020603050405020304" pitchFamily="18" charset="0"/>
+                <a:cs typeface="Times New Roman" panose="02020603050405020304" pitchFamily="18" charset="0"/>
               </a:rPr>
               <a:t>частин</a:t>
             </a:r>
             <a:r>
               <a:rPr lang="ru-RU" b="0" i="0" dirty="0">
-                <a:solidFill>
-                  <a:srgbClr val="172B53"/>
-                </a:solidFill>
-                <a:effectLst/>
-                <a:latin typeface="Arial" panose="020B0604020202020204" pitchFamily="34" charset="0"/>
+                <a:effectLst/>
+                <a:latin typeface="Times New Roman" panose="02020603050405020304" pitchFamily="18" charset="0"/>
+                <a:cs typeface="Times New Roman" panose="02020603050405020304" pitchFamily="18" charset="0"/>
               </a:rPr>
               <a:t>: </a:t>
             </a:r>
             <a:r>
               <a:rPr lang="ru-RU" b="0" i="1" dirty="0" err="1">
-                <a:solidFill>
-                  <a:srgbClr val="000000"/>
-                </a:solidFill>
-                <a:effectLst/>
-                <a:latin typeface="Arial" panose="020B0604020202020204" pitchFamily="34" charset="0"/>
+                <a:effectLst/>
+                <a:latin typeface="Times New Roman" panose="02020603050405020304" pitchFamily="18" charset="0"/>
+                <a:cs typeface="Times New Roman" panose="02020603050405020304" pitchFamily="18" charset="0"/>
               </a:rPr>
               <a:t>умови</a:t>
             </a:r>
             <a:r>
               <a:rPr lang="ru-RU" b="0" i="0" dirty="0">
-                <a:solidFill>
-                  <a:srgbClr val="172B53"/>
-                </a:solidFill>
-                <a:effectLst/>
-                <a:latin typeface="Arial" panose="020B0604020202020204" pitchFamily="34" charset="0"/>
+                <a:effectLst/>
+                <a:latin typeface="Times New Roman" panose="02020603050405020304" pitchFamily="18" charset="0"/>
+                <a:cs typeface="Times New Roman" panose="02020603050405020304" pitchFamily="18" charset="0"/>
               </a:rPr>
               <a:t>, </a:t>
             </a:r>
             <a:r>
               <a:rPr lang="ru-RU" b="0" i="1" dirty="0" err="1">
-                <a:solidFill>
-                  <a:srgbClr val="000000"/>
-                </a:solidFill>
-                <a:effectLst/>
-                <a:latin typeface="Arial" panose="020B0604020202020204" pitchFamily="34" charset="0"/>
+                <a:effectLst/>
+                <a:latin typeface="Times New Roman" panose="02020603050405020304" pitchFamily="18" charset="0"/>
+                <a:cs typeface="Times New Roman" panose="02020603050405020304" pitchFamily="18" charset="0"/>
               </a:rPr>
               <a:t>команди</a:t>
             </a:r>
             <a:r>
               <a:rPr lang="ru-RU" b="0" i="1" dirty="0">
-                <a:solidFill>
-                  <a:srgbClr val="000000"/>
-                </a:solidFill>
-                <a:effectLst/>
-                <a:latin typeface="Arial" panose="020B0604020202020204" pitchFamily="34" charset="0"/>
+                <a:effectLst/>
+                <a:latin typeface="Times New Roman" panose="02020603050405020304" pitchFamily="18" charset="0"/>
+                <a:cs typeface="Times New Roman" panose="02020603050405020304" pitchFamily="18" charset="0"/>
               </a:rPr>
               <a:t> 1</a:t>
             </a:r>
             <a:r>
               <a:rPr lang="ru-RU" b="0" i="0" dirty="0">
-                <a:solidFill>
-                  <a:srgbClr val="172B53"/>
-                </a:solidFill>
-                <a:effectLst/>
-                <a:latin typeface="Arial" panose="020B0604020202020204" pitchFamily="34" charset="0"/>
+                <a:effectLst/>
+                <a:latin typeface="Times New Roman" panose="02020603050405020304" pitchFamily="18" charset="0"/>
+                <a:cs typeface="Times New Roman" panose="02020603050405020304" pitchFamily="18" charset="0"/>
               </a:rPr>
               <a:t> і </a:t>
             </a:r>
             <a:r>
               <a:rPr lang="ru-RU" b="0" i="1" dirty="0" err="1">
-                <a:solidFill>
-                  <a:srgbClr val="000000"/>
-                </a:solidFill>
-                <a:effectLst/>
-                <a:latin typeface="Arial" panose="020B0604020202020204" pitchFamily="34" charset="0"/>
+                <a:effectLst/>
+                <a:latin typeface="Times New Roman" panose="02020603050405020304" pitchFamily="18" charset="0"/>
+                <a:cs typeface="Times New Roman" panose="02020603050405020304" pitchFamily="18" charset="0"/>
               </a:rPr>
               <a:t>команди</a:t>
             </a:r>
             <a:r>
               <a:rPr lang="ru-RU" b="0" i="1" dirty="0">
-                <a:solidFill>
-                  <a:srgbClr val="000000"/>
-                </a:solidFill>
-                <a:effectLst/>
-                <a:latin typeface="Arial" panose="020B0604020202020204" pitchFamily="34" charset="0"/>
+                <a:effectLst/>
+                <a:latin typeface="Times New Roman" panose="02020603050405020304" pitchFamily="18" charset="0"/>
+                <a:cs typeface="Times New Roman" panose="02020603050405020304" pitchFamily="18" charset="0"/>
               </a:rPr>
               <a:t> 2</a:t>
             </a:r>
             <a:r>
               <a:rPr lang="ru-RU" b="0" i="0" dirty="0">
-                <a:solidFill>
-                  <a:srgbClr val="172B53"/>
-                </a:solidFill>
-                <a:effectLst/>
-                <a:latin typeface="Arial" panose="020B0604020202020204" pitchFamily="34" charset="0"/>
+                <a:effectLst/>
+                <a:latin typeface="Times New Roman" panose="02020603050405020304" pitchFamily="18" charset="0"/>
+                <a:cs typeface="Times New Roman" panose="02020603050405020304" pitchFamily="18" charset="0"/>
               </a:rPr>
               <a:t>. </a:t>
             </a:r>
             <a:r>
               <a:rPr lang="ru-RU" b="0" i="0" dirty="0" err="1">
-                <a:solidFill>
-                  <a:srgbClr val="172B53"/>
-                </a:solidFill>
-                <a:effectLst/>
-                <a:latin typeface="Arial" panose="020B0604020202020204" pitchFamily="34" charset="0"/>
+                <a:effectLst/>
+                <a:latin typeface="Times New Roman" panose="02020603050405020304" pitchFamily="18" charset="0"/>
+                <a:cs typeface="Times New Roman" panose="02020603050405020304" pitchFamily="18" charset="0"/>
               </a:rPr>
               <a:t>Якщо</a:t>
             </a:r>
             <a:r>
               <a:rPr lang="ru-RU" b="0" i="0" dirty="0">
-                <a:solidFill>
-                  <a:srgbClr val="172B53"/>
-                </a:solidFill>
-                <a:effectLst/>
-                <a:latin typeface="Arial" panose="020B0604020202020204" pitchFamily="34" charset="0"/>
+                <a:effectLst/>
+                <a:latin typeface="Times New Roman" panose="02020603050405020304" pitchFamily="18" charset="0"/>
+                <a:cs typeface="Times New Roman" panose="02020603050405020304" pitchFamily="18" charset="0"/>
               </a:rPr>
               <a:t> </a:t>
             </a:r>
             <a:r>
               <a:rPr lang="ru-RU" b="0" i="1" dirty="0" err="1">
-                <a:solidFill>
-                  <a:srgbClr val="000000"/>
-                </a:solidFill>
-                <a:effectLst/>
-                <a:latin typeface="Arial" panose="020B0604020202020204" pitchFamily="34" charset="0"/>
+                <a:effectLst/>
+                <a:latin typeface="Times New Roman" panose="02020603050405020304" pitchFamily="18" charset="0"/>
+                <a:cs typeface="Times New Roman" panose="02020603050405020304" pitchFamily="18" charset="0"/>
               </a:rPr>
               <a:t>умова</a:t>
             </a:r>
             <a:r>
               <a:rPr lang="ru-RU" b="0" i="0" dirty="0">
-                <a:solidFill>
-                  <a:srgbClr val="172B53"/>
-                </a:solidFill>
-                <a:effectLst/>
-                <a:latin typeface="Arial" panose="020B0604020202020204" pitchFamily="34" charset="0"/>
+                <a:effectLst/>
+                <a:latin typeface="Times New Roman" panose="02020603050405020304" pitchFamily="18" charset="0"/>
+                <a:cs typeface="Times New Roman" panose="02020603050405020304" pitchFamily="18" charset="0"/>
               </a:rPr>
               <a:t> правдива (</a:t>
             </a:r>
             <a:r>
               <a:rPr lang="ru-RU" b="0" i="0" dirty="0" err="1">
-                <a:solidFill>
-                  <a:srgbClr val="172B53"/>
-                </a:solidFill>
-                <a:effectLst/>
-                <a:latin typeface="Arial" panose="020B0604020202020204" pitchFamily="34" charset="0"/>
+                <a:effectLst/>
+                <a:latin typeface="Times New Roman" panose="02020603050405020304" pitchFamily="18" charset="0"/>
+                <a:cs typeface="Times New Roman" panose="02020603050405020304" pitchFamily="18" charset="0"/>
               </a:rPr>
               <a:t>істинна</a:t>
             </a:r>
             <a:r>
               <a:rPr lang="ru-RU" b="0" i="0" dirty="0">
-                <a:solidFill>
-                  <a:srgbClr val="172B53"/>
-                </a:solidFill>
-                <a:effectLst/>
-                <a:latin typeface="Arial" panose="020B0604020202020204" pitchFamily="34" charset="0"/>
+                <a:effectLst/>
+                <a:latin typeface="Times New Roman" panose="02020603050405020304" pitchFamily="18" charset="0"/>
+                <a:cs typeface="Times New Roman" panose="02020603050405020304" pitchFamily="18" charset="0"/>
               </a:rPr>
               <a:t>), </a:t>
             </a:r>
             <a:r>
               <a:rPr lang="ru-RU" b="0" i="0" dirty="0" err="1">
-                <a:solidFill>
-                  <a:srgbClr val="172B53"/>
-                </a:solidFill>
-                <a:effectLst/>
-                <a:latin typeface="Arial" panose="020B0604020202020204" pitchFamily="34" charset="0"/>
+                <a:effectLst/>
+                <a:latin typeface="Times New Roman" panose="02020603050405020304" pitchFamily="18" charset="0"/>
+                <a:cs typeface="Times New Roman" panose="02020603050405020304" pitchFamily="18" charset="0"/>
               </a:rPr>
               <a:t>виконується</a:t>
             </a:r>
             <a:r>
               <a:rPr lang="ru-RU" b="0" i="0" dirty="0">
-                <a:solidFill>
-                  <a:srgbClr val="172B53"/>
-                </a:solidFill>
-                <a:effectLst/>
-                <a:latin typeface="Arial" panose="020B0604020202020204" pitchFamily="34" charset="0"/>
+                <a:effectLst/>
+                <a:latin typeface="Times New Roman" panose="02020603050405020304" pitchFamily="18" charset="0"/>
+                <a:cs typeface="Times New Roman" panose="02020603050405020304" pitchFamily="18" charset="0"/>
               </a:rPr>
               <a:t> </a:t>
             </a:r>
             <a:r>
               <a:rPr lang="ru-RU" b="0" i="1" dirty="0">
-                <a:solidFill>
-                  <a:srgbClr val="000000"/>
-                </a:solidFill>
-                <a:effectLst/>
-                <a:latin typeface="Arial" panose="020B0604020202020204" pitchFamily="34" charset="0"/>
+                <a:effectLst/>
+                <a:latin typeface="Times New Roman" panose="02020603050405020304" pitchFamily="18" charset="0"/>
+                <a:cs typeface="Times New Roman" panose="02020603050405020304" pitchFamily="18" charset="0"/>
               </a:rPr>
               <a:t>команда 1</a:t>
             </a:r>
             <a:r>
               <a:rPr lang="ru-RU" b="0" i="0" dirty="0">
-                <a:solidFill>
-                  <a:srgbClr val="172B53"/>
-                </a:solidFill>
-                <a:effectLst/>
-                <a:latin typeface="Arial" panose="020B0604020202020204" pitchFamily="34" charset="0"/>
+                <a:effectLst/>
+                <a:latin typeface="Times New Roman" panose="02020603050405020304" pitchFamily="18" charset="0"/>
+                <a:cs typeface="Times New Roman" panose="02020603050405020304" pitchFamily="18" charset="0"/>
               </a:rPr>
               <a:t>, </a:t>
             </a:r>
             <a:r>
               <a:rPr lang="ru-RU" b="0" i="0" dirty="0" err="1">
-                <a:solidFill>
-                  <a:srgbClr val="172B53"/>
-                </a:solidFill>
-                <a:effectLst/>
-                <a:latin typeface="Arial" panose="020B0604020202020204" pitchFamily="34" charset="0"/>
+                <a:effectLst/>
+                <a:latin typeface="Times New Roman" panose="02020603050405020304" pitchFamily="18" charset="0"/>
+                <a:cs typeface="Times New Roman" panose="02020603050405020304" pitchFamily="18" charset="0"/>
               </a:rPr>
               <a:t>інакше</a:t>
             </a:r>
             <a:r>
               <a:rPr lang="ru-RU" b="0" i="0" dirty="0">
-                <a:solidFill>
-                  <a:srgbClr val="172B53"/>
-                </a:solidFill>
-                <a:effectLst/>
-                <a:latin typeface="Arial" panose="020B0604020202020204" pitchFamily="34" charset="0"/>
+                <a:effectLst/>
+                <a:latin typeface="Times New Roman" panose="02020603050405020304" pitchFamily="18" charset="0"/>
+                <a:cs typeface="Times New Roman" panose="02020603050405020304" pitchFamily="18" charset="0"/>
               </a:rPr>
               <a:t> — </a:t>
             </a:r>
             <a:r>
               <a:rPr lang="ru-RU" b="0" i="1" dirty="0">
-                <a:solidFill>
-                  <a:srgbClr val="000000"/>
-                </a:solidFill>
-                <a:effectLst/>
-                <a:latin typeface="Arial" panose="020B0604020202020204" pitchFamily="34" charset="0"/>
+                <a:effectLst/>
+                <a:latin typeface="Times New Roman" panose="02020603050405020304" pitchFamily="18" charset="0"/>
+                <a:cs typeface="Times New Roman" panose="02020603050405020304" pitchFamily="18" charset="0"/>
               </a:rPr>
               <a:t>команда 2</a:t>
             </a:r>
             <a:r>
               <a:rPr lang="ru-RU" b="0" i="0" dirty="0">
-                <a:solidFill>
-                  <a:srgbClr val="172B53"/>
-                </a:solidFill>
-                <a:effectLst/>
-                <a:latin typeface="Arial" panose="020B0604020202020204" pitchFamily="34" charset="0"/>
+                <a:effectLst/>
+                <a:latin typeface="Times New Roman" panose="02020603050405020304" pitchFamily="18" charset="0"/>
+                <a:cs typeface="Times New Roman" panose="02020603050405020304" pitchFamily="18" charset="0"/>
               </a:rPr>
               <a:t>. </a:t>
             </a:r>
             <a:r>
               <a:rPr lang="ru-RU" b="0" i="0" dirty="0" err="1">
-                <a:solidFill>
-                  <a:srgbClr val="172B53"/>
-                </a:solidFill>
-                <a:effectLst/>
-                <a:latin typeface="Arial" panose="020B0604020202020204" pitchFamily="34" charset="0"/>
+                <a:effectLst/>
+                <a:latin typeface="Times New Roman" panose="02020603050405020304" pitchFamily="18" charset="0"/>
+                <a:cs typeface="Times New Roman" panose="02020603050405020304" pitchFamily="18" charset="0"/>
               </a:rPr>
               <a:t>Команди</a:t>
             </a:r>
             <a:r>
               <a:rPr lang="ru-RU" b="0" i="0" dirty="0">
-                <a:solidFill>
-                  <a:srgbClr val="172B53"/>
-                </a:solidFill>
-                <a:effectLst/>
-                <a:latin typeface="Arial" panose="020B0604020202020204" pitchFamily="34" charset="0"/>
+                <a:effectLst/>
+                <a:latin typeface="Times New Roman" panose="02020603050405020304" pitchFamily="18" charset="0"/>
+                <a:cs typeface="Times New Roman" panose="02020603050405020304" pitchFamily="18" charset="0"/>
               </a:rPr>
               <a:t> </a:t>
             </a:r>
             <a:r>
               <a:rPr lang="ru-RU" b="0" i="0" dirty="0" err="1">
-                <a:solidFill>
-                  <a:srgbClr val="172B53"/>
-                </a:solidFill>
-                <a:effectLst/>
-                <a:latin typeface="Arial" panose="020B0604020202020204" pitchFamily="34" charset="0"/>
+                <a:effectLst/>
+                <a:latin typeface="Times New Roman" panose="02020603050405020304" pitchFamily="18" charset="0"/>
+                <a:cs typeface="Times New Roman" panose="02020603050405020304" pitchFamily="18" charset="0"/>
               </a:rPr>
               <a:t>ніколи</a:t>
             </a:r>
             <a:r>
               <a:rPr lang="ru-RU" b="0" i="0" dirty="0">
-                <a:solidFill>
-                  <a:srgbClr val="172B53"/>
-                </a:solidFill>
-                <a:effectLst/>
-                <a:latin typeface="Arial" panose="020B0604020202020204" pitchFamily="34" charset="0"/>
+                <a:effectLst/>
+                <a:latin typeface="Times New Roman" panose="02020603050405020304" pitchFamily="18" charset="0"/>
+                <a:cs typeface="Times New Roman" panose="02020603050405020304" pitchFamily="18" charset="0"/>
               </a:rPr>
               <a:t> не </a:t>
             </a:r>
             <a:r>
               <a:rPr lang="ru-RU" b="0" i="0" dirty="0" err="1">
-                <a:solidFill>
-                  <a:srgbClr val="172B53"/>
-                </a:solidFill>
-                <a:effectLst/>
-                <a:latin typeface="Arial" panose="020B0604020202020204" pitchFamily="34" charset="0"/>
+                <a:effectLst/>
+                <a:latin typeface="Times New Roman" panose="02020603050405020304" pitchFamily="18" charset="0"/>
+                <a:cs typeface="Times New Roman" panose="02020603050405020304" pitchFamily="18" charset="0"/>
               </a:rPr>
               <a:t>виконуються</a:t>
             </a:r>
             <a:r>
               <a:rPr lang="ru-RU" b="0" i="0" dirty="0">
-                <a:solidFill>
-                  <a:srgbClr val="172B53"/>
-                </a:solidFill>
-                <a:effectLst/>
-                <a:latin typeface="Arial" panose="020B0604020202020204" pitchFamily="34" charset="0"/>
+                <a:effectLst/>
+                <a:latin typeface="Times New Roman" panose="02020603050405020304" pitchFamily="18" charset="0"/>
+                <a:cs typeface="Times New Roman" panose="02020603050405020304" pitchFamily="18" charset="0"/>
               </a:rPr>
               <a:t> </a:t>
             </a:r>
             <a:r>
               <a:rPr lang="ru-RU" b="0" i="0" dirty="0" err="1">
-                <a:solidFill>
-                  <a:srgbClr val="172B53"/>
-                </a:solidFill>
-                <a:effectLst/>
-                <a:latin typeface="Arial" panose="020B0604020202020204" pitchFamily="34" charset="0"/>
+                <a:effectLst/>
+                <a:latin typeface="Times New Roman" panose="02020603050405020304" pitchFamily="18" charset="0"/>
+                <a:cs typeface="Times New Roman" panose="02020603050405020304" pitchFamily="18" charset="0"/>
               </a:rPr>
               <a:t>одночасно</a:t>
             </a:r>
             <a:r>
               <a:rPr lang="ru-RU" b="0" i="0" dirty="0">
-                <a:solidFill>
-                  <a:srgbClr val="172B53"/>
-                </a:solidFill>
-                <a:effectLst/>
-                <a:latin typeface="Arial" panose="020B0604020202020204" pitchFamily="34" charset="0"/>
+                <a:effectLst/>
+                <a:latin typeface="Times New Roman" panose="02020603050405020304" pitchFamily="18" charset="0"/>
+                <a:cs typeface="Times New Roman" panose="02020603050405020304" pitchFamily="18" charset="0"/>
               </a:rPr>
               <a:t>. </a:t>
             </a:r>
             <a:r>
               <a:rPr lang="ru-RU" b="0" i="0" dirty="0" err="1">
-                <a:solidFill>
-                  <a:srgbClr val="172B53"/>
-                </a:solidFill>
-                <a:effectLst/>
-                <a:latin typeface="Arial" panose="020B0604020202020204" pitchFamily="34" charset="0"/>
+                <a:effectLst/>
+                <a:latin typeface="Times New Roman" panose="02020603050405020304" pitchFamily="18" charset="0"/>
+                <a:cs typeface="Times New Roman" panose="02020603050405020304" pitchFamily="18" charset="0"/>
               </a:rPr>
               <a:t>Загальний</a:t>
             </a:r>
             <a:r>
               <a:rPr lang="ru-RU" b="0" i="0" dirty="0">
-                <a:solidFill>
-                  <a:srgbClr val="172B53"/>
-                </a:solidFill>
-                <a:effectLst/>
-                <a:latin typeface="Arial" panose="020B0604020202020204" pitchFamily="34" charset="0"/>
+                <a:effectLst/>
+                <a:latin typeface="Times New Roman" panose="02020603050405020304" pitchFamily="18" charset="0"/>
+                <a:cs typeface="Times New Roman" panose="02020603050405020304" pitchFamily="18" charset="0"/>
               </a:rPr>
               <a:t> </a:t>
             </a:r>
             <a:r>
               <a:rPr lang="ru-RU" b="0" i="0" dirty="0" err="1">
-                <a:solidFill>
-                  <a:srgbClr val="172B53"/>
-                </a:solidFill>
-                <a:effectLst/>
-                <a:latin typeface="Arial" panose="020B0604020202020204" pitchFamily="34" charset="0"/>
+                <a:effectLst/>
+                <a:latin typeface="Times New Roman" panose="02020603050405020304" pitchFamily="18" charset="0"/>
+                <a:cs typeface="Times New Roman" panose="02020603050405020304" pitchFamily="18" charset="0"/>
               </a:rPr>
               <a:t>вигляд</a:t>
             </a:r>
             <a:r>
               <a:rPr lang="ru-RU" b="0" i="0" dirty="0">
-                <a:solidFill>
-                  <a:srgbClr val="172B53"/>
-                </a:solidFill>
-                <a:effectLst/>
-                <a:latin typeface="Arial" panose="020B0604020202020204" pitchFamily="34" charset="0"/>
+                <a:effectLst/>
+                <a:latin typeface="Times New Roman" panose="02020603050405020304" pitchFamily="18" charset="0"/>
+                <a:cs typeface="Times New Roman" panose="02020603050405020304" pitchFamily="18" charset="0"/>
               </a:rPr>
               <a:t> </a:t>
             </a:r>
             <a:r>
               <a:rPr lang="ru-RU" b="0" i="0" dirty="0" err="1">
-                <a:solidFill>
-                  <a:srgbClr val="172B53"/>
-                </a:solidFill>
-                <a:effectLst/>
-                <a:latin typeface="Arial" panose="020B0604020202020204" pitchFamily="34" charset="0"/>
+                <a:effectLst/>
+                <a:latin typeface="Times New Roman" panose="02020603050405020304" pitchFamily="18" charset="0"/>
+                <a:cs typeface="Times New Roman" panose="02020603050405020304" pitchFamily="18" charset="0"/>
               </a:rPr>
               <a:t>цього</a:t>
             </a:r>
             <a:r>
               <a:rPr lang="ru-RU" b="0" i="0" dirty="0">
-                <a:solidFill>
-                  <a:srgbClr val="172B53"/>
-                </a:solidFill>
-                <a:effectLst/>
-                <a:latin typeface="Arial" panose="020B0604020202020204" pitchFamily="34" charset="0"/>
+                <a:effectLst/>
+                <a:latin typeface="Times New Roman" panose="02020603050405020304" pitchFamily="18" charset="0"/>
+                <a:cs typeface="Times New Roman" panose="02020603050405020304" pitchFamily="18" charset="0"/>
               </a:rPr>
               <a:t> оператора </a:t>
             </a:r>
             <a:r>
               <a:rPr lang="ru-RU" b="0" i="0" dirty="0" err="1">
-                <a:solidFill>
-                  <a:srgbClr val="172B53"/>
-                </a:solidFill>
-                <a:effectLst/>
-                <a:latin typeface="Arial" panose="020B0604020202020204" pitchFamily="34" charset="0"/>
+                <a:effectLst/>
+                <a:latin typeface="Times New Roman" panose="02020603050405020304" pitchFamily="18" charset="0"/>
+                <a:cs typeface="Times New Roman" panose="02020603050405020304" pitchFamily="18" charset="0"/>
               </a:rPr>
               <a:t>такий</a:t>
             </a:r>
             <a:r>
               <a:rPr lang="ru-RU" b="0" i="0" dirty="0">
-                <a:solidFill>
-                  <a:srgbClr val="172B53"/>
-                </a:solidFill>
-                <a:effectLst/>
-                <a:latin typeface="Arial" panose="020B0604020202020204" pitchFamily="34" charset="0"/>
+                <a:effectLst/>
+                <a:latin typeface="Times New Roman" panose="02020603050405020304" pitchFamily="18" charset="0"/>
+                <a:cs typeface="Times New Roman" panose="02020603050405020304" pitchFamily="18" charset="0"/>
               </a:rPr>
               <a:t>:</a:t>
             </a:r>
-            <a:endParaRPr lang="uk-UA" dirty="0"/>
+            <a:endParaRPr lang="uk-UA" dirty="0">
+              <a:latin typeface="Times New Roman" panose="02020603050405020304" pitchFamily="18" charset="0"/>
+              <a:cs typeface="Times New Roman" panose="02020603050405020304" pitchFamily="18" charset="0"/>
+            </a:endParaRPr>
           </a:p>
         </p:txBody>
       </p:sp>
@@ -4669,228 +4518,263 @@
             <a:r>
               <a:rPr lang="ru-RU" sz="2800" b="0" i="0" dirty="0" err="1">
                 <a:effectLst/>
-                <a:latin typeface="Arial" panose="020B0604020202020204" pitchFamily="34" charset="0"/>
+                <a:latin typeface="Times New Roman" panose="02020603050405020304" pitchFamily="18" charset="0"/>
+                <a:cs typeface="Times New Roman" panose="02020603050405020304" pitchFamily="18" charset="0"/>
               </a:rPr>
               <a:t>Якщо</a:t>
             </a:r>
             <a:r>
               <a:rPr lang="ru-RU" sz="2800" b="0" i="0" dirty="0">
                 <a:effectLst/>
-                <a:latin typeface="Arial" panose="020B0604020202020204" pitchFamily="34" charset="0"/>
+                <a:latin typeface="Times New Roman" panose="02020603050405020304" pitchFamily="18" charset="0"/>
+                <a:cs typeface="Times New Roman" panose="02020603050405020304" pitchFamily="18" charset="0"/>
               </a:rPr>
               <a:t> </a:t>
             </a:r>
             <a:r>
               <a:rPr lang="ru-RU" sz="2800" b="0" i="0" dirty="0" err="1">
                 <a:effectLst/>
-                <a:latin typeface="Arial" panose="020B0604020202020204" pitchFamily="34" charset="0"/>
+                <a:latin typeface="Times New Roman" panose="02020603050405020304" pitchFamily="18" charset="0"/>
+                <a:cs typeface="Times New Roman" panose="02020603050405020304" pitchFamily="18" charset="0"/>
               </a:rPr>
               <a:t>ви</a:t>
             </a:r>
             <a:r>
               <a:rPr lang="ru-RU" sz="2800" b="0" i="0" dirty="0">
                 <a:effectLst/>
-                <a:latin typeface="Arial" panose="020B0604020202020204" pitchFamily="34" charset="0"/>
+                <a:latin typeface="Times New Roman" panose="02020603050405020304" pitchFamily="18" charset="0"/>
+                <a:cs typeface="Times New Roman" panose="02020603050405020304" pitchFamily="18" charset="0"/>
               </a:rPr>
               <a:t> </a:t>
             </a:r>
             <a:r>
               <a:rPr lang="ru-RU" sz="2800" b="0" i="0" dirty="0" err="1">
                 <a:effectLst/>
-                <a:latin typeface="Arial" panose="020B0604020202020204" pitchFamily="34" charset="0"/>
+                <a:latin typeface="Times New Roman" panose="02020603050405020304" pitchFamily="18" charset="0"/>
+                <a:cs typeface="Times New Roman" panose="02020603050405020304" pitchFamily="18" charset="0"/>
               </a:rPr>
               <a:t>хочете</a:t>
             </a:r>
             <a:r>
               <a:rPr lang="ru-RU" sz="2800" b="0" i="0" dirty="0">
                 <a:effectLst/>
-                <a:latin typeface="Arial" panose="020B0604020202020204" pitchFamily="34" charset="0"/>
+                <a:latin typeface="Times New Roman" panose="02020603050405020304" pitchFamily="18" charset="0"/>
+                <a:cs typeface="Times New Roman" panose="02020603050405020304" pitchFamily="18" charset="0"/>
               </a:rPr>
               <a:t>, </a:t>
             </a:r>
             <a:r>
               <a:rPr lang="ru-RU" sz="2800" b="0" i="0" dirty="0" err="1">
                 <a:effectLst/>
-                <a:latin typeface="Arial" panose="020B0604020202020204" pitchFamily="34" charset="0"/>
+                <a:latin typeface="Times New Roman" panose="02020603050405020304" pitchFamily="18" charset="0"/>
+                <a:cs typeface="Times New Roman" panose="02020603050405020304" pitchFamily="18" charset="0"/>
               </a:rPr>
               <a:t>щоб</a:t>
             </a:r>
             <a:r>
               <a:rPr lang="ru-RU" sz="2800" b="0" i="0" dirty="0">
                 <a:effectLst/>
-                <a:latin typeface="Arial" panose="020B0604020202020204" pitchFamily="34" charset="0"/>
+                <a:latin typeface="Times New Roman" panose="02020603050405020304" pitchFamily="18" charset="0"/>
+                <a:cs typeface="Times New Roman" panose="02020603050405020304" pitchFamily="18" charset="0"/>
               </a:rPr>
               <a:t> у </a:t>
             </a:r>
             <a:r>
               <a:rPr lang="ru-RU" sz="2800" b="0" i="0" dirty="0" err="1">
                 <a:effectLst/>
-                <a:latin typeface="Arial" panose="020B0604020202020204" pitchFamily="34" charset="0"/>
+                <a:latin typeface="Times New Roman" panose="02020603050405020304" pitchFamily="18" charset="0"/>
+                <a:cs typeface="Times New Roman" panose="02020603050405020304" pitchFamily="18" charset="0"/>
               </a:rPr>
               <a:t>разі</a:t>
             </a:r>
             <a:r>
               <a:rPr lang="ru-RU" sz="2800" b="0" i="0" dirty="0">
                 <a:effectLst/>
-                <a:latin typeface="Arial" panose="020B0604020202020204" pitchFamily="34" charset="0"/>
+                <a:latin typeface="Times New Roman" panose="02020603050405020304" pitchFamily="18" charset="0"/>
+                <a:cs typeface="Times New Roman" panose="02020603050405020304" pitchFamily="18" charset="0"/>
               </a:rPr>
               <a:t> </a:t>
             </a:r>
             <a:r>
               <a:rPr lang="ru-RU" sz="2800" b="0" i="0" dirty="0" err="1">
                 <a:effectLst/>
-                <a:latin typeface="Arial" panose="020B0604020202020204" pitchFamily="34" charset="0"/>
+                <a:latin typeface="Times New Roman" panose="02020603050405020304" pitchFamily="18" charset="0"/>
+                <a:cs typeface="Times New Roman" panose="02020603050405020304" pitchFamily="18" charset="0"/>
               </a:rPr>
               <a:t>виконання</a:t>
             </a:r>
             <a:r>
               <a:rPr lang="ru-RU" sz="2800" b="0" i="0" dirty="0">
                 <a:effectLst/>
-                <a:latin typeface="Arial" panose="020B0604020202020204" pitchFamily="34" charset="0"/>
+                <a:latin typeface="Times New Roman" panose="02020603050405020304" pitchFamily="18" charset="0"/>
+                <a:cs typeface="Times New Roman" panose="02020603050405020304" pitchFamily="18" charset="0"/>
               </a:rPr>
               <a:t> (</a:t>
             </a:r>
             <a:r>
               <a:rPr lang="ru-RU" sz="2800" b="0" i="0" dirty="0" err="1">
                 <a:effectLst/>
-                <a:latin typeface="Arial" panose="020B0604020202020204" pitchFamily="34" charset="0"/>
+                <a:latin typeface="Times New Roman" panose="02020603050405020304" pitchFamily="18" charset="0"/>
+                <a:cs typeface="Times New Roman" panose="02020603050405020304" pitchFamily="18" charset="0"/>
               </a:rPr>
               <a:t>або</a:t>
             </a:r>
             <a:r>
               <a:rPr lang="ru-RU" sz="2800" b="0" i="0" dirty="0">
                 <a:effectLst/>
-                <a:latin typeface="Arial" panose="020B0604020202020204" pitchFamily="34" charset="0"/>
+                <a:latin typeface="Times New Roman" panose="02020603050405020304" pitchFamily="18" charset="0"/>
+                <a:cs typeface="Times New Roman" panose="02020603050405020304" pitchFamily="18" charset="0"/>
               </a:rPr>
               <a:t> </a:t>
             </a:r>
             <a:r>
               <a:rPr lang="ru-RU" sz="2800" b="0" i="0" dirty="0" err="1">
                 <a:effectLst/>
-                <a:latin typeface="Arial" panose="020B0604020202020204" pitchFamily="34" charset="0"/>
+                <a:latin typeface="Times New Roman" panose="02020603050405020304" pitchFamily="18" charset="0"/>
+                <a:cs typeface="Times New Roman" panose="02020603050405020304" pitchFamily="18" charset="0"/>
               </a:rPr>
               <a:t>невиконання</a:t>
             </a:r>
             <a:r>
               <a:rPr lang="ru-RU" sz="2800" b="0" i="0" dirty="0">
                 <a:effectLst/>
-                <a:latin typeface="Arial" panose="020B0604020202020204" pitchFamily="34" charset="0"/>
+                <a:latin typeface="Times New Roman" panose="02020603050405020304" pitchFamily="18" charset="0"/>
+                <a:cs typeface="Times New Roman" panose="02020603050405020304" pitchFamily="18" charset="0"/>
               </a:rPr>
               <a:t>) </a:t>
             </a:r>
             <a:r>
               <a:rPr lang="ru-RU" sz="2800" b="0" i="0" dirty="0" err="1">
                 <a:effectLst/>
-                <a:latin typeface="Arial" panose="020B0604020202020204" pitchFamily="34" charset="0"/>
+                <a:latin typeface="Times New Roman" panose="02020603050405020304" pitchFamily="18" charset="0"/>
+                <a:cs typeface="Times New Roman" panose="02020603050405020304" pitchFamily="18" charset="0"/>
               </a:rPr>
               <a:t>умови</a:t>
             </a:r>
             <a:r>
               <a:rPr lang="ru-RU" sz="2800" b="0" i="0" dirty="0">
                 <a:effectLst/>
-                <a:latin typeface="Arial" panose="020B0604020202020204" pitchFamily="34" charset="0"/>
+                <a:latin typeface="Times New Roman" panose="02020603050405020304" pitchFamily="18" charset="0"/>
+                <a:cs typeface="Times New Roman" panose="02020603050405020304" pitchFamily="18" charset="0"/>
               </a:rPr>
               <a:t> ваша </a:t>
             </a:r>
             <a:r>
               <a:rPr lang="ru-RU" sz="2800" b="0" i="0" dirty="0" err="1">
                 <a:effectLst/>
-                <a:latin typeface="Arial" panose="020B0604020202020204" pitchFamily="34" charset="0"/>
+                <a:latin typeface="Times New Roman" panose="02020603050405020304" pitchFamily="18" charset="0"/>
+                <a:cs typeface="Times New Roman" panose="02020603050405020304" pitchFamily="18" charset="0"/>
               </a:rPr>
               <a:t>програма</a:t>
             </a:r>
             <a:r>
               <a:rPr lang="ru-RU" sz="2800" b="0" i="0" dirty="0">
                 <a:effectLst/>
-                <a:latin typeface="Arial" panose="020B0604020202020204" pitchFamily="34" charset="0"/>
+                <a:latin typeface="Times New Roman" panose="02020603050405020304" pitchFamily="18" charset="0"/>
+                <a:cs typeface="Times New Roman" panose="02020603050405020304" pitchFamily="18" charset="0"/>
               </a:rPr>
               <a:t> </a:t>
             </a:r>
             <a:r>
               <a:rPr lang="ru-RU" sz="2800" b="0" i="0" dirty="0" err="1">
                 <a:effectLst/>
-                <a:latin typeface="Arial" panose="020B0604020202020204" pitchFamily="34" charset="0"/>
+                <a:latin typeface="Times New Roman" panose="02020603050405020304" pitchFamily="18" charset="0"/>
+                <a:cs typeface="Times New Roman" panose="02020603050405020304" pitchFamily="18" charset="0"/>
               </a:rPr>
               <a:t>виконала</a:t>
             </a:r>
             <a:r>
               <a:rPr lang="ru-RU" sz="2800" b="0" i="0" dirty="0">
                 <a:effectLst/>
-                <a:latin typeface="Arial" panose="020B0604020202020204" pitchFamily="34" charset="0"/>
+                <a:latin typeface="Times New Roman" panose="02020603050405020304" pitchFamily="18" charset="0"/>
+                <a:cs typeface="Times New Roman" panose="02020603050405020304" pitchFamily="18" charset="0"/>
               </a:rPr>
               <a:t> </a:t>
             </a:r>
             <a:r>
               <a:rPr lang="ru-RU" sz="2800" b="0" i="0" dirty="0" err="1">
                 <a:effectLst/>
-                <a:latin typeface="Arial" panose="020B0604020202020204" pitchFamily="34" charset="0"/>
+                <a:latin typeface="Times New Roman" panose="02020603050405020304" pitchFamily="18" charset="0"/>
+                <a:cs typeface="Times New Roman" panose="02020603050405020304" pitchFamily="18" charset="0"/>
               </a:rPr>
               <a:t>кілька</a:t>
             </a:r>
             <a:r>
               <a:rPr lang="ru-RU" sz="2800" b="0" i="0" dirty="0">
                 <a:effectLst/>
-                <a:latin typeface="Arial" panose="020B0604020202020204" pitchFamily="34" charset="0"/>
+                <a:latin typeface="Times New Roman" panose="02020603050405020304" pitchFamily="18" charset="0"/>
+                <a:cs typeface="Times New Roman" panose="02020603050405020304" pitchFamily="18" charset="0"/>
               </a:rPr>
               <a:t> команд, </a:t>
             </a:r>
             <a:r>
               <a:rPr lang="ru-RU" sz="2800" b="0" i="0" dirty="0" err="1">
                 <a:effectLst/>
-                <a:latin typeface="Arial" panose="020B0604020202020204" pitchFamily="34" charset="0"/>
+                <a:latin typeface="Times New Roman" panose="02020603050405020304" pitchFamily="18" charset="0"/>
+                <a:cs typeface="Times New Roman" panose="02020603050405020304" pitchFamily="18" charset="0"/>
               </a:rPr>
               <a:t>їх</a:t>
             </a:r>
             <a:r>
               <a:rPr lang="ru-RU" sz="2800" b="0" i="0" dirty="0">
                 <a:effectLst/>
-                <a:latin typeface="Arial" panose="020B0604020202020204" pitchFamily="34" charset="0"/>
+                <a:latin typeface="Times New Roman" panose="02020603050405020304" pitchFamily="18" charset="0"/>
+                <a:cs typeface="Times New Roman" panose="02020603050405020304" pitchFamily="18" charset="0"/>
               </a:rPr>
               <a:t> </a:t>
             </a:r>
             <a:r>
               <a:rPr lang="ru-RU" sz="2800" b="0" i="0" dirty="0" err="1">
                 <a:effectLst/>
-                <a:latin typeface="Arial" panose="020B0604020202020204" pitchFamily="34" charset="0"/>
+                <a:latin typeface="Times New Roman" panose="02020603050405020304" pitchFamily="18" charset="0"/>
+                <a:cs typeface="Times New Roman" panose="02020603050405020304" pitchFamily="18" charset="0"/>
               </a:rPr>
               <a:t>можна</a:t>
             </a:r>
             <a:r>
               <a:rPr lang="ru-RU" sz="2800" b="0" i="0" dirty="0">
                 <a:effectLst/>
-                <a:latin typeface="Arial" panose="020B0604020202020204" pitchFamily="34" charset="0"/>
+                <a:latin typeface="Times New Roman" panose="02020603050405020304" pitchFamily="18" charset="0"/>
+                <a:cs typeface="Times New Roman" panose="02020603050405020304" pitchFamily="18" charset="0"/>
               </a:rPr>
               <a:t> </a:t>
             </a:r>
             <a:r>
               <a:rPr lang="ru-RU" sz="2800" b="0" i="0" dirty="0" err="1">
                 <a:effectLst/>
-                <a:latin typeface="Arial" panose="020B0604020202020204" pitchFamily="34" charset="0"/>
+                <a:latin typeface="Times New Roman" panose="02020603050405020304" pitchFamily="18" charset="0"/>
+                <a:cs typeface="Times New Roman" panose="02020603050405020304" pitchFamily="18" charset="0"/>
               </a:rPr>
               <a:t>об'єднати</a:t>
             </a:r>
             <a:r>
               <a:rPr lang="ru-RU" sz="2800" b="0" i="0" dirty="0">
                 <a:effectLst/>
-                <a:latin typeface="Arial" panose="020B0604020202020204" pitchFamily="34" charset="0"/>
+                <a:latin typeface="Times New Roman" panose="02020603050405020304" pitchFamily="18" charset="0"/>
+                <a:cs typeface="Times New Roman" panose="02020603050405020304" pitchFamily="18" charset="0"/>
               </a:rPr>
               <a:t> в </a:t>
             </a:r>
             <a:r>
               <a:rPr lang="ru-RU" sz="2800" b="0" i="1" dirty="0">
                 <a:effectLst/>
-                <a:latin typeface="Arial" panose="020B0604020202020204" pitchFamily="34" charset="0"/>
+                <a:latin typeface="Times New Roman" panose="02020603050405020304" pitchFamily="18" charset="0"/>
+                <a:cs typeface="Times New Roman" panose="02020603050405020304" pitchFamily="18" charset="0"/>
               </a:rPr>
               <a:t>блок команд</a:t>
             </a:r>
             <a:r>
               <a:rPr lang="ru-RU" sz="2800" b="0" i="0" dirty="0">
                 <a:effectLst/>
-                <a:latin typeface="Arial" panose="020B0604020202020204" pitchFamily="34" charset="0"/>
+                <a:latin typeface="Times New Roman" panose="02020603050405020304" pitchFamily="18" charset="0"/>
+                <a:cs typeface="Times New Roman" panose="02020603050405020304" pitchFamily="18" charset="0"/>
               </a:rPr>
               <a:t>.</a:t>
             </a:r>
-            <a:endParaRPr lang="uk-UA" sz="2800" dirty="0"/>
+            <a:endParaRPr lang="uk-UA" sz="2800" dirty="0">
+              <a:latin typeface="Times New Roman" panose="02020603050405020304" pitchFamily="18" charset="0"/>
+              <a:cs typeface="Times New Roman" panose="02020603050405020304" pitchFamily="18" charset="0"/>
+            </a:endParaRPr>
           </a:p>
         </p:txBody>
       </p:sp>
@@ -4928,7 +4812,8 @@
                   <a:srgbClr val="172B53"/>
                 </a:solidFill>
                 <a:effectLst/>
-                <a:latin typeface="Arial" panose="020B0604020202020204" pitchFamily="34" charset="0"/>
+                <a:latin typeface="Times New Roman" panose="02020603050405020304" pitchFamily="18" charset="0"/>
+                <a:cs typeface="Times New Roman" panose="02020603050405020304" pitchFamily="18" charset="0"/>
               </a:rPr>
               <a:t>Щоб</a:t>
             </a:r>
@@ -4938,7 +4823,8 @@
                   <a:srgbClr val="172B53"/>
                 </a:solidFill>
                 <a:effectLst/>
-                <a:latin typeface="Arial" panose="020B0604020202020204" pitchFamily="34" charset="0"/>
+                <a:latin typeface="Times New Roman" panose="02020603050405020304" pitchFamily="18" charset="0"/>
+                <a:cs typeface="Times New Roman" panose="02020603050405020304" pitchFamily="18" charset="0"/>
               </a:rPr>
               <a:t> </a:t>
             </a:r>
@@ -4948,7 +4834,8 @@
                   <a:srgbClr val="172B53"/>
                 </a:solidFill>
                 <a:effectLst/>
-                <a:latin typeface="Arial" panose="020B0604020202020204" pitchFamily="34" charset="0"/>
+                <a:latin typeface="Times New Roman" panose="02020603050405020304" pitchFamily="18" charset="0"/>
+                <a:cs typeface="Times New Roman" panose="02020603050405020304" pitchFamily="18" charset="0"/>
               </a:rPr>
               <a:t>об'єднати</a:t>
             </a:r>
@@ -4958,7 +4845,8 @@
                   <a:srgbClr val="172B53"/>
                 </a:solidFill>
                 <a:effectLst/>
-                <a:latin typeface="Arial" panose="020B0604020202020204" pitchFamily="34" charset="0"/>
+                <a:latin typeface="Times New Roman" panose="02020603050405020304" pitchFamily="18" charset="0"/>
+                <a:cs typeface="Times New Roman" panose="02020603050405020304" pitchFamily="18" charset="0"/>
               </a:rPr>
               <a:t> </a:t>
             </a:r>
@@ -4968,7 +4856,8 @@
                   <a:srgbClr val="172B53"/>
                 </a:solidFill>
                 <a:effectLst/>
-                <a:latin typeface="Arial" panose="020B0604020202020204" pitchFamily="34" charset="0"/>
+                <a:latin typeface="Times New Roman" panose="02020603050405020304" pitchFamily="18" charset="0"/>
+                <a:cs typeface="Times New Roman" panose="02020603050405020304" pitchFamily="18" charset="0"/>
               </a:rPr>
               <a:t>команди</a:t>
             </a:r>
@@ -4978,7 +4867,8 @@
                   <a:srgbClr val="172B53"/>
                 </a:solidFill>
                 <a:effectLst/>
-                <a:latin typeface="Arial" panose="020B0604020202020204" pitchFamily="34" charset="0"/>
+                <a:latin typeface="Times New Roman" panose="02020603050405020304" pitchFamily="18" charset="0"/>
+                <a:cs typeface="Times New Roman" panose="02020603050405020304" pitchFamily="18" charset="0"/>
               </a:rPr>
               <a:t> в блок, </a:t>
             </a:r>
@@ -4988,7 +4878,8 @@
                   <a:srgbClr val="172B53"/>
                 </a:solidFill>
                 <a:effectLst/>
-                <a:latin typeface="Arial" panose="020B0604020202020204" pitchFamily="34" charset="0"/>
+                <a:latin typeface="Times New Roman" panose="02020603050405020304" pitchFamily="18" charset="0"/>
+                <a:cs typeface="Times New Roman" panose="02020603050405020304" pitchFamily="18" charset="0"/>
               </a:rPr>
               <a:t>потрібно</a:t>
             </a:r>
@@ -4998,7 +4889,8 @@
                   <a:srgbClr val="172B53"/>
                 </a:solidFill>
                 <a:effectLst/>
-                <a:latin typeface="Arial" panose="020B0604020202020204" pitchFamily="34" charset="0"/>
+                <a:latin typeface="Times New Roman" panose="02020603050405020304" pitchFamily="18" charset="0"/>
+                <a:cs typeface="Times New Roman" panose="02020603050405020304" pitchFamily="18" charset="0"/>
               </a:rPr>
               <a:t> «</a:t>
             </a:r>
@@ -5008,7 +4900,8 @@
                   <a:srgbClr val="172B53"/>
                 </a:solidFill>
                 <a:effectLst/>
-                <a:latin typeface="Arial" panose="020B0604020202020204" pitchFamily="34" charset="0"/>
+                <a:latin typeface="Times New Roman" panose="02020603050405020304" pitchFamily="18" charset="0"/>
+                <a:cs typeface="Times New Roman" panose="02020603050405020304" pitchFamily="18" charset="0"/>
               </a:rPr>
               <a:t>загорнути</a:t>
             </a:r>
@@ -5018,7 +4911,8 @@
                   <a:srgbClr val="172B53"/>
                 </a:solidFill>
                 <a:effectLst/>
-                <a:latin typeface="Arial" panose="020B0604020202020204" pitchFamily="34" charset="0"/>
+                <a:latin typeface="Times New Roman" panose="02020603050405020304" pitchFamily="18" charset="0"/>
+                <a:cs typeface="Times New Roman" panose="02020603050405020304" pitchFamily="18" charset="0"/>
               </a:rPr>
               <a:t>» </a:t>
             </a:r>
@@ -5028,7 +4922,8 @@
                   <a:srgbClr val="172B53"/>
                 </a:solidFill>
                 <a:effectLst/>
-                <a:latin typeface="Arial" panose="020B0604020202020204" pitchFamily="34" charset="0"/>
+                <a:latin typeface="Times New Roman" panose="02020603050405020304" pitchFamily="18" charset="0"/>
+                <a:cs typeface="Times New Roman" panose="02020603050405020304" pitchFamily="18" charset="0"/>
               </a:rPr>
               <a:t>їх</a:t>
             </a:r>
@@ -5038,7 +4933,8 @@
                   <a:srgbClr val="172B53"/>
                 </a:solidFill>
                 <a:effectLst/>
-                <a:latin typeface="Arial" panose="020B0604020202020204" pitchFamily="34" charset="0"/>
+                <a:latin typeface="Times New Roman" panose="02020603050405020304" pitchFamily="18" charset="0"/>
+                <a:cs typeface="Times New Roman" panose="02020603050405020304" pitchFamily="18" charset="0"/>
               </a:rPr>
               <a:t> у </a:t>
             </a:r>
@@ -5048,7 +4944,8 @@
                   <a:srgbClr val="000000"/>
                 </a:solidFill>
                 <a:effectLst/>
-                <a:latin typeface="Arial" panose="020B0604020202020204" pitchFamily="34" charset="0"/>
+                <a:latin typeface="Times New Roman" panose="02020603050405020304" pitchFamily="18" charset="0"/>
+                <a:cs typeface="Times New Roman" panose="02020603050405020304" pitchFamily="18" charset="0"/>
               </a:rPr>
               <a:t>фігурні</a:t>
             </a:r>
@@ -5058,7 +4955,8 @@
                   <a:srgbClr val="000000"/>
                 </a:solidFill>
                 <a:effectLst/>
-                <a:latin typeface="Arial" panose="020B0604020202020204" pitchFamily="34" charset="0"/>
+                <a:latin typeface="Times New Roman" panose="02020603050405020304" pitchFamily="18" charset="0"/>
+                <a:cs typeface="Times New Roman" panose="02020603050405020304" pitchFamily="18" charset="0"/>
               </a:rPr>
               <a:t> дужки</a:t>
             </a:r>
@@ -5068,7 +4966,8 @@
                   <a:srgbClr val="172B53"/>
                 </a:solidFill>
                 <a:effectLst/>
-                <a:latin typeface="Arial" panose="020B0604020202020204" pitchFamily="34" charset="0"/>
+                <a:latin typeface="Times New Roman" panose="02020603050405020304" pitchFamily="18" charset="0"/>
+                <a:cs typeface="Times New Roman" panose="02020603050405020304" pitchFamily="18" charset="0"/>
               </a:rPr>
               <a:t>. </a:t>
             </a:r>
@@ -5078,7 +4977,8 @@
                   <a:srgbClr val="172B53"/>
                 </a:solidFill>
                 <a:effectLst/>
-                <a:latin typeface="Arial" panose="020B0604020202020204" pitchFamily="34" charset="0"/>
+                <a:latin typeface="Times New Roman" panose="02020603050405020304" pitchFamily="18" charset="0"/>
+                <a:cs typeface="Times New Roman" panose="02020603050405020304" pitchFamily="18" charset="0"/>
               </a:rPr>
               <a:t>Отак</a:t>
             </a:r>
@@ -5088,7 +4988,8 @@
                   <a:srgbClr val="172B53"/>
                 </a:solidFill>
                 <a:effectLst/>
-                <a:latin typeface="Arial" panose="020B0604020202020204" pitchFamily="34" charset="0"/>
+                <a:latin typeface="Times New Roman" panose="02020603050405020304" pitchFamily="18" charset="0"/>
+                <a:cs typeface="Times New Roman" panose="02020603050405020304" pitchFamily="18" charset="0"/>
               </a:rPr>
               <a:t> </a:t>
             </a:r>
@@ -5098,7 +4999,8 @@
                   <a:srgbClr val="172B53"/>
                 </a:solidFill>
                 <a:effectLst/>
-                <a:latin typeface="Arial" panose="020B0604020202020204" pitchFamily="34" charset="0"/>
+                <a:latin typeface="Times New Roman" panose="02020603050405020304" pitchFamily="18" charset="0"/>
+                <a:cs typeface="Times New Roman" panose="02020603050405020304" pitchFamily="18" charset="0"/>
               </a:rPr>
               <a:t>це</a:t>
             </a:r>
@@ -5108,7 +5010,8 @@
                   <a:srgbClr val="172B53"/>
                 </a:solidFill>
                 <a:effectLst/>
-                <a:latin typeface="Arial" panose="020B0604020202020204" pitchFamily="34" charset="0"/>
+                <a:latin typeface="Times New Roman" panose="02020603050405020304" pitchFamily="18" charset="0"/>
+                <a:cs typeface="Times New Roman" panose="02020603050405020304" pitchFamily="18" charset="0"/>
               </a:rPr>
               <a:t> </a:t>
             </a:r>
@@ -5118,7 +5021,8 @@
                   <a:srgbClr val="172B53"/>
                 </a:solidFill>
                 <a:effectLst/>
-                <a:latin typeface="Arial" panose="020B0604020202020204" pitchFamily="34" charset="0"/>
+                <a:latin typeface="Times New Roman" panose="02020603050405020304" pitchFamily="18" charset="0"/>
+                <a:cs typeface="Times New Roman" panose="02020603050405020304" pitchFamily="18" charset="0"/>
               </a:rPr>
               <a:t>виглядає</a:t>
             </a:r>
@@ -5128,7 +5032,8 @@
                   <a:srgbClr val="172B53"/>
                 </a:solidFill>
                 <a:effectLst/>
-                <a:latin typeface="Arial" panose="020B0604020202020204" pitchFamily="34" charset="0"/>
+                <a:latin typeface="Times New Roman" panose="02020603050405020304" pitchFamily="18" charset="0"/>
+                <a:cs typeface="Times New Roman" panose="02020603050405020304" pitchFamily="18" charset="0"/>
               </a:rPr>
               <a:t> в </a:t>
             </a:r>
@@ -5138,7 +5043,8 @@
                   <a:srgbClr val="172B53"/>
                 </a:solidFill>
                 <a:effectLst/>
-                <a:latin typeface="Arial" panose="020B0604020202020204" pitchFamily="34" charset="0"/>
+                <a:latin typeface="Times New Roman" panose="02020603050405020304" pitchFamily="18" charset="0"/>
+                <a:cs typeface="Times New Roman" panose="02020603050405020304" pitchFamily="18" charset="0"/>
               </a:rPr>
               <a:t>загальному</a:t>
             </a:r>
@@ -5148,7 +5054,8 @@
                   <a:srgbClr val="172B53"/>
                 </a:solidFill>
                 <a:effectLst/>
-                <a:latin typeface="Arial" panose="020B0604020202020204" pitchFamily="34" charset="0"/>
+                <a:latin typeface="Times New Roman" panose="02020603050405020304" pitchFamily="18" charset="0"/>
+                <a:cs typeface="Times New Roman" panose="02020603050405020304" pitchFamily="18" charset="0"/>
               </a:rPr>
               <a:t> </a:t>
             </a:r>
@@ -5158,7 +5065,8 @@
                   <a:srgbClr val="172B53"/>
                 </a:solidFill>
                 <a:effectLst/>
-                <a:latin typeface="Arial" panose="020B0604020202020204" pitchFamily="34" charset="0"/>
+                <a:latin typeface="Times New Roman" panose="02020603050405020304" pitchFamily="18" charset="0"/>
+                <a:cs typeface="Times New Roman" panose="02020603050405020304" pitchFamily="18" charset="0"/>
               </a:rPr>
               <a:t>випадку</a:t>
             </a:r>
@@ -5168,11 +5076,15 @@
                   <a:srgbClr val="172B53"/>
                 </a:solidFill>
                 <a:effectLst/>
-                <a:latin typeface="Arial" panose="020B0604020202020204" pitchFamily="34" charset="0"/>
+                <a:latin typeface="Times New Roman" panose="02020603050405020304" pitchFamily="18" charset="0"/>
+                <a:cs typeface="Times New Roman" panose="02020603050405020304" pitchFamily="18" charset="0"/>
               </a:rPr>
               <a:t>:</a:t>
             </a:r>
-            <a:endParaRPr lang="uk-UA" sz="2400" dirty="0"/>
+            <a:endParaRPr lang="uk-UA" sz="2400" dirty="0">
+              <a:latin typeface="Times New Roman" panose="02020603050405020304" pitchFamily="18" charset="0"/>
+              <a:cs typeface="Times New Roman" panose="02020603050405020304" pitchFamily="18" charset="0"/>
+            </a:endParaRPr>
           </a:p>
         </p:txBody>
       </p:sp>
@@ -6687,6 +6599,20 @@
               <a:tabLst/>
             </a:pPr>
             <a:r>
+              <a:rPr kumimoji="0" lang="uk-UA" altLang="uk-UA" sz="2400" b="0" i="0" u="none" strike="noStrike" cap="none" normalizeH="0" baseline="0" dirty="0" err="1">
+                <a:ln>
+                  <a:noFill/>
+                </a:ln>
+                <a:solidFill>
+                  <a:srgbClr val="212529"/>
+                </a:solidFill>
+                <a:effectLst/>
+                <a:latin typeface="Courier New" panose="02070309020205020404" pitchFamily="49" charset="0"/>
+                <a:cs typeface="Courier New" panose="02070309020205020404" pitchFamily="49" charset="0"/>
+              </a:rPr>
+              <a:t>case</a:t>
+            </a:r>
+            <a:r>
               <a:rPr kumimoji="0" lang="uk-UA" altLang="uk-UA" sz="2400" b="0" i="0" u="none" strike="noStrike" cap="none" normalizeH="0" baseline="0" dirty="0">
                 <a:ln>
                   <a:noFill/>
@@ -6698,7 +6624,7 @@
                 <a:latin typeface="Courier New" panose="02070309020205020404" pitchFamily="49" charset="0"/>
                 <a:cs typeface="Courier New" panose="02070309020205020404" pitchFamily="49" charset="0"/>
               </a:rPr>
-              <a:t> </a:t>
+              <a:t> 50: </a:t>
             </a:r>
             <a:r>
               <a:rPr kumimoji="0" lang="uk-UA" altLang="uk-UA" sz="2400" b="0" i="0" u="none" strike="noStrike" cap="none" normalizeH="0" baseline="0" dirty="0" err="1">
@@ -6712,7 +6638,7 @@
                 <a:latin typeface="Courier New" panose="02070309020205020404" pitchFamily="49" charset="0"/>
                 <a:cs typeface="Courier New" panose="02070309020205020404" pitchFamily="49" charset="0"/>
               </a:rPr>
-              <a:t>case</a:t>
+              <a:t>size</a:t>
             </a:r>
             <a:r>
               <a:rPr kumimoji="0" lang="uk-UA" altLang="uk-UA" sz="2400" b="0" i="0" u="none" strike="noStrike" cap="none" normalizeH="0" baseline="0" dirty="0">
@@ -6726,35 +6652,7 @@
                 <a:latin typeface="Courier New" panose="02070309020205020404" pitchFamily="49" charset="0"/>
                 <a:cs typeface="Courier New" panose="02070309020205020404" pitchFamily="49" charset="0"/>
               </a:rPr>
-              <a:t> 50: </a:t>
-            </a:r>
-            <a:r>
-              <a:rPr kumimoji="0" lang="uk-UA" altLang="uk-UA" sz="2400" b="0" i="0" u="none" strike="noStrike" cap="none" normalizeH="0" baseline="0" dirty="0" err="1">
-                <a:ln>
-                  <a:noFill/>
-                </a:ln>
-                <a:solidFill>
-                  <a:srgbClr val="212529"/>
-                </a:solidFill>
-                <a:effectLst/>
-                <a:latin typeface="Courier New" panose="02070309020205020404" pitchFamily="49" charset="0"/>
-                <a:cs typeface="Courier New" panose="02070309020205020404" pitchFamily="49" charset="0"/>
-              </a:rPr>
-              <a:t>size</a:t>
-            </a:r>
-            <a:r>
-              <a:rPr kumimoji="0" lang="uk-UA" altLang="uk-UA" sz="2400" b="0" i="0" u="none" strike="noStrike" cap="none" normalizeH="0" baseline="0" dirty="0">
-                <a:ln>
-                  <a:noFill/>
-                </a:ln>
-                <a:solidFill>
-                  <a:srgbClr val="212529"/>
-                </a:solidFill>
-                <a:effectLst/>
-                <a:latin typeface="Courier New" panose="02070309020205020404" pitchFamily="49" charset="0"/>
-                <a:cs typeface="Courier New" panose="02070309020205020404" pitchFamily="49" charset="0"/>
-              </a:rPr>
-              <a:t> = «Маленький"; </a:t>
+              <a:t> = "Маленький"; </a:t>
             </a:r>
             <a:r>
               <a:rPr kumimoji="0" lang="uk-UA" altLang="uk-UA" sz="2400" b="0" i="0" u="none" strike="noStrike" cap="none" normalizeH="0" baseline="0" dirty="0" err="1">
@@ -6867,7 +6765,7 @@
                 <a:latin typeface="Courier New" panose="02070309020205020404" pitchFamily="49" charset="0"/>
                 <a:cs typeface="Courier New" panose="02070309020205020404" pitchFamily="49" charset="0"/>
               </a:rPr>
-              <a:t> = «Середн</a:t>
+              <a:t> = "Середн</a:t>
             </a:r>
             <a:r>
               <a:rPr lang="uk-UA" altLang="uk-UA" sz="2400" dirty="0">
@@ -7004,7 +6902,7 @@
                 <a:latin typeface="Courier New" panose="02070309020205020404" pitchFamily="49" charset="0"/>
                 <a:cs typeface="Courier New" panose="02070309020205020404" pitchFamily="49" charset="0"/>
               </a:rPr>
-              <a:t> = «Великий"; </a:t>
+              <a:t> = "Великий"; </a:t>
             </a:r>
             <a:r>
               <a:rPr kumimoji="0" lang="uk-UA" altLang="uk-UA" sz="2400" b="0" i="0" u="none" strike="noStrike" cap="none" normalizeH="0" baseline="0" dirty="0" err="1">
@@ -7117,7 +7015,7 @@
                 <a:latin typeface="Courier New" panose="02070309020205020404" pitchFamily="49" charset="0"/>
                 <a:cs typeface="Courier New" panose="02070309020205020404" pitchFamily="49" charset="0"/>
               </a:rPr>
-              <a:t> = «Не відомо"; </a:t>
+              <a:t> = "Не відомо"; </a:t>
             </a:r>
             <a:r>
               <a:rPr kumimoji="0" lang="uk-UA" altLang="uk-UA" sz="2400" b="0" i="0" u="none" strike="noStrike" cap="none" normalizeH="0" baseline="0" dirty="0" err="1">

--- a/Java Урок 3 ifelse switch.pptx
+++ b/Java Урок 3 ifelse switch.pptx
@@ -280,7 +280,7 @@
           <a:p>
             <a:fld id="{E461E9BA-8501-4193-BA88-839E340A9D5A}" type="datetimeFigureOut">
               <a:rPr lang="uk-UA" smtClean="0"/>
-              <a:t>22.12.2023</a:t>
+              <a:t>02.02.2024</a:t>
             </a:fld>
             <a:endParaRPr lang="uk-UA"/>
           </a:p>
@@ -480,7 +480,7 @@
           <a:p>
             <a:fld id="{E461E9BA-8501-4193-BA88-839E340A9D5A}" type="datetimeFigureOut">
               <a:rPr lang="uk-UA" smtClean="0"/>
-              <a:t>22.12.2023</a:t>
+              <a:t>02.02.2024</a:t>
             </a:fld>
             <a:endParaRPr lang="uk-UA"/>
           </a:p>
@@ -690,7 +690,7 @@
           <a:p>
             <a:fld id="{E461E9BA-8501-4193-BA88-839E340A9D5A}" type="datetimeFigureOut">
               <a:rPr lang="uk-UA" smtClean="0"/>
-              <a:t>22.12.2023</a:t>
+              <a:t>02.02.2024</a:t>
             </a:fld>
             <a:endParaRPr lang="uk-UA"/>
           </a:p>
@@ -890,7 +890,7 @@
           <a:p>
             <a:fld id="{E461E9BA-8501-4193-BA88-839E340A9D5A}" type="datetimeFigureOut">
               <a:rPr lang="uk-UA" smtClean="0"/>
-              <a:t>22.12.2023</a:t>
+              <a:t>02.02.2024</a:t>
             </a:fld>
             <a:endParaRPr lang="uk-UA"/>
           </a:p>
@@ -1166,7 +1166,7 @@
           <a:p>
             <a:fld id="{E461E9BA-8501-4193-BA88-839E340A9D5A}" type="datetimeFigureOut">
               <a:rPr lang="uk-UA" smtClean="0"/>
-              <a:t>22.12.2023</a:t>
+              <a:t>02.02.2024</a:t>
             </a:fld>
             <a:endParaRPr lang="uk-UA"/>
           </a:p>
@@ -1434,7 +1434,7 @@
           <a:p>
             <a:fld id="{E461E9BA-8501-4193-BA88-839E340A9D5A}" type="datetimeFigureOut">
               <a:rPr lang="uk-UA" smtClean="0"/>
-              <a:t>22.12.2023</a:t>
+              <a:t>02.02.2024</a:t>
             </a:fld>
             <a:endParaRPr lang="uk-UA"/>
           </a:p>
@@ -1849,7 +1849,7 @@
           <a:p>
             <a:fld id="{E461E9BA-8501-4193-BA88-839E340A9D5A}" type="datetimeFigureOut">
               <a:rPr lang="uk-UA" smtClean="0"/>
-              <a:t>22.12.2023</a:t>
+              <a:t>02.02.2024</a:t>
             </a:fld>
             <a:endParaRPr lang="uk-UA"/>
           </a:p>
@@ -1991,7 +1991,7 @@
           <a:p>
             <a:fld id="{E461E9BA-8501-4193-BA88-839E340A9D5A}" type="datetimeFigureOut">
               <a:rPr lang="uk-UA" smtClean="0"/>
-              <a:t>22.12.2023</a:t>
+              <a:t>02.02.2024</a:t>
             </a:fld>
             <a:endParaRPr lang="uk-UA"/>
           </a:p>
@@ -2104,7 +2104,7 @@
           <a:p>
             <a:fld id="{E461E9BA-8501-4193-BA88-839E340A9D5A}" type="datetimeFigureOut">
               <a:rPr lang="uk-UA" smtClean="0"/>
-              <a:t>22.12.2023</a:t>
+              <a:t>02.02.2024</a:t>
             </a:fld>
             <a:endParaRPr lang="uk-UA"/>
           </a:p>
@@ -2417,7 +2417,7 @@
           <a:p>
             <a:fld id="{E461E9BA-8501-4193-BA88-839E340A9D5A}" type="datetimeFigureOut">
               <a:rPr lang="uk-UA" smtClean="0"/>
-              <a:t>22.12.2023</a:t>
+              <a:t>02.02.2024</a:t>
             </a:fld>
             <a:endParaRPr lang="uk-UA"/>
           </a:p>
@@ -2706,7 +2706,7 @@
           <a:p>
             <a:fld id="{E461E9BA-8501-4193-BA88-839E340A9D5A}" type="datetimeFigureOut">
               <a:rPr lang="uk-UA" smtClean="0"/>
-              <a:t>22.12.2023</a:t>
+              <a:t>02.02.2024</a:t>
             </a:fld>
             <a:endParaRPr lang="uk-UA"/>
           </a:p>
@@ -2949,7 +2949,7 @@
           <a:p>
             <a:fld id="{E461E9BA-8501-4193-BA88-839E340A9D5A}" type="datetimeFigureOut">
               <a:rPr lang="uk-UA" smtClean="0"/>
-              <a:t>22.12.2023</a:t>
+              <a:t>02.02.2024</a:t>
             </a:fld>
             <a:endParaRPr lang="uk-UA"/>
           </a:p>

--- a/Java Урок 3 ifelse switch.pptx
+++ b/Java Урок 3 ifelse switch.pptx
@@ -13,6 +13,13 @@
     <p:sldId id="265" r:id="rId7"/>
     <p:sldId id="266" r:id="rId8"/>
     <p:sldId id="267" r:id="rId9"/>
+    <p:sldId id="258" r:id="rId10"/>
+    <p:sldId id="259" r:id="rId11"/>
+    <p:sldId id="260" r:id="rId12"/>
+    <p:sldId id="268" r:id="rId13"/>
+    <p:sldId id="269" r:id="rId14"/>
+    <p:sldId id="270" r:id="rId15"/>
+    <p:sldId id="704" r:id="rId16"/>
   </p:sldIdLst>
   <p:sldSz cx="12192000" cy="6858000"/>
   <p:notesSz cx="6858000" cy="9144000"/>
@@ -280,7 +287,7 @@
           <a:p>
             <a:fld id="{E461E9BA-8501-4193-BA88-839E340A9D5A}" type="datetimeFigureOut">
               <a:rPr lang="uk-UA" smtClean="0"/>
-              <a:t>02.02.2024</a:t>
+              <a:t>08.02.2024</a:t>
             </a:fld>
             <a:endParaRPr lang="uk-UA"/>
           </a:p>
@@ -480,7 +487,7 @@
           <a:p>
             <a:fld id="{E461E9BA-8501-4193-BA88-839E340A9D5A}" type="datetimeFigureOut">
               <a:rPr lang="uk-UA" smtClean="0"/>
-              <a:t>02.02.2024</a:t>
+              <a:t>08.02.2024</a:t>
             </a:fld>
             <a:endParaRPr lang="uk-UA"/>
           </a:p>
@@ -690,7 +697,7 @@
           <a:p>
             <a:fld id="{E461E9BA-8501-4193-BA88-839E340A9D5A}" type="datetimeFigureOut">
               <a:rPr lang="uk-UA" smtClean="0"/>
-              <a:t>02.02.2024</a:t>
+              <a:t>08.02.2024</a:t>
             </a:fld>
             <a:endParaRPr lang="uk-UA"/>
           </a:p>
@@ -890,7 +897,7 @@
           <a:p>
             <a:fld id="{E461E9BA-8501-4193-BA88-839E340A9D5A}" type="datetimeFigureOut">
               <a:rPr lang="uk-UA" smtClean="0"/>
-              <a:t>02.02.2024</a:t>
+              <a:t>08.02.2024</a:t>
             </a:fld>
             <a:endParaRPr lang="uk-UA"/>
           </a:p>
@@ -1166,7 +1173,7 @@
           <a:p>
             <a:fld id="{E461E9BA-8501-4193-BA88-839E340A9D5A}" type="datetimeFigureOut">
               <a:rPr lang="uk-UA" smtClean="0"/>
-              <a:t>02.02.2024</a:t>
+              <a:t>08.02.2024</a:t>
             </a:fld>
             <a:endParaRPr lang="uk-UA"/>
           </a:p>
@@ -1434,7 +1441,7 @@
           <a:p>
             <a:fld id="{E461E9BA-8501-4193-BA88-839E340A9D5A}" type="datetimeFigureOut">
               <a:rPr lang="uk-UA" smtClean="0"/>
-              <a:t>02.02.2024</a:t>
+              <a:t>08.02.2024</a:t>
             </a:fld>
             <a:endParaRPr lang="uk-UA"/>
           </a:p>
@@ -1849,7 +1856,7 @@
           <a:p>
             <a:fld id="{E461E9BA-8501-4193-BA88-839E340A9D5A}" type="datetimeFigureOut">
               <a:rPr lang="uk-UA" smtClean="0"/>
-              <a:t>02.02.2024</a:t>
+              <a:t>08.02.2024</a:t>
             </a:fld>
             <a:endParaRPr lang="uk-UA"/>
           </a:p>
@@ -1991,7 +1998,7 @@
           <a:p>
             <a:fld id="{E461E9BA-8501-4193-BA88-839E340A9D5A}" type="datetimeFigureOut">
               <a:rPr lang="uk-UA" smtClean="0"/>
-              <a:t>02.02.2024</a:t>
+              <a:t>08.02.2024</a:t>
             </a:fld>
             <a:endParaRPr lang="uk-UA"/>
           </a:p>
@@ -2104,7 +2111,7 @@
           <a:p>
             <a:fld id="{E461E9BA-8501-4193-BA88-839E340A9D5A}" type="datetimeFigureOut">
               <a:rPr lang="uk-UA" smtClean="0"/>
-              <a:t>02.02.2024</a:t>
+              <a:t>08.02.2024</a:t>
             </a:fld>
             <a:endParaRPr lang="uk-UA"/>
           </a:p>
@@ -2417,7 +2424,7 @@
           <a:p>
             <a:fld id="{E461E9BA-8501-4193-BA88-839E340A9D5A}" type="datetimeFigureOut">
               <a:rPr lang="uk-UA" smtClean="0"/>
-              <a:t>02.02.2024</a:t>
+              <a:t>08.02.2024</a:t>
             </a:fld>
             <a:endParaRPr lang="uk-UA"/>
           </a:p>
@@ -2706,7 +2713,7 @@
           <a:p>
             <a:fld id="{E461E9BA-8501-4193-BA88-839E340A9D5A}" type="datetimeFigureOut">
               <a:rPr lang="uk-UA" smtClean="0"/>
-              <a:t>02.02.2024</a:t>
+              <a:t>08.02.2024</a:t>
             </a:fld>
             <a:endParaRPr lang="uk-UA"/>
           </a:p>
@@ -2949,7 +2956,7 @@
           <a:p>
             <a:fld id="{E461E9BA-8501-4193-BA88-839E340A9D5A}" type="datetimeFigureOut">
               <a:rPr lang="uk-UA" smtClean="0"/>
-              <a:t>02.02.2024</a:t>
+              <a:t>08.02.2024</a:t>
             </a:fld>
             <a:endParaRPr lang="uk-UA"/>
           </a:p>
@@ -3452,6 +3459,6306 @@
 </p:sld>
 </file>
 
+<file path=ppt/slides/slide10.xml><?xml version="1.0" encoding="utf-8"?>
+<p:sld xmlns:a="http://schemas.openxmlformats.org/drawingml/2006/main" xmlns:r="http://schemas.openxmlformats.org/officeDocument/2006/relationships" xmlns:p="http://schemas.openxmlformats.org/presentationml/2006/main">
+  <p:cSld>
+    <p:spTree>
+      <p:nvGrpSpPr>
+        <p:cNvPr id="1" name=""/>
+        <p:cNvGrpSpPr/>
+        <p:nvPr/>
+      </p:nvGrpSpPr>
+      <p:grpSpPr>
+        <a:xfrm>
+          <a:off x="0" y="0"/>
+          <a:ext cx="0" cy="0"/>
+          <a:chOff x="0" y="0"/>
+          <a:chExt cx="0" cy="0"/>
+        </a:xfrm>
+      </p:grpSpPr>
+      <p:sp>
+        <p:nvSpPr>
+          <p:cNvPr id="2" name="TextBox 1">
+            <a:extLst>
+              <a:ext uri="{FF2B5EF4-FFF2-40B4-BE49-F238E27FC236}">
+                <a16:creationId xmlns:a16="http://schemas.microsoft.com/office/drawing/2014/main" id="{5079C382-FD90-4534-AE53-1E3CC453952A}"/>
+              </a:ext>
+            </a:extLst>
+          </p:cNvPr>
+          <p:cNvSpPr txBox="1"/>
+          <p:nvPr/>
+        </p:nvSpPr>
+        <p:spPr>
+          <a:xfrm>
+            <a:off x="0" y="131975"/>
+            <a:ext cx="12192000" cy="769441"/>
+          </a:xfrm>
+          <a:prstGeom prst="rect">
+            <a:avLst/>
+          </a:prstGeom>
+          <a:noFill/>
+        </p:spPr>
+        <p:txBody>
+          <a:bodyPr wrap="square" rtlCol="0">
+            <a:spAutoFit/>
+          </a:bodyPr>
+          <a:lstStyle/>
+          <a:p>
+            <a:pPr algn="ctr"/>
+            <a:r>
+              <a:rPr lang="ru-RU" sz="4400" dirty="0" err="1">
+                <a:latin typeface="Times New Roman" panose="02020603050405020304" pitchFamily="18" charset="0"/>
+                <a:cs typeface="Times New Roman" panose="02020603050405020304" pitchFamily="18" charset="0"/>
+              </a:rPr>
+              <a:t>Помилка</a:t>
+            </a:r>
+            <a:endParaRPr lang="uk-UA" sz="4400" dirty="0">
+              <a:latin typeface="Times New Roman" panose="02020603050405020304" pitchFamily="18" charset="0"/>
+              <a:cs typeface="Times New Roman" panose="02020603050405020304" pitchFamily="18" charset="0"/>
+            </a:endParaRPr>
+          </a:p>
+        </p:txBody>
+      </p:sp>
+      <p:sp>
+        <p:nvSpPr>
+          <p:cNvPr id="4" name="TextBox 3">
+            <a:extLst>
+              <a:ext uri="{FF2B5EF4-FFF2-40B4-BE49-F238E27FC236}">
+                <a16:creationId xmlns:a16="http://schemas.microsoft.com/office/drawing/2014/main" id="{E77655B9-AC1A-4431-8413-2D957D803ACD}"/>
+              </a:ext>
+            </a:extLst>
+          </p:cNvPr>
+          <p:cNvSpPr txBox="1"/>
+          <p:nvPr/>
+        </p:nvSpPr>
+        <p:spPr>
+          <a:xfrm>
+            <a:off x="820133" y="3429000"/>
+            <a:ext cx="10850252" cy="1938992"/>
+          </a:xfrm>
+          <a:prstGeom prst="rect">
+            <a:avLst/>
+          </a:prstGeom>
+          <a:solidFill>
+            <a:schemeClr val="tx1"/>
+          </a:solidFill>
+          <a:ln>
+            <a:noFill/>
+          </a:ln>
+          <a:effectLst/>
+          <a:scene3d>
+            <a:camera prst="orthographicFront">
+              <a:rot lat="0" lon="0" rev="0"/>
+            </a:camera>
+            <a:lightRig rig="contrasting" dir="t">
+              <a:rot lat="0" lon="0" rev="7800000"/>
+            </a:lightRig>
+          </a:scene3d>
+          <a:sp3d>
+            <a:bevelT w="139700" h="139700"/>
+          </a:sp3d>
+        </p:spPr>
+        <p:txBody>
+          <a:bodyPr wrap="square">
+            <a:spAutoFit/>
+          </a:bodyPr>
+          <a:lstStyle/>
+          <a:p>
+            <a:r>
+              <a:rPr lang="en-US" sz="2400" b="0" i="0" dirty="0">
+                <a:solidFill>
+                  <a:schemeClr val="bg1">
+                    <a:lumMod val="85000"/>
+                  </a:schemeClr>
+                </a:solidFill>
+                <a:effectLst/>
+                <a:latin typeface="Menlo"/>
+              </a:rPr>
+              <a:t>Exception in thread "main" </a:t>
+            </a:r>
+            <a:r>
+              <a:rPr lang="en-US" sz="2400" b="0" i="0" dirty="0" err="1">
+                <a:solidFill>
+                  <a:schemeClr val="bg1">
+                    <a:lumMod val="85000"/>
+                  </a:schemeClr>
+                </a:solidFill>
+                <a:effectLst/>
+                <a:latin typeface="Menlo"/>
+              </a:rPr>
+              <a:t>java.util.InputMismatchException</a:t>
+            </a:r>
+            <a:r>
+              <a:rPr lang="en-US" sz="2400" b="0" i="0" dirty="0">
+                <a:solidFill>
+                  <a:schemeClr val="bg1">
+                    <a:lumMod val="85000"/>
+                  </a:schemeClr>
+                </a:solidFill>
+                <a:effectLst/>
+                <a:latin typeface="Menlo"/>
+              </a:rPr>
+              <a:t> at </a:t>
+            </a:r>
+            <a:r>
+              <a:rPr lang="en-US" sz="2400" b="0" i="0" dirty="0" err="1">
+                <a:solidFill>
+                  <a:schemeClr val="bg1">
+                    <a:lumMod val="85000"/>
+                  </a:schemeClr>
+                </a:solidFill>
+                <a:effectLst/>
+                <a:latin typeface="Menlo"/>
+              </a:rPr>
+              <a:t>java.util.Scanner.throwFor</a:t>
+            </a:r>
+            <a:r>
+              <a:rPr lang="en-US" sz="2400" b="0" i="0" dirty="0">
+                <a:solidFill>
+                  <a:schemeClr val="bg1">
+                    <a:lumMod val="85000"/>
+                  </a:schemeClr>
+                </a:solidFill>
+                <a:effectLst/>
+                <a:latin typeface="Menlo"/>
+              </a:rPr>
+              <a:t>(Scanner.java:864) at </a:t>
+            </a:r>
+            <a:r>
+              <a:rPr lang="en-US" sz="2400" b="0" i="0" dirty="0" err="1">
+                <a:solidFill>
+                  <a:schemeClr val="bg1">
+                    <a:lumMod val="85000"/>
+                  </a:schemeClr>
+                </a:solidFill>
+                <a:effectLst/>
+                <a:latin typeface="Menlo"/>
+              </a:rPr>
+              <a:t>java.util.Scanner.next</a:t>
+            </a:r>
+            <a:r>
+              <a:rPr lang="en-US" sz="2400" b="0" i="0" dirty="0">
+                <a:solidFill>
+                  <a:schemeClr val="bg1">
+                    <a:lumMod val="85000"/>
+                  </a:schemeClr>
+                </a:solidFill>
+                <a:effectLst/>
+                <a:latin typeface="Menlo"/>
+              </a:rPr>
+              <a:t>(Scanner.java:1485) at </a:t>
+            </a:r>
+            <a:r>
+              <a:rPr lang="en-US" sz="2400" b="0" i="0" dirty="0" err="1">
+                <a:solidFill>
+                  <a:schemeClr val="bg1">
+                    <a:lumMod val="85000"/>
+                  </a:schemeClr>
+                </a:solidFill>
+                <a:effectLst/>
+                <a:latin typeface="Menlo"/>
+              </a:rPr>
+              <a:t>java.util.Scanner.nextInt</a:t>
+            </a:r>
+            <a:r>
+              <a:rPr lang="en-US" sz="2400" b="0" i="0" dirty="0">
+                <a:solidFill>
+                  <a:schemeClr val="bg1">
+                    <a:lumMod val="85000"/>
+                  </a:schemeClr>
+                </a:solidFill>
+                <a:effectLst/>
+                <a:latin typeface="Menlo"/>
+              </a:rPr>
+              <a:t>(Scanner.java:2117) at </a:t>
+            </a:r>
+            <a:r>
+              <a:rPr lang="en-US" sz="2400" b="0" i="0" dirty="0" err="1">
+                <a:solidFill>
+                  <a:schemeClr val="bg1">
+                    <a:lumMod val="85000"/>
+                  </a:schemeClr>
+                </a:solidFill>
+                <a:effectLst/>
+                <a:latin typeface="Menlo"/>
+              </a:rPr>
+              <a:t>java.util.Scanner.nextInt</a:t>
+            </a:r>
+            <a:r>
+              <a:rPr lang="en-US" sz="2400" b="0" i="0" dirty="0">
+                <a:solidFill>
+                  <a:schemeClr val="bg1">
+                    <a:lumMod val="85000"/>
+                  </a:schemeClr>
+                </a:solidFill>
+                <a:effectLst/>
+                <a:latin typeface="Menlo"/>
+              </a:rPr>
+              <a:t>(Scanner.java:2076) at </a:t>
+            </a:r>
+            <a:r>
+              <a:rPr lang="en-US" sz="2400" b="0" i="0" dirty="0" err="1">
+                <a:solidFill>
+                  <a:schemeClr val="bg1">
+                    <a:lumMod val="85000"/>
+                  </a:schemeClr>
+                </a:solidFill>
+                <a:effectLst/>
+                <a:latin typeface="Menlo"/>
+              </a:rPr>
+              <a:t>Main.main</a:t>
+            </a:r>
+            <a:r>
+              <a:rPr lang="en-US" sz="2400" b="0" i="0" dirty="0">
+                <a:solidFill>
+                  <a:schemeClr val="bg1">
+                    <a:lumMod val="85000"/>
+                  </a:schemeClr>
+                </a:solidFill>
+                <a:effectLst/>
+                <a:latin typeface="Menlo"/>
+              </a:rPr>
+              <a:t>(Main.java:8)</a:t>
+            </a:r>
+            <a:endParaRPr lang="uk-UA" sz="2400" dirty="0">
+              <a:solidFill>
+                <a:schemeClr val="bg1">
+                  <a:lumMod val="85000"/>
+                </a:schemeClr>
+              </a:solidFill>
+            </a:endParaRPr>
+          </a:p>
+        </p:txBody>
+      </p:sp>
+      <p:sp>
+        <p:nvSpPr>
+          <p:cNvPr id="5" name="TextBox 4">
+            <a:extLst>
+              <a:ext uri="{FF2B5EF4-FFF2-40B4-BE49-F238E27FC236}">
+                <a16:creationId xmlns:a16="http://schemas.microsoft.com/office/drawing/2014/main" id="{DBD20D09-33F9-43F6-8C8F-6848488A12E2}"/>
+              </a:ext>
+            </a:extLst>
+          </p:cNvPr>
+          <p:cNvSpPr txBox="1"/>
+          <p:nvPr/>
+        </p:nvSpPr>
+        <p:spPr>
+          <a:xfrm>
+            <a:off x="398283" y="1309369"/>
+            <a:ext cx="11470063" cy="1200329"/>
+          </a:xfrm>
+          <a:prstGeom prst="rect">
+            <a:avLst/>
+          </a:prstGeom>
+          <a:noFill/>
+        </p:spPr>
+        <p:txBody>
+          <a:bodyPr wrap="square" rtlCol="0">
+            <a:spAutoFit/>
+          </a:bodyPr>
+          <a:lstStyle/>
+          <a:p>
+            <a:r>
+              <a:rPr lang="ru-RU" sz="3600" b="0" i="0" dirty="0" err="1">
+                <a:effectLst/>
+                <a:latin typeface="Times New Roman" panose="02020603050405020304" pitchFamily="18" charset="0"/>
+                <a:cs typeface="Times New Roman" panose="02020603050405020304" pitchFamily="18" charset="0"/>
+              </a:rPr>
+              <a:t>Спробуємо</a:t>
+            </a:r>
+            <a:r>
+              <a:rPr lang="ru-RU" sz="3600" b="0" i="0" dirty="0">
+                <a:effectLst/>
+                <a:latin typeface="Times New Roman" panose="02020603050405020304" pitchFamily="18" charset="0"/>
+                <a:cs typeface="Times New Roman" panose="02020603050405020304" pitchFamily="18" charset="0"/>
+              </a:rPr>
+              <a:t> ввести </a:t>
+            </a:r>
+            <a:r>
+              <a:rPr lang="ru-RU" sz="3600" b="0" i="0" dirty="0" err="1">
+                <a:effectLst/>
+                <a:latin typeface="Times New Roman" panose="02020603050405020304" pitchFamily="18" charset="0"/>
+                <a:cs typeface="Times New Roman" panose="02020603050405020304" pitchFamily="18" charset="0"/>
+              </a:rPr>
+              <a:t>замість</a:t>
+            </a:r>
+            <a:r>
+              <a:rPr lang="ru-RU" sz="3600" b="0" i="0" dirty="0">
+                <a:effectLst/>
+                <a:latin typeface="Times New Roman" panose="02020603050405020304" pitchFamily="18" charset="0"/>
+                <a:cs typeface="Times New Roman" panose="02020603050405020304" pitchFamily="18" charset="0"/>
+              </a:rPr>
+              <a:t> числа рядок «Сканер». </a:t>
+            </a:r>
+            <a:r>
+              <a:rPr lang="ru-RU" sz="3600" b="0" i="0" dirty="0" err="1">
+                <a:effectLst/>
+                <a:latin typeface="Times New Roman" panose="02020603050405020304" pitchFamily="18" charset="0"/>
+                <a:cs typeface="Times New Roman" panose="02020603050405020304" pitchFamily="18" charset="0"/>
+              </a:rPr>
+              <a:t>Виведення</a:t>
+            </a:r>
+            <a:r>
+              <a:rPr lang="ru-RU" sz="3600" b="0" i="0" dirty="0">
+                <a:effectLst/>
+                <a:latin typeface="Times New Roman" panose="02020603050405020304" pitchFamily="18" charset="0"/>
+                <a:cs typeface="Times New Roman" panose="02020603050405020304" pitchFamily="18" charset="0"/>
+              </a:rPr>
+              <a:t> в консоль:</a:t>
+            </a:r>
+            <a:endParaRPr lang="uk-UA" sz="3600" dirty="0">
+              <a:latin typeface="Times New Roman" panose="02020603050405020304" pitchFamily="18" charset="0"/>
+              <a:cs typeface="Times New Roman" panose="02020603050405020304" pitchFamily="18" charset="0"/>
+            </a:endParaRPr>
+          </a:p>
+        </p:txBody>
+      </p:sp>
+    </p:spTree>
+    <p:extLst>
+      <p:ext uri="{BB962C8B-B14F-4D97-AF65-F5344CB8AC3E}">
+        <p14:creationId xmlns:p14="http://schemas.microsoft.com/office/powerpoint/2010/main" val="3894732734"/>
+      </p:ext>
+    </p:extLst>
+  </p:cSld>
+  <p:clrMapOvr>
+    <a:masterClrMapping/>
+  </p:clrMapOvr>
+</p:sld>
+</file>
+
+<file path=ppt/slides/slide11.xml><?xml version="1.0" encoding="utf-8"?>
+<p:sld xmlns:a="http://schemas.openxmlformats.org/drawingml/2006/main" xmlns:r="http://schemas.openxmlformats.org/officeDocument/2006/relationships" xmlns:p="http://schemas.openxmlformats.org/presentationml/2006/main">
+  <p:cSld>
+    <p:spTree>
+      <p:nvGrpSpPr>
+        <p:cNvPr id="1" name=""/>
+        <p:cNvGrpSpPr/>
+        <p:nvPr/>
+      </p:nvGrpSpPr>
+      <p:grpSpPr>
+        <a:xfrm>
+          <a:off x="0" y="0"/>
+          <a:ext cx="0" cy="0"/>
+          <a:chOff x="0" y="0"/>
+          <a:chExt cx="0" cy="0"/>
+        </a:xfrm>
+      </p:grpSpPr>
+      <p:sp>
+        <p:nvSpPr>
+          <p:cNvPr id="2" name="TextBox 1">
+            <a:extLst>
+              <a:ext uri="{FF2B5EF4-FFF2-40B4-BE49-F238E27FC236}">
+                <a16:creationId xmlns:a16="http://schemas.microsoft.com/office/drawing/2014/main" id="{F988F485-2CC4-4C9D-8A84-7FA5B855F4F2}"/>
+              </a:ext>
+            </a:extLst>
+          </p:cNvPr>
+          <p:cNvSpPr txBox="1"/>
+          <p:nvPr/>
+        </p:nvSpPr>
+        <p:spPr>
+          <a:xfrm>
+            <a:off x="221529" y="5418282"/>
+            <a:ext cx="11491275" cy="830997"/>
+          </a:xfrm>
+          <a:prstGeom prst="rect">
+            <a:avLst/>
+          </a:prstGeom>
+          <a:noFill/>
+        </p:spPr>
+        <p:txBody>
+          <a:bodyPr wrap="square" rtlCol="0">
+            <a:spAutoFit/>
+          </a:bodyPr>
+          <a:lstStyle/>
+          <a:p>
+            <a:r>
+              <a:rPr lang="uk-UA" sz="2400" b="0" i="0" dirty="0">
+                <a:solidFill>
+                  <a:srgbClr val="172B53"/>
+                </a:solidFill>
+                <a:effectLst/>
+                <a:latin typeface="Times New Roman" panose="02020603050405020304" pitchFamily="18" charset="0"/>
+                <a:cs typeface="Times New Roman" panose="02020603050405020304" pitchFamily="18" charset="0"/>
+              </a:rPr>
+              <a:t>Але для цього нам треба фактично "зазирнути в майбутнє" – дізнатися, що там далі в нашому потоці. Чи вміє </a:t>
+            </a:r>
+            <a:r>
+              <a:rPr lang="en-US" sz="2400" b="0" i="0" dirty="0">
+                <a:solidFill>
+                  <a:srgbClr val="172B53"/>
+                </a:solidFill>
+                <a:effectLst/>
+                <a:latin typeface="Times New Roman" panose="02020603050405020304" pitchFamily="18" charset="0"/>
+                <a:cs typeface="Times New Roman" panose="02020603050405020304" pitchFamily="18" charset="0"/>
+              </a:rPr>
+              <a:t>Scanner </a:t>
+            </a:r>
+            <a:r>
+              <a:rPr lang="uk-UA" sz="2400" b="0" i="0" dirty="0">
+                <a:solidFill>
+                  <a:srgbClr val="172B53"/>
+                </a:solidFill>
+                <a:effectLst/>
+                <a:latin typeface="Times New Roman" panose="02020603050405020304" pitchFamily="18" charset="0"/>
+                <a:cs typeface="Times New Roman" panose="02020603050405020304" pitchFamily="18" charset="0"/>
+              </a:rPr>
+              <a:t>у </a:t>
+            </a:r>
+            <a:r>
+              <a:rPr lang="en-US" sz="2400" b="0" i="0" dirty="0">
+                <a:solidFill>
+                  <a:srgbClr val="172B53"/>
+                </a:solidFill>
+                <a:effectLst/>
+                <a:latin typeface="Times New Roman" panose="02020603050405020304" pitchFamily="18" charset="0"/>
+                <a:cs typeface="Times New Roman" panose="02020603050405020304" pitchFamily="18" charset="0"/>
+              </a:rPr>
+              <a:t>Java </a:t>
+            </a:r>
+            <a:r>
+              <a:rPr lang="uk-UA" sz="2400" b="0" i="0" dirty="0">
+                <a:solidFill>
+                  <a:srgbClr val="172B53"/>
+                </a:solidFill>
+                <a:effectLst/>
+                <a:latin typeface="Times New Roman" panose="02020603050405020304" pitchFamily="18" charset="0"/>
+                <a:cs typeface="Times New Roman" panose="02020603050405020304" pitchFamily="18" charset="0"/>
+              </a:rPr>
+              <a:t>це робити? Ще як уміє!</a:t>
+            </a:r>
+          </a:p>
+        </p:txBody>
+      </p:sp>
+      <p:sp>
+        <p:nvSpPr>
+          <p:cNvPr id="3" name="TextBox 2">
+            <a:extLst>
+              <a:ext uri="{FF2B5EF4-FFF2-40B4-BE49-F238E27FC236}">
+                <a16:creationId xmlns:a16="http://schemas.microsoft.com/office/drawing/2014/main" id="{654CBA7D-2B90-4450-B151-F5865F8B98F5}"/>
+              </a:ext>
+            </a:extLst>
+          </p:cNvPr>
+          <p:cNvSpPr txBox="1"/>
+          <p:nvPr/>
+        </p:nvSpPr>
+        <p:spPr>
+          <a:xfrm>
+            <a:off x="2611225" y="238751"/>
+            <a:ext cx="6711884" cy="707886"/>
+          </a:xfrm>
+          <a:prstGeom prst="rect">
+            <a:avLst/>
+          </a:prstGeom>
+          <a:noFill/>
+        </p:spPr>
+        <p:txBody>
+          <a:bodyPr wrap="square" rtlCol="0">
+            <a:spAutoFit/>
+          </a:bodyPr>
+          <a:lstStyle/>
+          <a:p>
+            <a:pPr algn="ctr"/>
+            <a:r>
+              <a:rPr lang="uk-UA" sz="4000" dirty="0">
+                <a:latin typeface="Times New Roman" panose="02020603050405020304" pitchFamily="18" charset="0"/>
+                <a:cs typeface="Times New Roman" panose="02020603050405020304" pitchFamily="18" charset="0"/>
+              </a:rPr>
+              <a:t>Уникнення помилки</a:t>
+            </a:r>
+          </a:p>
+        </p:txBody>
+      </p:sp>
+      <p:sp>
+        <p:nvSpPr>
+          <p:cNvPr id="5" name="TextBox 4">
+            <a:extLst>
+              <a:ext uri="{FF2B5EF4-FFF2-40B4-BE49-F238E27FC236}">
+                <a16:creationId xmlns:a16="http://schemas.microsoft.com/office/drawing/2014/main" id="{CE16B431-E4C5-499C-A203-6E5F67CB75EC}"/>
+              </a:ext>
+            </a:extLst>
+          </p:cNvPr>
+          <p:cNvSpPr txBox="1"/>
+          <p:nvPr/>
+        </p:nvSpPr>
+        <p:spPr>
+          <a:xfrm>
+            <a:off x="348791" y="1188025"/>
+            <a:ext cx="6094428" cy="1384995"/>
+          </a:xfrm>
+          <a:prstGeom prst="rect">
+            <a:avLst/>
+          </a:prstGeom>
+          <a:noFill/>
+        </p:spPr>
+        <p:txBody>
+          <a:bodyPr wrap="square">
+            <a:spAutoFit/>
+          </a:bodyPr>
+          <a:lstStyle/>
+          <a:p>
+            <a:r>
+              <a:rPr lang="uk-UA" sz="2800" b="0" i="0" dirty="0">
+                <a:solidFill>
+                  <a:srgbClr val="172B53"/>
+                </a:solidFill>
+                <a:effectLst/>
+                <a:latin typeface="Times New Roman" panose="02020603050405020304" pitchFamily="18" charset="0"/>
+                <a:cs typeface="Times New Roman" panose="02020603050405020304" pitchFamily="18" charset="0"/>
+              </a:rPr>
+              <a:t>Щоб уникнути схожих ситуацій, нам потрібно придумати спосіб перевірки даних, які вводить користувач.</a:t>
+            </a:r>
+          </a:p>
+        </p:txBody>
+      </p:sp>
+      <p:sp>
+        <p:nvSpPr>
+          <p:cNvPr id="8" name="TextBox 7">
+            <a:extLst>
+              <a:ext uri="{FF2B5EF4-FFF2-40B4-BE49-F238E27FC236}">
+                <a16:creationId xmlns:a16="http://schemas.microsoft.com/office/drawing/2014/main" id="{45D05399-1120-4523-9EDA-097F5D589639}"/>
+              </a:ext>
+            </a:extLst>
+          </p:cNvPr>
+          <p:cNvSpPr txBox="1"/>
+          <p:nvPr/>
+        </p:nvSpPr>
+        <p:spPr>
+          <a:xfrm>
+            <a:off x="5967167" y="2356257"/>
+            <a:ext cx="6094428" cy="2677656"/>
+          </a:xfrm>
+          <a:prstGeom prst="rect">
+            <a:avLst/>
+          </a:prstGeom>
+          <a:noFill/>
+        </p:spPr>
+        <p:txBody>
+          <a:bodyPr wrap="square">
+            <a:spAutoFit/>
+          </a:bodyPr>
+          <a:lstStyle/>
+          <a:p>
+            <a:r>
+              <a:rPr lang="uk-UA" sz="2800" b="0" i="0" dirty="0">
+                <a:solidFill>
+                  <a:srgbClr val="172B53"/>
+                </a:solidFill>
+                <a:effectLst/>
+                <a:latin typeface="Times New Roman" panose="02020603050405020304" pitchFamily="18" charset="0"/>
+                <a:cs typeface="Times New Roman" panose="02020603050405020304" pitchFamily="18" charset="0"/>
+              </a:rPr>
+              <a:t>Наприклад, користувач вводить що завгодно, крім числа, – добре б вивести в консоль попередження, що введена інформація не є числом, а якщо все гаразд – вивести текст підтвердження. </a:t>
+            </a:r>
+          </a:p>
+        </p:txBody>
+      </p:sp>
+    </p:spTree>
+    <p:extLst>
+      <p:ext uri="{BB962C8B-B14F-4D97-AF65-F5344CB8AC3E}">
+        <p14:creationId xmlns:p14="http://schemas.microsoft.com/office/powerpoint/2010/main" val="1655250808"/>
+      </p:ext>
+    </p:extLst>
+  </p:cSld>
+  <p:clrMapOvr>
+    <a:masterClrMapping/>
+  </p:clrMapOvr>
+</p:sld>
+</file>
+
+<file path=ppt/slides/slide12.xml><?xml version="1.0" encoding="utf-8"?>
+<p:sld xmlns:a="http://schemas.openxmlformats.org/drawingml/2006/main" xmlns:r="http://schemas.openxmlformats.org/officeDocument/2006/relationships" xmlns:p="http://schemas.openxmlformats.org/presentationml/2006/main">
+  <p:cSld>
+    <p:spTree>
+      <p:nvGrpSpPr>
+        <p:cNvPr id="1" name=""/>
+        <p:cNvGrpSpPr/>
+        <p:nvPr/>
+      </p:nvGrpSpPr>
+      <p:grpSpPr>
+        <a:xfrm>
+          <a:off x="0" y="0"/>
+          <a:ext cx="0" cy="0"/>
+          <a:chOff x="0" y="0"/>
+          <a:chExt cx="0" cy="0"/>
+        </a:xfrm>
+      </p:grpSpPr>
+      <p:sp>
+        <p:nvSpPr>
+          <p:cNvPr id="2" name="TextBox 1">
+            <a:extLst>
+              <a:ext uri="{FF2B5EF4-FFF2-40B4-BE49-F238E27FC236}">
+                <a16:creationId xmlns:a16="http://schemas.microsoft.com/office/drawing/2014/main" id="{6FC131FA-800F-4141-BE5B-38BD5B27582E}"/>
+              </a:ext>
+            </a:extLst>
+          </p:cNvPr>
+          <p:cNvSpPr txBox="1"/>
+          <p:nvPr/>
+        </p:nvSpPr>
+        <p:spPr>
+          <a:xfrm>
+            <a:off x="6519210" y="2116008"/>
+            <a:ext cx="5080909" cy="4031873"/>
+          </a:xfrm>
+          <a:prstGeom prst="rect">
+            <a:avLst/>
+          </a:prstGeom>
+          <a:noFill/>
+        </p:spPr>
+        <p:txBody>
+          <a:bodyPr wrap="square" rtlCol="0">
+            <a:spAutoFit/>
+          </a:bodyPr>
+          <a:lstStyle/>
+          <a:p>
+            <a:pPr algn="just"/>
+            <a:r>
+              <a:rPr lang="en-US" sz="3200" b="1" i="0" dirty="0" err="1">
+                <a:solidFill>
+                  <a:srgbClr val="000000"/>
+                </a:solidFill>
+                <a:effectLst/>
+                <a:latin typeface="Courier New" panose="02070309020205020404" pitchFamily="49" charset="0"/>
+                <a:cs typeface="Courier New" panose="02070309020205020404" pitchFamily="49" charset="0"/>
+              </a:rPr>
+              <a:t>hasNextByte</a:t>
+            </a:r>
+            <a:r>
+              <a:rPr lang="en-US" sz="3200" b="1" i="0" dirty="0">
+                <a:solidFill>
+                  <a:srgbClr val="000000"/>
+                </a:solidFill>
+                <a:effectLst/>
+                <a:latin typeface="Courier New" panose="02070309020205020404" pitchFamily="49" charset="0"/>
+                <a:cs typeface="Courier New" panose="02070309020205020404" pitchFamily="49" charset="0"/>
+              </a:rPr>
+              <a:t>()</a:t>
+            </a:r>
+            <a:r>
+              <a:rPr lang="en-US" sz="3200" b="0" i="0" dirty="0">
+                <a:solidFill>
+                  <a:srgbClr val="172B53"/>
+                </a:solidFill>
+                <a:effectLst/>
+                <a:latin typeface="Courier New" panose="02070309020205020404" pitchFamily="49" charset="0"/>
+                <a:cs typeface="Courier New" panose="02070309020205020404" pitchFamily="49" charset="0"/>
+              </a:rPr>
+              <a:t>,</a:t>
+            </a:r>
+            <a:endParaRPr lang="uk-UA" sz="3200" b="0" i="0" dirty="0">
+              <a:solidFill>
+                <a:srgbClr val="172B53"/>
+              </a:solidFill>
+              <a:effectLst/>
+              <a:latin typeface="Courier New" panose="02070309020205020404" pitchFamily="49" charset="0"/>
+              <a:cs typeface="Courier New" panose="02070309020205020404" pitchFamily="49" charset="0"/>
+            </a:endParaRPr>
+          </a:p>
+          <a:p>
+            <a:pPr algn="just"/>
+            <a:r>
+              <a:rPr lang="en-US" sz="3200" b="1" i="0" dirty="0" err="1">
+                <a:solidFill>
+                  <a:srgbClr val="000000"/>
+                </a:solidFill>
+                <a:effectLst/>
+                <a:latin typeface="Courier New" panose="02070309020205020404" pitchFamily="49" charset="0"/>
+                <a:cs typeface="Courier New" panose="02070309020205020404" pitchFamily="49" charset="0"/>
+              </a:rPr>
+              <a:t>hasNextShort</a:t>
+            </a:r>
+            <a:r>
+              <a:rPr lang="en-US" sz="3200" b="1" i="0" dirty="0">
+                <a:solidFill>
+                  <a:srgbClr val="000000"/>
+                </a:solidFill>
+                <a:effectLst/>
+                <a:latin typeface="Courier New" panose="02070309020205020404" pitchFamily="49" charset="0"/>
+                <a:cs typeface="Courier New" panose="02070309020205020404" pitchFamily="49" charset="0"/>
+              </a:rPr>
+              <a:t>()</a:t>
+            </a:r>
+            <a:r>
+              <a:rPr lang="en-US" sz="3200" b="0" i="0" dirty="0">
+                <a:solidFill>
+                  <a:srgbClr val="172B53"/>
+                </a:solidFill>
+                <a:effectLst/>
+                <a:latin typeface="Courier New" panose="02070309020205020404" pitchFamily="49" charset="0"/>
+                <a:cs typeface="Courier New" panose="02070309020205020404" pitchFamily="49" charset="0"/>
+              </a:rPr>
+              <a:t>, </a:t>
+            </a:r>
+            <a:endParaRPr lang="uk-UA" sz="3200" b="0" i="0" dirty="0">
+              <a:solidFill>
+                <a:srgbClr val="172B53"/>
+              </a:solidFill>
+              <a:effectLst/>
+              <a:latin typeface="Courier New" panose="02070309020205020404" pitchFamily="49" charset="0"/>
+              <a:cs typeface="Courier New" panose="02070309020205020404" pitchFamily="49" charset="0"/>
+            </a:endParaRPr>
+          </a:p>
+          <a:p>
+            <a:pPr algn="just"/>
+            <a:r>
+              <a:rPr lang="en-US" sz="3200" b="1" i="0" dirty="0" err="1">
+                <a:solidFill>
+                  <a:srgbClr val="000000"/>
+                </a:solidFill>
+                <a:effectLst/>
+                <a:latin typeface="Courier New" panose="02070309020205020404" pitchFamily="49" charset="0"/>
+                <a:cs typeface="Courier New" panose="02070309020205020404" pitchFamily="49" charset="0"/>
+              </a:rPr>
+              <a:t>hasNextLong</a:t>
+            </a:r>
+            <a:r>
+              <a:rPr lang="en-US" sz="3200" b="1" i="0" dirty="0">
+                <a:solidFill>
+                  <a:srgbClr val="000000"/>
+                </a:solidFill>
+                <a:effectLst/>
+                <a:latin typeface="Courier New" panose="02070309020205020404" pitchFamily="49" charset="0"/>
+                <a:cs typeface="Courier New" panose="02070309020205020404" pitchFamily="49" charset="0"/>
+              </a:rPr>
+              <a:t>()</a:t>
+            </a:r>
+            <a:r>
+              <a:rPr lang="en-US" sz="3200" b="0" i="0" dirty="0">
+                <a:solidFill>
+                  <a:srgbClr val="172B53"/>
+                </a:solidFill>
+                <a:effectLst/>
+                <a:latin typeface="Courier New" panose="02070309020205020404" pitchFamily="49" charset="0"/>
+                <a:cs typeface="Courier New" panose="02070309020205020404" pitchFamily="49" charset="0"/>
+              </a:rPr>
+              <a:t>, </a:t>
+            </a:r>
+            <a:endParaRPr lang="uk-UA" sz="3200" b="0" i="0" dirty="0">
+              <a:solidFill>
+                <a:srgbClr val="172B53"/>
+              </a:solidFill>
+              <a:effectLst/>
+              <a:latin typeface="Courier New" panose="02070309020205020404" pitchFamily="49" charset="0"/>
+              <a:cs typeface="Courier New" panose="02070309020205020404" pitchFamily="49" charset="0"/>
+            </a:endParaRPr>
+          </a:p>
+          <a:p>
+            <a:pPr algn="just"/>
+            <a:r>
+              <a:rPr lang="en-US" sz="3200" b="1" i="0" dirty="0" err="1">
+                <a:solidFill>
+                  <a:srgbClr val="000000"/>
+                </a:solidFill>
+                <a:effectLst/>
+                <a:latin typeface="Courier New" panose="02070309020205020404" pitchFamily="49" charset="0"/>
+                <a:cs typeface="Courier New" panose="02070309020205020404" pitchFamily="49" charset="0"/>
+              </a:rPr>
+              <a:t>hasNextFloat</a:t>
+            </a:r>
+            <a:r>
+              <a:rPr lang="en-US" sz="3200" b="1" i="0" dirty="0">
+                <a:solidFill>
+                  <a:srgbClr val="000000"/>
+                </a:solidFill>
+                <a:effectLst/>
+                <a:latin typeface="Courier New" panose="02070309020205020404" pitchFamily="49" charset="0"/>
+                <a:cs typeface="Courier New" panose="02070309020205020404" pitchFamily="49" charset="0"/>
+              </a:rPr>
+              <a:t>()</a:t>
+            </a:r>
+            <a:r>
+              <a:rPr lang="en-US" sz="3200" b="0" i="0" dirty="0">
+                <a:solidFill>
+                  <a:srgbClr val="172B53"/>
+                </a:solidFill>
+                <a:effectLst/>
+                <a:latin typeface="Courier New" panose="02070309020205020404" pitchFamily="49" charset="0"/>
+                <a:cs typeface="Courier New" panose="02070309020205020404" pitchFamily="49" charset="0"/>
+              </a:rPr>
+              <a:t>, </a:t>
+            </a:r>
+            <a:endParaRPr lang="uk-UA" sz="3200" b="0" i="0" dirty="0">
+              <a:solidFill>
+                <a:srgbClr val="172B53"/>
+              </a:solidFill>
+              <a:effectLst/>
+              <a:latin typeface="Courier New" panose="02070309020205020404" pitchFamily="49" charset="0"/>
+              <a:cs typeface="Courier New" panose="02070309020205020404" pitchFamily="49" charset="0"/>
+            </a:endParaRPr>
+          </a:p>
+          <a:p>
+            <a:pPr algn="just"/>
+            <a:r>
+              <a:rPr lang="en-US" sz="3200" b="1" i="0" dirty="0" err="1">
+                <a:solidFill>
+                  <a:srgbClr val="000000"/>
+                </a:solidFill>
+                <a:effectLst/>
+                <a:latin typeface="Courier New" panose="02070309020205020404" pitchFamily="49" charset="0"/>
+                <a:cs typeface="Courier New" panose="02070309020205020404" pitchFamily="49" charset="0"/>
+              </a:rPr>
+              <a:t>hasNextDouble</a:t>
+            </a:r>
+            <a:r>
+              <a:rPr lang="en-US" sz="3200" b="1" i="0" dirty="0">
+                <a:solidFill>
+                  <a:srgbClr val="000000"/>
+                </a:solidFill>
+                <a:effectLst/>
+                <a:latin typeface="Courier New" panose="02070309020205020404" pitchFamily="49" charset="0"/>
+                <a:cs typeface="Courier New" panose="02070309020205020404" pitchFamily="49" charset="0"/>
+              </a:rPr>
+              <a:t>()</a:t>
+            </a:r>
+            <a:r>
+              <a:rPr lang="en-US" sz="3200" b="0" i="0" dirty="0">
+                <a:solidFill>
+                  <a:srgbClr val="172B53"/>
+                </a:solidFill>
+                <a:effectLst/>
+                <a:latin typeface="Courier New" panose="02070309020205020404" pitchFamily="49" charset="0"/>
+                <a:cs typeface="Courier New" panose="02070309020205020404" pitchFamily="49" charset="0"/>
+              </a:rPr>
+              <a:t> </a:t>
+            </a:r>
+            <a:r>
+              <a:rPr lang="en-US" sz="3200" b="0" i="0" dirty="0">
+                <a:solidFill>
+                  <a:srgbClr val="172B53"/>
+                </a:solidFill>
+                <a:effectLst/>
+                <a:latin typeface="Times New Roman" panose="02020603050405020304" pitchFamily="18" charset="0"/>
+                <a:cs typeface="Times New Roman" panose="02020603050405020304" pitchFamily="18" charset="0"/>
+              </a:rPr>
+              <a:t>– </a:t>
+            </a:r>
+            <a:r>
+              <a:rPr lang="uk-UA" sz="3200" b="0" i="0" dirty="0">
+                <a:solidFill>
+                  <a:srgbClr val="172B53"/>
+                </a:solidFill>
+                <a:effectLst/>
+                <a:latin typeface="Times New Roman" panose="02020603050405020304" pitchFamily="18" charset="0"/>
+                <a:cs typeface="Times New Roman" panose="02020603050405020304" pitchFamily="18" charset="0"/>
+              </a:rPr>
+              <a:t>усі ці методи роблять те саме для інших типів даних.</a:t>
+            </a:r>
+            <a:endParaRPr lang="uk-UA" sz="3200" dirty="0">
+              <a:latin typeface="Times New Roman" panose="02020603050405020304" pitchFamily="18" charset="0"/>
+              <a:cs typeface="Times New Roman" panose="02020603050405020304" pitchFamily="18" charset="0"/>
+            </a:endParaRPr>
+          </a:p>
+          <a:p>
+            <a:pPr algn="just"/>
+            <a:endParaRPr lang="uk-UA" sz="3200" dirty="0">
+              <a:latin typeface="Times New Roman" panose="02020603050405020304" pitchFamily="18" charset="0"/>
+              <a:cs typeface="Times New Roman" panose="02020603050405020304" pitchFamily="18" charset="0"/>
+            </a:endParaRPr>
+          </a:p>
+        </p:txBody>
+      </p:sp>
+      <p:sp>
+        <p:nvSpPr>
+          <p:cNvPr id="3" name="TextBox 2">
+            <a:extLst>
+              <a:ext uri="{FF2B5EF4-FFF2-40B4-BE49-F238E27FC236}">
+                <a16:creationId xmlns:a16="http://schemas.microsoft.com/office/drawing/2014/main" id="{EECBB70B-C354-4BFA-88DF-22933031F03B}"/>
+              </a:ext>
+            </a:extLst>
+          </p:cNvPr>
+          <p:cNvSpPr txBox="1"/>
+          <p:nvPr/>
+        </p:nvSpPr>
+        <p:spPr>
+          <a:xfrm>
+            <a:off x="0" y="103695"/>
+            <a:ext cx="12192000" cy="707886"/>
+          </a:xfrm>
+          <a:prstGeom prst="rect">
+            <a:avLst/>
+          </a:prstGeom>
+          <a:noFill/>
+        </p:spPr>
+        <p:txBody>
+          <a:bodyPr wrap="square" rtlCol="0">
+            <a:spAutoFit/>
+          </a:bodyPr>
+          <a:lstStyle/>
+          <a:p>
+            <a:pPr algn="ctr"/>
+            <a:r>
+              <a:rPr lang="uk-UA" sz="4000" dirty="0">
+                <a:latin typeface="Times New Roman" panose="02020603050405020304" pitchFamily="18" charset="0"/>
+                <a:cs typeface="Times New Roman" panose="02020603050405020304" pitchFamily="18" charset="0"/>
+              </a:rPr>
+              <a:t>Методи перевірки</a:t>
+            </a:r>
+          </a:p>
+        </p:txBody>
+      </p:sp>
+      <p:sp>
+        <p:nvSpPr>
+          <p:cNvPr id="5" name="TextBox 4">
+            <a:extLst>
+              <a:ext uri="{FF2B5EF4-FFF2-40B4-BE49-F238E27FC236}">
+                <a16:creationId xmlns:a16="http://schemas.microsoft.com/office/drawing/2014/main" id="{881476CD-3CFD-4A46-ADA2-545ADE4F5C52}"/>
+              </a:ext>
+            </a:extLst>
+          </p:cNvPr>
+          <p:cNvSpPr txBox="1"/>
+          <p:nvPr/>
+        </p:nvSpPr>
+        <p:spPr>
+          <a:xfrm>
+            <a:off x="514060" y="1010143"/>
+            <a:ext cx="4706282" cy="5078313"/>
+          </a:xfrm>
+          <a:prstGeom prst="rect">
+            <a:avLst/>
+          </a:prstGeom>
+          <a:noFill/>
+        </p:spPr>
+        <p:txBody>
+          <a:bodyPr wrap="square">
+            <a:spAutoFit/>
+          </a:bodyPr>
+          <a:lstStyle/>
+          <a:p>
+            <a:r>
+              <a:rPr lang="uk-UA" sz="3600" b="0" i="0" dirty="0">
+                <a:solidFill>
+                  <a:srgbClr val="172B53"/>
+                </a:solidFill>
+                <a:effectLst/>
+                <a:latin typeface="Times New Roman" panose="02020603050405020304" pitchFamily="18" charset="0"/>
+                <a:cs typeface="Times New Roman" panose="02020603050405020304" pitchFamily="18" charset="0"/>
+              </a:rPr>
+              <a:t>І для цього в нього є ціла група методів: </a:t>
+            </a:r>
+          </a:p>
+          <a:p>
+            <a:r>
+              <a:rPr lang="en-US" sz="3600" b="1" i="0" dirty="0" err="1">
+                <a:solidFill>
+                  <a:srgbClr val="000000"/>
+                </a:solidFill>
+                <a:effectLst/>
+                <a:latin typeface="Courier New" panose="02070309020205020404" pitchFamily="49" charset="0"/>
+                <a:cs typeface="Courier New" panose="02070309020205020404" pitchFamily="49" charset="0"/>
+              </a:rPr>
+              <a:t>hasNextInt</a:t>
+            </a:r>
+            <a:r>
+              <a:rPr lang="en-US" sz="3600" b="1" i="0" dirty="0">
+                <a:solidFill>
+                  <a:srgbClr val="000000"/>
+                </a:solidFill>
+                <a:effectLst/>
+                <a:latin typeface="Courier New" panose="02070309020205020404" pitchFamily="49" charset="0"/>
+                <a:cs typeface="Courier New" panose="02070309020205020404" pitchFamily="49" charset="0"/>
+              </a:rPr>
+              <a:t>()</a:t>
+            </a:r>
+            <a:r>
+              <a:rPr lang="en-US" sz="3600" b="0" i="0" dirty="0">
+                <a:solidFill>
+                  <a:srgbClr val="172B53"/>
+                </a:solidFill>
+                <a:effectLst/>
+                <a:latin typeface="Courier New" panose="02070309020205020404" pitchFamily="49" charset="0"/>
+                <a:cs typeface="Courier New" panose="02070309020205020404" pitchFamily="49" charset="0"/>
+              </a:rPr>
+              <a:t> </a:t>
+            </a:r>
+            <a:r>
+              <a:rPr lang="en-US" sz="3600" b="0" i="0" dirty="0">
+                <a:solidFill>
+                  <a:srgbClr val="172B53"/>
+                </a:solidFill>
+                <a:effectLst/>
+                <a:latin typeface="Times New Roman" panose="02020603050405020304" pitchFamily="18" charset="0"/>
+                <a:cs typeface="Times New Roman" panose="02020603050405020304" pitchFamily="18" charset="0"/>
+              </a:rPr>
+              <a:t>– </a:t>
+            </a:r>
+            <a:r>
+              <a:rPr lang="uk-UA" sz="3600" b="0" i="0" dirty="0">
+                <a:solidFill>
+                  <a:srgbClr val="172B53"/>
+                </a:solidFill>
+                <a:effectLst/>
+                <a:latin typeface="Times New Roman" panose="02020603050405020304" pitchFamily="18" charset="0"/>
+                <a:cs typeface="Times New Roman" panose="02020603050405020304" pitchFamily="18" charset="0"/>
+              </a:rPr>
+              <a:t>метод перевіряє, чи є наступна порція введених даних числом або ні (повертає, відповідно, </a:t>
+            </a:r>
+            <a:r>
+              <a:rPr lang="en-US" sz="3600" b="0" i="0" dirty="0">
+                <a:solidFill>
+                  <a:srgbClr val="172B53"/>
+                </a:solidFill>
+                <a:effectLst/>
+                <a:latin typeface="Times New Roman" panose="02020603050405020304" pitchFamily="18" charset="0"/>
+                <a:cs typeface="Times New Roman" panose="02020603050405020304" pitchFamily="18" charset="0"/>
+              </a:rPr>
+              <a:t>true </a:t>
+            </a:r>
+            <a:r>
+              <a:rPr lang="uk-UA" sz="3600" b="0" i="0" dirty="0">
+                <a:solidFill>
+                  <a:srgbClr val="172B53"/>
+                </a:solidFill>
+                <a:effectLst/>
+                <a:latin typeface="Times New Roman" panose="02020603050405020304" pitchFamily="18" charset="0"/>
+                <a:cs typeface="Times New Roman" panose="02020603050405020304" pitchFamily="18" charset="0"/>
+              </a:rPr>
+              <a:t>або </a:t>
+            </a:r>
+            <a:r>
+              <a:rPr lang="en-US" sz="3600" b="0" i="0" dirty="0">
+                <a:solidFill>
+                  <a:srgbClr val="172B53"/>
+                </a:solidFill>
+                <a:effectLst/>
+                <a:latin typeface="Times New Roman" panose="02020603050405020304" pitchFamily="18" charset="0"/>
+                <a:cs typeface="Times New Roman" panose="02020603050405020304" pitchFamily="18" charset="0"/>
+              </a:rPr>
+              <a:t>false).</a:t>
+            </a:r>
+            <a:endParaRPr lang="uk-UA" sz="3600" b="0" i="0" dirty="0">
+              <a:solidFill>
+                <a:srgbClr val="172B53"/>
+              </a:solidFill>
+              <a:effectLst/>
+              <a:latin typeface="Times New Roman" panose="02020603050405020304" pitchFamily="18" charset="0"/>
+              <a:cs typeface="Times New Roman" panose="02020603050405020304" pitchFamily="18" charset="0"/>
+            </a:endParaRPr>
+          </a:p>
+        </p:txBody>
+      </p:sp>
+    </p:spTree>
+    <p:extLst>
+      <p:ext uri="{BB962C8B-B14F-4D97-AF65-F5344CB8AC3E}">
+        <p14:creationId xmlns:p14="http://schemas.microsoft.com/office/powerpoint/2010/main" val="2127869969"/>
+      </p:ext>
+    </p:extLst>
+  </p:cSld>
+  <p:clrMapOvr>
+    <a:masterClrMapping/>
+  </p:clrMapOvr>
+</p:sld>
+</file>
+
+<file path=ppt/slides/slide13.xml><?xml version="1.0" encoding="utf-8"?>
+<p:sld xmlns:a="http://schemas.openxmlformats.org/drawingml/2006/main" xmlns:r="http://schemas.openxmlformats.org/officeDocument/2006/relationships" xmlns:p="http://schemas.openxmlformats.org/presentationml/2006/main">
+  <p:cSld>
+    <p:spTree>
+      <p:nvGrpSpPr>
+        <p:cNvPr id="1" name=""/>
+        <p:cNvGrpSpPr/>
+        <p:nvPr/>
+      </p:nvGrpSpPr>
+      <p:grpSpPr>
+        <a:xfrm>
+          <a:off x="0" y="0"/>
+          <a:ext cx="0" cy="0"/>
+          <a:chOff x="0" y="0"/>
+          <a:chExt cx="0" cy="0"/>
+        </a:xfrm>
+      </p:grpSpPr>
+      <p:sp>
+        <p:nvSpPr>
+          <p:cNvPr id="2" name="TextBox 1">
+            <a:extLst>
+              <a:ext uri="{FF2B5EF4-FFF2-40B4-BE49-F238E27FC236}">
+                <a16:creationId xmlns:a16="http://schemas.microsoft.com/office/drawing/2014/main" id="{D4D85E01-D97D-4FEC-8E51-A42EDC7A6F31}"/>
+              </a:ext>
+            </a:extLst>
+          </p:cNvPr>
+          <p:cNvSpPr txBox="1"/>
+          <p:nvPr/>
+        </p:nvSpPr>
+        <p:spPr>
+          <a:xfrm>
+            <a:off x="535021" y="1524033"/>
+            <a:ext cx="6695338" cy="4708981"/>
+          </a:xfrm>
+          <a:prstGeom prst="rect">
+            <a:avLst/>
+          </a:prstGeom>
+          <a:noFill/>
+        </p:spPr>
+        <p:txBody>
+          <a:bodyPr wrap="square" rtlCol="0">
+            <a:spAutoFit/>
+          </a:bodyPr>
+          <a:lstStyle/>
+          <a:p>
+            <a:r>
+              <a:rPr lang="en-US" sz="2000" b="1" i="0" dirty="0">
+                <a:solidFill>
+                  <a:srgbClr val="000080"/>
+                </a:solidFill>
+                <a:effectLst/>
+                <a:latin typeface="Courier New" panose="02070309020205020404" pitchFamily="49" charset="0"/>
+                <a:cs typeface="Courier New" panose="02070309020205020404" pitchFamily="49" charset="0"/>
+              </a:rPr>
+              <a:t>public</a:t>
+            </a:r>
+            <a:r>
+              <a:rPr lang="en-US" sz="2000" b="0" i="0" dirty="0">
+                <a:solidFill>
+                  <a:srgbClr val="000000"/>
+                </a:solidFill>
+                <a:effectLst/>
+                <a:latin typeface="Courier New" panose="02070309020205020404" pitchFamily="49" charset="0"/>
+                <a:cs typeface="Courier New" panose="02070309020205020404" pitchFamily="49" charset="0"/>
+              </a:rPr>
+              <a:t> </a:t>
+            </a:r>
+            <a:r>
+              <a:rPr lang="en-US" sz="2000" b="1" i="0" dirty="0">
+                <a:solidFill>
+                  <a:srgbClr val="000080"/>
+                </a:solidFill>
+                <a:effectLst/>
+                <a:latin typeface="Courier New" panose="02070309020205020404" pitchFamily="49" charset="0"/>
+                <a:cs typeface="Courier New" panose="02070309020205020404" pitchFamily="49" charset="0"/>
+              </a:rPr>
+              <a:t>class</a:t>
+            </a:r>
+            <a:r>
+              <a:rPr lang="en-US" sz="2000" b="0" i="0" dirty="0">
+                <a:solidFill>
+                  <a:srgbClr val="000000"/>
+                </a:solidFill>
+                <a:effectLst/>
+                <a:latin typeface="Courier New" panose="02070309020205020404" pitchFamily="49" charset="0"/>
+                <a:cs typeface="Courier New" panose="02070309020205020404" pitchFamily="49" charset="0"/>
+              </a:rPr>
+              <a:t> Main { </a:t>
+            </a:r>
+            <a:endParaRPr lang="uk-UA" sz="2000" b="0" i="0" dirty="0">
+              <a:solidFill>
+                <a:srgbClr val="000000"/>
+              </a:solidFill>
+              <a:effectLst/>
+              <a:latin typeface="Courier New" panose="02070309020205020404" pitchFamily="49" charset="0"/>
+              <a:cs typeface="Courier New" panose="02070309020205020404" pitchFamily="49" charset="0"/>
+            </a:endParaRPr>
+          </a:p>
+          <a:p>
+            <a:r>
+              <a:rPr lang="en-US" sz="2000" b="1" i="0" dirty="0">
+                <a:solidFill>
+                  <a:srgbClr val="000080"/>
+                </a:solidFill>
+                <a:effectLst/>
+                <a:latin typeface="Courier New" panose="02070309020205020404" pitchFamily="49" charset="0"/>
+                <a:cs typeface="Courier New" panose="02070309020205020404" pitchFamily="49" charset="0"/>
+              </a:rPr>
+              <a:t>public</a:t>
+            </a:r>
+            <a:r>
+              <a:rPr lang="en-US" sz="2000" b="0" i="0" dirty="0">
+                <a:solidFill>
+                  <a:srgbClr val="000000"/>
+                </a:solidFill>
+                <a:effectLst/>
+                <a:latin typeface="Courier New" panose="02070309020205020404" pitchFamily="49" charset="0"/>
+                <a:cs typeface="Courier New" panose="02070309020205020404" pitchFamily="49" charset="0"/>
+              </a:rPr>
+              <a:t> </a:t>
+            </a:r>
+            <a:r>
+              <a:rPr lang="en-US" sz="2000" b="1" i="0" dirty="0">
+                <a:solidFill>
+                  <a:srgbClr val="000080"/>
+                </a:solidFill>
+                <a:effectLst/>
+                <a:latin typeface="Courier New" panose="02070309020205020404" pitchFamily="49" charset="0"/>
+                <a:cs typeface="Courier New" panose="02070309020205020404" pitchFamily="49" charset="0"/>
+              </a:rPr>
+              <a:t>static</a:t>
+            </a:r>
+            <a:r>
+              <a:rPr lang="en-US" sz="2000" b="0" i="0" dirty="0">
+                <a:solidFill>
+                  <a:srgbClr val="000000"/>
+                </a:solidFill>
+                <a:effectLst/>
+                <a:latin typeface="Courier New" panose="02070309020205020404" pitchFamily="49" charset="0"/>
+                <a:cs typeface="Courier New" panose="02070309020205020404" pitchFamily="49" charset="0"/>
+              </a:rPr>
+              <a:t> </a:t>
+            </a:r>
+            <a:r>
+              <a:rPr lang="en-US" sz="2000" b="1" i="0" dirty="0">
+                <a:solidFill>
+                  <a:srgbClr val="000080"/>
+                </a:solidFill>
+                <a:effectLst/>
+                <a:latin typeface="Courier New" panose="02070309020205020404" pitchFamily="49" charset="0"/>
+                <a:cs typeface="Courier New" panose="02070309020205020404" pitchFamily="49" charset="0"/>
+              </a:rPr>
+              <a:t>void</a:t>
+            </a:r>
+            <a:r>
+              <a:rPr lang="en-US" sz="2000" b="0" i="0" dirty="0">
+                <a:solidFill>
+                  <a:srgbClr val="000000"/>
+                </a:solidFill>
+                <a:effectLst/>
+                <a:latin typeface="Courier New" panose="02070309020205020404" pitchFamily="49" charset="0"/>
+                <a:cs typeface="Courier New" panose="02070309020205020404" pitchFamily="49" charset="0"/>
+              </a:rPr>
+              <a:t> </a:t>
+            </a:r>
+            <a:r>
+              <a:rPr lang="en-US" sz="2000" b="0" i="0" dirty="0">
+                <a:solidFill>
+                  <a:srgbClr val="900606"/>
+                </a:solidFill>
+                <a:effectLst/>
+                <a:latin typeface="Courier New" panose="02070309020205020404" pitchFamily="49" charset="0"/>
+                <a:cs typeface="Courier New" panose="02070309020205020404" pitchFamily="49" charset="0"/>
+              </a:rPr>
+              <a:t>main</a:t>
+            </a:r>
+            <a:r>
+              <a:rPr lang="en-US" sz="2000" b="0" i="0" dirty="0">
+                <a:solidFill>
+                  <a:srgbClr val="000000"/>
+                </a:solidFill>
+                <a:effectLst/>
+                <a:latin typeface="Courier New" panose="02070309020205020404" pitchFamily="49" charset="0"/>
+                <a:cs typeface="Courier New" panose="02070309020205020404" pitchFamily="49" charset="0"/>
+              </a:rPr>
+              <a:t>(String[] </a:t>
+            </a:r>
+            <a:r>
+              <a:rPr lang="en-US" sz="2000" b="0" i="0" dirty="0" err="1">
+                <a:solidFill>
+                  <a:srgbClr val="000000"/>
+                </a:solidFill>
+                <a:effectLst/>
+                <a:latin typeface="Courier New" panose="02070309020205020404" pitchFamily="49" charset="0"/>
+                <a:cs typeface="Courier New" panose="02070309020205020404" pitchFamily="49" charset="0"/>
+              </a:rPr>
+              <a:t>args</a:t>
+            </a:r>
+            <a:r>
+              <a:rPr lang="en-US" sz="2000" b="0" i="0" dirty="0">
+                <a:solidFill>
+                  <a:srgbClr val="000000"/>
+                </a:solidFill>
+                <a:effectLst/>
+                <a:latin typeface="Courier New" panose="02070309020205020404" pitchFamily="49" charset="0"/>
+                <a:cs typeface="Courier New" panose="02070309020205020404" pitchFamily="49" charset="0"/>
+              </a:rPr>
+              <a:t>) { </a:t>
+            </a:r>
+            <a:endParaRPr lang="uk-UA" sz="2000" b="0" i="0" dirty="0">
+              <a:solidFill>
+                <a:srgbClr val="000000"/>
+              </a:solidFill>
+              <a:effectLst/>
+              <a:latin typeface="Courier New" panose="02070309020205020404" pitchFamily="49" charset="0"/>
+              <a:cs typeface="Courier New" panose="02070309020205020404" pitchFamily="49" charset="0"/>
+            </a:endParaRPr>
+          </a:p>
+          <a:p>
+            <a:r>
+              <a:rPr lang="en-US" sz="2000" b="0" i="0" dirty="0">
+                <a:solidFill>
+                  <a:srgbClr val="000000"/>
+                </a:solidFill>
+                <a:effectLst/>
+                <a:latin typeface="Courier New" panose="02070309020205020404" pitchFamily="49" charset="0"/>
+                <a:cs typeface="Courier New" panose="02070309020205020404" pitchFamily="49" charset="0"/>
+              </a:rPr>
+              <a:t>Scanner </a:t>
+            </a:r>
+            <a:r>
+              <a:rPr lang="en-US" sz="2000" b="0" i="0" dirty="0" err="1">
+                <a:solidFill>
+                  <a:srgbClr val="000000"/>
+                </a:solidFill>
+                <a:effectLst/>
+                <a:latin typeface="Courier New" panose="02070309020205020404" pitchFamily="49" charset="0"/>
+                <a:cs typeface="Courier New" panose="02070309020205020404" pitchFamily="49" charset="0"/>
+              </a:rPr>
+              <a:t>sc</a:t>
+            </a:r>
+            <a:r>
+              <a:rPr lang="en-US" sz="2000" b="0" i="0" dirty="0">
+                <a:solidFill>
+                  <a:srgbClr val="000000"/>
+                </a:solidFill>
+                <a:effectLst/>
+                <a:latin typeface="Courier New" panose="02070309020205020404" pitchFamily="49" charset="0"/>
+                <a:cs typeface="Courier New" panose="02070309020205020404" pitchFamily="49" charset="0"/>
+              </a:rPr>
+              <a:t> = </a:t>
+            </a:r>
+            <a:r>
+              <a:rPr lang="en-US" sz="2000" b="1" i="0" dirty="0">
+                <a:solidFill>
+                  <a:srgbClr val="000080"/>
+                </a:solidFill>
+                <a:effectLst/>
+                <a:latin typeface="Courier New" panose="02070309020205020404" pitchFamily="49" charset="0"/>
+                <a:cs typeface="Courier New" panose="02070309020205020404" pitchFamily="49" charset="0"/>
+              </a:rPr>
+              <a:t>new</a:t>
+            </a:r>
+            <a:r>
+              <a:rPr lang="en-US" sz="2000" b="0" i="0" dirty="0">
+                <a:solidFill>
+                  <a:srgbClr val="000000"/>
+                </a:solidFill>
+                <a:effectLst/>
+                <a:latin typeface="Courier New" panose="02070309020205020404" pitchFamily="49" charset="0"/>
+                <a:cs typeface="Courier New" panose="02070309020205020404" pitchFamily="49" charset="0"/>
+              </a:rPr>
+              <a:t> Scanner(System.in); </a:t>
+            </a:r>
+            <a:endParaRPr lang="uk-UA" sz="2000" b="0" i="0" dirty="0">
+              <a:solidFill>
+                <a:srgbClr val="000000"/>
+              </a:solidFill>
+              <a:effectLst/>
+              <a:latin typeface="Courier New" panose="02070309020205020404" pitchFamily="49" charset="0"/>
+              <a:cs typeface="Courier New" panose="02070309020205020404" pitchFamily="49" charset="0"/>
+            </a:endParaRPr>
+          </a:p>
+          <a:p>
+            <a:r>
+              <a:rPr lang="en-US" sz="2000" b="0" i="0" dirty="0" err="1">
+                <a:solidFill>
+                  <a:srgbClr val="000000"/>
+                </a:solidFill>
+                <a:effectLst/>
+                <a:latin typeface="Courier New" panose="02070309020205020404" pitchFamily="49" charset="0"/>
+                <a:cs typeface="Courier New" panose="02070309020205020404" pitchFamily="49" charset="0"/>
+              </a:rPr>
+              <a:t>System.out.</a:t>
+            </a:r>
+            <a:r>
+              <a:rPr lang="en-US" sz="2000" b="0" i="0" dirty="0" err="1">
+                <a:solidFill>
+                  <a:srgbClr val="900606"/>
+                </a:solidFill>
+                <a:effectLst/>
+                <a:latin typeface="Courier New" panose="02070309020205020404" pitchFamily="49" charset="0"/>
+                <a:cs typeface="Courier New" panose="02070309020205020404" pitchFamily="49" charset="0"/>
+              </a:rPr>
+              <a:t>println</a:t>
+            </a:r>
+            <a:r>
+              <a:rPr lang="en-US" sz="2000" b="0" i="0" dirty="0">
+                <a:solidFill>
+                  <a:srgbClr val="000000"/>
+                </a:solidFill>
+                <a:effectLst/>
+                <a:latin typeface="Courier New" panose="02070309020205020404" pitchFamily="49" charset="0"/>
+                <a:cs typeface="Courier New" panose="02070309020205020404" pitchFamily="49" charset="0"/>
+              </a:rPr>
+              <a:t>(</a:t>
+            </a:r>
+            <a:r>
+              <a:rPr lang="en-US" sz="2000" b="0" i="0" dirty="0">
+                <a:solidFill>
+                  <a:srgbClr val="008000"/>
+                </a:solidFill>
+                <a:effectLst/>
+                <a:latin typeface="Courier New" panose="02070309020205020404" pitchFamily="49" charset="0"/>
+                <a:cs typeface="Courier New" panose="02070309020205020404" pitchFamily="49" charset="0"/>
+              </a:rPr>
+              <a:t>"</a:t>
+            </a:r>
+            <a:r>
+              <a:rPr lang="uk-UA" sz="2000" b="0" i="0" dirty="0">
+                <a:solidFill>
+                  <a:srgbClr val="008000"/>
+                </a:solidFill>
+                <a:effectLst/>
+                <a:latin typeface="Courier New" panose="02070309020205020404" pitchFamily="49" charset="0"/>
+                <a:cs typeface="Courier New" panose="02070309020205020404" pitchFamily="49" charset="0"/>
+              </a:rPr>
+              <a:t>Введіть число:"</a:t>
+            </a:r>
+            <a:r>
+              <a:rPr lang="uk-UA" sz="2000" b="0" i="0" dirty="0">
+                <a:solidFill>
+                  <a:srgbClr val="000000"/>
+                </a:solidFill>
+                <a:effectLst/>
+                <a:latin typeface="Courier New" panose="02070309020205020404" pitchFamily="49" charset="0"/>
+                <a:cs typeface="Courier New" panose="02070309020205020404" pitchFamily="49" charset="0"/>
+              </a:rPr>
+              <a:t>);</a:t>
+            </a:r>
+          </a:p>
+          <a:p>
+            <a:r>
+              <a:rPr lang="uk-UA" sz="2000" b="0" i="0" dirty="0">
+                <a:solidFill>
+                  <a:srgbClr val="000000"/>
+                </a:solidFill>
+                <a:effectLst/>
+                <a:latin typeface="Courier New" panose="02070309020205020404" pitchFamily="49" charset="0"/>
+                <a:cs typeface="Courier New" panose="02070309020205020404" pitchFamily="49" charset="0"/>
+              </a:rPr>
+              <a:t> </a:t>
+            </a:r>
+            <a:r>
+              <a:rPr lang="en-US" sz="2000" b="1" i="0" dirty="0">
+                <a:solidFill>
+                  <a:srgbClr val="000080"/>
+                </a:solidFill>
+                <a:effectLst/>
+                <a:latin typeface="Courier New" panose="02070309020205020404" pitchFamily="49" charset="0"/>
+                <a:cs typeface="Courier New" panose="02070309020205020404" pitchFamily="49" charset="0"/>
+              </a:rPr>
+              <a:t>if</a:t>
+            </a:r>
+            <a:r>
+              <a:rPr lang="en-US" sz="2000" b="0" i="0" dirty="0">
+                <a:solidFill>
+                  <a:srgbClr val="000000"/>
+                </a:solidFill>
+                <a:effectLst/>
+                <a:latin typeface="Courier New" panose="02070309020205020404" pitchFamily="49" charset="0"/>
+                <a:cs typeface="Courier New" panose="02070309020205020404" pitchFamily="49" charset="0"/>
+              </a:rPr>
+              <a:t> (</a:t>
+            </a:r>
+            <a:r>
+              <a:rPr lang="en-US" sz="2000" b="0" i="0" dirty="0" err="1">
+                <a:solidFill>
+                  <a:srgbClr val="000000"/>
+                </a:solidFill>
+                <a:effectLst/>
+                <a:latin typeface="Courier New" panose="02070309020205020404" pitchFamily="49" charset="0"/>
+                <a:cs typeface="Courier New" panose="02070309020205020404" pitchFamily="49" charset="0"/>
+              </a:rPr>
+              <a:t>sc.</a:t>
+            </a:r>
+            <a:r>
+              <a:rPr lang="en-US" sz="2000" b="0" i="0" dirty="0" err="1">
+                <a:solidFill>
+                  <a:srgbClr val="900606"/>
+                </a:solidFill>
+                <a:effectLst/>
+                <a:latin typeface="Courier New" panose="02070309020205020404" pitchFamily="49" charset="0"/>
+                <a:cs typeface="Courier New" panose="02070309020205020404" pitchFamily="49" charset="0"/>
+              </a:rPr>
+              <a:t>hasNextInt</a:t>
+            </a:r>
+            <a:r>
+              <a:rPr lang="en-US" sz="2000" b="0" i="0" dirty="0">
+                <a:solidFill>
+                  <a:srgbClr val="000000"/>
+                </a:solidFill>
+                <a:effectLst/>
+                <a:latin typeface="Courier New" panose="02070309020205020404" pitchFamily="49" charset="0"/>
+                <a:cs typeface="Courier New" panose="02070309020205020404" pitchFamily="49" charset="0"/>
+              </a:rPr>
+              <a:t>()) { </a:t>
+            </a:r>
+            <a:endParaRPr lang="uk-UA" sz="2000" b="0" i="0" dirty="0">
+              <a:solidFill>
+                <a:srgbClr val="000000"/>
+              </a:solidFill>
+              <a:effectLst/>
+              <a:latin typeface="Courier New" panose="02070309020205020404" pitchFamily="49" charset="0"/>
+              <a:cs typeface="Courier New" panose="02070309020205020404" pitchFamily="49" charset="0"/>
+            </a:endParaRPr>
+          </a:p>
+          <a:p>
+            <a:r>
+              <a:rPr lang="en-US" sz="2000" b="1" i="0" dirty="0">
+                <a:solidFill>
+                  <a:srgbClr val="000080"/>
+                </a:solidFill>
+                <a:effectLst/>
+                <a:latin typeface="Courier New" panose="02070309020205020404" pitchFamily="49" charset="0"/>
+                <a:cs typeface="Courier New" panose="02070309020205020404" pitchFamily="49" charset="0"/>
+              </a:rPr>
+              <a:t>int</a:t>
+            </a:r>
+            <a:r>
+              <a:rPr lang="en-US" sz="2000" b="0" i="0" dirty="0">
+                <a:solidFill>
+                  <a:srgbClr val="000000"/>
+                </a:solidFill>
+                <a:effectLst/>
+                <a:latin typeface="Courier New" panose="02070309020205020404" pitchFamily="49" charset="0"/>
+                <a:cs typeface="Courier New" panose="02070309020205020404" pitchFamily="49" charset="0"/>
+              </a:rPr>
+              <a:t> number = </a:t>
+            </a:r>
+            <a:r>
+              <a:rPr lang="en-US" sz="2000" b="0" i="0" dirty="0" err="1">
+                <a:solidFill>
+                  <a:srgbClr val="000000"/>
+                </a:solidFill>
+                <a:effectLst/>
+                <a:latin typeface="Courier New" panose="02070309020205020404" pitchFamily="49" charset="0"/>
+                <a:cs typeface="Courier New" panose="02070309020205020404" pitchFamily="49" charset="0"/>
+              </a:rPr>
+              <a:t>sc.</a:t>
+            </a:r>
+            <a:r>
+              <a:rPr lang="en-US" sz="2000" b="0" i="0" dirty="0" err="1">
+                <a:solidFill>
+                  <a:srgbClr val="900606"/>
+                </a:solidFill>
+                <a:effectLst/>
+                <a:latin typeface="Courier New" panose="02070309020205020404" pitchFamily="49" charset="0"/>
+                <a:cs typeface="Courier New" panose="02070309020205020404" pitchFamily="49" charset="0"/>
+              </a:rPr>
+              <a:t>nextInt</a:t>
+            </a:r>
+            <a:r>
+              <a:rPr lang="en-US" sz="2000" b="0" i="0" dirty="0">
+                <a:solidFill>
+                  <a:srgbClr val="000000"/>
+                </a:solidFill>
+                <a:effectLst/>
+                <a:latin typeface="Courier New" panose="02070309020205020404" pitchFamily="49" charset="0"/>
+                <a:cs typeface="Courier New" panose="02070309020205020404" pitchFamily="49" charset="0"/>
+              </a:rPr>
+              <a:t>(); </a:t>
+            </a:r>
+            <a:endParaRPr lang="uk-UA" sz="2000" b="0" i="0" dirty="0">
+              <a:solidFill>
+                <a:srgbClr val="000000"/>
+              </a:solidFill>
+              <a:effectLst/>
+              <a:latin typeface="Courier New" panose="02070309020205020404" pitchFamily="49" charset="0"/>
+              <a:cs typeface="Courier New" panose="02070309020205020404" pitchFamily="49" charset="0"/>
+            </a:endParaRPr>
+          </a:p>
+          <a:p>
+            <a:r>
+              <a:rPr lang="en-US" sz="2000" b="0" i="0" dirty="0" err="1">
+                <a:solidFill>
+                  <a:srgbClr val="000000"/>
+                </a:solidFill>
+                <a:effectLst/>
+                <a:latin typeface="Courier New" panose="02070309020205020404" pitchFamily="49" charset="0"/>
+                <a:cs typeface="Courier New" panose="02070309020205020404" pitchFamily="49" charset="0"/>
+              </a:rPr>
+              <a:t>System.out.</a:t>
+            </a:r>
+            <a:r>
+              <a:rPr lang="en-US" sz="2000" b="0" i="0" dirty="0" err="1">
+                <a:solidFill>
+                  <a:srgbClr val="900606"/>
+                </a:solidFill>
+                <a:effectLst/>
+                <a:latin typeface="Courier New" panose="02070309020205020404" pitchFamily="49" charset="0"/>
+                <a:cs typeface="Courier New" panose="02070309020205020404" pitchFamily="49" charset="0"/>
+              </a:rPr>
+              <a:t>println</a:t>
+            </a:r>
+            <a:r>
+              <a:rPr lang="en-US" sz="2000" b="0" i="0" dirty="0">
+                <a:solidFill>
+                  <a:srgbClr val="000000"/>
+                </a:solidFill>
+                <a:effectLst/>
+                <a:latin typeface="Courier New" panose="02070309020205020404" pitchFamily="49" charset="0"/>
+                <a:cs typeface="Courier New" panose="02070309020205020404" pitchFamily="49" charset="0"/>
+              </a:rPr>
+              <a:t>(</a:t>
+            </a:r>
+            <a:r>
+              <a:rPr lang="en-US" sz="2000" b="0" i="0" dirty="0">
+                <a:solidFill>
+                  <a:srgbClr val="008000"/>
+                </a:solidFill>
+                <a:effectLst/>
+                <a:latin typeface="Courier New" panose="02070309020205020404" pitchFamily="49" charset="0"/>
+                <a:cs typeface="Courier New" panose="02070309020205020404" pitchFamily="49" charset="0"/>
+              </a:rPr>
+              <a:t>"</a:t>
+            </a:r>
+            <a:r>
+              <a:rPr lang="uk-UA" sz="2000" b="0" i="0" dirty="0">
+                <a:solidFill>
+                  <a:srgbClr val="008000"/>
+                </a:solidFill>
+                <a:effectLst/>
+                <a:latin typeface="Courier New" panose="02070309020205020404" pitchFamily="49" charset="0"/>
+                <a:cs typeface="Courier New" panose="02070309020205020404" pitchFamily="49" charset="0"/>
+              </a:rPr>
+              <a:t>Дякую! Ви ввели число "</a:t>
+            </a:r>
+            <a:r>
+              <a:rPr lang="uk-UA" sz="2000" b="0" i="0" dirty="0">
+                <a:solidFill>
+                  <a:srgbClr val="000000"/>
+                </a:solidFill>
+                <a:effectLst/>
+                <a:latin typeface="Courier New" panose="02070309020205020404" pitchFamily="49" charset="0"/>
+                <a:cs typeface="Courier New" panose="02070309020205020404" pitchFamily="49" charset="0"/>
+              </a:rPr>
+              <a:t> + </a:t>
+            </a:r>
+            <a:r>
+              <a:rPr lang="en-US" sz="2000" b="0" i="0" dirty="0">
+                <a:solidFill>
+                  <a:srgbClr val="000000"/>
+                </a:solidFill>
+                <a:effectLst/>
+                <a:latin typeface="Courier New" panose="02070309020205020404" pitchFamily="49" charset="0"/>
+                <a:cs typeface="Courier New" panose="02070309020205020404" pitchFamily="49" charset="0"/>
+              </a:rPr>
+              <a:t>number); </a:t>
+            </a:r>
+            <a:endParaRPr lang="uk-UA" sz="2000" b="0" i="0" dirty="0">
+              <a:solidFill>
+                <a:srgbClr val="000000"/>
+              </a:solidFill>
+              <a:effectLst/>
+              <a:latin typeface="Courier New" panose="02070309020205020404" pitchFamily="49" charset="0"/>
+              <a:cs typeface="Courier New" panose="02070309020205020404" pitchFamily="49" charset="0"/>
+            </a:endParaRPr>
+          </a:p>
+          <a:p>
+            <a:r>
+              <a:rPr lang="en-US" sz="2000" b="0" i="0" dirty="0">
+                <a:solidFill>
+                  <a:srgbClr val="000000"/>
+                </a:solidFill>
+                <a:effectLst/>
+                <a:latin typeface="Courier New" panose="02070309020205020404" pitchFamily="49" charset="0"/>
+                <a:cs typeface="Courier New" panose="02070309020205020404" pitchFamily="49" charset="0"/>
+              </a:rPr>
+              <a:t>} </a:t>
+            </a:r>
+            <a:endParaRPr lang="uk-UA" sz="2000" b="0" i="0" dirty="0">
+              <a:solidFill>
+                <a:srgbClr val="000000"/>
+              </a:solidFill>
+              <a:effectLst/>
+              <a:latin typeface="Courier New" panose="02070309020205020404" pitchFamily="49" charset="0"/>
+              <a:cs typeface="Courier New" panose="02070309020205020404" pitchFamily="49" charset="0"/>
+            </a:endParaRPr>
+          </a:p>
+          <a:p>
+            <a:r>
+              <a:rPr lang="en-US" sz="2000" b="1" i="0" dirty="0">
+                <a:solidFill>
+                  <a:srgbClr val="000080"/>
+                </a:solidFill>
+                <a:effectLst/>
+                <a:latin typeface="Courier New" panose="02070309020205020404" pitchFamily="49" charset="0"/>
+                <a:cs typeface="Courier New" panose="02070309020205020404" pitchFamily="49" charset="0"/>
+              </a:rPr>
+              <a:t>else</a:t>
+            </a:r>
+            <a:r>
+              <a:rPr lang="en-US" sz="2000" b="0" i="0" dirty="0">
+                <a:solidFill>
+                  <a:srgbClr val="000000"/>
+                </a:solidFill>
+                <a:effectLst/>
+                <a:latin typeface="Courier New" panose="02070309020205020404" pitchFamily="49" charset="0"/>
+                <a:cs typeface="Courier New" panose="02070309020205020404" pitchFamily="49" charset="0"/>
+              </a:rPr>
+              <a:t> { </a:t>
+            </a:r>
+            <a:endParaRPr lang="uk-UA" sz="2000" b="0" i="0" dirty="0">
+              <a:solidFill>
+                <a:srgbClr val="000000"/>
+              </a:solidFill>
+              <a:effectLst/>
+              <a:latin typeface="Courier New" panose="02070309020205020404" pitchFamily="49" charset="0"/>
+              <a:cs typeface="Courier New" panose="02070309020205020404" pitchFamily="49" charset="0"/>
+            </a:endParaRPr>
+          </a:p>
+          <a:p>
+            <a:r>
+              <a:rPr lang="en-US" sz="2000" b="0" i="0" dirty="0" err="1">
+                <a:solidFill>
+                  <a:srgbClr val="000000"/>
+                </a:solidFill>
+                <a:effectLst/>
+                <a:latin typeface="Courier New" panose="02070309020205020404" pitchFamily="49" charset="0"/>
+                <a:cs typeface="Courier New" panose="02070309020205020404" pitchFamily="49" charset="0"/>
+              </a:rPr>
+              <a:t>System.out.</a:t>
+            </a:r>
+            <a:r>
+              <a:rPr lang="en-US" sz="2000" b="0" i="0" dirty="0" err="1">
+                <a:solidFill>
+                  <a:srgbClr val="900606"/>
+                </a:solidFill>
+                <a:effectLst/>
+                <a:latin typeface="Courier New" panose="02070309020205020404" pitchFamily="49" charset="0"/>
+                <a:cs typeface="Courier New" panose="02070309020205020404" pitchFamily="49" charset="0"/>
+              </a:rPr>
+              <a:t>println</a:t>
+            </a:r>
+            <a:r>
+              <a:rPr lang="en-US" sz="2000" b="0" i="0" dirty="0">
+                <a:solidFill>
+                  <a:srgbClr val="000000"/>
+                </a:solidFill>
+                <a:effectLst/>
+                <a:latin typeface="Courier New" panose="02070309020205020404" pitchFamily="49" charset="0"/>
+                <a:cs typeface="Courier New" panose="02070309020205020404" pitchFamily="49" charset="0"/>
+              </a:rPr>
+              <a:t>(</a:t>
+            </a:r>
+            <a:r>
+              <a:rPr lang="en-US" sz="2000" b="0" i="0" dirty="0">
+                <a:solidFill>
+                  <a:srgbClr val="008000"/>
+                </a:solidFill>
+                <a:effectLst/>
+                <a:latin typeface="Courier New" panose="02070309020205020404" pitchFamily="49" charset="0"/>
+                <a:cs typeface="Courier New" panose="02070309020205020404" pitchFamily="49" charset="0"/>
+              </a:rPr>
+              <a:t>"</a:t>
+            </a:r>
+            <a:r>
+              <a:rPr lang="uk-UA" sz="2000" b="0" i="0" dirty="0">
+                <a:solidFill>
+                  <a:srgbClr val="008000"/>
+                </a:solidFill>
+                <a:effectLst/>
+                <a:latin typeface="Courier New" panose="02070309020205020404" pitchFamily="49" charset="0"/>
+                <a:cs typeface="Courier New" panose="02070309020205020404" pitchFamily="49" charset="0"/>
+              </a:rPr>
+              <a:t>Вибачте, але це явно не число. </a:t>
+            </a:r>
+            <a:r>
+              <a:rPr lang="uk-UA" sz="2000" b="0" i="0" dirty="0" err="1">
+                <a:solidFill>
+                  <a:srgbClr val="008000"/>
+                </a:solidFill>
+                <a:effectLst/>
+                <a:latin typeface="Courier New" panose="02070309020205020404" pitchFamily="49" charset="0"/>
+                <a:cs typeface="Courier New" panose="02070309020205020404" pitchFamily="49" charset="0"/>
+              </a:rPr>
+              <a:t>Перезапустіть</a:t>
+            </a:r>
+            <a:r>
+              <a:rPr lang="uk-UA" sz="2000" b="0" i="0" dirty="0">
+                <a:solidFill>
+                  <a:srgbClr val="008000"/>
+                </a:solidFill>
+                <a:effectLst/>
+                <a:latin typeface="Courier New" panose="02070309020205020404" pitchFamily="49" charset="0"/>
+                <a:cs typeface="Courier New" panose="02070309020205020404" pitchFamily="49" charset="0"/>
+              </a:rPr>
+              <a:t> програму і спробуйте знову!"</a:t>
+            </a:r>
+            <a:r>
+              <a:rPr lang="uk-UA" sz="2000" b="0" i="0" dirty="0">
+                <a:solidFill>
+                  <a:srgbClr val="000000"/>
+                </a:solidFill>
+                <a:effectLst/>
+                <a:latin typeface="Courier New" panose="02070309020205020404" pitchFamily="49" charset="0"/>
+                <a:cs typeface="Courier New" panose="02070309020205020404" pitchFamily="49" charset="0"/>
+              </a:rPr>
+              <a:t>); } </a:t>
+            </a:r>
+          </a:p>
+          <a:p>
+            <a:r>
+              <a:rPr lang="uk-UA" sz="2000" b="0" i="0" dirty="0">
+                <a:solidFill>
+                  <a:srgbClr val="000000"/>
+                </a:solidFill>
+                <a:effectLst/>
+                <a:latin typeface="Courier New" panose="02070309020205020404" pitchFamily="49" charset="0"/>
+                <a:cs typeface="Courier New" panose="02070309020205020404" pitchFamily="49" charset="0"/>
+              </a:rPr>
+              <a:t>} </a:t>
+            </a:r>
+          </a:p>
+          <a:p>
+            <a:r>
+              <a:rPr lang="uk-UA" sz="2000" b="0" i="0" dirty="0">
+                <a:solidFill>
+                  <a:srgbClr val="000000"/>
+                </a:solidFill>
+                <a:effectLst/>
+                <a:latin typeface="Courier New" panose="02070309020205020404" pitchFamily="49" charset="0"/>
+                <a:cs typeface="Courier New" panose="02070309020205020404" pitchFamily="49" charset="0"/>
+              </a:rPr>
+              <a:t>}</a:t>
+            </a:r>
+            <a:endParaRPr lang="uk-UA" sz="2000" dirty="0">
+              <a:latin typeface="Courier New" panose="02070309020205020404" pitchFamily="49" charset="0"/>
+              <a:cs typeface="Courier New" panose="02070309020205020404" pitchFamily="49" charset="0"/>
+            </a:endParaRPr>
+          </a:p>
+        </p:txBody>
+      </p:sp>
+      <p:sp>
+        <p:nvSpPr>
+          <p:cNvPr id="3" name="TextBox 2">
+            <a:extLst>
+              <a:ext uri="{FF2B5EF4-FFF2-40B4-BE49-F238E27FC236}">
+                <a16:creationId xmlns:a16="http://schemas.microsoft.com/office/drawing/2014/main" id="{11CF73E9-B27C-4EB6-B90A-AA1AB264F266}"/>
+              </a:ext>
+            </a:extLst>
+          </p:cNvPr>
+          <p:cNvSpPr txBox="1"/>
+          <p:nvPr/>
+        </p:nvSpPr>
+        <p:spPr>
+          <a:xfrm>
+            <a:off x="3365770" y="357771"/>
+            <a:ext cx="4630366" cy="707886"/>
+          </a:xfrm>
+          <a:prstGeom prst="rect">
+            <a:avLst/>
+          </a:prstGeom>
+          <a:noFill/>
+        </p:spPr>
+        <p:txBody>
+          <a:bodyPr wrap="square" rtlCol="0">
+            <a:spAutoFit/>
+          </a:bodyPr>
+          <a:lstStyle/>
+          <a:p>
+            <a:pPr algn="ctr"/>
+            <a:r>
+              <a:rPr lang="uk-UA" sz="4000" dirty="0">
+                <a:latin typeface="Times New Roman" panose="02020603050405020304" pitchFamily="18" charset="0"/>
+                <a:cs typeface="Times New Roman" panose="02020603050405020304" pitchFamily="18" charset="0"/>
+              </a:rPr>
+              <a:t>Приклад</a:t>
+            </a:r>
+          </a:p>
+        </p:txBody>
+      </p:sp>
+      <p:sp>
+        <p:nvSpPr>
+          <p:cNvPr id="4" name="TextBox 3">
+            <a:extLst>
+              <a:ext uri="{FF2B5EF4-FFF2-40B4-BE49-F238E27FC236}">
+                <a16:creationId xmlns:a16="http://schemas.microsoft.com/office/drawing/2014/main" id="{8BDD10B9-D1AF-43F2-AFDF-9BDCABB60DB0}"/>
+              </a:ext>
+            </a:extLst>
+          </p:cNvPr>
+          <p:cNvSpPr txBox="1"/>
+          <p:nvPr/>
+        </p:nvSpPr>
+        <p:spPr>
+          <a:xfrm>
+            <a:off x="7402749" y="4426085"/>
+            <a:ext cx="184731" cy="369332"/>
+          </a:xfrm>
+          <a:prstGeom prst="rect">
+            <a:avLst/>
+          </a:prstGeom>
+          <a:noFill/>
+        </p:spPr>
+        <p:txBody>
+          <a:bodyPr wrap="none" rtlCol="0">
+            <a:spAutoFit/>
+          </a:bodyPr>
+          <a:lstStyle/>
+          <a:p>
+            <a:endParaRPr lang="uk-UA" dirty="0"/>
+          </a:p>
+        </p:txBody>
+      </p:sp>
+      <p:sp>
+        <p:nvSpPr>
+          <p:cNvPr id="6" name="TextBox 5">
+            <a:extLst>
+              <a:ext uri="{FF2B5EF4-FFF2-40B4-BE49-F238E27FC236}">
+                <a16:creationId xmlns:a16="http://schemas.microsoft.com/office/drawing/2014/main" id="{89804DE3-28F9-4A88-8D39-53C0C13E50EE}"/>
+              </a:ext>
+            </a:extLst>
+          </p:cNvPr>
+          <p:cNvSpPr txBox="1"/>
+          <p:nvPr/>
+        </p:nvSpPr>
+        <p:spPr>
+          <a:xfrm>
+            <a:off x="7495114" y="1524033"/>
+            <a:ext cx="3831645" cy="3416320"/>
+          </a:xfrm>
+          <a:prstGeom prst="rect">
+            <a:avLst/>
+          </a:prstGeom>
+          <a:noFill/>
+        </p:spPr>
+        <p:txBody>
+          <a:bodyPr wrap="square">
+            <a:spAutoFit/>
+          </a:bodyPr>
+          <a:lstStyle/>
+          <a:p>
+            <a:r>
+              <a:rPr lang="ru-RU" sz="2400" b="0" i="0" dirty="0" err="1">
+                <a:solidFill>
+                  <a:srgbClr val="172B53"/>
+                </a:solidFill>
+                <a:effectLst/>
+                <a:latin typeface="Times New Roman" panose="02020603050405020304" pitchFamily="18" charset="0"/>
+                <a:cs typeface="Times New Roman" panose="02020603050405020304" pitchFamily="18" charset="0"/>
+              </a:rPr>
+              <a:t>Тепер</a:t>
+            </a:r>
+            <a:r>
+              <a:rPr lang="ru-RU" sz="2400" b="0" i="0" dirty="0">
+                <a:solidFill>
+                  <a:srgbClr val="172B53"/>
+                </a:solidFill>
+                <a:effectLst/>
+                <a:latin typeface="Times New Roman" panose="02020603050405020304" pitchFamily="18" charset="0"/>
+                <a:cs typeface="Times New Roman" panose="02020603050405020304" pitchFamily="18" charset="0"/>
+              </a:rPr>
+              <a:t> наша </a:t>
+            </a:r>
+            <a:r>
+              <a:rPr lang="ru-RU" sz="2400" b="0" i="0" dirty="0" err="1">
+                <a:solidFill>
+                  <a:srgbClr val="172B53"/>
+                </a:solidFill>
+                <a:effectLst/>
+                <a:latin typeface="Times New Roman" panose="02020603050405020304" pitchFamily="18" charset="0"/>
+                <a:cs typeface="Times New Roman" panose="02020603050405020304" pitchFamily="18" charset="0"/>
+              </a:rPr>
+              <a:t>програма</a:t>
+            </a:r>
+            <a:r>
+              <a:rPr lang="ru-RU" sz="2400" b="0" i="0" dirty="0">
+                <a:solidFill>
+                  <a:srgbClr val="172B53"/>
+                </a:solidFill>
+                <a:effectLst/>
+                <a:latin typeface="Times New Roman" panose="02020603050405020304" pitchFamily="18" charset="0"/>
+                <a:cs typeface="Times New Roman" panose="02020603050405020304" pitchFamily="18" charset="0"/>
+              </a:rPr>
+              <a:t> </a:t>
+            </a:r>
+            <a:r>
+              <a:rPr lang="ru-RU" sz="2400" b="0" i="0" dirty="0" err="1">
+                <a:solidFill>
+                  <a:srgbClr val="172B53"/>
+                </a:solidFill>
+                <a:effectLst/>
+                <a:latin typeface="Times New Roman" panose="02020603050405020304" pitchFamily="18" charset="0"/>
+                <a:cs typeface="Times New Roman" panose="02020603050405020304" pitchFamily="18" charset="0"/>
+              </a:rPr>
+              <a:t>перевіряє</a:t>
+            </a:r>
+            <a:r>
+              <a:rPr lang="ru-RU" sz="2400" b="0" i="0" dirty="0">
+                <a:solidFill>
+                  <a:srgbClr val="172B53"/>
+                </a:solidFill>
+                <a:effectLst/>
+                <a:latin typeface="Times New Roman" panose="02020603050405020304" pitchFamily="18" charset="0"/>
+                <a:cs typeface="Times New Roman" panose="02020603050405020304" pitchFamily="18" charset="0"/>
+              </a:rPr>
+              <a:t>, </a:t>
+            </a:r>
+            <a:r>
+              <a:rPr lang="ru-RU" sz="2400" b="0" i="0" dirty="0" err="1">
+                <a:solidFill>
+                  <a:srgbClr val="172B53"/>
+                </a:solidFill>
+                <a:effectLst/>
+                <a:latin typeface="Times New Roman" panose="02020603050405020304" pitchFamily="18" charset="0"/>
+                <a:cs typeface="Times New Roman" panose="02020603050405020304" pitchFamily="18" charset="0"/>
+              </a:rPr>
+              <a:t>чи</a:t>
+            </a:r>
+            <a:r>
+              <a:rPr lang="ru-RU" sz="2400" b="0" i="0" dirty="0">
+                <a:solidFill>
+                  <a:srgbClr val="172B53"/>
+                </a:solidFill>
+                <a:effectLst/>
+                <a:latin typeface="Times New Roman" panose="02020603050405020304" pitchFamily="18" charset="0"/>
+                <a:cs typeface="Times New Roman" panose="02020603050405020304" pitchFamily="18" charset="0"/>
+              </a:rPr>
+              <a:t> є </a:t>
+            </a:r>
+            <a:r>
+              <a:rPr lang="ru-RU" sz="2400" b="0" i="0" dirty="0" err="1">
+                <a:solidFill>
+                  <a:srgbClr val="172B53"/>
+                </a:solidFill>
+                <a:effectLst/>
+                <a:latin typeface="Times New Roman" panose="02020603050405020304" pitchFamily="18" charset="0"/>
+                <a:cs typeface="Times New Roman" panose="02020603050405020304" pitchFamily="18" charset="0"/>
+              </a:rPr>
+              <a:t>наступний</a:t>
+            </a:r>
+            <a:r>
+              <a:rPr lang="ru-RU" sz="2400" b="0" i="0" dirty="0">
+                <a:solidFill>
+                  <a:srgbClr val="172B53"/>
+                </a:solidFill>
+                <a:effectLst/>
+                <a:latin typeface="Times New Roman" panose="02020603050405020304" pitchFamily="18" charset="0"/>
+                <a:cs typeface="Times New Roman" panose="02020603050405020304" pitchFamily="18" charset="0"/>
+              </a:rPr>
+              <a:t> введений символ числом </a:t>
+            </a:r>
+            <a:r>
+              <a:rPr lang="ru-RU" sz="2400" b="0" i="0" dirty="0" err="1">
+                <a:solidFill>
+                  <a:srgbClr val="172B53"/>
+                </a:solidFill>
+                <a:effectLst/>
+                <a:latin typeface="Times New Roman" panose="02020603050405020304" pitchFamily="18" charset="0"/>
+                <a:cs typeface="Times New Roman" panose="02020603050405020304" pitchFamily="18" charset="0"/>
+              </a:rPr>
+              <a:t>або</a:t>
+            </a:r>
+            <a:r>
+              <a:rPr lang="ru-RU" sz="2400" b="0" i="0" dirty="0">
+                <a:solidFill>
+                  <a:srgbClr val="172B53"/>
+                </a:solidFill>
+                <a:effectLst/>
+                <a:latin typeface="Times New Roman" panose="02020603050405020304" pitchFamily="18" charset="0"/>
+                <a:cs typeface="Times New Roman" panose="02020603050405020304" pitchFamily="18" charset="0"/>
+              </a:rPr>
+              <a:t> </a:t>
+            </a:r>
+            <a:r>
+              <a:rPr lang="ru-RU" sz="2400" b="0" i="0" dirty="0" err="1">
+                <a:solidFill>
+                  <a:srgbClr val="172B53"/>
+                </a:solidFill>
+                <a:effectLst/>
+                <a:latin typeface="Times New Roman" panose="02020603050405020304" pitchFamily="18" charset="0"/>
+                <a:cs typeface="Times New Roman" panose="02020603050405020304" pitchFamily="18" charset="0"/>
+              </a:rPr>
+              <a:t>ні</a:t>
+            </a:r>
+            <a:r>
+              <a:rPr lang="ru-RU" sz="2400" b="0" i="0" dirty="0">
+                <a:solidFill>
+                  <a:srgbClr val="172B53"/>
+                </a:solidFill>
+                <a:effectLst/>
+                <a:latin typeface="Times New Roman" panose="02020603050405020304" pitchFamily="18" charset="0"/>
+                <a:cs typeface="Times New Roman" panose="02020603050405020304" pitchFamily="18" charset="0"/>
+              </a:rPr>
+              <a:t>. І </a:t>
+            </a:r>
+            <a:r>
+              <a:rPr lang="ru-RU" sz="2400" b="0" i="0" dirty="0" err="1">
+                <a:solidFill>
+                  <a:srgbClr val="172B53"/>
+                </a:solidFill>
+                <a:effectLst/>
+                <a:latin typeface="Times New Roman" panose="02020603050405020304" pitchFamily="18" charset="0"/>
+                <a:cs typeface="Times New Roman" panose="02020603050405020304" pitchFamily="18" charset="0"/>
+              </a:rPr>
+              <a:t>тільки</a:t>
+            </a:r>
+            <a:r>
+              <a:rPr lang="ru-RU" sz="2400" b="0" i="0" dirty="0">
+                <a:solidFill>
+                  <a:srgbClr val="172B53"/>
+                </a:solidFill>
+                <a:effectLst/>
+                <a:latin typeface="Times New Roman" panose="02020603050405020304" pitchFamily="18" charset="0"/>
+                <a:cs typeface="Times New Roman" panose="02020603050405020304" pitchFamily="18" charset="0"/>
+              </a:rPr>
+              <a:t> в </a:t>
+            </a:r>
+            <a:r>
+              <a:rPr lang="ru-RU" sz="2400" b="0" i="0" dirty="0" err="1">
+                <a:solidFill>
+                  <a:srgbClr val="172B53"/>
+                </a:solidFill>
+                <a:effectLst/>
+                <a:latin typeface="Times New Roman" panose="02020603050405020304" pitchFamily="18" charset="0"/>
+                <a:cs typeface="Times New Roman" panose="02020603050405020304" pitchFamily="18" charset="0"/>
+              </a:rPr>
+              <a:t>разі</a:t>
+            </a:r>
+            <a:r>
+              <a:rPr lang="ru-RU" sz="2400" b="0" i="0" dirty="0">
+                <a:solidFill>
+                  <a:srgbClr val="172B53"/>
+                </a:solidFill>
+                <a:effectLst/>
+                <a:latin typeface="Times New Roman" panose="02020603050405020304" pitchFamily="18" charset="0"/>
+                <a:cs typeface="Times New Roman" panose="02020603050405020304" pitchFamily="18" charset="0"/>
+              </a:rPr>
+              <a:t>, </a:t>
+            </a:r>
+            <a:r>
+              <a:rPr lang="ru-RU" sz="2400" b="0" i="0" dirty="0" err="1">
+                <a:solidFill>
+                  <a:srgbClr val="172B53"/>
+                </a:solidFill>
+                <a:effectLst/>
+                <a:latin typeface="Times New Roman" panose="02020603050405020304" pitchFamily="18" charset="0"/>
+                <a:cs typeface="Times New Roman" panose="02020603050405020304" pitchFamily="18" charset="0"/>
+              </a:rPr>
+              <a:t>якщо</a:t>
+            </a:r>
+            <a:r>
+              <a:rPr lang="ru-RU" sz="2400" b="0" i="0" dirty="0">
+                <a:solidFill>
+                  <a:srgbClr val="172B53"/>
+                </a:solidFill>
+                <a:effectLst/>
+                <a:latin typeface="Times New Roman" panose="02020603050405020304" pitchFamily="18" charset="0"/>
+                <a:cs typeface="Times New Roman" panose="02020603050405020304" pitchFamily="18" charset="0"/>
+              </a:rPr>
+              <a:t> є, </a:t>
+            </a:r>
+            <a:r>
+              <a:rPr lang="ru-RU" sz="2400" b="0" i="0" dirty="0" err="1">
+                <a:solidFill>
+                  <a:srgbClr val="172B53"/>
+                </a:solidFill>
+                <a:effectLst/>
+                <a:latin typeface="Times New Roman" panose="02020603050405020304" pitchFamily="18" charset="0"/>
+                <a:cs typeface="Times New Roman" panose="02020603050405020304" pitchFamily="18" charset="0"/>
+              </a:rPr>
+              <a:t>виводить</a:t>
+            </a:r>
+            <a:r>
+              <a:rPr lang="ru-RU" sz="2400" b="0" i="0" dirty="0">
+                <a:solidFill>
+                  <a:srgbClr val="172B53"/>
+                </a:solidFill>
+                <a:effectLst/>
+                <a:latin typeface="Times New Roman" panose="02020603050405020304" pitchFamily="18" charset="0"/>
+                <a:cs typeface="Times New Roman" panose="02020603050405020304" pitchFamily="18" charset="0"/>
+              </a:rPr>
+              <a:t> </a:t>
+            </a:r>
+            <a:r>
+              <a:rPr lang="ru-RU" sz="2400" b="0" i="0" dirty="0" err="1">
+                <a:solidFill>
+                  <a:srgbClr val="172B53"/>
+                </a:solidFill>
+                <a:effectLst/>
+                <a:latin typeface="Times New Roman" panose="02020603050405020304" pitchFamily="18" charset="0"/>
+                <a:cs typeface="Times New Roman" panose="02020603050405020304" pitchFamily="18" charset="0"/>
+              </a:rPr>
+              <a:t>підтвердження</a:t>
+            </a:r>
+            <a:r>
+              <a:rPr lang="ru-RU" sz="2400" b="0" i="0" dirty="0">
+                <a:solidFill>
+                  <a:srgbClr val="172B53"/>
+                </a:solidFill>
+                <a:effectLst/>
+                <a:latin typeface="Times New Roman" panose="02020603050405020304" pitchFamily="18" charset="0"/>
+                <a:cs typeface="Times New Roman" panose="02020603050405020304" pitchFamily="18" charset="0"/>
+              </a:rPr>
+              <a:t>. </a:t>
+            </a:r>
+            <a:r>
+              <a:rPr lang="ru-RU" sz="2400" b="0" i="0" dirty="0" err="1">
+                <a:solidFill>
+                  <a:srgbClr val="172B53"/>
+                </a:solidFill>
+                <a:effectLst/>
+                <a:latin typeface="Times New Roman" panose="02020603050405020304" pitchFamily="18" charset="0"/>
+                <a:cs typeface="Times New Roman" panose="02020603050405020304" pitchFamily="18" charset="0"/>
+              </a:rPr>
+              <a:t>Якщо</a:t>
+            </a:r>
+            <a:r>
+              <a:rPr lang="ru-RU" sz="2400" b="0" i="0" dirty="0">
+                <a:solidFill>
+                  <a:srgbClr val="172B53"/>
+                </a:solidFill>
+                <a:effectLst/>
+                <a:latin typeface="Times New Roman" panose="02020603050405020304" pitchFamily="18" charset="0"/>
+                <a:cs typeface="Times New Roman" panose="02020603050405020304" pitchFamily="18" charset="0"/>
+              </a:rPr>
+              <a:t> ж </a:t>
+            </a:r>
+            <a:r>
+              <a:rPr lang="ru-RU" sz="2400" b="0" i="0" dirty="0" err="1">
+                <a:solidFill>
+                  <a:srgbClr val="172B53"/>
+                </a:solidFill>
+                <a:effectLst/>
+                <a:latin typeface="Times New Roman" panose="02020603050405020304" pitchFamily="18" charset="0"/>
+                <a:cs typeface="Times New Roman" panose="02020603050405020304" pitchFamily="18" charset="0"/>
+              </a:rPr>
+              <a:t>введення</a:t>
+            </a:r>
+            <a:r>
+              <a:rPr lang="ru-RU" sz="2400" b="0" i="0" dirty="0">
+                <a:solidFill>
+                  <a:srgbClr val="172B53"/>
+                </a:solidFill>
+                <a:effectLst/>
+                <a:latin typeface="Times New Roman" panose="02020603050405020304" pitchFamily="18" charset="0"/>
+                <a:cs typeface="Times New Roman" panose="02020603050405020304" pitchFamily="18" charset="0"/>
+              </a:rPr>
+              <a:t> не </a:t>
+            </a:r>
+            <a:r>
+              <a:rPr lang="ru-RU" sz="2400" b="0" i="0" dirty="0" err="1">
+                <a:solidFill>
+                  <a:srgbClr val="172B53"/>
+                </a:solidFill>
+                <a:effectLst/>
+                <a:latin typeface="Times New Roman" panose="02020603050405020304" pitchFamily="18" charset="0"/>
+                <a:cs typeface="Times New Roman" panose="02020603050405020304" pitchFamily="18" charset="0"/>
+              </a:rPr>
+              <a:t>пройшло</a:t>
+            </a:r>
+            <a:r>
+              <a:rPr lang="ru-RU" sz="2400" b="0" i="0" dirty="0">
+                <a:solidFill>
+                  <a:srgbClr val="172B53"/>
+                </a:solidFill>
+                <a:effectLst/>
+                <a:latin typeface="Times New Roman" panose="02020603050405020304" pitchFamily="18" charset="0"/>
+                <a:cs typeface="Times New Roman" panose="02020603050405020304" pitchFamily="18" charset="0"/>
+              </a:rPr>
+              <a:t> </a:t>
+            </a:r>
+            <a:r>
+              <a:rPr lang="ru-RU" sz="2400" b="0" i="0" dirty="0" err="1">
+                <a:solidFill>
+                  <a:srgbClr val="172B53"/>
+                </a:solidFill>
+                <a:effectLst/>
+                <a:latin typeface="Times New Roman" panose="02020603050405020304" pitchFamily="18" charset="0"/>
+                <a:cs typeface="Times New Roman" panose="02020603050405020304" pitchFamily="18" charset="0"/>
+              </a:rPr>
+              <a:t>перевірку</a:t>
+            </a:r>
+            <a:r>
+              <a:rPr lang="ru-RU" sz="2400" b="0" i="0" dirty="0">
+                <a:solidFill>
+                  <a:srgbClr val="172B53"/>
+                </a:solidFill>
+                <a:effectLst/>
+                <a:latin typeface="Times New Roman" panose="02020603050405020304" pitchFamily="18" charset="0"/>
+                <a:cs typeface="Times New Roman" panose="02020603050405020304" pitchFamily="18" charset="0"/>
+              </a:rPr>
+              <a:t>, </a:t>
+            </a:r>
+            <a:r>
+              <a:rPr lang="ru-RU" sz="2400" b="0" i="0" dirty="0" err="1">
+                <a:solidFill>
+                  <a:srgbClr val="172B53"/>
+                </a:solidFill>
+                <a:effectLst/>
+                <a:latin typeface="Times New Roman" panose="02020603050405020304" pitchFamily="18" charset="0"/>
+                <a:cs typeface="Times New Roman" panose="02020603050405020304" pitchFamily="18" charset="0"/>
+              </a:rPr>
+              <a:t>програма</a:t>
+            </a:r>
+            <a:r>
+              <a:rPr lang="ru-RU" sz="2400" b="0" i="0" dirty="0">
+                <a:solidFill>
+                  <a:srgbClr val="172B53"/>
+                </a:solidFill>
+                <a:effectLst/>
+                <a:latin typeface="Times New Roman" panose="02020603050405020304" pitchFamily="18" charset="0"/>
+                <a:cs typeface="Times New Roman" panose="02020603050405020304" pitchFamily="18" charset="0"/>
+              </a:rPr>
+              <a:t> </a:t>
+            </a:r>
+            <a:r>
+              <a:rPr lang="ru-RU" sz="2400" b="0" i="0" dirty="0" err="1">
+                <a:solidFill>
+                  <a:srgbClr val="172B53"/>
+                </a:solidFill>
+                <a:effectLst/>
+                <a:latin typeface="Times New Roman" panose="02020603050405020304" pitchFamily="18" charset="0"/>
+                <a:cs typeface="Times New Roman" panose="02020603050405020304" pitchFamily="18" charset="0"/>
+              </a:rPr>
+              <a:t>це</a:t>
+            </a:r>
+            <a:r>
+              <a:rPr lang="ru-RU" sz="2400" b="0" i="0" dirty="0">
+                <a:solidFill>
+                  <a:srgbClr val="172B53"/>
+                </a:solidFill>
+                <a:effectLst/>
+                <a:latin typeface="Times New Roman" panose="02020603050405020304" pitchFamily="18" charset="0"/>
+                <a:cs typeface="Times New Roman" panose="02020603050405020304" pitchFamily="18" charset="0"/>
+              </a:rPr>
+              <a:t> </a:t>
+            </a:r>
+            <a:r>
+              <a:rPr lang="ru-RU" sz="2400" b="0" i="0" dirty="0" err="1">
+                <a:solidFill>
+                  <a:srgbClr val="172B53"/>
+                </a:solidFill>
+                <a:effectLst/>
+                <a:latin typeface="Times New Roman" panose="02020603050405020304" pitchFamily="18" charset="0"/>
+                <a:cs typeface="Times New Roman" panose="02020603050405020304" pitchFamily="18" charset="0"/>
+              </a:rPr>
+              <a:t>помічає</a:t>
+            </a:r>
+            <a:r>
+              <a:rPr lang="ru-RU" sz="2400" b="0" i="0" dirty="0">
+                <a:solidFill>
+                  <a:srgbClr val="172B53"/>
+                </a:solidFill>
+                <a:effectLst/>
+                <a:latin typeface="Times New Roman" panose="02020603050405020304" pitchFamily="18" charset="0"/>
+                <a:cs typeface="Times New Roman" panose="02020603050405020304" pitchFamily="18" charset="0"/>
+              </a:rPr>
+              <a:t> і просить </a:t>
+            </a:r>
+            <a:r>
+              <a:rPr lang="ru-RU" sz="2400" b="0" i="0" dirty="0" err="1">
+                <a:solidFill>
+                  <a:srgbClr val="172B53"/>
+                </a:solidFill>
+                <a:effectLst/>
+                <a:latin typeface="Times New Roman" panose="02020603050405020304" pitchFamily="18" charset="0"/>
+                <a:cs typeface="Times New Roman" panose="02020603050405020304" pitchFamily="18" charset="0"/>
+              </a:rPr>
+              <a:t>спробувати</a:t>
+            </a:r>
+            <a:r>
+              <a:rPr lang="ru-RU" sz="2400" b="0" i="0" dirty="0">
+                <a:solidFill>
+                  <a:srgbClr val="172B53"/>
+                </a:solidFill>
+                <a:effectLst/>
+                <a:latin typeface="Times New Roman" panose="02020603050405020304" pitchFamily="18" charset="0"/>
+                <a:cs typeface="Times New Roman" panose="02020603050405020304" pitchFamily="18" charset="0"/>
+              </a:rPr>
+              <a:t> </a:t>
+            </a:r>
+            <a:r>
+              <a:rPr lang="ru-RU" sz="2400" b="0" i="0" dirty="0" err="1">
+                <a:solidFill>
+                  <a:srgbClr val="172B53"/>
+                </a:solidFill>
+                <a:effectLst/>
+                <a:latin typeface="Times New Roman" panose="02020603050405020304" pitchFamily="18" charset="0"/>
+                <a:cs typeface="Times New Roman" panose="02020603050405020304" pitchFamily="18" charset="0"/>
+              </a:rPr>
+              <a:t>знову</a:t>
+            </a:r>
+            <a:r>
+              <a:rPr lang="ru-RU" sz="2400" b="0" i="0" dirty="0">
+                <a:solidFill>
+                  <a:srgbClr val="172B53"/>
+                </a:solidFill>
+                <a:effectLst/>
+                <a:latin typeface="Times New Roman" panose="02020603050405020304" pitchFamily="18" charset="0"/>
+                <a:cs typeface="Times New Roman" panose="02020603050405020304" pitchFamily="18" charset="0"/>
+              </a:rPr>
+              <a:t>. </a:t>
+            </a:r>
+            <a:endParaRPr lang="uk-UA" sz="2400" dirty="0">
+              <a:latin typeface="Times New Roman" panose="02020603050405020304" pitchFamily="18" charset="0"/>
+              <a:cs typeface="Times New Roman" panose="02020603050405020304" pitchFamily="18" charset="0"/>
+            </a:endParaRPr>
+          </a:p>
+        </p:txBody>
+      </p:sp>
+    </p:spTree>
+    <p:extLst>
+      <p:ext uri="{BB962C8B-B14F-4D97-AF65-F5344CB8AC3E}">
+        <p14:creationId xmlns:p14="http://schemas.microsoft.com/office/powerpoint/2010/main" val="266145170"/>
+      </p:ext>
+    </p:extLst>
+  </p:cSld>
+  <p:clrMapOvr>
+    <a:masterClrMapping/>
+  </p:clrMapOvr>
+</p:sld>
+</file>
+
+<file path=ppt/slides/slide14.xml><?xml version="1.0" encoding="utf-8"?>
+<p:sld xmlns:a="http://schemas.openxmlformats.org/drawingml/2006/main" xmlns:r="http://schemas.openxmlformats.org/officeDocument/2006/relationships" xmlns:p="http://schemas.openxmlformats.org/presentationml/2006/main">
+  <p:cSld>
+    <p:spTree>
+      <p:nvGrpSpPr>
+        <p:cNvPr id="1" name=""/>
+        <p:cNvGrpSpPr/>
+        <p:nvPr/>
+      </p:nvGrpSpPr>
+      <p:grpSpPr>
+        <a:xfrm>
+          <a:off x="0" y="0"/>
+          <a:ext cx="0" cy="0"/>
+          <a:chOff x="0" y="0"/>
+          <a:chExt cx="0" cy="0"/>
+        </a:xfrm>
+      </p:grpSpPr>
+      <p:sp>
+        <p:nvSpPr>
+          <p:cNvPr id="2" name="TextBox 1">
+            <a:extLst>
+              <a:ext uri="{FF2B5EF4-FFF2-40B4-BE49-F238E27FC236}">
+                <a16:creationId xmlns:a16="http://schemas.microsoft.com/office/drawing/2014/main" id="{841B0B56-CB2A-4A54-9460-F8A209D1A003}"/>
+              </a:ext>
+            </a:extLst>
+          </p:cNvPr>
+          <p:cNvSpPr txBox="1"/>
+          <p:nvPr/>
+        </p:nvSpPr>
+        <p:spPr>
+          <a:xfrm>
+            <a:off x="7701698" y="1409678"/>
+            <a:ext cx="4103803" cy="3539430"/>
+          </a:xfrm>
+          <a:prstGeom prst="rect">
+            <a:avLst/>
+          </a:prstGeom>
+          <a:noFill/>
+        </p:spPr>
+        <p:txBody>
+          <a:bodyPr wrap="square" rtlCol="0">
+            <a:spAutoFit/>
+          </a:bodyPr>
+          <a:lstStyle/>
+          <a:p>
+            <a:r>
+              <a:rPr lang="ru-RU" sz="2800" b="0" i="0" dirty="0">
+                <a:solidFill>
+                  <a:srgbClr val="172B53"/>
+                </a:solidFill>
+                <a:effectLst/>
+                <a:latin typeface="Times New Roman" panose="02020603050405020304" pitchFamily="18" charset="0"/>
+                <a:cs typeface="Times New Roman" panose="02020603050405020304" pitchFamily="18" charset="0"/>
+              </a:rPr>
+              <a:t>Як і будь-</a:t>
+            </a:r>
+            <a:r>
+              <a:rPr lang="ru-RU" sz="2800" b="0" i="0" dirty="0" err="1">
+                <a:solidFill>
+                  <a:srgbClr val="172B53"/>
+                </a:solidFill>
+                <a:effectLst/>
+                <a:latin typeface="Times New Roman" panose="02020603050405020304" pitchFamily="18" charset="0"/>
+                <a:cs typeface="Times New Roman" panose="02020603050405020304" pitchFamily="18" charset="0"/>
+              </a:rPr>
+              <a:t>який</a:t>
+            </a:r>
+            <a:r>
+              <a:rPr lang="ru-RU" sz="2800" b="0" i="0" dirty="0">
+                <a:solidFill>
+                  <a:srgbClr val="172B53"/>
+                </a:solidFill>
+                <a:effectLst/>
+                <a:latin typeface="Times New Roman" panose="02020603050405020304" pitchFamily="18" charset="0"/>
+                <a:cs typeface="Times New Roman" panose="02020603050405020304" pitchFamily="18" charset="0"/>
+              </a:rPr>
+              <a:t> </a:t>
+            </a:r>
+            <a:r>
+              <a:rPr lang="ru-RU" sz="2800" b="0" i="0" dirty="0" err="1">
+                <a:solidFill>
+                  <a:srgbClr val="172B53"/>
+                </a:solidFill>
+                <a:effectLst/>
+                <a:latin typeface="Times New Roman" panose="02020603050405020304" pitchFamily="18" charset="0"/>
+                <a:cs typeface="Times New Roman" panose="02020603050405020304" pitchFamily="18" charset="0"/>
+              </a:rPr>
+              <a:t>об'єкт</a:t>
+            </a:r>
+            <a:r>
+              <a:rPr lang="ru-RU" sz="2800" b="0" i="0" dirty="0">
+                <a:solidFill>
+                  <a:srgbClr val="172B53"/>
+                </a:solidFill>
+                <a:effectLst/>
+                <a:latin typeface="Times New Roman" panose="02020603050405020304" pitchFamily="18" charset="0"/>
+                <a:cs typeface="Times New Roman" panose="02020603050405020304" pitchFamily="18" charset="0"/>
+              </a:rPr>
+              <a:t>, </a:t>
+            </a:r>
+            <a:r>
+              <a:rPr lang="ru-RU" sz="2800" b="0" i="0" dirty="0" err="1">
+                <a:solidFill>
+                  <a:srgbClr val="172B53"/>
+                </a:solidFill>
+                <a:effectLst/>
+                <a:latin typeface="Times New Roman" panose="02020603050405020304" pitchFamily="18" charset="0"/>
+                <a:cs typeface="Times New Roman" panose="02020603050405020304" pitchFamily="18" charset="0"/>
+              </a:rPr>
+              <a:t>що</a:t>
+            </a:r>
+            <a:r>
+              <a:rPr lang="ru-RU" sz="2800" b="0" i="0" dirty="0">
+                <a:solidFill>
+                  <a:srgbClr val="172B53"/>
+                </a:solidFill>
+                <a:effectLst/>
+                <a:latin typeface="Times New Roman" panose="02020603050405020304" pitchFamily="18" charset="0"/>
+                <a:cs typeface="Times New Roman" panose="02020603050405020304" pitchFamily="18" charset="0"/>
+              </a:rPr>
+              <a:t> </a:t>
+            </a:r>
+            <a:r>
+              <a:rPr lang="ru-RU" sz="2800" b="0" i="0" dirty="0" err="1">
+                <a:solidFill>
+                  <a:srgbClr val="172B53"/>
+                </a:solidFill>
+                <a:effectLst/>
+                <a:latin typeface="Times New Roman" panose="02020603050405020304" pitchFamily="18" charset="0"/>
+                <a:cs typeface="Times New Roman" panose="02020603050405020304" pitchFamily="18" charset="0"/>
+              </a:rPr>
+              <a:t>працює</a:t>
+            </a:r>
+            <a:r>
+              <a:rPr lang="ru-RU" sz="2800" b="0" i="0" dirty="0">
+                <a:solidFill>
+                  <a:srgbClr val="172B53"/>
+                </a:solidFill>
+                <a:effectLst/>
+                <a:latin typeface="Times New Roman" panose="02020603050405020304" pitchFamily="18" charset="0"/>
+                <a:cs typeface="Times New Roman" panose="02020603050405020304" pitchFamily="18" charset="0"/>
+              </a:rPr>
+              <a:t> з потоками </a:t>
+            </a:r>
+            <a:r>
+              <a:rPr lang="ru-RU" sz="2800" b="0" i="0" dirty="0" err="1">
+                <a:solidFill>
+                  <a:srgbClr val="172B53"/>
+                </a:solidFill>
+                <a:effectLst/>
+                <a:latin typeface="Times New Roman" panose="02020603050405020304" pitchFamily="18" charset="0"/>
+                <a:cs typeface="Times New Roman" panose="02020603050405020304" pitchFamily="18" charset="0"/>
+              </a:rPr>
+              <a:t>введення-виведення</a:t>
+            </a:r>
+            <a:r>
+              <a:rPr lang="ru-RU" sz="2800" b="0" i="0" dirty="0">
+                <a:solidFill>
+                  <a:srgbClr val="172B53"/>
+                </a:solidFill>
+                <a:effectLst/>
+                <a:latin typeface="Times New Roman" panose="02020603050405020304" pitchFamily="18" charset="0"/>
+                <a:cs typeface="Times New Roman" panose="02020603050405020304" pitchFamily="18" charset="0"/>
+              </a:rPr>
+              <a:t>, сканер </a:t>
+            </a:r>
+            <a:r>
+              <a:rPr lang="ru-RU" sz="2800" b="0" i="0" dirty="0" err="1">
+                <a:solidFill>
+                  <a:srgbClr val="172B53"/>
+                </a:solidFill>
+                <a:effectLst/>
+                <a:latin typeface="Times New Roman" panose="02020603050405020304" pitchFamily="18" charset="0"/>
+                <a:cs typeface="Times New Roman" panose="02020603050405020304" pitchFamily="18" charset="0"/>
+              </a:rPr>
+              <a:t>потрібно</a:t>
+            </a:r>
+            <a:r>
+              <a:rPr lang="ru-RU" sz="2800" b="0" i="0" dirty="0">
+                <a:solidFill>
+                  <a:srgbClr val="172B53"/>
+                </a:solidFill>
+                <a:effectLst/>
+                <a:latin typeface="Times New Roman" panose="02020603050405020304" pitchFamily="18" charset="0"/>
+                <a:cs typeface="Times New Roman" panose="02020603050405020304" pitchFamily="18" charset="0"/>
+              </a:rPr>
+              <a:t> </a:t>
+            </a:r>
+            <a:r>
+              <a:rPr lang="ru-RU" sz="2800" b="0" i="0" dirty="0" err="1">
+                <a:solidFill>
+                  <a:srgbClr val="172B53"/>
+                </a:solidFill>
+                <a:effectLst/>
+                <a:latin typeface="Times New Roman" panose="02020603050405020304" pitchFamily="18" charset="0"/>
+                <a:cs typeface="Times New Roman" panose="02020603050405020304" pitchFamily="18" charset="0"/>
+              </a:rPr>
+              <a:t>закрити</a:t>
+            </a:r>
+            <a:r>
+              <a:rPr lang="ru-RU" sz="2800" b="0" i="0" dirty="0">
+                <a:solidFill>
+                  <a:srgbClr val="172B53"/>
+                </a:solidFill>
+                <a:effectLst/>
+                <a:latin typeface="Times New Roman" panose="02020603050405020304" pitchFamily="18" charset="0"/>
+                <a:cs typeface="Times New Roman" panose="02020603050405020304" pitchFamily="18" charset="0"/>
+              </a:rPr>
+              <a:t> </a:t>
+            </a:r>
+            <a:r>
+              <a:rPr lang="ru-RU" sz="2800" b="0" i="0" dirty="0" err="1">
+                <a:solidFill>
+                  <a:srgbClr val="172B53"/>
+                </a:solidFill>
+                <a:effectLst/>
+                <a:latin typeface="Times New Roman" panose="02020603050405020304" pitchFamily="18" charset="0"/>
+                <a:cs typeface="Times New Roman" panose="02020603050405020304" pitchFamily="18" charset="0"/>
+              </a:rPr>
+              <a:t>після</a:t>
+            </a:r>
+            <a:r>
+              <a:rPr lang="ru-RU" sz="2800" b="0" i="0" dirty="0">
+                <a:solidFill>
+                  <a:srgbClr val="172B53"/>
+                </a:solidFill>
+                <a:effectLst/>
+                <a:latin typeface="Times New Roman" panose="02020603050405020304" pitchFamily="18" charset="0"/>
+                <a:cs typeface="Times New Roman" panose="02020603050405020304" pitchFamily="18" charset="0"/>
+              </a:rPr>
+              <a:t> </a:t>
+            </a:r>
+            <a:r>
+              <a:rPr lang="ru-RU" sz="2800" b="0" i="0" dirty="0" err="1">
+                <a:solidFill>
+                  <a:srgbClr val="172B53"/>
+                </a:solidFill>
+                <a:effectLst/>
+                <a:latin typeface="Times New Roman" panose="02020603050405020304" pitchFamily="18" charset="0"/>
+                <a:cs typeface="Times New Roman" panose="02020603050405020304" pitchFamily="18" charset="0"/>
+              </a:rPr>
+              <a:t>завершення</a:t>
+            </a:r>
+            <a:r>
+              <a:rPr lang="ru-RU" sz="2800" b="0" i="0" dirty="0">
+                <a:solidFill>
+                  <a:srgbClr val="172B53"/>
+                </a:solidFill>
+                <a:effectLst/>
+                <a:latin typeface="Times New Roman" panose="02020603050405020304" pitchFamily="18" charset="0"/>
+                <a:cs typeface="Times New Roman" panose="02020603050405020304" pitchFamily="18" charset="0"/>
+              </a:rPr>
+              <a:t> </a:t>
+            </a:r>
+            <a:r>
+              <a:rPr lang="ru-RU" sz="2800" b="0" i="0" dirty="0" err="1">
+                <a:solidFill>
+                  <a:srgbClr val="172B53"/>
+                </a:solidFill>
+                <a:effectLst/>
+                <a:latin typeface="Times New Roman" panose="02020603050405020304" pitchFamily="18" charset="0"/>
+                <a:cs typeface="Times New Roman" panose="02020603050405020304" pitchFamily="18" charset="0"/>
+              </a:rPr>
+              <a:t>своєї</a:t>
+            </a:r>
+            <a:r>
+              <a:rPr lang="ru-RU" sz="2800" b="0" i="0" dirty="0">
+                <a:solidFill>
+                  <a:srgbClr val="172B53"/>
+                </a:solidFill>
+                <a:effectLst/>
+                <a:latin typeface="Times New Roman" panose="02020603050405020304" pitchFamily="18" charset="0"/>
+                <a:cs typeface="Times New Roman" panose="02020603050405020304" pitchFamily="18" charset="0"/>
+              </a:rPr>
+              <a:t> </a:t>
+            </a:r>
+            <a:r>
+              <a:rPr lang="ru-RU" sz="2800" b="0" i="0" dirty="0" err="1">
+                <a:solidFill>
+                  <a:srgbClr val="172B53"/>
+                </a:solidFill>
+                <a:effectLst/>
+                <a:latin typeface="Times New Roman" panose="02020603050405020304" pitchFamily="18" charset="0"/>
+                <a:cs typeface="Times New Roman" panose="02020603050405020304" pitchFamily="18" charset="0"/>
+              </a:rPr>
+              <a:t>роботи</a:t>
+            </a:r>
+            <a:r>
+              <a:rPr lang="ru-RU" sz="2800" b="0" i="0" dirty="0">
+                <a:solidFill>
+                  <a:srgbClr val="172B53"/>
+                </a:solidFill>
+                <a:effectLst/>
+                <a:latin typeface="Times New Roman" panose="02020603050405020304" pitchFamily="18" charset="0"/>
+                <a:cs typeface="Times New Roman" panose="02020603050405020304" pitchFamily="18" charset="0"/>
+              </a:rPr>
+              <a:t>, </a:t>
+            </a:r>
+            <a:r>
+              <a:rPr lang="ru-RU" sz="2800" b="0" i="0" dirty="0" err="1">
+                <a:solidFill>
+                  <a:srgbClr val="172B53"/>
+                </a:solidFill>
+                <a:effectLst/>
+                <a:latin typeface="Times New Roman" panose="02020603050405020304" pitchFamily="18" charset="0"/>
+                <a:cs typeface="Times New Roman" panose="02020603050405020304" pitchFamily="18" charset="0"/>
+              </a:rPr>
+              <a:t>щоб</a:t>
+            </a:r>
+            <a:r>
+              <a:rPr lang="ru-RU" sz="2800" b="0" i="0" dirty="0">
+                <a:solidFill>
+                  <a:srgbClr val="172B53"/>
+                </a:solidFill>
+                <a:effectLst/>
+                <a:latin typeface="Times New Roman" panose="02020603050405020304" pitchFamily="18" charset="0"/>
+                <a:cs typeface="Times New Roman" panose="02020603050405020304" pitchFamily="18" charset="0"/>
+              </a:rPr>
+              <a:t> </a:t>
+            </a:r>
+            <a:r>
+              <a:rPr lang="ru-RU" sz="2800" b="0" i="0" dirty="0" err="1">
+                <a:solidFill>
+                  <a:srgbClr val="172B53"/>
+                </a:solidFill>
+                <a:effectLst/>
+                <a:latin typeface="Times New Roman" panose="02020603050405020304" pitchFamily="18" charset="0"/>
+                <a:cs typeface="Times New Roman" panose="02020603050405020304" pitchFamily="18" charset="0"/>
+              </a:rPr>
+              <a:t>більше</a:t>
+            </a:r>
+            <a:r>
+              <a:rPr lang="ru-RU" sz="2800" b="0" i="0" dirty="0">
+                <a:solidFill>
+                  <a:srgbClr val="172B53"/>
+                </a:solidFill>
+                <a:effectLst/>
+                <a:latin typeface="Times New Roman" panose="02020603050405020304" pitchFamily="18" charset="0"/>
+                <a:cs typeface="Times New Roman" panose="02020603050405020304" pitchFamily="18" charset="0"/>
+              </a:rPr>
+              <a:t> не </a:t>
+            </a:r>
+            <a:r>
+              <a:rPr lang="ru-RU" sz="2800" b="0" i="0" dirty="0" err="1">
+                <a:solidFill>
+                  <a:srgbClr val="172B53"/>
+                </a:solidFill>
+                <a:effectLst/>
+                <a:latin typeface="Times New Roman" panose="02020603050405020304" pitchFamily="18" charset="0"/>
+                <a:cs typeface="Times New Roman" panose="02020603050405020304" pitchFamily="18" charset="0"/>
+              </a:rPr>
+              <a:t>споживати</a:t>
+            </a:r>
+            <a:r>
+              <a:rPr lang="ru-RU" sz="2800" b="0" i="0" dirty="0">
+                <a:solidFill>
+                  <a:srgbClr val="172B53"/>
+                </a:solidFill>
+                <a:effectLst/>
+                <a:latin typeface="Times New Roman" panose="02020603050405020304" pitchFamily="18" charset="0"/>
+                <a:cs typeface="Times New Roman" panose="02020603050405020304" pitchFamily="18" charset="0"/>
+              </a:rPr>
+              <a:t> </a:t>
+            </a:r>
+            <a:r>
+              <a:rPr lang="ru-RU" sz="2800" b="0" i="0" dirty="0" err="1">
+                <a:solidFill>
+                  <a:srgbClr val="172B53"/>
+                </a:solidFill>
+                <a:effectLst/>
+                <a:latin typeface="Times New Roman" panose="02020603050405020304" pitchFamily="18" charset="0"/>
+                <a:cs typeface="Times New Roman" panose="02020603050405020304" pitchFamily="18" charset="0"/>
+              </a:rPr>
+              <a:t>ресурси</a:t>
+            </a:r>
+            <a:r>
+              <a:rPr lang="ru-RU" sz="2800" b="0" i="0" dirty="0">
+                <a:solidFill>
+                  <a:srgbClr val="172B53"/>
+                </a:solidFill>
+                <a:effectLst/>
+                <a:latin typeface="Times New Roman" panose="02020603050405020304" pitchFamily="18" charset="0"/>
+                <a:cs typeface="Times New Roman" panose="02020603050405020304" pitchFamily="18" charset="0"/>
+              </a:rPr>
+              <a:t> </a:t>
+            </a:r>
+            <a:r>
+              <a:rPr lang="ru-RU" sz="2800" b="0" i="0" dirty="0" err="1">
+                <a:solidFill>
+                  <a:srgbClr val="172B53"/>
+                </a:solidFill>
+                <a:effectLst/>
+                <a:latin typeface="Times New Roman" panose="02020603050405020304" pitchFamily="18" charset="0"/>
+                <a:cs typeface="Times New Roman" panose="02020603050405020304" pitchFamily="18" charset="0"/>
+              </a:rPr>
+              <a:t>нашого</a:t>
+            </a:r>
+            <a:r>
+              <a:rPr lang="ru-RU" sz="2800" b="0" i="0" dirty="0">
+                <a:solidFill>
+                  <a:srgbClr val="172B53"/>
+                </a:solidFill>
+                <a:effectLst/>
+                <a:latin typeface="Times New Roman" panose="02020603050405020304" pitchFamily="18" charset="0"/>
+                <a:cs typeface="Times New Roman" panose="02020603050405020304" pitchFamily="18" charset="0"/>
+              </a:rPr>
+              <a:t> </a:t>
+            </a:r>
+            <a:r>
+              <a:rPr lang="ru-RU" sz="2800" b="0" i="0" dirty="0" err="1">
+                <a:solidFill>
+                  <a:srgbClr val="172B53"/>
+                </a:solidFill>
+                <a:effectLst/>
+                <a:latin typeface="Times New Roman" panose="02020603050405020304" pitchFamily="18" charset="0"/>
+                <a:cs typeface="Times New Roman" panose="02020603050405020304" pitchFamily="18" charset="0"/>
+              </a:rPr>
+              <a:t>комп'ютера</a:t>
+            </a:r>
+            <a:r>
+              <a:rPr lang="ru-RU" sz="2800" b="0" i="0" dirty="0">
+                <a:solidFill>
+                  <a:srgbClr val="172B53"/>
+                </a:solidFill>
+                <a:effectLst/>
+                <a:latin typeface="Times New Roman" panose="02020603050405020304" pitchFamily="18" charset="0"/>
+                <a:cs typeface="Times New Roman" panose="02020603050405020304" pitchFamily="18" charset="0"/>
+              </a:rPr>
+              <a:t>. </a:t>
+            </a:r>
+            <a:endParaRPr lang="uk-UA" sz="2800" dirty="0">
+              <a:latin typeface="Times New Roman" panose="02020603050405020304" pitchFamily="18" charset="0"/>
+              <a:cs typeface="Times New Roman" panose="02020603050405020304" pitchFamily="18" charset="0"/>
+            </a:endParaRPr>
+          </a:p>
+        </p:txBody>
+      </p:sp>
+      <p:sp>
+        <p:nvSpPr>
+          <p:cNvPr id="3" name="TextBox 2">
+            <a:extLst>
+              <a:ext uri="{FF2B5EF4-FFF2-40B4-BE49-F238E27FC236}">
+                <a16:creationId xmlns:a16="http://schemas.microsoft.com/office/drawing/2014/main" id="{5EFB2BC8-8021-49DF-BF9B-23A8FE72AA8F}"/>
+              </a:ext>
+            </a:extLst>
+          </p:cNvPr>
+          <p:cNvSpPr txBox="1"/>
+          <p:nvPr/>
+        </p:nvSpPr>
+        <p:spPr>
+          <a:xfrm>
+            <a:off x="480767" y="1819374"/>
+            <a:ext cx="6108569" cy="3785652"/>
+          </a:xfrm>
+          <a:prstGeom prst="rect">
+            <a:avLst/>
+          </a:prstGeom>
+          <a:noFill/>
+        </p:spPr>
+        <p:txBody>
+          <a:bodyPr wrap="square" rtlCol="0">
+            <a:spAutoFit/>
+          </a:bodyPr>
+          <a:lstStyle/>
+          <a:p>
+            <a:r>
+              <a:rPr lang="en-US" sz="2000" b="1" i="0" dirty="0">
+                <a:solidFill>
+                  <a:srgbClr val="000080"/>
+                </a:solidFill>
+                <a:effectLst/>
+                <a:latin typeface="Courier New" panose="02070309020205020404" pitchFamily="49" charset="0"/>
+                <a:cs typeface="Courier New" panose="02070309020205020404" pitchFamily="49" charset="0"/>
+              </a:rPr>
+              <a:t>public</a:t>
+            </a:r>
+            <a:r>
+              <a:rPr lang="en-US" sz="2000" b="0" i="0" dirty="0">
+                <a:solidFill>
+                  <a:srgbClr val="000000"/>
+                </a:solidFill>
+                <a:effectLst/>
+                <a:latin typeface="Courier New" panose="02070309020205020404" pitchFamily="49" charset="0"/>
+                <a:cs typeface="Courier New" panose="02070309020205020404" pitchFamily="49" charset="0"/>
+              </a:rPr>
+              <a:t> </a:t>
+            </a:r>
+            <a:r>
+              <a:rPr lang="en-US" sz="2000" b="1" i="0" dirty="0">
+                <a:solidFill>
+                  <a:srgbClr val="000080"/>
+                </a:solidFill>
+                <a:effectLst/>
+                <a:latin typeface="Courier New" panose="02070309020205020404" pitchFamily="49" charset="0"/>
+                <a:cs typeface="Courier New" panose="02070309020205020404" pitchFamily="49" charset="0"/>
+              </a:rPr>
+              <a:t>class</a:t>
+            </a:r>
+            <a:r>
+              <a:rPr lang="en-US" sz="2000" b="0" i="0" dirty="0">
+                <a:solidFill>
+                  <a:srgbClr val="000000"/>
+                </a:solidFill>
+                <a:effectLst/>
+                <a:latin typeface="Courier New" panose="02070309020205020404" pitchFamily="49" charset="0"/>
+                <a:cs typeface="Courier New" panose="02070309020205020404" pitchFamily="49" charset="0"/>
+              </a:rPr>
+              <a:t> Main { </a:t>
+            </a:r>
+          </a:p>
+          <a:p>
+            <a:r>
+              <a:rPr lang="en-US" sz="2000" b="1" i="0" dirty="0">
+                <a:solidFill>
+                  <a:srgbClr val="000080"/>
+                </a:solidFill>
+                <a:effectLst/>
+                <a:latin typeface="Courier New" panose="02070309020205020404" pitchFamily="49" charset="0"/>
+                <a:cs typeface="Courier New" panose="02070309020205020404" pitchFamily="49" charset="0"/>
+              </a:rPr>
+              <a:t>public</a:t>
+            </a:r>
+            <a:r>
+              <a:rPr lang="en-US" sz="2000" b="0" i="0" dirty="0">
+                <a:solidFill>
+                  <a:srgbClr val="000000"/>
+                </a:solidFill>
+                <a:effectLst/>
+                <a:latin typeface="Courier New" panose="02070309020205020404" pitchFamily="49" charset="0"/>
+                <a:cs typeface="Courier New" panose="02070309020205020404" pitchFamily="49" charset="0"/>
+              </a:rPr>
+              <a:t> </a:t>
+            </a:r>
+            <a:r>
+              <a:rPr lang="en-US" sz="2000" b="1" i="0" dirty="0">
+                <a:solidFill>
+                  <a:srgbClr val="000080"/>
+                </a:solidFill>
+                <a:effectLst/>
+                <a:latin typeface="Courier New" panose="02070309020205020404" pitchFamily="49" charset="0"/>
+                <a:cs typeface="Courier New" panose="02070309020205020404" pitchFamily="49" charset="0"/>
+              </a:rPr>
+              <a:t>static</a:t>
+            </a:r>
+            <a:r>
+              <a:rPr lang="en-US" sz="2000" b="0" i="0" dirty="0">
+                <a:solidFill>
+                  <a:srgbClr val="000000"/>
+                </a:solidFill>
+                <a:effectLst/>
+                <a:latin typeface="Courier New" panose="02070309020205020404" pitchFamily="49" charset="0"/>
+                <a:cs typeface="Courier New" panose="02070309020205020404" pitchFamily="49" charset="0"/>
+              </a:rPr>
+              <a:t> </a:t>
+            </a:r>
+            <a:r>
+              <a:rPr lang="en-US" sz="2000" b="1" i="0" dirty="0">
+                <a:solidFill>
+                  <a:srgbClr val="000080"/>
+                </a:solidFill>
+                <a:effectLst/>
+                <a:latin typeface="Courier New" panose="02070309020205020404" pitchFamily="49" charset="0"/>
+                <a:cs typeface="Courier New" panose="02070309020205020404" pitchFamily="49" charset="0"/>
+              </a:rPr>
+              <a:t>void</a:t>
+            </a:r>
+            <a:r>
+              <a:rPr lang="en-US" sz="2000" b="0" i="0" dirty="0">
+                <a:solidFill>
+                  <a:srgbClr val="000000"/>
+                </a:solidFill>
+                <a:effectLst/>
+                <a:latin typeface="Courier New" panose="02070309020205020404" pitchFamily="49" charset="0"/>
+                <a:cs typeface="Courier New" panose="02070309020205020404" pitchFamily="49" charset="0"/>
+              </a:rPr>
+              <a:t> </a:t>
+            </a:r>
+            <a:r>
+              <a:rPr lang="en-US" sz="2000" b="0" i="0" dirty="0">
+                <a:solidFill>
+                  <a:srgbClr val="900606"/>
+                </a:solidFill>
+                <a:effectLst/>
+                <a:latin typeface="Courier New" panose="02070309020205020404" pitchFamily="49" charset="0"/>
+                <a:cs typeface="Courier New" panose="02070309020205020404" pitchFamily="49" charset="0"/>
+              </a:rPr>
+              <a:t>main</a:t>
+            </a:r>
+            <a:r>
+              <a:rPr lang="en-US" sz="2000" b="0" i="0" dirty="0">
+                <a:solidFill>
+                  <a:srgbClr val="000000"/>
+                </a:solidFill>
+                <a:effectLst/>
+                <a:latin typeface="Courier New" panose="02070309020205020404" pitchFamily="49" charset="0"/>
+                <a:cs typeface="Courier New" panose="02070309020205020404" pitchFamily="49" charset="0"/>
+              </a:rPr>
+              <a:t>(String[] </a:t>
+            </a:r>
+            <a:r>
+              <a:rPr lang="en-US" sz="2000" b="0" i="0" dirty="0" err="1">
+                <a:solidFill>
+                  <a:srgbClr val="000000"/>
+                </a:solidFill>
+                <a:effectLst/>
+                <a:latin typeface="Courier New" panose="02070309020205020404" pitchFamily="49" charset="0"/>
+                <a:cs typeface="Courier New" panose="02070309020205020404" pitchFamily="49" charset="0"/>
+              </a:rPr>
+              <a:t>args</a:t>
+            </a:r>
+            <a:r>
+              <a:rPr lang="en-US" sz="2000" b="0" i="0" dirty="0">
+                <a:solidFill>
+                  <a:srgbClr val="000000"/>
+                </a:solidFill>
+                <a:effectLst/>
+                <a:latin typeface="Courier New" panose="02070309020205020404" pitchFamily="49" charset="0"/>
+                <a:cs typeface="Courier New" panose="02070309020205020404" pitchFamily="49" charset="0"/>
+              </a:rPr>
+              <a:t>) { </a:t>
+            </a:r>
+          </a:p>
+          <a:p>
+            <a:r>
+              <a:rPr lang="en-US" sz="2000" b="0" i="0" dirty="0">
+                <a:solidFill>
+                  <a:srgbClr val="000000"/>
+                </a:solidFill>
+                <a:effectLst/>
+                <a:latin typeface="Courier New" panose="02070309020205020404" pitchFamily="49" charset="0"/>
+                <a:cs typeface="Courier New" panose="02070309020205020404" pitchFamily="49" charset="0"/>
+              </a:rPr>
+              <a:t>Scanner </a:t>
+            </a:r>
+            <a:r>
+              <a:rPr lang="en-US" sz="2000" b="0" i="0" dirty="0" err="1">
+                <a:solidFill>
+                  <a:srgbClr val="000000"/>
+                </a:solidFill>
+                <a:effectLst/>
+                <a:latin typeface="Courier New" panose="02070309020205020404" pitchFamily="49" charset="0"/>
+                <a:cs typeface="Courier New" panose="02070309020205020404" pitchFamily="49" charset="0"/>
+              </a:rPr>
+              <a:t>sc</a:t>
+            </a:r>
+            <a:r>
+              <a:rPr lang="en-US" sz="2000" b="0" i="0" dirty="0">
+                <a:solidFill>
+                  <a:srgbClr val="000000"/>
+                </a:solidFill>
+                <a:effectLst/>
+                <a:latin typeface="Courier New" panose="02070309020205020404" pitchFamily="49" charset="0"/>
+                <a:cs typeface="Courier New" panose="02070309020205020404" pitchFamily="49" charset="0"/>
+              </a:rPr>
+              <a:t> = </a:t>
+            </a:r>
+            <a:r>
+              <a:rPr lang="en-US" sz="2000" b="1" i="0" dirty="0">
+                <a:solidFill>
+                  <a:srgbClr val="000080"/>
+                </a:solidFill>
+                <a:effectLst/>
+                <a:latin typeface="Courier New" panose="02070309020205020404" pitchFamily="49" charset="0"/>
+                <a:cs typeface="Courier New" panose="02070309020205020404" pitchFamily="49" charset="0"/>
+              </a:rPr>
+              <a:t>new</a:t>
+            </a:r>
+            <a:r>
+              <a:rPr lang="en-US" sz="2000" b="0" i="0" dirty="0">
+                <a:solidFill>
+                  <a:srgbClr val="000000"/>
+                </a:solidFill>
+                <a:effectLst/>
+                <a:latin typeface="Courier New" panose="02070309020205020404" pitchFamily="49" charset="0"/>
+                <a:cs typeface="Courier New" panose="02070309020205020404" pitchFamily="49" charset="0"/>
+              </a:rPr>
+              <a:t> Scanner(System.in);</a:t>
+            </a:r>
+          </a:p>
+          <a:p>
+            <a:r>
+              <a:rPr lang="en-US" sz="2000" b="0" i="0" dirty="0" err="1">
+                <a:solidFill>
+                  <a:srgbClr val="000000"/>
+                </a:solidFill>
+                <a:effectLst/>
+                <a:latin typeface="Courier New" panose="02070309020205020404" pitchFamily="49" charset="0"/>
+                <a:cs typeface="Courier New" panose="02070309020205020404" pitchFamily="49" charset="0"/>
+              </a:rPr>
+              <a:t>System.out.</a:t>
+            </a:r>
+            <a:r>
+              <a:rPr lang="en-US" sz="2000" b="0" i="0" dirty="0" err="1">
+                <a:solidFill>
+                  <a:srgbClr val="900606"/>
+                </a:solidFill>
+                <a:effectLst/>
+                <a:latin typeface="Courier New" panose="02070309020205020404" pitchFamily="49" charset="0"/>
+                <a:cs typeface="Courier New" panose="02070309020205020404" pitchFamily="49" charset="0"/>
+              </a:rPr>
+              <a:t>println</a:t>
+            </a:r>
+            <a:r>
+              <a:rPr lang="en-US" sz="2000" b="0" i="0" dirty="0">
+                <a:solidFill>
+                  <a:srgbClr val="000000"/>
+                </a:solidFill>
+                <a:effectLst/>
+                <a:latin typeface="Courier New" panose="02070309020205020404" pitchFamily="49" charset="0"/>
+                <a:cs typeface="Courier New" panose="02070309020205020404" pitchFamily="49" charset="0"/>
+              </a:rPr>
+              <a:t>(</a:t>
+            </a:r>
+            <a:r>
+              <a:rPr lang="en-US" sz="2000" b="0" i="0" dirty="0">
+                <a:solidFill>
+                  <a:srgbClr val="008000"/>
+                </a:solidFill>
+                <a:effectLst/>
+                <a:latin typeface="Courier New" panose="02070309020205020404" pitchFamily="49" charset="0"/>
+                <a:cs typeface="Courier New" panose="02070309020205020404" pitchFamily="49" charset="0"/>
+              </a:rPr>
+              <a:t>"</a:t>
+            </a:r>
+            <a:r>
+              <a:rPr lang="uk-UA" sz="2000" b="0" i="0" dirty="0">
+                <a:solidFill>
+                  <a:srgbClr val="008000"/>
+                </a:solidFill>
+                <a:effectLst/>
+                <a:latin typeface="Courier New" panose="02070309020205020404" pitchFamily="49" charset="0"/>
+                <a:cs typeface="Courier New" panose="02070309020205020404" pitchFamily="49" charset="0"/>
+              </a:rPr>
+              <a:t>Введіть число:"</a:t>
+            </a:r>
+            <a:r>
+              <a:rPr lang="uk-UA" sz="2000" b="0" i="0" dirty="0">
+                <a:solidFill>
+                  <a:srgbClr val="000000"/>
+                </a:solidFill>
+                <a:effectLst/>
+                <a:latin typeface="Courier New" panose="02070309020205020404" pitchFamily="49" charset="0"/>
+                <a:cs typeface="Courier New" panose="02070309020205020404" pitchFamily="49" charset="0"/>
+              </a:rPr>
+              <a:t>); </a:t>
+            </a:r>
+            <a:endParaRPr lang="en-US" sz="2000" b="0" i="0" dirty="0">
+              <a:solidFill>
+                <a:srgbClr val="000000"/>
+              </a:solidFill>
+              <a:effectLst/>
+              <a:latin typeface="Courier New" panose="02070309020205020404" pitchFamily="49" charset="0"/>
+              <a:cs typeface="Courier New" panose="02070309020205020404" pitchFamily="49" charset="0"/>
+            </a:endParaRPr>
+          </a:p>
+          <a:p>
+            <a:r>
+              <a:rPr lang="en-US" sz="2000" b="1" i="0" dirty="0">
+                <a:solidFill>
+                  <a:srgbClr val="000080"/>
+                </a:solidFill>
+                <a:effectLst/>
+                <a:latin typeface="Courier New" panose="02070309020205020404" pitchFamily="49" charset="0"/>
+                <a:cs typeface="Courier New" panose="02070309020205020404" pitchFamily="49" charset="0"/>
+              </a:rPr>
+              <a:t>int</a:t>
+            </a:r>
+            <a:r>
+              <a:rPr lang="en-US" sz="2000" b="0" i="0" dirty="0">
+                <a:solidFill>
+                  <a:srgbClr val="000000"/>
+                </a:solidFill>
+                <a:effectLst/>
+                <a:latin typeface="Courier New" panose="02070309020205020404" pitchFamily="49" charset="0"/>
+                <a:cs typeface="Courier New" panose="02070309020205020404" pitchFamily="49" charset="0"/>
+              </a:rPr>
+              <a:t> number = </a:t>
+            </a:r>
+            <a:r>
+              <a:rPr lang="en-US" sz="2000" b="0" i="0" dirty="0" err="1">
+                <a:solidFill>
+                  <a:srgbClr val="000000"/>
+                </a:solidFill>
+                <a:effectLst/>
+                <a:latin typeface="Courier New" panose="02070309020205020404" pitchFamily="49" charset="0"/>
+                <a:cs typeface="Courier New" panose="02070309020205020404" pitchFamily="49" charset="0"/>
+              </a:rPr>
+              <a:t>sc.</a:t>
+            </a:r>
+            <a:r>
+              <a:rPr lang="en-US" sz="2000" b="0" i="0" dirty="0" err="1">
+                <a:solidFill>
+                  <a:srgbClr val="900606"/>
+                </a:solidFill>
+                <a:effectLst/>
+                <a:latin typeface="Courier New" panose="02070309020205020404" pitchFamily="49" charset="0"/>
+                <a:cs typeface="Courier New" panose="02070309020205020404" pitchFamily="49" charset="0"/>
+              </a:rPr>
+              <a:t>nextInt</a:t>
+            </a:r>
+            <a:r>
+              <a:rPr lang="en-US" sz="2000" b="0" i="0" dirty="0">
+                <a:solidFill>
+                  <a:srgbClr val="000000"/>
+                </a:solidFill>
+                <a:effectLst/>
+                <a:latin typeface="Courier New" panose="02070309020205020404" pitchFamily="49" charset="0"/>
+                <a:cs typeface="Courier New" panose="02070309020205020404" pitchFamily="49" charset="0"/>
+              </a:rPr>
+              <a:t>(); </a:t>
+            </a:r>
+          </a:p>
+          <a:p>
+            <a:r>
+              <a:rPr lang="en-US" sz="2000" b="0" i="0" dirty="0" err="1">
+                <a:solidFill>
+                  <a:srgbClr val="000000"/>
+                </a:solidFill>
+                <a:effectLst/>
+                <a:latin typeface="Courier New" panose="02070309020205020404" pitchFamily="49" charset="0"/>
+                <a:cs typeface="Courier New" panose="02070309020205020404" pitchFamily="49" charset="0"/>
+              </a:rPr>
+              <a:t>System.out.</a:t>
+            </a:r>
+            <a:r>
+              <a:rPr lang="en-US" sz="2000" b="0" i="0" dirty="0" err="1">
+                <a:solidFill>
+                  <a:srgbClr val="900606"/>
+                </a:solidFill>
+                <a:effectLst/>
+                <a:latin typeface="Courier New" panose="02070309020205020404" pitchFamily="49" charset="0"/>
+                <a:cs typeface="Courier New" panose="02070309020205020404" pitchFamily="49" charset="0"/>
+              </a:rPr>
+              <a:t>println</a:t>
+            </a:r>
+            <a:r>
+              <a:rPr lang="en-US" sz="2000" b="0" i="0" dirty="0">
+                <a:solidFill>
+                  <a:srgbClr val="000000"/>
+                </a:solidFill>
+                <a:effectLst/>
+                <a:latin typeface="Courier New" panose="02070309020205020404" pitchFamily="49" charset="0"/>
+                <a:cs typeface="Courier New" panose="02070309020205020404" pitchFamily="49" charset="0"/>
+              </a:rPr>
+              <a:t>(</a:t>
+            </a:r>
+            <a:r>
+              <a:rPr lang="en-US" sz="2000" b="0" i="0" dirty="0">
+                <a:solidFill>
+                  <a:srgbClr val="008000"/>
+                </a:solidFill>
+                <a:effectLst/>
+                <a:latin typeface="Courier New" panose="02070309020205020404" pitchFamily="49" charset="0"/>
+                <a:cs typeface="Courier New" panose="02070309020205020404" pitchFamily="49" charset="0"/>
+              </a:rPr>
+              <a:t>"</a:t>
+            </a:r>
+            <a:r>
+              <a:rPr lang="uk-UA" sz="2000" b="0" i="0" dirty="0">
+                <a:solidFill>
+                  <a:srgbClr val="008000"/>
+                </a:solidFill>
+                <a:effectLst/>
+                <a:latin typeface="Courier New" panose="02070309020205020404" pitchFamily="49" charset="0"/>
+                <a:cs typeface="Courier New" panose="02070309020205020404" pitchFamily="49" charset="0"/>
+              </a:rPr>
+              <a:t>Дякую! Ви ввели число "</a:t>
+            </a:r>
+            <a:r>
+              <a:rPr lang="uk-UA" sz="2000" b="0" i="0" dirty="0">
+                <a:solidFill>
+                  <a:srgbClr val="000000"/>
+                </a:solidFill>
+                <a:effectLst/>
+                <a:latin typeface="Courier New" panose="02070309020205020404" pitchFamily="49" charset="0"/>
+                <a:cs typeface="Courier New" panose="02070309020205020404" pitchFamily="49" charset="0"/>
+              </a:rPr>
+              <a:t> + </a:t>
+            </a:r>
+            <a:r>
+              <a:rPr lang="en-US" sz="2000" b="0" i="0" dirty="0">
+                <a:solidFill>
+                  <a:srgbClr val="000000"/>
+                </a:solidFill>
+                <a:effectLst/>
+                <a:latin typeface="Courier New" panose="02070309020205020404" pitchFamily="49" charset="0"/>
+                <a:cs typeface="Courier New" panose="02070309020205020404" pitchFamily="49" charset="0"/>
+              </a:rPr>
+              <a:t>number); </a:t>
+            </a:r>
+          </a:p>
+          <a:p>
+            <a:r>
+              <a:rPr lang="en-US" sz="2000" b="0" i="0" dirty="0" err="1">
+                <a:solidFill>
+                  <a:srgbClr val="000000"/>
+                </a:solidFill>
+                <a:effectLst/>
+                <a:latin typeface="Courier New" panose="02070309020205020404" pitchFamily="49" charset="0"/>
+                <a:cs typeface="Courier New" panose="02070309020205020404" pitchFamily="49" charset="0"/>
+              </a:rPr>
+              <a:t>sc.</a:t>
+            </a:r>
+            <a:r>
+              <a:rPr lang="en-US" sz="2000" b="0" i="0" dirty="0" err="1">
+                <a:solidFill>
+                  <a:srgbClr val="900606"/>
+                </a:solidFill>
+                <a:effectLst/>
+                <a:latin typeface="Courier New" panose="02070309020205020404" pitchFamily="49" charset="0"/>
+                <a:cs typeface="Courier New" panose="02070309020205020404" pitchFamily="49" charset="0"/>
+              </a:rPr>
+              <a:t>close</a:t>
+            </a:r>
+            <a:r>
+              <a:rPr lang="en-US" sz="2000" b="0" i="0" dirty="0">
+                <a:solidFill>
+                  <a:srgbClr val="000000"/>
+                </a:solidFill>
+                <a:effectLst/>
+                <a:latin typeface="Courier New" panose="02070309020205020404" pitchFamily="49" charset="0"/>
+                <a:cs typeface="Courier New" panose="02070309020205020404" pitchFamily="49" charset="0"/>
+              </a:rPr>
+              <a:t>();</a:t>
+            </a:r>
+            <a:r>
+              <a:rPr lang="en-US" sz="2000" b="0" i="0" dirty="0">
+                <a:effectLst/>
+                <a:latin typeface="Courier New" panose="02070309020205020404" pitchFamily="49" charset="0"/>
+                <a:cs typeface="Courier New" panose="02070309020205020404" pitchFamily="49" charset="0"/>
+              </a:rPr>
+              <a:t>// </a:t>
+            </a:r>
+            <a:r>
+              <a:rPr lang="uk-UA" sz="2000" b="0" i="0" dirty="0">
+                <a:effectLst/>
+                <a:latin typeface="Courier New" panose="02070309020205020404" pitchFamily="49" charset="0"/>
+                <a:cs typeface="Courier New" panose="02070309020205020404" pitchFamily="49" charset="0"/>
+              </a:rPr>
+              <a:t>ось тепер ми зробили все правильно!</a:t>
+            </a:r>
+            <a:r>
+              <a:rPr lang="uk-UA" sz="2000" b="0" i="0" dirty="0">
+                <a:solidFill>
+                  <a:srgbClr val="000000"/>
+                </a:solidFill>
+                <a:effectLst/>
+                <a:latin typeface="Courier New" panose="02070309020205020404" pitchFamily="49" charset="0"/>
+                <a:cs typeface="Courier New" panose="02070309020205020404" pitchFamily="49" charset="0"/>
+              </a:rPr>
+              <a:t> </a:t>
+            </a:r>
+            <a:endParaRPr lang="en-US" sz="2000" b="0" i="0" dirty="0">
+              <a:solidFill>
+                <a:srgbClr val="000000"/>
+              </a:solidFill>
+              <a:effectLst/>
+              <a:latin typeface="Courier New" panose="02070309020205020404" pitchFamily="49" charset="0"/>
+              <a:cs typeface="Courier New" panose="02070309020205020404" pitchFamily="49" charset="0"/>
+            </a:endParaRPr>
+          </a:p>
+          <a:p>
+            <a:r>
+              <a:rPr lang="uk-UA" sz="2000" b="0" i="0" dirty="0">
+                <a:solidFill>
+                  <a:srgbClr val="000000"/>
+                </a:solidFill>
+                <a:effectLst/>
+                <a:latin typeface="Courier New" panose="02070309020205020404" pitchFamily="49" charset="0"/>
+                <a:cs typeface="Courier New" panose="02070309020205020404" pitchFamily="49" charset="0"/>
+              </a:rPr>
+              <a:t>} </a:t>
+            </a:r>
+            <a:endParaRPr lang="en-US" sz="2000" b="0" i="0" dirty="0">
+              <a:solidFill>
+                <a:srgbClr val="000000"/>
+              </a:solidFill>
+              <a:effectLst/>
+              <a:latin typeface="Courier New" panose="02070309020205020404" pitchFamily="49" charset="0"/>
+              <a:cs typeface="Courier New" panose="02070309020205020404" pitchFamily="49" charset="0"/>
+            </a:endParaRPr>
+          </a:p>
+          <a:p>
+            <a:r>
+              <a:rPr lang="uk-UA" sz="2000" b="0" i="0" dirty="0">
+                <a:solidFill>
+                  <a:srgbClr val="000000"/>
+                </a:solidFill>
+                <a:effectLst/>
+                <a:latin typeface="Courier New" panose="02070309020205020404" pitchFamily="49" charset="0"/>
+                <a:cs typeface="Courier New" panose="02070309020205020404" pitchFamily="49" charset="0"/>
+              </a:rPr>
+              <a:t>}</a:t>
+            </a:r>
+            <a:endParaRPr lang="uk-UA" sz="2000" dirty="0">
+              <a:latin typeface="Courier New" panose="02070309020205020404" pitchFamily="49" charset="0"/>
+              <a:cs typeface="Courier New" panose="02070309020205020404" pitchFamily="49" charset="0"/>
+            </a:endParaRPr>
+          </a:p>
+        </p:txBody>
+      </p:sp>
+      <p:sp>
+        <p:nvSpPr>
+          <p:cNvPr id="4" name="TextBox 3">
+            <a:extLst>
+              <a:ext uri="{FF2B5EF4-FFF2-40B4-BE49-F238E27FC236}">
+                <a16:creationId xmlns:a16="http://schemas.microsoft.com/office/drawing/2014/main" id="{314D40FF-BE71-448D-91AF-62EC428BD2FC}"/>
+              </a:ext>
+            </a:extLst>
+          </p:cNvPr>
+          <p:cNvSpPr txBox="1"/>
+          <p:nvPr/>
+        </p:nvSpPr>
+        <p:spPr>
+          <a:xfrm>
+            <a:off x="3729872" y="254524"/>
+            <a:ext cx="4732256" cy="584775"/>
+          </a:xfrm>
+          <a:prstGeom prst="rect">
+            <a:avLst/>
+          </a:prstGeom>
+          <a:noFill/>
+        </p:spPr>
+        <p:txBody>
+          <a:bodyPr wrap="square" rtlCol="0">
+            <a:spAutoFit/>
+          </a:bodyPr>
+          <a:lstStyle/>
+          <a:p>
+            <a:pPr algn="ctr"/>
+            <a:r>
+              <a:rPr lang="uk-UA" sz="3200" dirty="0">
+                <a:latin typeface="Times New Roman" panose="02020603050405020304" pitchFamily="18" charset="0"/>
+                <a:cs typeface="Times New Roman" panose="02020603050405020304" pitchFamily="18" charset="0"/>
+              </a:rPr>
+              <a:t>Метод </a:t>
+            </a:r>
+            <a:r>
+              <a:rPr lang="en-US" sz="3200" dirty="0">
+                <a:latin typeface="Times New Roman" panose="02020603050405020304" pitchFamily="18" charset="0"/>
+                <a:cs typeface="Times New Roman" panose="02020603050405020304" pitchFamily="18" charset="0"/>
+              </a:rPr>
+              <a:t>Close()</a:t>
+            </a:r>
+            <a:endParaRPr lang="uk-UA" sz="3200" dirty="0">
+              <a:latin typeface="Times New Roman" panose="02020603050405020304" pitchFamily="18" charset="0"/>
+              <a:cs typeface="Times New Roman" panose="02020603050405020304" pitchFamily="18" charset="0"/>
+            </a:endParaRPr>
+          </a:p>
+        </p:txBody>
+      </p:sp>
+    </p:spTree>
+    <p:extLst>
+      <p:ext uri="{BB962C8B-B14F-4D97-AF65-F5344CB8AC3E}">
+        <p14:creationId xmlns:p14="http://schemas.microsoft.com/office/powerpoint/2010/main" val="1917930044"/>
+      </p:ext>
+    </p:extLst>
+  </p:cSld>
+  <p:clrMapOvr>
+    <a:masterClrMapping/>
+  </p:clrMapOvr>
+</p:sld>
+</file>
+
+<file path=ppt/slides/slide15.xml><?xml version="1.0" encoding="utf-8"?>
+<p:sld xmlns:a="http://schemas.openxmlformats.org/drawingml/2006/main" xmlns:r="http://schemas.openxmlformats.org/officeDocument/2006/relationships" xmlns:p="http://schemas.openxmlformats.org/presentationml/2006/main">
+  <p:cSld>
+    <p:spTree>
+      <p:nvGrpSpPr>
+        <p:cNvPr id="1" name=""/>
+        <p:cNvGrpSpPr/>
+        <p:nvPr/>
+      </p:nvGrpSpPr>
+      <p:grpSpPr>
+        <a:xfrm>
+          <a:off x="0" y="0"/>
+          <a:ext cx="0" cy="0"/>
+          <a:chOff x="0" y="0"/>
+          <a:chExt cx="0" cy="0"/>
+        </a:xfrm>
+      </p:grpSpPr>
+      <p:sp>
+        <p:nvSpPr>
+          <p:cNvPr id="81922" name="Заголовок 1"/>
+          <p:cNvSpPr>
+            <a:spLocks noGrp="1"/>
+          </p:cNvSpPr>
+          <p:nvPr>
+            <p:ph type="title"/>
+          </p:nvPr>
+        </p:nvSpPr>
+        <p:spPr>
+          <a:xfrm>
+            <a:off x="0" y="0"/>
+            <a:ext cx="12192000" cy="646115"/>
+          </a:xfrm>
+        </p:spPr>
+        <p:txBody>
+          <a:bodyPr>
+            <a:normAutofit fontScale="90000"/>
+          </a:bodyPr>
+          <a:lstStyle/>
+          <a:p>
+            <a:pPr algn="ctr"/>
+            <a:r>
+              <a:rPr lang="uk-UA" altLang="ru-RU" dirty="0">
+                <a:latin typeface="Times New Roman" panose="02020603050405020304" pitchFamily="18" charset="0"/>
+                <a:cs typeface="Times New Roman" panose="02020603050405020304" pitchFamily="18" charset="0"/>
+              </a:rPr>
+              <a:t>Клас</a:t>
+            </a:r>
+            <a:r>
+              <a:rPr lang="ru-RU" altLang="ru-RU" dirty="0">
+                <a:latin typeface="Times New Roman" panose="02020603050405020304" pitchFamily="18" charset="0"/>
+                <a:cs typeface="Times New Roman" panose="02020603050405020304" pitchFamily="18" charset="0"/>
+              </a:rPr>
+              <a:t> </a:t>
+            </a:r>
+            <a:r>
+              <a:rPr lang="en-US" altLang="ru-RU" dirty="0">
+                <a:latin typeface="Times New Roman" panose="02020603050405020304" pitchFamily="18" charset="0"/>
+                <a:cs typeface="Times New Roman" panose="02020603050405020304" pitchFamily="18" charset="0"/>
+              </a:rPr>
+              <a:t>Scanner. </a:t>
+            </a:r>
+            <a:r>
+              <a:rPr lang="uk-UA" altLang="ru-RU" dirty="0">
+                <a:latin typeface="Times New Roman" panose="02020603050405020304" pitchFamily="18" charset="0"/>
+                <a:cs typeface="Times New Roman" panose="02020603050405020304" pitchFamily="18" charset="0"/>
+              </a:rPr>
+              <a:t>Якщо коротко - це</a:t>
+            </a:r>
+            <a:endParaRPr lang="ru-RU" altLang="ru-RU" dirty="0">
+              <a:latin typeface="Times New Roman" panose="02020603050405020304" pitchFamily="18" charset="0"/>
+              <a:cs typeface="Times New Roman" panose="02020603050405020304" pitchFamily="18" charset="0"/>
+            </a:endParaRPr>
+          </a:p>
+        </p:txBody>
+      </p:sp>
+      <p:sp>
+        <p:nvSpPr>
+          <p:cNvPr id="80899" name="Объект 2"/>
+          <p:cNvSpPr>
+            <a:spLocks noGrp="1"/>
+          </p:cNvSpPr>
+          <p:nvPr>
+            <p:ph idx="1"/>
+          </p:nvPr>
+        </p:nvSpPr>
+        <p:spPr>
+          <a:xfrm>
+            <a:off x="626619" y="662782"/>
+            <a:ext cx="11364275" cy="622300"/>
+          </a:xfrm>
+        </p:spPr>
+        <p:txBody>
+          <a:bodyPr>
+            <a:normAutofit/>
+          </a:bodyPr>
+          <a:lstStyle/>
+          <a:p>
+            <a:pPr marL="0" indent="0">
+              <a:buNone/>
+              <a:defRPr/>
+            </a:pPr>
+            <a:r>
+              <a:rPr lang="en-US" b="1" i="1" dirty="0" err="1">
+                <a:latin typeface="Times New Roman" panose="02020603050405020304" pitchFamily="18" charset="0"/>
+                <a:cs typeface="Times New Roman" panose="02020603050405020304" pitchFamily="18" charset="0"/>
+              </a:rPr>
+              <a:t>java.util.Scanner</a:t>
+            </a:r>
+            <a:r>
+              <a:rPr lang="en-US" dirty="0">
+                <a:latin typeface="Times New Roman" panose="02020603050405020304" pitchFamily="18" charset="0"/>
+                <a:cs typeface="Times New Roman" panose="02020603050405020304" pitchFamily="18" charset="0"/>
+              </a:rPr>
+              <a:t> – </a:t>
+            </a:r>
+            <a:r>
+              <a:rPr lang="uk-UA" dirty="0">
+                <a:latin typeface="Times New Roman" panose="02020603050405020304" pitchFamily="18" charset="0"/>
+                <a:cs typeface="Times New Roman" panose="02020603050405020304" pitchFamily="18" charset="0"/>
+              </a:rPr>
+              <a:t>бібліотека з текстовим сканером</a:t>
+            </a:r>
+            <a:endParaRPr lang="uk-UA" altLang="ru-RU" dirty="0">
+              <a:latin typeface="Times New Roman" panose="02020603050405020304" pitchFamily="18" charset="0"/>
+              <a:cs typeface="Times New Roman" panose="02020603050405020304" pitchFamily="18" charset="0"/>
+            </a:endParaRPr>
+          </a:p>
+        </p:txBody>
+      </p:sp>
+      <p:sp>
+        <p:nvSpPr>
+          <p:cNvPr id="81924" name="Стрелка вправо 6"/>
+          <p:cNvSpPr>
+            <a:spLocks noChangeArrowheads="1"/>
+          </p:cNvSpPr>
+          <p:nvPr/>
+        </p:nvSpPr>
+        <p:spPr bwMode="auto">
+          <a:xfrm>
+            <a:off x="5773740" y="2009830"/>
+            <a:ext cx="2597262" cy="557212"/>
+          </a:xfrm>
+          <a:prstGeom prst="rightArrow">
+            <a:avLst>
+              <a:gd name="adj1" fmla="val 50000"/>
+              <a:gd name="adj2" fmla="val 50016"/>
+            </a:avLst>
+          </a:prstGeom>
+          <a:solidFill>
+            <a:schemeClr val="accent2"/>
+          </a:solidFill>
+          <a:ln w="9525" algn="ctr">
+            <a:solidFill>
+              <a:schemeClr val="tx1"/>
+            </a:solidFill>
+            <a:round/>
+            <a:headEnd/>
+            <a:tailEnd/>
+          </a:ln>
+        </p:spPr>
+        <p:txBody>
+          <a:bodyPr wrap="none" lIns="90000" tIns="46800" rIns="90000" bIns="46800" anchor="ctr"/>
+          <a:lstStyle>
+            <a:lvl1pPr eaLnBrk="0" hangingPunct="0">
+              <a:spcAft>
+                <a:spcPct val="40000"/>
+              </a:spcAft>
+              <a:buClr>
+                <a:srgbClr val="004587"/>
+              </a:buClr>
+              <a:buFont typeface="Wingdings" panose="05000000000000000000" pitchFamily="2" charset="2"/>
+              <a:buChar char="§"/>
+              <a:defRPr sz="2000">
+                <a:solidFill>
+                  <a:schemeClr val="tx1"/>
+                </a:solidFill>
+                <a:latin typeface="Arial" panose="020B0604020202020204" pitchFamily="34" charset="0"/>
+                <a:cs typeface="Arial" panose="020B0604020202020204" pitchFamily="34" charset="0"/>
+              </a:defRPr>
+            </a:lvl1pPr>
+            <a:lvl2pPr marL="742950" indent="-285750" eaLnBrk="0" hangingPunct="0">
+              <a:spcAft>
+                <a:spcPct val="40000"/>
+              </a:spcAft>
+              <a:buClr>
+                <a:srgbClr val="004587"/>
+              </a:buClr>
+              <a:buChar char="–"/>
+              <a:defRPr>
+                <a:solidFill>
+                  <a:schemeClr val="tx1"/>
+                </a:solidFill>
+                <a:latin typeface="Arial" panose="020B0604020202020204" pitchFamily="34" charset="0"/>
+                <a:cs typeface="Arial" panose="020B0604020202020204" pitchFamily="34" charset="0"/>
+              </a:defRPr>
+            </a:lvl2pPr>
+            <a:lvl3pPr marL="1143000" indent="-228600" eaLnBrk="0" hangingPunct="0">
+              <a:spcAft>
+                <a:spcPct val="40000"/>
+              </a:spcAft>
+              <a:buClr>
+                <a:srgbClr val="004587"/>
+              </a:buClr>
+              <a:buChar char="•"/>
+              <a:defRPr sz="1600">
+                <a:solidFill>
+                  <a:schemeClr val="tx1"/>
+                </a:solidFill>
+                <a:latin typeface="Arial" panose="020B0604020202020204" pitchFamily="34" charset="0"/>
+                <a:cs typeface="Arial" panose="020B0604020202020204" pitchFamily="34" charset="0"/>
+              </a:defRPr>
+            </a:lvl3pPr>
+            <a:lvl4pPr marL="1600200" indent="-228600" eaLnBrk="0" hangingPunct="0">
+              <a:spcAft>
+                <a:spcPct val="40000"/>
+              </a:spcAft>
+              <a:buChar char="–"/>
+              <a:defRPr sz="2000">
+                <a:solidFill>
+                  <a:schemeClr val="tx1"/>
+                </a:solidFill>
+                <a:latin typeface="Arial" panose="020B0604020202020204" pitchFamily="34" charset="0"/>
+                <a:cs typeface="Arial" panose="020B0604020202020204" pitchFamily="34" charset="0"/>
+              </a:defRPr>
+            </a:lvl4pPr>
+            <a:lvl5pPr marL="2057400" indent="-228600" eaLnBrk="0" hangingPunct="0">
+              <a:spcAft>
+                <a:spcPct val="40000"/>
+              </a:spcAft>
+              <a:buChar char="»"/>
+              <a:defRPr sz="2000">
+                <a:solidFill>
+                  <a:schemeClr val="tx1"/>
+                </a:solidFill>
+                <a:latin typeface="Arial" panose="020B0604020202020204" pitchFamily="34" charset="0"/>
+                <a:cs typeface="Arial" panose="020B0604020202020204" pitchFamily="34" charset="0"/>
+              </a:defRPr>
+            </a:lvl5pPr>
+            <a:lvl6pPr marL="2514600" indent="-228600" eaLnBrk="0" fontAlgn="base" hangingPunct="0">
+              <a:spcBef>
+                <a:spcPct val="0"/>
+              </a:spcBef>
+              <a:spcAft>
+                <a:spcPct val="40000"/>
+              </a:spcAft>
+              <a:buChar char="»"/>
+              <a:defRPr sz="2000">
+                <a:solidFill>
+                  <a:schemeClr val="tx1"/>
+                </a:solidFill>
+                <a:latin typeface="Arial" panose="020B0604020202020204" pitchFamily="34" charset="0"/>
+                <a:cs typeface="Arial" panose="020B0604020202020204" pitchFamily="34" charset="0"/>
+              </a:defRPr>
+            </a:lvl6pPr>
+            <a:lvl7pPr marL="2971800" indent="-228600" eaLnBrk="0" fontAlgn="base" hangingPunct="0">
+              <a:spcBef>
+                <a:spcPct val="0"/>
+              </a:spcBef>
+              <a:spcAft>
+                <a:spcPct val="40000"/>
+              </a:spcAft>
+              <a:buChar char="»"/>
+              <a:defRPr sz="2000">
+                <a:solidFill>
+                  <a:schemeClr val="tx1"/>
+                </a:solidFill>
+                <a:latin typeface="Arial" panose="020B0604020202020204" pitchFamily="34" charset="0"/>
+                <a:cs typeface="Arial" panose="020B0604020202020204" pitchFamily="34" charset="0"/>
+              </a:defRPr>
+            </a:lvl7pPr>
+            <a:lvl8pPr marL="3429000" indent="-228600" eaLnBrk="0" fontAlgn="base" hangingPunct="0">
+              <a:spcBef>
+                <a:spcPct val="0"/>
+              </a:spcBef>
+              <a:spcAft>
+                <a:spcPct val="40000"/>
+              </a:spcAft>
+              <a:buChar char="»"/>
+              <a:defRPr sz="2000">
+                <a:solidFill>
+                  <a:schemeClr val="tx1"/>
+                </a:solidFill>
+                <a:latin typeface="Arial" panose="020B0604020202020204" pitchFamily="34" charset="0"/>
+                <a:cs typeface="Arial" panose="020B0604020202020204" pitchFamily="34" charset="0"/>
+              </a:defRPr>
+            </a:lvl8pPr>
+            <a:lvl9pPr marL="3886200" indent="-228600" eaLnBrk="0" fontAlgn="base" hangingPunct="0">
+              <a:spcBef>
+                <a:spcPct val="0"/>
+              </a:spcBef>
+              <a:spcAft>
+                <a:spcPct val="40000"/>
+              </a:spcAft>
+              <a:buChar char="»"/>
+              <a:defRPr sz="2000">
+                <a:solidFill>
+                  <a:schemeClr val="tx1"/>
+                </a:solidFill>
+                <a:latin typeface="Arial" panose="020B0604020202020204" pitchFamily="34" charset="0"/>
+                <a:cs typeface="Arial" panose="020B0604020202020204" pitchFamily="34" charset="0"/>
+              </a:defRPr>
+            </a:lvl9pPr>
+          </a:lstStyle>
+          <a:p>
+            <a:pPr eaLnBrk="1" hangingPunct="1">
+              <a:spcAft>
+                <a:spcPct val="0"/>
+              </a:spcAft>
+              <a:buClrTx/>
+              <a:buFontTx/>
+              <a:buNone/>
+            </a:pPr>
+            <a:endParaRPr lang="ru-RU" altLang="ru-RU"/>
+          </a:p>
+        </p:txBody>
+      </p:sp>
+      <p:sp>
+        <p:nvSpPr>
+          <p:cNvPr id="81925" name="Стрелка вправо 7"/>
+          <p:cNvSpPr>
+            <a:spLocks noChangeArrowheads="1"/>
+          </p:cNvSpPr>
+          <p:nvPr/>
+        </p:nvSpPr>
+        <p:spPr bwMode="auto">
+          <a:xfrm>
+            <a:off x="5773740" y="3703637"/>
+            <a:ext cx="1608558" cy="557213"/>
+          </a:xfrm>
+          <a:prstGeom prst="rightArrow">
+            <a:avLst>
+              <a:gd name="adj1" fmla="val 50000"/>
+              <a:gd name="adj2" fmla="val 50078"/>
+            </a:avLst>
+          </a:prstGeom>
+          <a:solidFill>
+            <a:schemeClr val="accent2"/>
+          </a:solidFill>
+          <a:ln w="9525" algn="ctr">
+            <a:solidFill>
+              <a:schemeClr val="tx1"/>
+            </a:solidFill>
+            <a:round/>
+            <a:headEnd/>
+            <a:tailEnd/>
+          </a:ln>
+        </p:spPr>
+        <p:txBody>
+          <a:bodyPr wrap="none" lIns="90000" tIns="46800" rIns="90000" bIns="46800" anchor="ctr"/>
+          <a:lstStyle>
+            <a:lvl1pPr eaLnBrk="0" hangingPunct="0">
+              <a:spcAft>
+                <a:spcPct val="40000"/>
+              </a:spcAft>
+              <a:buClr>
+                <a:srgbClr val="004587"/>
+              </a:buClr>
+              <a:buFont typeface="Wingdings" panose="05000000000000000000" pitchFamily="2" charset="2"/>
+              <a:buChar char="§"/>
+              <a:defRPr sz="2000">
+                <a:solidFill>
+                  <a:schemeClr val="tx1"/>
+                </a:solidFill>
+                <a:latin typeface="Arial" panose="020B0604020202020204" pitchFamily="34" charset="0"/>
+                <a:cs typeface="Arial" panose="020B0604020202020204" pitchFamily="34" charset="0"/>
+              </a:defRPr>
+            </a:lvl1pPr>
+            <a:lvl2pPr marL="742950" indent="-285750" eaLnBrk="0" hangingPunct="0">
+              <a:spcAft>
+                <a:spcPct val="40000"/>
+              </a:spcAft>
+              <a:buClr>
+                <a:srgbClr val="004587"/>
+              </a:buClr>
+              <a:buChar char="–"/>
+              <a:defRPr>
+                <a:solidFill>
+                  <a:schemeClr val="tx1"/>
+                </a:solidFill>
+                <a:latin typeface="Arial" panose="020B0604020202020204" pitchFamily="34" charset="0"/>
+                <a:cs typeface="Arial" panose="020B0604020202020204" pitchFamily="34" charset="0"/>
+              </a:defRPr>
+            </a:lvl2pPr>
+            <a:lvl3pPr marL="1143000" indent="-228600" eaLnBrk="0" hangingPunct="0">
+              <a:spcAft>
+                <a:spcPct val="40000"/>
+              </a:spcAft>
+              <a:buClr>
+                <a:srgbClr val="004587"/>
+              </a:buClr>
+              <a:buChar char="•"/>
+              <a:defRPr sz="1600">
+                <a:solidFill>
+                  <a:schemeClr val="tx1"/>
+                </a:solidFill>
+                <a:latin typeface="Arial" panose="020B0604020202020204" pitchFamily="34" charset="0"/>
+                <a:cs typeface="Arial" panose="020B0604020202020204" pitchFamily="34" charset="0"/>
+              </a:defRPr>
+            </a:lvl3pPr>
+            <a:lvl4pPr marL="1600200" indent="-228600" eaLnBrk="0" hangingPunct="0">
+              <a:spcAft>
+                <a:spcPct val="40000"/>
+              </a:spcAft>
+              <a:buChar char="–"/>
+              <a:defRPr sz="2000">
+                <a:solidFill>
+                  <a:schemeClr val="tx1"/>
+                </a:solidFill>
+                <a:latin typeface="Arial" panose="020B0604020202020204" pitchFamily="34" charset="0"/>
+                <a:cs typeface="Arial" panose="020B0604020202020204" pitchFamily="34" charset="0"/>
+              </a:defRPr>
+            </a:lvl4pPr>
+            <a:lvl5pPr marL="2057400" indent="-228600" eaLnBrk="0" hangingPunct="0">
+              <a:spcAft>
+                <a:spcPct val="40000"/>
+              </a:spcAft>
+              <a:buChar char="»"/>
+              <a:defRPr sz="2000">
+                <a:solidFill>
+                  <a:schemeClr val="tx1"/>
+                </a:solidFill>
+                <a:latin typeface="Arial" panose="020B0604020202020204" pitchFamily="34" charset="0"/>
+                <a:cs typeface="Arial" panose="020B0604020202020204" pitchFamily="34" charset="0"/>
+              </a:defRPr>
+            </a:lvl5pPr>
+            <a:lvl6pPr marL="2514600" indent="-228600" eaLnBrk="0" fontAlgn="base" hangingPunct="0">
+              <a:spcBef>
+                <a:spcPct val="0"/>
+              </a:spcBef>
+              <a:spcAft>
+                <a:spcPct val="40000"/>
+              </a:spcAft>
+              <a:buChar char="»"/>
+              <a:defRPr sz="2000">
+                <a:solidFill>
+                  <a:schemeClr val="tx1"/>
+                </a:solidFill>
+                <a:latin typeface="Arial" panose="020B0604020202020204" pitchFamily="34" charset="0"/>
+                <a:cs typeface="Arial" panose="020B0604020202020204" pitchFamily="34" charset="0"/>
+              </a:defRPr>
+            </a:lvl6pPr>
+            <a:lvl7pPr marL="2971800" indent="-228600" eaLnBrk="0" fontAlgn="base" hangingPunct="0">
+              <a:spcBef>
+                <a:spcPct val="0"/>
+              </a:spcBef>
+              <a:spcAft>
+                <a:spcPct val="40000"/>
+              </a:spcAft>
+              <a:buChar char="»"/>
+              <a:defRPr sz="2000">
+                <a:solidFill>
+                  <a:schemeClr val="tx1"/>
+                </a:solidFill>
+                <a:latin typeface="Arial" panose="020B0604020202020204" pitchFamily="34" charset="0"/>
+                <a:cs typeface="Arial" panose="020B0604020202020204" pitchFamily="34" charset="0"/>
+              </a:defRPr>
+            </a:lvl7pPr>
+            <a:lvl8pPr marL="3429000" indent="-228600" eaLnBrk="0" fontAlgn="base" hangingPunct="0">
+              <a:spcBef>
+                <a:spcPct val="0"/>
+              </a:spcBef>
+              <a:spcAft>
+                <a:spcPct val="40000"/>
+              </a:spcAft>
+              <a:buChar char="»"/>
+              <a:defRPr sz="2000">
+                <a:solidFill>
+                  <a:schemeClr val="tx1"/>
+                </a:solidFill>
+                <a:latin typeface="Arial" panose="020B0604020202020204" pitchFamily="34" charset="0"/>
+                <a:cs typeface="Arial" panose="020B0604020202020204" pitchFamily="34" charset="0"/>
+              </a:defRPr>
+            </a:lvl8pPr>
+            <a:lvl9pPr marL="3886200" indent="-228600" eaLnBrk="0" fontAlgn="base" hangingPunct="0">
+              <a:spcBef>
+                <a:spcPct val="0"/>
+              </a:spcBef>
+              <a:spcAft>
+                <a:spcPct val="40000"/>
+              </a:spcAft>
+              <a:buChar char="»"/>
+              <a:defRPr sz="2000">
+                <a:solidFill>
+                  <a:schemeClr val="tx1"/>
+                </a:solidFill>
+                <a:latin typeface="Arial" panose="020B0604020202020204" pitchFamily="34" charset="0"/>
+                <a:cs typeface="Arial" panose="020B0604020202020204" pitchFamily="34" charset="0"/>
+              </a:defRPr>
+            </a:lvl9pPr>
+          </a:lstStyle>
+          <a:p>
+            <a:pPr eaLnBrk="1" hangingPunct="1">
+              <a:spcAft>
+                <a:spcPct val="0"/>
+              </a:spcAft>
+              <a:buClrTx/>
+              <a:buFontTx/>
+              <a:buNone/>
+            </a:pPr>
+            <a:endParaRPr lang="ru-RU" altLang="ru-RU"/>
+          </a:p>
+        </p:txBody>
+      </p:sp>
+      <p:sp>
+        <p:nvSpPr>
+          <p:cNvPr id="81929" name="Стрелка вправо 8"/>
+          <p:cNvSpPr>
+            <a:spLocks noChangeArrowheads="1"/>
+          </p:cNvSpPr>
+          <p:nvPr/>
+        </p:nvSpPr>
+        <p:spPr bwMode="auto">
+          <a:xfrm>
+            <a:off x="6280151" y="5360987"/>
+            <a:ext cx="1606550" cy="557213"/>
+          </a:xfrm>
+          <a:prstGeom prst="rightArrow">
+            <a:avLst>
+              <a:gd name="adj1" fmla="val 50000"/>
+              <a:gd name="adj2" fmla="val 50016"/>
+            </a:avLst>
+          </a:prstGeom>
+          <a:solidFill>
+            <a:schemeClr val="accent2"/>
+          </a:solidFill>
+          <a:ln w="9525" algn="ctr">
+            <a:solidFill>
+              <a:schemeClr val="tx1"/>
+            </a:solidFill>
+            <a:round/>
+            <a:headEnd/>
+            <a:tailEnd/>
+          </a:ln>
+        </p:spPr>
+        <p:txBody>
+          <a:bodyPr wrap="none" lIns="90000" tIns="46800" rIns="90000" bIns="46800" anchor="ctr"/>
+          <a:lstStyle>
+            <a:lvl1pPr eaLnBrk="0" hangingPunct="0">
+              <a:spcAft>
+                <a:spcPct val="40000"/>
+              </a:spcAft>
+              <a:buClr>
+                <a:srgbClr val="004587"/>
+              </a:buClr>
+              <a:buFont typeface="Wingdings" panose="05000000000000000000" pitchFamily="2" charset="2"/>
+              <a:buChar char="§"/>
+              <a:defRPr sz="2000">
+                <a:solidFill>
+                  <a:schemeClr val="tx1"/>
+                </a:solidFill>
+                <a:latin typeface="Arial" panose="020B0604020202020204" pitchFamily="34" charset="0"/>
+                <a:cs typeface="Arial" panose="020B0604020202020204" pitchFamily="34" charset="0"/>
+              </a:defRPr>
+            </a:lvl1pPr>
+            <a:lvl2pPr marL="742950" indent="-285750" eaLnBrk="0" hangingPunct="0">
+              <a:spcAft>
+                <a:spcPct val="40000"/>
+              </a:spcAft>
+              <a:buClr>
+                <a:srgbClr val="004587"/>
+              </a:buClr>
+              <a:buChar char="–"/>
+              <a:defRPr>
+                <a:solidFill>
+                  <a:schemeClr val="tx1"/>
+                </a:solidFill>
+                <a:latin typeface="Arial" panose="020B0604020202020204" pitchFamily="34" charset="0"/>
+                <a:cs typeface="Arial" panose="020B0604020202020204" pitchFamily="34" charset="0"/>
+              </a:defRPr>
+            </a:lvl2pPr>
+            <a:lvl3pPr marL="1143000" indent="-228600" eaLnBrk="0" hangingPunct="0">
+              <a:spcAft>
+                <a:spcPct val="40000"/>
+              </a:spcAft>
+              <a:buClr>
+                <a:srgbClr val="004587"/>
+              </a:buClr>
+              <a:buChar char="•"/>
+              <a:defRPr sz="1600">
+                <a:solidFill>
+                  <a:schemeClr val="tx1"/>
+                </a:solidFill>
+                <a:latin typeface="Arial" panose="020B0604020202020204" pitchFamily="34" charset="0"/>
+                <a:cs typeface="Arial" panose="020B0604020202020204" pitchFamily="34" charset="0"/>
+              </a:defRPr>
+            </a:lvl3pPr>
+            <a:lvl4pPr marL="1600200" indent="-228600" eaLnBrk="0" hangingPunct="0">
+              <a:spcAft>
+                <a:spcPct val="40000"/>
+              </a:spcAft>
+              <a:buChar char="–"/>
+              <a:defRPr sz="2000">
+                <a:solidFill>
+                  <a:schemeClr val="tx1"/>
+                </a:solidFill>
+                <a:latin typeface="Arial" panose="020B0604020202020204" pitchFamily="34" charset="0"/>
+                <a:cs typeface="Arial" panose="020B0604020202020204" pitchFamily="34" charset="0"/>
+              </a:defRPr>
+            </a:lvl4pPr>
+            <a:lvl5pPr marL="2057400" indent="-228600" eaLnBrk="0" hangingPunct="0">
+              <a:spcAft>
+                <a:spcPct val="40000"/>
+              </a:spcAft>
+              <a:buChar char="»"/>
+              <a:defRPr sz="2000">
+                <a:solidFill>
+                  <a:schemeClr val="tx1"/>
+                </a:solidFill>
+                <a:latin typeface="Arial" panose="020B0604020202020204" pitchFamily="34" charset="0"/>
+                <a:cs typeface="Arial" panose="020B0604020202020204" pitchFamily="34" charset="0"/>
+              </a:defRPr>
+            </a:lvl5pPr>
+            <a:lvl6pPr marL="2514600" indent="-228600" eaLnBrk="0" fontAlgn="base" hangingPunct="0">
+              <a:spcBef>
+                <a:spcPct val="0"/>
+              </a:spcBef>
+              <a:spcAft>
+                <a:spcPct val="40000"/>
+              </a:spcAft>
+              <a:buChar char="»"/>
+              <a:defRPr sz="2000">
+                <a:solidFill>
+                  <a:schemeClr val="tx1"/>
+                </a:solidFill>
+                <a:latin typeface="Arial" panose="020B0604020202020204" pitchFamily="34" charset="0"/>
+                <a:cs typeface="Arial" panose="020B0604020202020204" pitchFamily="34" charset="0"/>
+              </a:defRPr>
+            </a:lvl6pPr>
+            <a:lvl7pPr marL="2971800" indent="-228600" eaLnBrk="0" fontAlgn="base" hangingPunct="0">
+              <a:spcBef>
+                <a:spcPct val="0"/>
+              </a:spcBef>
+              <a:spcAft>
+                <a:spcPct val="40000"/>
+              </a:spcAft>
+              <a:buChar char="»"/>
+              <a:defRPr sz="2000">
+                <a:solidFill>
+                  <a:schemeClr val="tx1"/>
+                </a:solidFill>
+                <a:latin typeface="Arial" panose="020B0604020202020204" pitchFamily="34" charset="0"/>
+                <a:cs typeface="Arial" panose="020B0604020202020204" pitchFamily="34" charset="0"/>
+              </a:defRPr>
+            </a:lvl7pPr>
+            <a:lvl8pPr marL="3429000" indent="-228600" eaLnBrk="0" fontAlgn="base" hangingPunct="0">
+              <a:spcBef>
+                <a:spcPct val="0"/>
+              </a:spcBef>
+              <a:spcAft>
+                <a:spcPct val="40000"/>
+              </a:spcAft>
+              <a:buChar char="»"/>
+              <a:defRPr sz="2000">
+                <a:solidFill>
+                  <a:schemeClr val="tx1"/>
+                </a:solidFill>
+                <a:latin typeface="Arial" panose="020B0604020202020204" pitchFamily="34" charset="0"/>
+                <a:cs typeface="Arial" panose="020B0604020202020204" pitchFamily="34" charset="0"/>
+              </a:defRPr>
+            </a:lvl8pPr>
+            <a:lvl9pPr marL="3886200" indent="-228600" eaLnBrk="0" fontAlgn="base" hangingPunct="0">
+              <a:spcBef>
+                <a:spcPct val="0"/>
+              </a:spcBef>
+              <a:spcAft>
+                <a:spcPct val="40000"/>
+              </a:spcAft>
+              <a:buChar char="»"/>
+              <a:defRPr sz="2000">
+                <a:solidFill>
+                  <a:schemeClr val="tx1"/>
+                </a:solidFill>
+                <a:latin typeface="Arial" panose="020B0604020202020204" pitchFamily="34" charset="0"/>
+                <a:cs typeface="Arial" panose="020B0604020202020204" pitchFamily="34" charset="0"/>
+              </a:defRPr>
+            </a:lvl9pPr>
+          </a:lstStyle>
+          <a:p>
+            <a:pPr eaLnBrk="1" hangingPunct="1">
+              <a:spcAft>
+                <a:spcPct val="0"/>
+              </a:spcAft>
+              <a:buClrTx/>
+              <a:buFontTx/>
+              <a:buNone/>
+            </a:pPr>
+            <a:endParaRPr lang="ru-RU" altLang="ru-RU"/>
+          </a:p>
+        </p:txBody>
+      </p:sp>
+      <p:pic>
+        <p:nvPicPr>
+          <p:cNvPr id="3" name="Рисунок 2">
+            <a:extLst>
+              <a:ext uri="{FF2B5EF4-FFF2-40B4-BE49-F238E27FC236}">
+                <a16:creationId xmlns:a16="http://schemas.microsoft.com/office/drawing/2014/main" id="{60DFA56D-609A-48BA-AE98-DA99758DB810}"/>
+              </a:ext>
+            </a:extLst>
+          </p:cNvPr>
+          <p:cNvPicPr>
+            <a:picLocks noChangeAspect="1"/>
+          </p:cNvPicPr>
+          <p:nvPr/>
+        </p:nvPicPr>
+        <p:blipFill>
+          <a:blip r:embed="rId2"/>
+          <a:stretch>
+            <a:fillRect/>
+          </a:stretch>
+        </p:blipFill>
+        <p:spPr>
+          <a:xfrm>
+            <a:off x="8572500" y="1540054"/>
+            <a:ext cx="895350" cy="1562100"/>
+          </a:xfrm>
+          <a:prstGeom prst="rect">
+            <a:avLst/>
+          </a:prstGeom>
+        </p:spPr>
+      </p:pic>
+      <p:sp>
+        <p:nvSpPr>
+          <p:cNvPr id="4" name="Rectangle 27">
+            <a:extLst>
+              <a:ext uri="{FF2B5EF4-FFF2-40B4-BE49-F238E27FC236}">
+                <a16:creationId xmlns:a16="http://schemas.microsoft.com/office/drawing/2014/main" id="{EF05B379-DDF7-4979-8A6B-E99F3FAE33B3}"/>
+              </a:ext>
+            </a:extLst>
+          </p:cNvPr>
+          <p:cNvSpPr>
+            <a:spLocks noChangeArrowheads="1"/>
+          </p:cNvSpPr>
+          <p:nvPr/>
+        </p:nvSpPr>
+        <p:spPr bwMode="auto">
+          <a:xfrm>
+            <a:off x="1310327" y="1655665"/>
+            <a:ext cx="4785673" cy="1384995"/>
+          </a:xfrm>
+          <a:prstGeom prst="rect">
+            <a:avLst/>
+          </a:prstGeom>
+          <a:noFill/>
+          <a:ln>
+            <a:noFill/>
+          </a:ln>
+          <a:effectLst/>
+        </p:spPr>
+        <p:txBody>
+          <a:bodyPr vert="horz" wrap="square" lIns="91440" tIns="45720" rIns="91440" bIns="45720" numCol="1" anchor="ctr" anchorCtr="0" compatLnSpc="1">
+            <a:prstTxWarp prst="textNoShape">
+              <a:avLst/>
+            </a:prstTxWarp>
+            <a:spAutoFit/>
+          </a:bodyPr>
+          <a:lstStyle/>
+          <a:p>
+            <a:pPr marL="0" marR="0" lvl="0" indent="0" algn="l" defTabSz="914400" rtl="0" eaLnBrk="0" fontAlgn="base" latinLnBrk="0" hangingPunct="0">
+              <a:lnSpc>
+                <a:spcPct val="100000"/>
+              </a:lnSpc>
+              <a:spcBef>
+                <a:spcPct val="0"/>
+              </a:spcBef>
+              <a:spcAft>
+                <a:spcPct val="0"/>
+              </a:spcAft>
+              <a:buClrTx/>
+              <a:buSzTx/>
+              <a:buFontTx/>
+              <a:buNone/>
+              <a:tabLst/>
+            </a:pPr>
+            <a:r>
+              <a:rPr kumimoji="0" lang="uk-UA" altLang="uk-UA" sz="1400" b="1" i="0" u="none" strike="noStrike" cap="none" normalizeH="0" baseline="0" dirty="0" err="1">
+                <a:ln>
+                  <a:noFill/>
+                </a:ln>
+                <a:solidFill>
+                  <a:srgbClr val="A9B7C6"/>
+                </a:solidFill>
+                <a:effectLst/>
+                <a:latin typeface="Courier New" panose="02070309020205020404" pitchFamily="49" charset="0"/>
+                <a:cs typeface="Courier New" panose="02070309020205020404" pitchFamily="49" charset="0"/>
+              </a:rPr>
+              <a:t>String</a:t>
+            </a:r>
+            <a:r>
+              <a:rPr kumimoji="0" lang="uk-UA" altLang="uk-UA" sz="1400" b="1" i="0" u="none" strike="noStrike" cap="none" normalizeH="0" baseline="0" dirty="0">
+                <a:ln>
+                  <a:noFill/>
+                </a:ln>
+                <a:solidFill>
+                  <a:srgbClr val="A9B7C6"/>
+                </a:solidFill>
+                <a:effectLst/>
+                <a:latin typeface="Courier New" panose="02070309020205020404" pitchFamily="49" charset="0"/>
+                <a:cs typeface="Courier New" panose="02070309020205020404" pitchFamily="49" charset="0"/>
+              </a:rPr>
+              <a:t> </a:t>
+            </a:r>
+            <a:r>
+              <a:rPr kumimoji="0" lang="uk-UA" altLang="uk-UA" sz="1400" b="1" i="0" u="none" strike="noStrike" cap="none" normalizeH="0" baseline="0" dirty="0" err="1">
+                <a:ln>
+                  <a:noFill/>
+                </a:ln>
+                <a:solidFill>
+                  <a:srgbClr val="A9B7C6"/>
+                </a:solidFill>
+                <a:effectLst/>
+                <a:latin typeface="Courier New" panose="02070309020205020404" pitchFamily="49" charset="0"/>
+                <a:cs typeface="Courier New" panose="02070309020205020404" pitchFamily="49" charset="0"/>
+              </a:rPr>
+              <a:t>string</a:t>
+            </a:r>
+            <a:r>
+              <a:rPr kumimoji="0" lang="uk-UA" altLang="uk-UA" sz="1400" b="1" i="0" u="none" strike="noStrike" cap="none" normalizeH="0" baseline="0" dirty="0">
+                <a:ln>
+                  <a:noFill/>
+                </a:ln>
+                <a:solidFill>
+                  <a:srgbClr val="A9B7C6"/>
+                </a:solidFill>
+                <a:effectLst/>
+                <a:latin typeface="Courier New" panose="02070309020205020404" pitchFamily="49" charset="0"/>
+                <a:cs typeface="Courier New" panose="02070309020205020404" pitchFamily="49" charset="0"/>
+              </a:rPr>
+              <a:t> = </a:t>
+            </a:r>
+            <a:r>
+              <a:rPr kumimoji="0" lang="uk-UA" altLang="uk-UA" sz="1400" b="1" i="0" u="none" strike="noStrike" cap="none" normalizeH="0" baseline="0" dirty="0">
+                <a:ln>
+                  <a:noFill/>
+                </a:ln>
+                <a:solidFill>
+                  <a:srgbClr val="6A8759"/>
+                </a:solidFill>
+                <a:effectLst/>
+                <a:latin typeface="Courier New" panose="02070309020205020404" pitchFamily="49" charset="0"/>
+                <a:cs typeface="Courier New" panose="02070309020205020404" pitchFamily="49" charset="0"/>
+              </a:rPr>
+              <a:t>"</a:t>
+            </a:r>
+            <a:r>
+              <a:rPr kumimoji="0" lang="uk-UA" altLang="uk-UA" sz="1400" b="1" i="0" u="none" strike="noStrike" cap="none" normalizeH="0" baseline="0" dirty="0" err="1">
+                <a:ln>
+                  <a:noFill/>
+                </a:ln>
+                <a:solidFill>
+                  <a:srgbClr val="6A8759"/>
+                </a:solidFill>
+                <a:effectLst/>
+                <a:latin typeface="Courier New" panose="02070309020205020404" pitchFamily="49" charset="0"/>
+                <a:cs typeface="Courier New" panose="02070309020205020404" pitchFamily="49" charset="0"/>
+              </a:rPr>
+              <a:t>We</a:t>
+            </a:r>
+            <a:r>
+              <a:rPr kumimoji="0" lang="uk-UA" altLang="uk-UA" sz="1400" b="1" i="0" u="none" strike="noStrike" cap="none" normalizeH="0" baseline="0" dirty="0">
+                <a:ln>
+                  <a:noFill/>
+                </a:ln>
+                <a:solidFill>
+                  <a:srgbClr val="6A8759"/>
+                </a:solidFill>
+                <a:effectLst/>
+                <a:latin typeface="Courier New" panose="02070309020205020404" pitchFamily="49" charset="0"/>
+                <a:cs typeface="Courier New" panose="02070309020205020404" pitchFamily="49" charset="0"/>
+              </a:rPr>
+              <a:t> </a:t>
+            </a:r>
+            <a:r>
+              <a:rPr kumimoji="0" lang="uk-UA" altLang="uk-UA" sz="1400" b="1" i="0" u="none" strike="noStrike" cap="none" normalizeH="0" baseline="0" dirty="0" err="1">
+                <a:ln>
+                  <a:noFill/>
+                </a:ln>
+                <a:solidFill>
+                  <a:srgbClr val="6A8759"/>
+                </a:solidFill>
+                <a:effectLst/>
+                <a:latin typeface="Courier New" panose="02070309020205020404" pitchFamily="49" charset="0"/>
+                <a:cs typeface="Courier New" panose="02070309020205020404" pitchFamily="49" charset="0"/>
+              </a:rPr>
+              <a:t>have</a:t>
+            </a:r>
+            <a:r>
+              <a:rPr kumimoji="0" lang="uk-UA" altLang="uk-UA" sz="1400" b="1" i="0" u="none" strike="noStrike" cap="none" normalizeH="0" baseline="0" dirty="0">
+                <a:ln>
+                  <a:noFill/>
+                </a:ln>
+                <a:solidFill>
+                  <a:srgbClr val="6A8759"/>
+                </a:solidFill>
+                <a:effectLst/>
+                <a:latin typeface="Courier New" panose="02070309020205020404" pitchFamily="49" charset="0"/>
+                <a:cs typeface="Courier New" panose="02070309020205020404" pitchFamily="49" charset="0"/>
+              </a:rPr>
+              <a:t> </a:t>
+            </a:r>
+            <a:r>
+              <a:rPr kumimoji="0" lang="uk-UA" altLang="uk-UA" sz="1400" b="1" i="0" u="none" strike="noStrike" cap="none" normalizeH="0" baseline="0" dirty="0" err="1">
+                <a:ln>
+                  <a:noFill/>
+                </a:ln>
+                <a:solidFill>
+                  <a:srgbClr val="6A8759"/>
+                </a:solidFill>
+                <a:effectLst/>
+                <a:latin typeface="Courier New" panose="02070309020205020404" pitchFamily="49" charset="0"/>
+                <a:cs typeface="Courier New" panose="02070309020205020404" pitchFamily="49" charset="0"/>
+              </a:rPr>
+              <a:t>some</a:t>
+            </a:r>
+            <a:r>
+              <a:rPr kumimoji="0" lang="uk-UA" altLang="uk-UA" sz="1400" b="1" i="0" u="none" strike="noStrike" cap="none" normalizeH="0" baseline="0" dirty="0">
+                <a:ln>
+                  <a:noFill/>
+                </a:ln>
+                <a:solidFill>
+                  <a:srgbClr val="6A8759"/>
+                </a:solidFill>
+                <a:effectLst/>
+                <a:latin typeface="Courier New" panose="02070309020205020404" pitchFamily="49" charset="0"/>
+                <a:cs typeface="Courier New" panose="02070309020205020404" pitchFamily="49" charset="0"/>
+              </a:rPr>
+              <a:t> </a:t>
+            </a:r>
+            <a:r>
+              <a:rPr kumimoji="0" lang="uk-UA" altLang="uk-UA" sz="1400" b="1" i="0" u="none" strike="noStrike" cap="none" normalizeH="0" baseline="0" dirty="0" err="1">
+                <a:ln>
+                  <a:noFill/>
+                </a:ln>
+                <a:solidFill>
+                  <a:srgbClr val="6A8759"/>
+                </a:solidFill>
+                <a:effectLst/>
+                <a:latin typeface="Courier New" panose="02070309020205020404" pitchFamily="49" charset="0"/>
+                <a:cs typeface="Courier New" panose="02070309020205020404" pitchFamily="49" charset="0"/>
+              </a:rPr>
+              <a:t>text</a:t>
+            </a:r>
+            <a:r>
+              <a:rPr kumimoji="0" lang="uk-UA" altLang="uk-UA" sz="1400" b="1" i="0" u="none" strike="noStrike" cap="none" normalizeH="0" baseline="0" dirty="0">
+                <a:ln>
+                  <a:noFill/>
+                </a:ln>
+                <a:solidFill>
+                  <a:srgbClr val="6A8759"/>
+                </a:solidFill>
+                <a:effectLst/>
+                <a:latin typeface="Courier New" panose="02070309020205020404" pitchFamily="49" charset="0"/>
+                <a:cs typeface="Courier New" panose="02070309020205020404" pitchFamily="49" charset="0"/>
+              </a:rPr>
+              <a:t>, </a:t>
+            </a:r>
+            <a:r>
+              <a:rPr kumimoji="0" lang="uk-UA" altLang="uk-UA" sz="1400" b="1" i="0" u="none" strike="noStrike" cap="none" normalizeH="0" baseline="0" dirty="0" err="1">
+                <a:ln>
+                  <a:noFill/>
+                </a:ln>
+                <a:solidFill>
+                  <a:srgbClr val="6A8759"/>
+                </a:solidFill>
+                <a:effectLst/>
+                <a:latin typeface="Courier New" panose="02070309020205020404" pitchFamily="49" charset="0"/>
+                <a:cs typeface="Courier New" panose="02070309020205020404" pitchFamily="49" charset="0"/>
+              </a:rPr>
+              <a:t>for</a:t>
+            </a:r>
+            <a:r>
+              <a:rPr kumimoji="0" lang="uk-UA" altLang="uk-UA" sz="1400" b="1" i="0" u="none" strike="noStrike" cap="none" normalizeH="0" baseline="0" dirty="0">
+                <a:ln>
+                  <a:noFill/>
+                </a:ln>
+                <a:solidFill>
+                  <a:srgbClr val="6A8759"/>
+                </a:solidFill>
+                <a:effectLst/>
+                <a:latin typeface="Courier New" panose="02070309020205020404" pitchFamily="49" charset="0"/>
+                <a:cs typeface="Courier New" panose="02070309020205020404" pitchFamily="49" charset="0"/>
+              </a:rPr>
+              <a:t> </a:t>
+            </a:r>
+            <a:r>
+              <a:rPr kumimoji="0" lang="uk-UA" altLang="uk-UA" sz="1400" b="1" i="0" u="none" strike="noStrike" cap="none" normalizeH="0" baseline="0" dirty="0" err="1">
+                <a:ln>
+                  <a:noFill/>
+                </a:ln>
+                <a:solidFill>
+                  <a:srgbClr val="6A8759"/>
+                </a:solidFill>
+                <a:effectLst/>
+                <a:latin typeface="Courier New" panose="02070309020205020404" pitchFamily="49" charset="0"/>
+                <a:cs typeface="Courier New" panose="02070309020205020404" pitchFamily="49" charset="0"/>
+              </a:rPr>
+              <a:t>example</a:t>
+            </a:r>
+            <a:r>
+              <a:rPr kumimoji="0" lang="uk-UA" altLang="uk-UA" sz="1400" b="1" i="0" u="none" strike="noStrike" cap="none" normalizeH="0" baseline="0" dirty="0">
+                <a:ln>
+                  <a:noFill/>
+                </a:ln>
+                <a:solidFill>
+                  <a:srgbClr val="6A8759"/>
+                </a:solidFill>
+                <a:effectLst/>
+                <a:latin typeface="Courier New" panose="02070309020205020404" pitchFamily="49" charset="0"/>
+                <a:cs typeface="Courier New" panose="02070309020205020404" pitchFamily="49" charset="0"/>
+              </a:rPr>
+              <a:t>."</a:t>
+            </a:r>
+            <a:r>
+              <a:rPr kumimoji="0" lang="uk-UA" altLang="uk-UA" sz="1400" b="1" i="0" u="none" strike="noStrike" cap="none" normalizeH="0" baseline="0" dirty="0">
+                <a:ln>
+                  <a:noFill/>
+                </a:ln>
+                <a:solidFill>
+                  <a:srgbClr val="CC7832"/>
+                </a:solidFill>
+                <a:effectLst/>
+                <a:latin typeface="Courier New" panose="02070309020205020404" pitchFamily="49" charset="0"/>
+                <a:cs typeface="Courier New" panose="02070309020205020404" pitchFamily="49" charset="0"/>
+              </a:rPr>
+              <a:t>;</a:t>
+            </a:r>
+            <a:br>
+              <a:rPr kumimoji="0" lang="uk-UA" altLang="uk-UA" sz="1400" b="1" i="0" u="none" strike="noStrike" cap="none" normalizeH="0" baseline="0" dirty="0">
+                <a:ln>
+                  <a:noFill/>
+                </a:ln>
+                <a:solidFill>
+                  <a:srgbClr val="CC7832"/>
+                </a:solidFill>
+                <a:effectLst/>
+                <a:latin typeface="Courier New" panose="02070309020205020404" pitchFamily="49" charset="0"/>
+                <a:cs typeface="Courier New" panose="02070309020205020404" pitchFamily="49" charset="0"/>
+              </a:rPr>
+            </a:br>
+            <a:r>
+              <a:rPr kumimoji="0" lang="uk-UA" altLang="uk-UA" sz="1400" b="1" i="0" u="none" strike="noStrike" cap="none" normalizeH="0" baseline="0" dirty="0" err="1">
+                <a:ln>
+                  <a:noFill/>
+                </a:ln>
+                <a:solidFill>
+                  <a:srgbClr val="A9B7C6"/>
+                </a:solidFill>
+                <a:effectLst/>
+                <a:latin typeface="Courier New" panose="02070309020205020404" pitchFamily="49" charset="0"/>
+                <a:cs typeface="Courier New" panose="02070309020205020404" pitchFamily="49" charset="0"/>
+              </a:rPr>
+              <a:t>Scanner</a:t>
+            </a:r>
+            <a:r>
+              <a:rPr kumimoji="0" lang="uk-UA" altLang="uk-UA" sz="1400" b="1" i="0" u="none" strike="noStrike" cap="none" normalizeH="0" baseline="0" dirty="0">
+                <a:ln>
+                  <a:noFill/>
+                </a:ln>
+                <a:solidFill>
+                  <a:srgbClr val="A9B7C6"/>
+                </a:solidFill>
+                <a:effectLst/>
+                <a:latin typeface="Courier New" panose="02070309020205020404" pitchFamily="49" charset="0"/>
+                <a:cs typeface="Courier New" panose="02070309020205020404" pitchFamily="49" charset="0"/>
+              </a:rPr>
+              <a:t> </a:t>
+            </a:r>
+            <a:r>
+              <a:rPr kumimoji="0" lang="uk-UA" altLang="uk-UA" sz="1400" b="1" i="0" u="none" strike="noStrike" cap="none" normalizeH="0" baseline="0" dirty="0" err="1">
+                <a:ln>
+                  <a:noFill/>
+                </a:ln>
+                <a:solidFill>
+                  <a:srgbClr val="A9B7C6"/>
+                </a:solidFill>
+                <a:effectLst/>
+                <a:latin typeface="Courier New" panose="02070309020205020404" pitchFamily="49" charset="0"/>
+                <a:cs typeface="Courier New" panose="02070309020205020404" pitchFamily="49" charset="0"/>
+              </a:rPr>
+              <a:t>sc</a:t>
+            </a:r>
+            <a:r>
+              <a:rPr kumimoji="0" lang="uk-UA" altLang="uk-UA" sz="1400" b="1" i="0" u="none" strike="noStrike" cap="none" normalizeH="0" baseline="0" dirty="0">
+                <a:ln>
+                  <a:noFill/>
+                </a:ln>
+                <a:solidFill>
+                  <a:srgbClr val="A9B7C6"/>
+                </a:solidFill>
+                <a:effectLst/>
+                <a:latin typeface="Courier New" panose="02070309020205020404" pitchFamily="49" charset="0"/>
+                <a:cs typeface="Courier New" panose="02070309020205020404" pitchFamily="49" charset="0"/>
+              </a:rPr>
+              <a:t> = </a:t>
+            </a:r>
+            <a:r>
+              <a:rPr kumimoji="0" lang="uk-UA" altLang="uk-UA" sz="1400" b="1" i="0" u="none" strike="noStrike" cap="none" normalizeH="0" baseline="0" dirty="0" err="1">
+                <a:ln>
+                  <a:noFill/>
+                </a:ln>
+                <a:solidFill>
+                  <a:srgbClr val="CC7832"/>
+                </a:solidFill>
+                <a:effectLst/>
+                <a:latin typeface="Courier New" panose="02070309020205020404" pitchFamily="49" charset="0"/>
+                <a:cs typeface="Courier New" panose="02070309020205020404" pitchFamily="49" charset="0"/>
+              </a:rPr>
+              <a:t>new</a:t>
+            </a:r>
+            <a:r>
+              <a:rPr kumimoji="0" lang="uk-UA" altLang="uk-UA" sz="1400" b="1" i="0" u="none" strike="noStrike" cap="none" normalizeH="0" baseline="0" dirty="0">
+                <a:ln>
+                  <a:noFill/>
+                </a:ln>
+                <a:solidFill>
+                  <a:srgbClr val="CC7832"/>
+                </a:solidFill>
+                <a:effectLst/>
+                <a:latin typeface="Courier New" panose="02070309020205020404" pitchFamily="49" charset="0"/>
+                <a:cs typeface="Courier New" panose="02070309020205020404" pitchFamily="49" charset="0"/>
+              </a:rPr>
+              <a:t> </a:t>
+            </a:r>
+            <a:r>
+              <a:rPr kumimoji="0" lang="uk-UA" altLang="uk-UA" sz="1400" b="1" i="0" u="none" strike="noStrike" cap="none" normalizeH="0" baseline="0" dirty="0" err="1">
+                <a:ln>
+                  <a:noFill/>
+                </a:ln>
+                <a:solidFill>
+                  <a:srgbClr val="A9B7C6"/>
+                </a:solidFill>
+                <a:effectLst/>
+                <a:latin typeface="Courier New" panose="02070309020205020404" pitchFamily="49" charset="0"/>
+                <a:cs typeface="Courier New" panose="02070309020205020404" pitchFamily="49" charset="0"/>
+              </a:rPr>
+              <a:t>Scanner</a:t>
+            </a:r>
+            <a:r>
+              <a:rPr kumimoji="0" lang="uk-UA" altLang="uk-UA" sz="1400" b="1" i="0" u="none" strike="noStrike" cap="none" normalizeH="0" baseline="0" dirty="0">
+                <a:ln>
+                  <a:noFill/>
+                </a:ln>
+                <a:solidFill>
+                  <a:srgbClr val="A9B7C6"/>
+                </a:solidFill>
+                <a:effectLst/>
+                <a:latin typeface="Courier New" panose="02070309020205020404" pitchFamily="49" charset="0"/>
+                <a:cs typeface="Courier New" panose="02070309020205020404" pitchFamily="49" charset="0"/>
+              </a:rPr>
+              <a:t>(</a:t>
+            </a:r>
+            <a:r>
+              <a:rPr kumimoji="0" lang="uk-UA" altLang="uk-UA" sz="1400" b="1" i="0" u="none" strike="noStrike" cap="none" normalizeH="0" baseline="0" dirty="0" err="1">
+                <a:ln>
+                  <a:noFill/>
+                </a:ln>
+                <a:solidFill>
+                  <a:srgbClr val="A9B7C6"/>
+                </a:solidFill>
+                <a:effectLst/>
+                <a:latin typeface="Courier New" panose="02070309020205020404" pitchFamily="49" charset="0"/>
+                <a:cs typeface="Courier New" panose="02070309020205020404" pitchFamily="49" charset="0"/>
+              </a:rPr>
+              <a:t>string</a:t>
+            </a:r>
+            <a:r>
+              <a:rPr kumimoji="0" lang="uk-UA" altLang="uk-UA" sz="1400" b="1" i="0" u="none" strike="noStrike" cap="none" normalizeH="0" baseline="0" dirty="0">
+                <a:ln>
+                  <a:noFill/>
+                </a:ln>
+                <a:solidFill>
+                  <a:srgbClr val="A9B7C6"/>
+                </a:solidFill>
+                <a:effectLst/>
+                <a:latin typeface="Courier New" panose="02070309020205020404" pitchFamily="49" charset="0"/>
+                <a:cs typeface="Courier New" panose="02070309020205020404" pitchFamily="49" charset="0"/>
+              </a:rPr>
+              <a:t>)</a:t>
+            </a:r>
+            <a:r>
+              <a:rPr kumimoji="0" lang="uk-UA" altLang="uk-UA" sz="1400" b="1" i="0" u="none" strike="noStrike" cap="none" normalizeH="0" baseline="0" dirty="0">
+                <a:ln>
+                  <a:noFill/>
+                </a:ln>
+                <a:solidFill>
+                  <a:srgbClr val="CC7832"/>
+                </a:solidFill>
+                <a:effectLst/>
+                <a:latin typeface="Courier New" panose="02070309020205020404" pitchFamily="49" charset="0"/>
+                <a:cs typeface="Courier New" panose="02070309020205020404" pitchFamily="49" charset="0"/>
+              </a:rPr>
+              <a:t>;</a:t>
+            </a:r>
+            <a:br>
+              <a:rPr kumimoji="0" lang="uk-UA" altLang="uk-UA" sz="1400" b="1" i="0" u="none" strike="noStrike" cap="none" normalizeH="0" baseline="0" dirty="0">
+                <a:ln>
+                  <a:noFill/>
+                </a:ln>
+                <a:solidFill>
+                  <a:srgbClr val="CC7832"/>
+                </a:solidFill>
+                <a:effectLst/>
+                <a:latin typeface="Courier New" panose="02070309020205020404" pitchFamily="49" charset="0"/>
+                <a:cs typeface="Courier New" panose="02070309020205020404" pitchFamily="49" charset="0"/>
+              </a:rPr>
+            </a:br>
+            <a:r>
+              <a:rPr kumimoji="0" lang="uk-UA" altLang="uk-UA" sz="1400" b="1" i="0" u="none" strike="noStrike" cap="none" normalizeH="0" baseline="0" dirty="0" err="1">
+                <a:ln>
+                  <a:noFill/>
+                </a:ln>
+                <a:solidFill>
+                  <a:srgbClr val="CC7832"/>
+                </a:solidFill>
+                <a:effectLst/>
+                <a:latin typeface="Courier New" panose="02070309020205020404" pitchFamily="49" charset="0"/>
+                <a:cs typeface="Courier New" panose="02070309020205020404" pitchFamily="49" charset="0"/>
+              </a:rPr>
+              <a:t>while</a:t>
+            </a:r>
+            <a:r>
+              <a:rPr kumimoji="0" lang="uk-UA" altLang="uk-UA" sz="1400" b="1" i="0" u="none" strike="noStrike" cap="none" normalizeH="0" baseline="0" dirty="0">
+                <a:ln>
+                  <a:noFill/>
+                </a:ln>
+                <a:solidFill>
+                  <a:srgbClr val="CC7832"/>
+                </a:solidFill>
+                <a:effectLst/>
+                <a:latin typeface="Courier New" panose="02070309020205020404" pitchFamily="49" charset="0"/>
+                <a:cs typeface="Courier New" panose="02070309020205020404" pitchFamily="49" charset="0"/>
+              </a:rPr>
+              <a:t> </a:t>
+            </a:r>
+            <a:r>
+              <a:rPr kumimoji="0" lang="uk-UA" altLang="uk-UA" sz="1400" b="1" i="0" u="none" strike="noStrike" cap="none" normalizeH="0" baseline="0" dirty="0">
+                <a:ln>
+                  <a:noFill/>
+                </a:ln>
+                <a:solidFill>
+                  <a:srgbClr val="A9B7C6"/>
+                </a:solidFill>
+                <a:effectLst/>
+                <a:latin typeface="Courier New" panose="02070309020205020404" pitchFamily="49" charset="0"/>
+                <a:cs typeface="Courier New" panose="02070309020205020404" pitchFamily="49" charset="0"/>
+              </a:rPr>
+              <a:t>(</a:t>
+            </a:r>
+            <a:r>
+              <a:rPr kumimoji="0" lang="uk-UA" altLang="uk-UA" sz="1400" b="1" i="0" u="none" strike="noStrike" cap="none" normalizeH="0" baseline="0" dirty="0" err="1">
+                <a:ln>
+                  <a:noFill/>
+                </a:ln>
+                <a:solidFill>
+                  <a:srgbClr val="A9B7C6"/>
+                </a:solidFill>
+                <a:effectLst/>
+                <a:latin typeface="Courier New" panose="02070309020205020404" pitchFamily="49" charset="0"/>
+                <a:cs typeface="Courier New" panose="02070309020205020404" pitchFamily="49" charset="0"/>
+              </a:rPr>
+              <a:t>sc.hasNext</a:t>
+            </a:r>
+            <a:r>
+              <a:rPr kumimoji="0" lang="uk-UA" altLang="uk-UA" sz="1400" b="1" i="0" u="none" strike="noStrike" cap="none" normalizeH="0" baseline="0" dirty="0">
+                <a:ln>
+                  <a:noFill/>
+                </a:ln>
+                <a:solidFill>
+                  <a:srgbClr val="A9B7C6"/>
+                </a:solidFill>
+                <a:effectLst/>
+                <a:latin typeface="Courier New" panose="02070309020205020404" pitchFamily="49" charset="0"/>
+                <a:cs typeface="Courier New" panose="02070309020205020404" pitchFamily="49" charset="0"/>
+              </a:rPr>
+              <a:t>())</a:t>
+            </a:r>
+            <a:br>
+              <a:rPr kumimoji="0" lang="uk-UA" altLang="uk-UA" sz="1400" b="1" i="0" u="none" strike="noStrike" cap="none" normalizeH="0" baseline="0" dirty="0">
+                <a:ln>
+                  <a:noFill/>
+                </a:ln>
+                <a:solidFill>
+                  <a:srgbClr val="A9B7C6"/>
+                </a:solidFill>
+                <a:effectLst/>
+                <a:latin typeface="Courier New" panose="02070309020205020404" pitchFamily="49" charset="0"/>
+                <a:cs typeface="Courier New" panose="02070309020205020404" pitchFamily="49" charset="0"/>
+              </a:rPr>
+            </a:br>
+            <a:r>
+              <a:rPr kumimoji="0" lang="uk-UA" altLang="uk-UA" sz="1400" b="1" i="0" u="none" strike="noStrike" cap="none" normalizeH="0" baseline="0" dirty="0">
+                <a:ln>
+                  <a:noFill/>
+                </a:ln>
+                <a:solidFill>
+                  <a:srgbClr val="A9B7C6"/>
+                </a:solidFill>
+                <a:effectLst/>
+                <a:latin typeface="Courier New" panose="02070309020205020404" pitchFamily="49" charset="0"/>
+                <a:cs typeface="Courier New" panose="02070309020205020404" pitchFamily="49" charset="0"/>
+              </a:rPr>
+              <a:t>    </a:t>
+            </a:r>
+            <a:r>
+              <a:rPr kumimoji="0" lang="uk-UA" altLang="uk-UA" sz="1400" b="1" i="0" u="none" strike="noStrike" cap="none" normalizeH="0" baseline="0" dirty="0" err="1">
+                <a:ln>
+                  <a:noFill/>
+                </a:ln>
+                <a:solidFill>
+                  <a:srgbClr val="A9B7C6"/>
+                </a:solidFill>
+                <a:effectLst/>
+                <a:latin typeface="Courier New" panose="02070309020205020404" pitchFamily="49" charset="0"/>
+                <a:cs typeface="Courier New" panose="02070309020205020404" pitchFamily="49" charset="0"/>
+              </a:rPr>
+              <a:t>System.</a:t>
+            </a:r>
+            <a:r>
+              <a:rPr kumimoji="0" lang="uk-UA" altLang="uk-UA" sz="1400" b="1" i="1" u="none" strike="noStrike" cap="none" normalizeH="0" baseline="0" dirty="0" err="1">
+                <a:ln>
+                  <a:noFill/>
+                </a:ln>
+                <a:solidFill>
+                  <a:srgbClr val="9876AA"/>
+                </a:solidFill>
+                <a:effectLst/>
+                <a:latin typeface="Courier New" panose="02070309020205020404" pitchFamily="49" charset="0"/>
+                <a:cs typeface="Courier New" panose="02070309020205020404" pitchFamily="49" charset="0"/>
+              </a:rPr>
+              <a:t>out</a:t>
+            </a:r>
+            <a:r>
+              <a:rPr kumimoji="0" lang="uk-UA" altLang="uk-UA" sz="1400" b="1" i="0" u="none" strike="noStrike" cap="none" normalizeH="0" baseline="0" dirty="0" err="1">
+                <a:ln>
+                  <a:noFill/>
+                </a:ln>
+                <a:solidFill>
+                  <a:srgbClr val="A9B7C6"/>
+                </a:solidFill>
+                <a:effectLst/>
+                <a:latin typeface="Courier New" panose="02070309020205020404" pitchFamily="49" charset="0"/>
+                <a:cs typeface="Courier New" panose="02070309020205020404" pitchFamily="49" charset="0"/>
+              </a:rPr>
+              <a:t>.println</a:t>
+            </a:r>
+            <a:r>
+              <a:rPr kumimoji="0" lang="uk-UA" altLang="uk-UA" sz="1400" b="1" i="0" u="none" strike="noStrike" cap="none" normalizeH="0" baseline="0" dirty="0">
+                <a:ln>
+                  <a:noFill/>
+                </a:ln>
+                <a:solidFill>
+                  <a:srgbClr val="A9B7C6"/>
+                </a:solidFill>
+                <a:effectLst/>
+                <a:latin typeface="Courier New" panose="02070309020205020404" pitchFamily="49" charset="0"/>
+                <a:cs typeface="Courier New" panose="02070309020205020404" pitchFamily="49" charset="0"/>
+              </a:rPr>
+              <a:t>(</a:t>
+            </a:r>
+            <a:r>
+              <a:rPr kumimoji="0" lang="uk-UA" altLang="uk-UA" sz="1400" b="1" i="0" u="none" strike="noStrike" cap="none" normalizeH="0" baseline="0" dirty="0" err="1">
+                <a:ln>
+                  <a:noFill/>
+                </a:ln>
+                <a:solidFill>
+                  <a:srgbClr val="A9B7C6"/>
+                </a:solidFill>
+                <a:effectLst/>
+                <a:latin typeface="Courier New" panose="02070309020205020404" pitchFamily="49" charset="0"/>
+                <a:cs typeface="Courier New" panose="02070309020205020404" pitchFamily="49" charset="0"/>
+              </a:rPr>
+              <a:t>sc.next</a:t>
+            </a:r>
+            <a:r>
+              <a:rPr kumimoji="0" lang="uk-UA" altLang="uk-UA" sz="1400" b="1" i="0" u="none" strike="noStrike" cap="none" normalizeH="0" baseline="0" dirty="0">
+                <a:ln>
+                  <a:noFill/>
+                </a:ln>
+                <a:solidFill>
+                  <a:srgbClr val="A9B7C6"/>
+                </a:solidFill>
+                <a:effectLst/>
+                <a:latin typeface="Courier New" panose="02070309020205020404" pitchFamily="49" charset="0"/>
+                <a:cs typeface="Courier New" panose="02070309020205020404" pitchFamily="49" charset="0"/>
+              </a:rPr>
+              <a:t>())</a:t>
+            </a:r>
+            <a:r>
+              <a:rPr kumimoji="0" lang="uk-UA" altLang="uk-UA" sz="1400" b="1" i="0" u="none" strike="noStrike" cap="none" normalizeH="0" baseline="0" dirty="0">
+                <a:ln>
+                  <a:noFill/>
+                </a:ln>
+                <a:solidFill>
+                  <a:srgbClr val="CC7832"/>
+                </a:solidFill>
+                <a:effectLst/>
+                <a:latin typeface="Courier New" panose="02070309020205020404" pitchFamily="49" charset="0"/>
+                <a:cs typeface="Courier New" panose="02070309020205020404" pitchFamily="49" charset="0"/>
+              </a:rPr>
+              <a:t>;</a:t>
+            </a:r>
+            <a:br>
+              <a:rPr kumimoji="0" lang="uk-UA" altLang="uk-UA" sz="1400" b="1" i="0" u="none" strike="noStrike" cap="none" normalizeH="0" baseline="0" dirty="0">
+                <a:ln>
+                  <a:noFill/>
+                </a:ln>
+                <a:solidFill>
+                  <a:srgbClr val="CC7832"/>
+                </a:solidFill>
+                <a:effectLst/>
+                <a:latin typeface="Courier New" panose="02070309020205020404" pitchFamily="49" charset="0"/>
+                <a:cs typeface="Courier New" panose="02070309020205020404" pitchFamily="49" charset="0"/>
+              </a:rPr>
+            </a:br>
+            <a:r>
+              <a:rPr kumimoji="0" lang="uk-UA" altLang="uk-UA" sz="1400" b="1" i="0" u="none" strike="noStrike" cap="none" normalizeH="0" baseline="0" dirty="0" err="1">
+                <a:ln>
+                  <a:noFill/>
+                </a:ln>
+                <a:solidFill>
+                  <a:srgbClr val="A9B7C6"/>
+                </a:solidFill>
+                <a:effectLst/>
+                <a:latin typeface="Courier New" panose="02070309020205020404" pitchFamily="49" charset="0"/>
+                <a:cs typeface="Courier New" panose="02070309020205020404" pitchFamily="49" charset="0"/>
+              </a:rPr>
+              <a:t>sc.close</a:t>
+            </a:r>
+            <a:r>
+              <a:rPr kumimoji="0" lang="uk-UA" altLang="uk-UA" sz="1400" b="1" i="0" u="none" strike="noStrike" cap="none" normalizeH="0" baseline="0" dirty="0">
+                <a:ln>
+                  <a:noFill/>
+                </a:ln>
+                <a:solidFill>
+                  <a:srgbClr val="A9B7C6"/>
+                </a:solidFill>
+                <a:effectLst/>
+                <a:latin typeface="Courier New" panose="02070309020205020404" pitchFamily="49" charset="0"/>
+                <a:cs typeface="Courier New" panose="02070309020205020404" pitchFamily="49" charset="0"/>
+              </a:rPr>
+              <a:t>()</a:t>
+            </a:r>
+            <a:r>
+              <a:rPr kumimoji="0" lang="uk-UA" altLang="uk-UA" sz="1400" b="1" i="0" u="none" strike="noStrike" cap="none" normalizeH="0" baseline="0" dirty="0">
+                <a:ln>
+                  <a:noFill/>
+                </a:ln>
+                <a:solidFill>
+                  <a:srgbClr val="CC7832"/>
+                </a:solidFill>
+                <a:effectLst/>
+                <a:latin typeface="Courier New" panose="02070309020205020404" pitchFamily="49" charset="0"/>
+                <a:cs typeface="Courier New" panose="02070309020205020404" pitchFamily="49" charset="0"/>
+              </a:rPr>
+              <a:t>;</a:t>
+            </a:r>
+            <a:endParaRPr kumimoji="0" lang="uk-UA" altLang="uk-UA" sz="3200" b="1" i="0" u="none" strike="noStrike" cap="none" normalizeH="0" baseline="0" dirty="0">
+              <a:ln>
+                <a:noFill/>
+              </a:ln>
+              <a:solidFill>
+                <a:schemeClr val="tx1"/>
+              </a:solidFill>
+              <a:effectLst/>
+              <a:latin typeface="Courier New" panose="02070309020205020404" pitchFamily="49" charset="0"/>
+              <a:cs typeface="Courier New" panose="02070309020205020404" pitchFamily="49" charset="0"/>
+            </a:endParaRPr>
+          </a:p>
+        </p:txBody>
+      </p:sp>
+      <p:sp>
+        <p:nvSpPr>
+          <p:cNvPr id="5" name="Rectangle 28">
+            <a:extLst>
+              <a:ext uri="{FF2B5EF4-FFF2-40B4-BE49-F238E27FC236}">
+                <a16:creationId xmlns:a16="http://schemas.microsoft.com/office/drawing/2014/main" id="{E34F06D6-4D07-42E1-9F3E-F577A702D00B}"/>
+              </a:ext>
+            </a:extLst>
+          </p:cNvPr>
+          <p:cNvSpPr>
+            <a:spLocks noChangeArrowheads="1"/>
+          </p:cNvSpPr>
+          <p:nvPr/>
+        </p:nvSpPr>
+        <p:spPr bwMode="auto">
+          <a:xfrm>
+            <a:off x="1310327" y="3357127"/>
+            <a:ext cx="4443434" cy="1169551"/>
+          </a:xfrm>
+          <a:prstGeom prst="rect">
+            <a:avLst/>
+          </a:prstGeom>
+          <a:noFill/>
+          <a:ln>
+            <a:noFill/>
+          </a:ln>
+          <a:effectLst/>
+        </p:spPr>
+        <p:txBody>
+          <a:bodyPr vert="horz" wrap="square" lIns="91440" tIns="45720" rIns="91440" bIns="45720" numCol="1" anchor="ctr" anchorCtr="0" compatLnSpc="1">
+            <a:prstTxWarp prst="textNoShape">
+              <a:avLst/>
+            </a:prstTxWarp>
+            <a:spAutoFit/>
+          </a:bodyPr>
+          <a:lstStyle/>
+          <a:p>
+            <a:pPr marL="0" marR="0" lvl="0" indent="0" algn="l" defTabSz="914400" rtl="0" eaLnBrk="0" fontAlgn="base" latinLnBrk="0" hangingPunct="0">
+              <a:lnSpc>
+                <a:spcPct val="100000"/>
+              </a:lnSpc>
+              <a:spcBef>
+                <a:spcPct val="0"/>
+              </a:spcBef>
+              <a:spcAft>
+                <a:spcPct val="0"/>
+              </a:spcAft>
+              <a:buClrTx/>
+              <a:buSzTx/>
+              <a:buFontTx/>
+              <a:buNone/>
+              <a:tabLst/>
+            </a:pPr>
+            <a:r>
+              <a:rPr kumimoji="0" lang="uk-UA" altLang="uk-UA" sz="1400" b="1" i="0" u="none" strike="noStrike" cap="none" normalizeH="0" baseline="0" dirty="0" err="1">
+                <a:ln>
+                  <a:noFill/>
+                </a:ln>
+                <a:solidFill>
+                  <a:srgbClr val="A9B7C6"/>
+                </a:solidFill>
+                <a:latin typeface="Courier New" panose="02070309020205020404" pitchFamily="49" charset="0"/>
+                <a:cs typeface="Courier New" panose="02070309020205020404" pitchFamily="49" charset="0"/>
+              </a:rPr>
+              <a:t>String</a:t>
+            </a:r>
+            <a:r>
+              <a:rPr kumimoji="0" lang="uk-UA" altLang="uk-UA" sz="1400" b="1" i="0" u="none" strike="noStrike" cap="none" normalizeH="0" baseline="0" dirty="0">
+                <a:ln>
+                  <a:noFill/>
+                </a:ln>
+                <a:solidFill>
+                  <a:srgbClr val="A9B7C6"/>
+                </a:solidFill>
+                <a:latin typeface="Courier New" panose="02070309020205020404" pitchFamily="49" charset="0"/>
+                <a:cs typeface="Courier New" panose="02070309020205020404" pitchFamily="49" charset="0"/>
+              </a:rPr>
+              <a:t> </a:t>
+            </a:r>
+            <a:r>
+              <a:rPr kumimoji="0" lang="uk-UA" altLang="uk-UA" sz="1400" b="1" i="0" u="none" strike="noStrike" cap="none" normalizeH="0" baseline="0" dirty="0" err="1">
+                <a:ln>
+                  <a:noFill/>
+                </a:ln>
+                <a:solidFill>
+                  <a:srgbClr val="A9B7C6"/>
+                </a:solidFill>
+                <a:latin typeface="Courier New" panose="02070309020205020404" pitchFamily="49" charset="0"/>
+                <a:cs typeface="Courier New" panose="02070309020205020404" pitchFamily="49" charset="0"/>
+              </a:rPr>
+              <a:t>string</a:t>
+            </a:r>
+            <a:r>
+              <a:rPr kumimoji="0" lang="uk-UA" altLang="uk-UA" sz="1400" b="1" i="0" u="none" strike="noStrike" cap="none" normalizeH="0" baseline="0" dirty="0">
+                <a:ln>
+                  <a:noFill/>
+                </a:ln>
+                <a:solidFill>
+                  <a:srgbClr val="A9B7C6"/>
+                </a:solidFill>
+                <a:latin typeface="Courier New" panose="02070309020205020404" pitchFamily="49" charset="0"/>
+                <a:cs typeface="Courier New" panose="02070309020205020404" pitchFamily="49" charset="0"/>
+              </a:rPr>
+              <a:t> = </a:t>
+            </a:r>
+            <a:r>
+              <a:rPr kumimoji="0" lang="uk-UA" altLang="uk-UA" sz="1400" b="1" i="0" u="none" strike="noStrike" cap="none" normalizeH="0" baseline="0" dirty="0">
+                <a:ln>
+                  <a:noFill/>
+                </a:ln>
+                <a:solidFill>
+                  <a:srgbClr val="6A8759"/>
+                </a:solidFill>
+                <a:latin typeface="Courier New" panose="02070309020205020404" pitchFamily="49" charset="0"/>
+                <a:cs typeface="Courier New" panose="02070309020205020404" pitchFamily="49" charset="0"/>
+              </a:rPr>
+              <a:t>"10 11 12 13 14 15 99"</a:t>
+            </a:r>
+            <a:r>
+              <a:rPr kumimoji="0" lang="uk-UA" altLang="uk-UA" sz="1400" b="1" i="0" u="none" strike="noStrike" cap="none" normalizeH="0" baseline="0" dirty="0">
+                <a:ln>
+                  <a:noFill/>
+                </a:ln>
+                <a:solidFill>
+                  <a:srgbClr val="CC7832"/>
+                </a:solidFill>
+                <a:latin typeface="Courier New" panose="02070309020205020404" pitchFamily="49" charset="0"/>
+                <a:cs typeface="Courier New" panose="02070309020205020404" pitchFamily="49" charset="0"/>
+              </a:rPr>
+              <a:t>;</a:t>
+            </a:r>
+            <a:br>
+              <a:rPr kumimoji="0" lang="uk-UA" altLang="uk-UA" sz="1400" b="1" i="0" u="none" strike="noStrike" cap="none" normalizeH="0" baseline="0" dirty="0">
+                <a:ln>
+                  <a:noFill/>
+                </a:ln>
+                <a:solidFill>
+                  <a:srgbClr val="CC7832"/>
+                </a:solidFill>
+                <a:latin typeface="Courier New" panose="02070309020205020404" pitchFamily="49" charset="0"/>
+                <a:cs typeface="Courier New" panose="02070309020205020404" pitchFamily="49" charset="0"/>
+              </a:rPr>
+            </a:br>
+            <a:r>
+              <a:rPr kumimoji="0" lang="uk-UA" altLang="uk-UA" sz="1400" b="1" i="0" u="none" strike="noStrike" cap="none" normalizeH="0" baseline="0" dirty="0" err="1">
+                <a:ln>
+                  <a:noFill/>
+                </a:ln>
+                <a:solidFill>
+                  <a:srgbClr val="A9B7C6"/>
+                </a:solidFill>
+                <a:latin typeface="Courier New" panose="02070309020205020404" pitchFamily="49" charset="0"/>
+                <a:cs typeface="Courier New" panose="02070309020205020404" pitchFamily="49" charset="0"/>
+              </a:rPr>
+              <a:t>Scanner</a:t>
+            </a:r>
+            <a:r>
+              <a:rPr kumimoji="0" lang="uk-UA" altLang="uk-UA" sz="1400" b="1" i="0" u="none" strike="noStrike" cap="none" normalizeH="0" baseline="0" dirty="0">
+                <a:ln>
+                  <a:noFill/>
+                </a:ln>
+                <a:solidFill>
+                  <a:srgbClr val="A9B7C6"/>
+                </a:solidFill>
+                <a:latin typeface="Courier New" panose="02070309020205020404" pitchFamily="49" charset="0"/>
+                <a:cs typeface="Courier New" panose="02070309020205020404" pitchFamily="49" charset="0"/>
+              </a:rPr>
+              <a:t> </a:t>
+            </a:r>
+            <a:r>
+              <a:rPr kumimoji="0" lang="uk-UA" altLang="uk-UA" sz="1400" b="1" i="0" u="none" strike="noStrike" cap="none" normalizeH="0" baseline="0" dirty="0" err="1">
+                <a:ln>
+                  <a:noFill/>
+                </a:ln>
+                <a:solidFill>
+                  <a:srgbClr val="A9B7C6"/>
+                </a:solidFill>
+                <a:latin typeface="Courier New" panose="02070309020205020404" pitchFamily="49" charset="0"/>
+                <a:cs typeface="Courier New" panose="02070309020205020404" pitchFamily="49" charset="0"/>
+              </a:rPr>
+              <a:t>sc</a:t>
+            </a:r>
+            <a:r>
+              <a:rPr kumimoji="0" lang="uk-UA" altLang="uk-UA" sz="1400" b="1" i="0" u="none" strike="noStrike" cap="none" normalizeH="0" baseline="0" dirty="0">
+                <a:ln>
+                  <a:noFill/>
+                </a:ln>
+                <a:solidFill>
+                  <a:srgbClr val="A9B7C6"/>
+                </a:solidFill>
+                <a:latin typeface="Courier New" panose="02070309020205020404" pitchFamily="49" charset="0"/>
+                <a:cs typeface="Courier New" panose="02070309020205020404" pitchFamily="49" charset="0"/>
+              </a:rPr>
+              <a:t> = </a:t>
+            </a:r>
+            <a:r>
+              <a:rPr kumimoji="0" lang="uk-UA" altLang="uk-UA" sz="1400" b="1" i="0" u="none" strike="noStrike" cap="none" normalizeH="0" baseline="0" dirty="0" err="1">
+                <a:ln>
+                  <a:noFill/>
+                </a:ln>
+                <a:solidFill>
+                  <a:srgbClr val="CC7832"/>
+                </a:solidFill>
+                <a:latin typeface="Courier New" panose="02070309020205020404" pitchFamily="49" charset="0"/>
+                <a:cs typeface="Courier New" panose="02070309020205020404" pitchFamily="49" charset="0"/>
+              </a:rPr>
+              <a:t>new</a:t>
+            </a:r>
+            <a:r>
+              <a:rPr kumimoji="0" lang="uk-UA" altLang="uk-UA" sz="1400" b="1" i="0" u="none" strike="noStrike" cap="none" normalizeH="0" baseline="0" dirty="0">
+                <a:ln>
+                  <a:noFill/>
+                </a:ln>
+                <a:solidFill>
+                  <a:srgbClr val="CC7832"/>
+                </a:solidFill>
+                <a:latin typeface="Courier New" panose="02070309020205020404" pitchFamily="49" charset="0"/>
+                <a:cs typeface="Courier New" panose="02070309020205020404" pitchFamily="49" charset="0"/>
+              </a:rPr>
+              <a:t> </a:t>
+            </a:r>
+            <a:r>
+              <a:rPr kumimoji="0" lang="uk-UA" altLang="uk-UA" sz="1400" b="1" i="0" u="none" strike="noStrike" cap="none" normalizeH="0" baseline="0" dirty="0" err="1">
+                <a:ln>
+                  <a:noFill/>
+                </a:ln>
+                <a:solidFill>
+                  <a:srgbClr val="A9B7C6"/>
+                </a:solidFill>
+                <a:latin typeface="Courier New" panose="02070309020205020404" pitchFamily="49" charset="0"/>
+                <a:cs typeface="Courier New" panose="02070309020205020404" pitchFamily="49" charset="0"/>
+              </a:rPr>
+              <a:t>Scanner</a:t>
+            </a:r>
+            <a:r>
+              <a:rPr kumimoji="0" lang="uk-UA" altLang="uk-UA" sz="1400" b="1" i="0" u="none" strike="noStrike" cap="none" normalizeH="0" baseline="0" dirty="0">
+                <a:ln>
+                  <a:noFill/>
+                </a:ln>
+                <a:solidFill>
+                  <a:srgbClr val="A9B7C6"/>
+                </a:solidFill>
+                <a:latin typeface="Courier New" panose="02070309020205020404" pitchFamily="49" charset="0"/>
+                <a:cs typeface="Courier New" panose="02070309020205020404" pitchFamily="49" charset="0"/>
+              </a:rPr>
+              <a:t>(</a:t>
+            </a:r>
+            <a:r>
+              <a:rPr kumimoji="0" lang="uk-UA" altLang="uk-UA" sz="1400" b="1" i="0" u="none" strike="noStrike" cap="none" normalizeH="0" baseline="0" dirty="0" err="1">
+                <a:ln>
+                  <a:noFill/>
+                </a:ln>
+                <a:solidFill>
+                  <a:srgbClr val="A9B7C6"/>
+                </a:solidFill>
+                <a:latin typeface="Courier New" panose="02070309020205020404" pitchFamily="49" charset="0"/>
+                <a:cs typeface="Courier New" panose="02070309020205020404" pitchFamily="49" charset="0"/>
+              </a:rPr>
+              <a:t>string</a:t>
+            </a:r>
+            <a:r>
+              <a:rPr kumimoji="0" lang="uk-UA" altLang="uk-UA" sz="1400" b="1" i="0" u="none" strike="noStrike" cap="none" normalizeH="0" baseline="0" dirty="0">
+                <a:ln>
+                  <a:noFill/>
+                </a:ln>
+                <a:solidFill>
+                  <a:srgbClr val="A9B7C6"/>
+                </a:solidFill>
+                <a:latin typeface="Courier New" panose="02070309020205020404" pitchFamily="49" charset="0"/>
+                <a:cs typeface="Courier New" panose="02070309020205020404" pitchFamily="49" charset="0"/>
+              </a:rPr>
+              <a:t>)</a:t>
+            </a:r>
+            <a:r>
+              <a:rPr kumimoji="0" lang="uk-UA" altLang="uk-UA" sz="1400" b="1" i="0" u="none" strike="noStrike" cap="none" normalizeH="0" baseline="0" dirty="0">
+                <a:ln>
+                  <a:noFill/>
+                </a:ln>
+                <a:solidFill>
+                  <a:srgbClr val="CC7832"/>
+                </a:solidFill>
+                <a:latin typeface="Courier New" panose="02070309020205020404" pitchFamily="49" charset="0"/>
+                <a:cs typeface="Courier New" panose="02070309020205020404" pitchFamily="49" charset="0"/>
+              </a:rPr>
+              <a:t>;</a:t>
+            </a:r>
+            <a:br>
+              <a:rPr kumimoji="0" lang="uk-UA" altLang="uk-UA" sz="1400" b="1" i="0" u="none" strike="noStrike" cap="none" normalizeH="0" baseline="0" dirty="0">
+                <a:ln>
+                  <a:noFill/>
+                </a:ln>
+                <a:solidFill>
+                  <a:srgbClr val="CC7832"/>
+                </a:solidFill>
+                <a:latin typeface="Courier New" panose="02070309020205020404" pitchFamily="49" charset="0"/>
+                <a:cs typeface="Courier New" panose="02070309020205020404" pitchFamily="49" charset="0"/>
+              </a:rPr>
+            </a:br>
+            <a:r>
+              <a:rPr kumimoji="0" lang="uk-UA" altLang="uk-UA" sz="1400" b="1" i="0" u="none" strike="noStrike" cap="none" normalizeH="0" baseline="0" dirty="0" err="1">
+                <a:ln>
+                  <a:noFill/>
+                </a:ln>
+                <a:solidFill>
+                  <a:srgbClr val="CC7832"/>
+                </a:solidFill>
+                <a:latin typeface="Courier New" panose="02070309020205020404" pitchFamily="49" charset="0"/>
+                <a:cs typeface="Courier New" panose="02070309020205020404" pitchFamily="49" charset="0"/>
+              </a:rPr>
+              <a:t>while</a:t>
+            </a:r>
+            <a:r>
+              <a:rPr kumimoji="0" lang="uk-UA" altLang="uk-UA" sz="1400" b="1" i="0" u="none" strike="noStrike" cap="none" normalizeH="0" baseline="0" dirty="0">
+                <a:ln>
+                  <a:noFill/>
+                </a:ln>
+                <a:solidFill>
+                  <a:srgbClr val="CC7832"/>
+                </a:solidFill>
+                <a:latin typeface="Courier New" panose="02070309020205020404" pitchFamily="49" charset="0"/>
+                <a:cs typeface="Courier New" panose="02070309020205020404" pitchFamily="49" charset="0"/>
+              </a:rPr>
+              <a:t> </a:t>
+            </a:r>
+            <a:r>
+              <a:rPr kumimoji="0" lang="uk-UA" altLang="uk-UA" sz="1400" b="1" i="0" u="none" strike="noStrike" cap="none" normalizeH="0" baseline="0" dirty="0">
+                <a:ln>
+                  <a:noFill/>
+                </a:ln>
+                <a:solidFill>
+                  <a:srgbClr val="A9B7C6"/>
+                </a:solidFill>
+                <a:latin typeface="Courier New" panose="02070309020205020404" pitchFamily="49" charset="0"/>
+                <a:cs typeface="Courier New" panose="02070309020205020404" pitchFamily="49" charset="0"/>
+              </a:rPr>
+              <a:t>(</a:t>
+            </a:r>
+            <a:r>
+              <a:rPr kumimoji="0" lang="uk-UA" altLang="uk-UA" sz="1400" b="1" i="0" u="none" strike="noStrike" cap="none" normalizeH="0" baseline="0" dirty="0" err="1">
+                <a:ln>
+                  <a:noFill/>
+                </a:ln>
+                <a:solidFill>
+                  <a:srgbClr val="A9B7C6"/>
+                </a:solidFill>
+                <a:latin typeface="Courier New" panose="02070309020205020404" pitchFamily="49" charset="0"/>
+                <a:cs typeface="Courier New" panose="02070309020205020404" pitchFamily="49" charset="0"/>
+              </a:rPr>
+              <a:t>sc.hasNext</a:t>
+            </a:r>
+            <a:r>
+              <a:rPr kumimoji="0" lang="uk-UA" altLang="uk-UA" sz="1400" b="1" i="0" u="none" strike="noStrike" cap="none" normalizeH="0" baseline="0" dirty="0">
+                <a:ln>
+                  <a:noFill/>
+                </a:ln>
+                <a:solidFill>
+                  <a:srgbClr val="A9B7C6"/>
+                </a:solidFill>
+                <a:latin typeface="Courier New" panose="02070309020205020404" pitchFamily="49" charset="0"/>
+                <a:cs typeface="Courier New" panose="02070309020205020404" pitchFamily="49" charset="0"/>
+              </a:rPr>
+              <a:t>())</a:t>
+            </a:r>
+            <a:br>
+              <a:rPr kumimoji="0" lang="uk-UA" altLang="uk-UA" sz="1400" b="1" i="0" u="none" strike="noStrike" cap="none" normalizeH="0" baseline="0" dirty="0">
+                <a:ln>
+                  <a:noFill/>
+                </a:ln>
+                <a:solidFill>
+                  <a:srgbClr val="A9B7C6"/>
+                </a:solidFill>
+                <a:latin typeface="Courier New" panose="02070309020205020404" pitchFamily="49" charset="0"/>
+                <a:cs typeface="Courier New" panose="02070309020205020404" pitchFamily="49" charset="0"/>
+              </a:rPr>
+            </a:br>
+            <a:r>
+              <a:rPr kumimoji="0" lang="uk-UA" altLang="uk-UA" sz="1400" b="1" i="0" u="none" strike="noStrike" cap="none" normalizeH="0" baseline="0" dirty="0">
+                <a:ln>
+                  <a:noFill/>
+                </a:ln>
+                <a:solidFill>
+                  <a:srgbClr val="A9B7C6"/>
+                </a:solidFill>
+                <a:latin typeface="Courier New" panose="02070309020205020404" pitchFamily="49" charset="0"/>
+                <a:cs typeface="Courier New" panose="02070309020205020404" pitchFamily="49" charset="0"/>
+              </a:rPr>
+              <a:t>    </a:t>
+            </a:r>
+            <a:r>
+              <a:rPr kumimoji="0" lang="uk-UA" altLang="uk-UA" sz="1400" b="1" i="0" u="none" strike="noStrike" cap="none" normalizeH="0" baseline="0" dirty="0" err="1">
+                <a:ln>
+                  <a:noFill/>
+                </a:ln>
+                <a:solidFill>
+                  <a:srgbClr val="A9B7C6"/>
+                </a:solidFill>
+                <a:latin typeface="Courier New" panose="02070309020205020404" pitchFamily="49" charset="0"/>
+                <a:cs typeface="Courier New" panose="02070309020205020404" pitchFamily="49" charset="0"/>
+              </a:rPr>
+              <a:t>System.</a:t>
+            </a:r>
+            <a:r>
+              <a:rPr kumimoji="0" lang="uk-UA" altLang="uk-UA" sz="1400" b="1" i="1" u="none" strike="noStrike" cap="none" normalizeH="0" baseline="0" dirty="0" err="1">
+                <a:ln>
+                  <a:noFill/>
+                </a:ln>
+                <a:solidFill>
+                  <a:srgbClr val="9876AA"/>
+                </a:solidFill>
+                <a:latin typeface="Courier New" panose="02070309020205020404" pitchFamily="49" charset="0"/>
+                <a:cs typeface="Courier New" panose="02070309020205020404" pitchFamily="49" charset="0"/>
+              </a:rPr>
+              <a:t>out</a:t>
+            </a:r>
+            <a:r>
+              <a:rPr kumimoji="0" lang="uk-UA" altLang="uk-UA" sz="1400" b="1" i="0" u="none" strike="noStrike" cap="none" normalizeH="0" baseline="0" dirty="0" err="1">
+                <a:ln>
+                  <a:noFill/>
+                </a:ln>
+                <a:solidFill>
+                  <a:srgbClr val="A9B7C6"/>
+                </a:solidFill>
+                <a:latin typeface="Courier New" panose="02070309020205020404" pitchFamily="49" charset="0"/>
+                <a:cs typeface="Courier New" panose="02070309020205020404" pitchFamily="49" charset="0"/>
+              </a:rPr>
+              <a:t>.println</a:t>
+            </a:r>
+            <a:r>
+              <a:rPr kumimoji="0" lang="uk-UA" altLang="uk-UA" sz="1400" b="1" i="0" u="none" strike="noStrike" cap="none" normalizeH="0" baseline="0" dirty="0">
+                <a:ln>
+                  <a:noFill/>
+                </a:ln>
+                <a:solidFill>
+                  <a:srgbClr val="A9B7C6"/>
+                </a:solidFill>
+                <a:latin typeface="Courier New" panose="02070309020205020404" pitchFamily="49" charset="0"/>
+                <a:cs typeface="Courier New" panose="02070309020205020404" pitchFamily="49" charset="0"/>
+              </a:rPr>
+              <a:t>(</a:t>
+            </a:r>
+            <a:r>
+              <a:rPr kumimoji="0" lang="uk-UA" altLang="uk-UA" sz="1400" b="1" i="0" u="none" strike="noStrike" cap="none" normalizeH="0" baseline="0" dirty="0" err="1">
+                <a:ln>
+                  <a:noFill/>
+                </a:ln>
+                <a:solidFill>
+                  <a:srgbClr val="A9B7C6"/>
+                </a:solidFill>
+                <a:latin typeface="Courier New" panose="02070309020205020404" pitchFamily="49" charset="0"/>
+                <a:cs typeface="Courier New" panose="02070309020205020404" pitchFamily="49" charset="0"/>
+              </a:rPr>
+              <a:t>sc.nextInt</a:t>
+            </a:r>
+            <a:r>
+              <a:rPr kumimoji="0" lang="uk-UA" altLang="uk-UA" sz="1400" b="1" i="0" u="none" strike="noStrike" cap="none" normalizeH="0" baseline="0" dirty="0">
+                <a:ln>
+                  <a:noFill/>
+                </a:ln>
+                <a:solidFill>
+                  <a:srgbClr val="A9B7C6"/>
+                </a:solidFill>
+                <a:latin typeface="Courier New" panose="02070309020205020404" pitchFamily="49" charset="0"/>
+                <a:cs typeface="Courier New" panose="02070309020205020404" pitchFamily="49" charset="0"/>
+              </a:rPr>
+              <a:t>())</a:t>
+            </a:r>
+            <a:r>
+              <a:rPr kumimoji="0" lang="uk-UA" altLang="uk-UA" sz="1400" b="1" i="0" u="none" strike="noStrike" cap="none" normalizeH="0" baseline="0" dirty="0">
+                <a:ln>
+                  <a:noFill/>
+                </a:ln>
+                <a:solidFill>
+                  <a:srgbClr val="CC7832"/>
+                </a:solidFill>
+                <a:latin typeface="Courier New" panose="02070309020205020404" pitchFamily="49" charset="0"/>
+                <a:cs typeface="Courier New" panose="02070309020205020404" pitchFamily="49" charset="0"/>
+              </a:rPr>
+              <a:t>;</a:t>
+            </a:r>
+            <a:br>
+              <a:rPr kumimoji="0" lang="uk-UA" altLang="uk-UA" sz="1400" b="1" i="0" u="none" strike="noStrike" cap="none" normalizeH="0" baseline="0" dirty="0">
+                <a:ln>
+                  <a:noFill/>
+                </a:ln>
+                <a:solidFill>
+                  <a:srgbClr val="CC7832"/>
+                </a:solidFill>
+                <a:latin typeface="Courier New" panose="02070309020205020404" pitchFamily="49" charset="0"/>
+                <a:cs typeface="Courier New" panose="02070309020205020404" pitchFamily="49" charset="0"/>
+              </a:rPr>
+            </a:br>
+            <a:r>
+              <a:rPr kumimoji="0" lang="uk-UA" altLang="uk-UA" sz="1400" b="1" i="0" u="none" strike="noStrike" cap="none" normalizeH="0" baseline="0" dirty="0" err="1">
+                <a:ln>
+                  <a:noFill/>
+                </a:ln>
+                <a:solidFill>
+                  <a:srgbClr val="A9B7C6"/>
+                </a:solidFill>
+                <a:latin typeface="Courier New" panose="02070309020205020404" pitchFamily="49" charset="0"/>
+                <a:cs typeface="Courier New" panose="02070309020205020404" pitchFamily="49" charset="0"/>
+              </a:rPr>
+              <a:t>sc.close</a:t>
+            </a:r>
+            <a:r>
+              <a:rPr kumimoji="0" lang="uk-UA" altLang="uk-UA" sz="1400" b="1" i="0" u="none" strike="noStrike" cap="none" normalizeH="0" baseline="0" dirty="0">
+                <a:ln>
+                  <a:noFill/>
+                </a:ln>
+                <a:solidFill>
+                  <a:srgbClr val="A9B7C6"/>
+                </a:solidFill>
+                <a:latin typeface="Courier New" panose="02070309020205020404" pitchFamily="49" charset="0"/>
+                <a:cs typeface="Courier New" panose="02070309020205020404" pitchFamily="49" charset="0"/>
+              </a:rPr>
+              <a:t>()</a:t>
+            </a:r>
+            <a:r>
+              <a:rPr kumimoji="0" lang="uk-UA" altLang="uk-UA" sz="1400" b="1" i="0" u="none" strike="noStrike" cap="none" normalizeH="0" baseline="0" dirty="0">
+                <a:ln>
+                  <a:noFill/>
+                </a:ln>
+                <a:solidFill>
+                  <a:srgbClr val="CC7832"/>
+                </a:solidFill>
+                <a:latin typeface="Courier New" panose="02070309020205020404" pitchFamily="49" charset="0"/>
+                <a:cs typeface="Courier New" panose="02070309020205020404" pitchFamily="49" charset="0"/>
+              </a:rPr>
+              <a:t>;</a:t>
+            </a:r>
+            <a:endParaRPr kumimoji="0" lang="uk-UA" altLang="uk-UA" sz="3200" b="1" i="0" u="none" strike="noStrike" cap="none" normalizeH="0" baseline="0" dirty="0">
+              <a:ln>
+                <a:noFill/>
+              </a:ln>
+              <a:solidFill>
+                <a:schemeClr val="tx1"/>
+              </a:solidFill>
+              <a:latin typeface="Courier New" panose="02070309020205020404" pitchFamily="49" charset="0"/>
+              <a:cs typeface="Courier New" panose="02070309020205020404" pitchFamily="49" charset="0"/>
+            </a:endParaRPr>
+          </a:p>
+        </p:txBody>
+      </p:sp>
+      <p:pic>
+        <p:nvPicPr>
+          <p:cNvPr id="7" name="Рисунок 6">
+            <a:extLst>
+              <a:ext uri="{FF2B5EF4-FFF2-40B4-BE49-F238E27FC236}">
+                <a16:creationId xmlns:a16="http://schemas.microsoft.com/office/drawing/2014/main" id="{8F0274EF-40EC-4FD6-9210-B447297E713A}"/>
+              </a:ext>
+            </a:extLst>
+          </p:cNvPr>
+          <p:cNvPicPr>
+            <a:picLocks noChangeAspect="1"/>
+          </p:cNvPicPr>
+          <p:nvPr/>
+        </p:nvPicPr>
+        <p:blipFill>
+          <a:blip r:embed="rId3"/>
+          <a:stretch>
+            <a:fillRect/>
+          </a:stretch>
+        </p:blipFill>
+        <p:spPr>
+          <a:xfrm>
+            <a:off x="7518433" y="3038476"/>
+            <a:ext cx="447675" cy="1895475"/>
+          </a:xfrm>
+          <a:prstGeom prst="rect">
+            <a:avLst/>
+          </a:prstGeom>
+        </p:spPr>
+      </p:pic>
+      <p:sp>
+        <p:nvSpPr>
+          <p:cNvPr id="8" name="Rectangle 29">
+            <a:extLst>
+              <a:ext uri="{FF2B5EF4-FFF2-40B4-BE49-F238E27FC236}">
+                <a16:creationId xmlns:a16="http://schemas.microsoft.com/office/drawing/2014/main" id="{1ACDE8A9-34FE-4E4E-820A-2F4BBB83409E}"/>
+              </a:ext>
+            </a:extLst>
+          </p:cNvPr>
+          <p:cNvSpPr>
+            <a:spLocks noChangeArrowheads="1"/>
+          </p:cNvSpPr>
+          <p:nvPr/>
+        </p:nvSpPr>
+        <p:spPr bwMode="auto">
+          <a:xfrm>
+            <a:off x="1294192" y="5009242"/>
+            <a:ext cx="4785673" cy="1200329"/>
+          </a:xfrm>
+          <a:prstGeom prst="rect">
+            <a:avLst/>
+          </a:prstGeom>
+          <a:noFill/>
+          <a:ln w="9525">
+            <a:noFill/>
+            <a:miter lim="800000"/>
+            <a:headEnd/>
+            <a:tailEnd/>
+          </a:ln>
+          <a:effectLst/>
+        </p:spPr>
+        <p:txBody>
+          <a:bodyPr vert="horz" wrap="square" lIns="91440" tIns="45720" rIns="91440" bIns="45720" numCol="1" anchor="ctr" anchorCtr="0" compatLnSpc="1">
+            <a:prstTxWarp prst="textNoShape">
+              <a:avLst/>
+            </a:prstTxWarp>
+            <a:spAutoFit/>
+          </a:bodyPr>
+          <a:lstStyle/>
+          <a:p>
+            <a:pPr marL="0" marR="0" lvl="0" indent="0" algn="l" defTabSz="914400" rtl="0" eaLnBrk="0" fontAlgn="base" latinLnBrk="0" hangingPunct="0">
+              <a:lnSpc>
+                <a:spcPct val="100000"/>
+              </a:lnSpc>
+              <a:spcBef>
+                <a:spcPct val="0"/>
+              </a:spcBef>
+              <a:spcAft>
+                <a:spcPct val="0"/>
+              </a:spcAft>
+              <a:buClrTx/>
+              <a:buSzTx/>
+              <a:buFontTx/>
+              <a:buNone/>
+              <a:tabLst/>
+            </a:pPr>
+            <a:r>
+              <a:rPr kumimoji="0" lang="uk-UA" altLang="uk-UA" sz="1200" b="1" i="0" u="none" strike="noStrike" cap="none" normalizeH="0" baseline="0" dirty="0" err="1">
+                <a:ln>
+                  <a:noFill/>
+                </a:ln>
+                <a:solidFill>
+                  <a:srgbClr val="A9B7C6"/>
+                </a:solidFill>
+                <a:latin typeface="Courier New" panose="02070309020205020404" pitchFamily="49" charset="0"/>
+                <a:cs typeface="Courier New" panose="02070309020205020404" pitchFamily="49" charset="0"/>
+              </a:rPr>
+              <a:t>String</a:t>
+            </a:r>
+            <a:r>
+              <a:rPr kumimoji="0" lang="uk-UA" altLang="uk-UA" sz="1200" b="1" i="0" u="none" strike="noStrike" cap="none" normalizeH="0" baseline="0" dirty="0">
+                <a:ln>
+                  <a:noFill/>
+                </a:ln>
+                <a:solidFill>
+                  <a:srgbClr val="A9B7C6"/>
+                </a:solidFill>
+                <a:latin typeface="Courier New" panose="02070309020205020404" pitchFamily="49" charset="0"/>
+                <a:cs typeface="Courier New" panose="02070309020205020404" pitchFamily="49" charset="0"/>
+              </a:rPr>
+              <a:t> </a:t>
+            </a:r>
+            <a:r>
+              <a:rPr kumimoji="0" lang="uk-UA" altLang="uk-UA" sz="1200" b="1" i="0" u="none" strike="noStrike" cap="none" normalizeH="0" baseline="0" dirty="0" err="1">
+                <a:ln>
+                  <a:noFill/>
+                </a:ln>
+                <a:solidFill>
+                  <a:srgbClr val="A9B7C6"/>
+                </a:solidFill>
+                <a:latin typeface="Courier New" panose="02070309020205020404" pitchFamily="49" charset="0"/>
+                <a:cs typeface="Courier New" panose="02070309020205020404" pitchFamily="49" charset="0"/>
+              </a:rPr>
+              <a:t>string</a:t>
+            </a:r>
+            <a:r>
+              <a:rPr kumimoji="0" lang="uk-UA" altLang="uk-UA" sz="1200" b="1" i="0" u="none" strike="noStrike" cap="none" normalizeH="0" baseline="0" dirty="0">
+                <a:ln>
+                  <a:noFill/>
+                </a:ln>
+                <a:solidFill>
+                  <a:srgbClr val="A9B7C6"/>
+                </a:solidFill>
+                <a:latin typeface="Courier New" panose="02070309020205020404" pitchFamily="49" charset="0"/>
+                <a:cs typeface="Courier New" panose="02070309020205020404" pitchFamily="49" charset="0"/>
+              </a:rPr>
+              <a:t> = </a:t>
+            </a:r>
+            <a:r>
+              <a:rPr kumimoji="0" lang="uk-UA" altLang="uk-UA" sz="1200" b="1" i="0" u="none" strike="noStrike" cap="none" normalizeH="0" baseline="0" dirty="0">
+                <a:ln>
+                  <a:noFill/>
+                </a:ln>
+                <a:solidFill>
+                  <a:srgbClr val="6A8759"/>
+                </a:solidFill>
+                <a:latin typeface="Courier New" panose="02070309020205020404" pitchFamily="49" charset="0"/>
+                <a:cs typeface="Courier New" panose="02070309020205020404" pitchFamily="49" charset="0"/>
+              </a:rPr>
+              <a:t>"10as </a:t>
+            </a:r>
+            <a:r>
+              <a:rPr kumimoji="0" lang="uk-UA" altLang="uk-UA" sz="1200" b="1" i="0" u="none" strike="noStrike" cap="none" normalizeH="0" baseline="0" dirty="0" err="1">
+                <a:ln>
+                  <a:noFill/>
+                </a:ln>
+                <a:solidFill>
+                  <a:srgbClr val="6A8759"/>
+                </a:solidFill>
+                <a:latin typeface="Courier New" panose="02070309020205020404" pitchFamily="49" charset="0"/>
+                <a:cs typeface="Courier New" panose="02070309020205020404" pitchFamily="49" charset="0"/>
+              </a:rPr>
+              <a:t>ads</a:t>
+            </a:r>
+            <a:r>
+              <a:rPr kumimoji="0" lang="uk-UA" altLang="uk-UA" sz="1200" b="1" i="0" u="none" strike="noStrike" cap="none" normalizeH="0" baseline="0" dirty="0">
+                <a:ln>
+                  <a:noFill/>
+                </a:ln>
+                <a:solidFill>
+                  <a:srgbClr val="6A8759"/>
+                </a:solidFill>
+                <a:latin typeface="Courier New" panose="02070309020205020404" pitchFamily="49" charset="0"/>
+                <a:cs typeface="Courier New" panose="02070309020205020404" pitchFamily="49" charset="0"/>
+              </a:rPr>
+              <a:t> </a:t>
+            </a:r>
+            <a:r>
+              <a:rPr kumimoji="0" lang="uk-UA" altLang="uk-UA" sz="1200" b="1" i="0" u="none" strike="noStrike" cap="none" normalizeH="0" baseline="0" dirty="0" err="1">
+                <a:ln>
+                  <a:noFill/>
+                </a:ln>
+                <a:solidFill>
+                  <a:srgbClr val="6A8759"/>
+                </a:solidFill>
+                <a:latin typeface="Courier New" panose="02070309020205020404" pitchFamily="49" charset="0"/>
+                <a:cs typeface="Courier New" panose="02070309020205020404" pitchFamily="49" charset="0"/>
+              </a:rPr>
+              <a:t>dg</a:t>
+            </a:r>
+            <a:r>
+              <a:rPr kumimoji="0" lang="uk-UA" altLang="uk-UA" sz="1200" b="1" i="0" u="none" strike="noStrike" cap="none" normalizeH="0" baseline="0" dirty="0">
+                <a:ln>
+                  <a:noFill/>
+                </a:ln>
+                <a:solidFill>
+                  <a:srgbClr val="6A8759"/>
+                </a:solidFill>
+                <a:latin typeface="Courier New" panose="02070309020205020404" pitchFamily="49" charset="0"/>
+                <a:cs typeface="Courier New" panose="02070309020205020404" pitchFamily="49" charset="0"/>
+              </a:rPr>
+              <a:t> as13 133as 15 9as9"</a:t>
+            </a:r>
+            <a:r>
+              <a:rPr kumimoji="0" lang="uk-UA" altLang="uk-UA" sz="1200" b="1" i="0" u="none" strike="noStrike" cap="none" normalizeH="0" baseline="0" dirty="0">
+                <a:ln>
+                  <a:noFill/>
+                </a:ln>
+                <a:solidFill>
+                  <a:srgbClr val="CC7832"/>
+                </a:solidFill>
+                <a:latin typeface="Courier New" panose="02070309020205020404" pitchFamily="49" charset="0"/>
+                <a:cs typeface="Courier New" panose="02070309020205020404" pitchFamily="49" charset="0"/>
+              </a:rPr>
+              <a:t>;</a:t>
+            </a:r>
+            <a:br>
+              <a:rPr kumimoji="0" lang="uk-UA" altLang="uk-UA" sz="1200" b="1" i="0" u="none" strike="noStrike" cap="none" normalizeH="0" baseline="0" dirty="0">
+                <a:ln>
+                  <a:noFill/>
+                </a:ln>
+                <a:solidFill>
+                  <a:srgbClr val="CC7832"/>
+                </a:solidFill>
+                <a:latin typeface="Courier New" panose="02070309020205020404" pitchFamily="49" charset="0"/>
+                <a:cs typeface="Courier New" panose="02070309020205020404" pitchFamily="49" charset="0"/>
+              </a:rPr>
+            </a:br>
+            <a:r>
+              <a:rPr kumimoji="0" lang="uk-UA" altLang="uk-UA" sz="1200" b="1" i="0" u="none" strike="noStrike" cap="none" normalizeH="0" baseline="0" dirty="0" err="1">
+                <a:ln>
+                  <a:noFill/>
+                </a:ln>
+                <a:solidFill>
+                  <a:srgbClr val="A9B7C6"/>
+                </a:solidFill>
+                <a:latin typeface="Courier New" panose="02070309020205020404" pitchFamily="49" charset="0"/>
+                <a:cs typeface="Courier New" panose="02070309020205020404" pitchFamily="49" charset="0"/>
+              </a:rPr>
+              <a:t>Scanner</a:t>
+            </a:r>
+            <a:r>
+              <a:rPr kumimoji="0" lang="uk-UA" altLang="uk-UA" sz="1200" b="1" i="0" u="none" strike="noStrike" cap="none" normalizeH="0" baseline="0" dirty="0">
+                <a:ln>
+                  <a:noFill/>
+                </a:ln>
+                <a:solidFill>
+                  <a:srgbClr val="A9B7C6"/>
+                </a:solidFill>
+                <a:latin typeface="Courier New" panose="02070309020205020404" pitchFamily="49" charset="0"/>
+                <a:cs typeface="Courier New" panose="02070309020205020404" pitchFamily="49" charset="0"/>
+              </a:rPr>
+              <a:t> </a:t>
+            </a:r>
+            <a:r>
+              <a:rPr kumimoji="0" lang="uk-UA" altLang="uk-UA" sz="1200" b="1" i="0" u="none" strike="noStrike" cap="none" normalizeH="0" baseline="0" dirty="0" err="1">
+                <a:ln>
+                  <a:noFill/>
+                </a:ln>
+                <a:solidFill>
+                  <a:srgbClr val="A9B7C6"/>
+                </a:solidFill>
+                <a:latin typeface="Courier New" panose="02070309020205020404" pitchFamily="49" charset="0"/>
+                <a:cs typeface="Courier New" panose="02070309020205020404" pitchFamily="49" charset="0"/>
+              </a:rPr>
+              <a:t>sc</a:t>
+            </a:r>
+            <a:r>
+              <a:rPr kumimoji="0" lang="uk-UA" altLang="uk-UA" sz="1200" b="1" i="0" u="none" strike="noStrike" cap="none" normalizeH="0" baseline="0" dirty="0">
+                <a:ln>
+                  <a:noFill/>
+                </a:ln>
+                <a:solidFill>
+                  <a:srgbClr val="A9B7C6"/>
+                </a:solidFill>
+                <a:latin typeface="Courier New" panose="02070309020205020404" pitchFamily="49" charset="0"/>
+                <a:cs typeface="Courier New" panose="02070309020205020404" pitchFamily="49" charset="0"/>
+              </a:rPr>
+              <a:t> = </a:t>
+            </a:r>
+            <a:r>
+              <a:rPr kumimoji="0" lang="uk-UA" altLang="uk-UA" sz="1200" b="1" i="0" u="none" strike="noStrike" cap="none" normalizeH="0" baseline="0" dirty="0" err="1">
+                <a:ln>
+                  <a:noFill/>
+                </a:ln>
+                <a:solidFill>
+                  <a:srgbClr val="CC7832"/>
+                </a:solidFill>
+                <a:latin typeface="Courier New" panose="02070309020205020404" pitchFamily="49" charset="0"/>
+                <a:cs typeface="Courier New" panose="02070309020205020404" pitchFamily="49" charset="0"/>
+              </a:rPr>
+              <a:t>new</a:t>
+            </a:r>
+            <a:r>
+              <a:rPr kumimoji="0" lang="uk-UA" altLang="uk-UA" sz="1200" b="1" i="0" u="none" strike="noStrike" cap="none" normalizeH="0" baseline="0" dirty="0">
+                <a:ln>
+                  <a:noFill/>
+                </a:ln>
+                <a:solidFill>
+                  <a:srgbClr val="CC7832"/>
+                </a:solidFill>
+                <a:latin typeface="Courier New" panose="02070309020205020404" pitchFamily="49" charset="0"/>
+                <a:cs typeface="Courier New" panose="02070309020205020404" pitchFamily="49" charset="0"/>
+              </a:rPr>
+              <a:t> </a:t>
+            </a:r>
+            <a:r>
+              <a:rPr kumimoji="0" lang="uk-UA" altLang="uk-UA" sz="1200" b="1" i="0" u="none" strike="noStrike" cap="none" normalizeH="0" baseline="0" dirty="0" err="1">
+                <a:ln>
+                  <a:noFill/>
+                </a:ln>
+                <a:solidFill>
+                  <a:srgbClr val="A9B7C6"/>
+                </a:solidFill>
+                <a:latin typeface="Courier New" panose="02070309020205020404" pitchFamily="49" charset="0"/>
+                <a:cs typeface="Courier New" panose="02070309020205020404" pitchFamily="49" charset="0"/>
+              </a:rPr>
+              <a:t>Scanner</a:t>
+            </a:r>
+            <a:r>
+              <a:rPr kumimoji="0" lang="uk-UA" altLang="uk-UA" sz="1200" b="1" i="0" u="none" strike="noStrike" cap="none" normalizeH="0" baseline="0" dirty="0">
+                <a:ln>
+                  <a:noFill/>
+                </a:ln>
+                <a:solidFill>
+                  <a:srgbClr val="A9B7C6"/>
+                </a:solidFill>
+                <a:latin typeface="Courier New" panose="02070309020205020404" pitchFamily="49" charset="0"/>
+                <a:cs typeface="Courier New" panose="02070309020205020404" pitchFamily="49" charset="0"/>
+              </a:rPr>
+              <a:t>(</a:t>
+            </a:r>
+            <a:r>
+              <a:rPr kumimoji="0" lang="uk-UA" altLang="uk-UA" sz="1200" b="1" i="0" u="none" strike="noStrike" cap="none" normalizeH="0" baseline="0" dirty="0" err="1">
+                <a:ln>
+                  <a:noFill/>
+                </a:ln>
+                <a:solidFill>
+                  <a:srgbClr val="A9B7C6"/>
+                </a:solidFill>
+                <a:latin typeface="Courier New" panose="02070309020205020404" pitchFamily="49" charset="0"/>
+                <a:cs typeface="Courier New" panose="02070309020205020404" pitchFamily="49" charset="0"/>
+              </a:rPr>
+              <a:t>string</a:t>
+            </a:r>
+            <a:r>
+              <a:rPr kumimoji="0" lang="uk-UA" altLang="uk-UA" sz="1200" b="1" i="0" u="none" strike="noStrike" cap="none" normalizeH="0" baseline="0" dirty="0">
+                <a:ln>
+                  <a:noFill/>
+                </a:ln>
+                <a:solidFill>
+                  <a:srgbClr val="A9B7C6"/>
+                </a:solidFill>
+                <a:latin typeface="Courier New" panose="02070309020205020404" pitchFamily="49" charset="0"/>
+                <a:cs typeface="Courier New" panose="02070309020205020404" pitchFamily="49" charset="0"/>
+              </a:rPr>
+              <a:t>)</a:t>
+            </a:r>
+            <a:r>
+              <a:rPr kumimoji="0" lang="uk-UA" altLang="uk-UA" sz="1200" b="1" i="0" u="none" strike="noStrike" cap="none" normalizeH="0" baseline="0" dirty="0">
+                <a:ln>
+                  <a:noFill/>
+                </a:ln>
+                <a:solidFill>
+                  <a:srgbClr val="CC7832"/>
+                </a:solidFill>
+                <a:latin typeface="Courier New" panose="02070309020205020404" pitchFamily="49" charset="0"/>
+                <a:cs typeface="Courier New" panose="02070309020205020404" pitchFamily="49" charset="0"/>
+              </a:rPr>
+              <a:t>;</a:t>
+            </a:r>
+            <a:br>
+              <a:rPr kumimoji="0" lang="uk-UA" altLang="uk-UA" sz="1200" b="1" i="0" u="none" strike="noStrike" cap="none" normalizeH="0" baseline="0" dirty="0">
+                <a:ln>
+                  <a:noFill/>
+                </a:ln>
+                <a:solidFill>
+                  <a:srgbClr val="CC7832"/>
+                </a:solidFill>
+                <a:latin typeface="Courier New" panose="02070309020205020404" pitchFamily="49" charset="0"/>
+                <a:cs typeface="Courier New" panose="02070309020205020404" pitchFamily="49" charset="0"/>
+              </a:rPr>
+            </a:br>
+            <a:r>
+              <a:rPr kumimoji="0" lang="uk-UA" altLang="uk-UA" sz="1200" b="1" i="0" u="none" strike="noStrike" cap="none" normalizeH="0" baseline="0" dirty="0" err="1">
+                <a:ln>
+                  <a:noFill/>
+                </a:ln>
+                <a:solidFill>
+                  <a:srgbClr val="A9B7C6"/>
+                </a:solidFill>
+                <a:latin typeface="Courier New" panose="02070309020205020404" pitchFamily="49" charset="0"/>
+                <a:cs typeface="Courier New" panose="02070309020205020404" pitchFamily="49" charset="0"/>
+              </a:rPr>
+              <a:t>sc.useDelimiter</a:t>
+            </a:r>
+            <a:r>
+              <a:rPr kumimoji="0" lang="uk-UA" altLang="uk-UA" sz="1200" b="1" i="0" u="none" strike="noStrike" cap="none" normalizeH="0" baseline="0" dirty="0">
+                <a:ln>
+                  <a:noFill/>
+                </a:ln>
+                <a:solidFill>
+                  <a:srgbClr val="A9B7C6"/>
+                </a:solidFill>
+                <a:latin typeface="Courier New" panose="02070309020205020404" pitchFamily="49" charset="0"/>
+                <a:cs typeface="Courier New" panose="02070309020205020404" pitchFamily="49" charset="0"/>
+              </a:rPr>
+              <a:t>(</a:t>
+            </a:r>
+            <a:r>
+              <a:rPr kumimoji="0" lang="uk-UA" altLang="uk-UA" sz="1200" b="1" i="0" u="none" strike="noStrike" cap="none" normalizeH="0" baseline="0" dirty="0">
+                <a:ln>
+                  <a:noFill/>
+                </a:ln>
+                <a:solidFill>
+                  <a:srgbClr val="6A8759"/>
+                </a:solidFill>
+                <a:latin typeface="Courier New" panose="02070309020205020404" pitchFamily="49" charset="0"/>
+                <a:cs typeface="Courier New" panose="02070309020205020404" pitchFamily="49" charset="0"/>
+              </a:rPr>
+              <a:t>"</a:t>
+            </a:r>
+            <a:r>
+              <a:rPr kumimoji="0" lang="uk-UA" altLang="uk-UA" sz="1200" b="1" i="0" u="none" strike="noStrike" cap="none" normalizeH="0" baseline="0" dirty="0">
+                <a:ln>
+                  <a:noFill/>
+                </a:ln>
+                <a:solidFill>
+                  <a:srgbClr val="CC7832"/>
+                </a:solidFill>
+                <a:latin typeface="Courier New" panose="02070309020205020404" pitchFamily="49" charset="0"/>
+                <a:cs typeface="Courier New" panose="02070309020205020404" pitchFamily="49" charset="0"/>
+              </a:rPr>
+              <a:t>\\</a:t>
+            </a:r>
+            <a:r>
+              <a:rPr kumimoji="0" lang="uk-UA" altLang="uk-UA" sz="1200" b="1" i="0" u="none" strike="noStrike" cap="none" normalizeH="0" baseline="0" dirty="0">
+                <a:ln>
+                  <a:noFill/>
+                </a:ln>
+                <a:solidFill>
+                  <a:srgbClr val="6A8759"/>
+                </a:solidFill>
+                <a:latin typeface="Courier New" panose="02070309020205020404" pitchFamily="49" charset="0"/>
+                <a:cs typeface="Courier New" panose="02070309020205020404" pitchFamily="49" charset="0"/>
+              </a:rPr>
+              <a:t>s*as</a:t>
+            </a:r>
+            <a:r>
+              <a:rPr kumimoji="0" lang="uk-UA" altLang="uk-UA" sz="1200" b="1" i="0" u="none" strike="noStrike" cap="none" normalizeH="0" baseline="0" dirty="0">
+                <a:ln>
+                  <a:noFill/>
+                </a:ln>
+                <a:solidFill>
+                  <a:srgbClr val="CC7832"/>
+                </a:solidFill>
+                <a:latin typeface="Courier New" panose="02070309020205020404" pitchFamily="49" charset="0"/>
+                <a:cs typeface="Courier New" panose="02070309020205020404" pitchFamily="49" charset="0"/>
+              </a:rPr>
+              <a:t>\\</a:t>
+            </a:r>
+            <a:r>
+              <a:rPr kumimoji="0" lang="uk-UA" altLang="uk-UA" sz="1200" b="1" i="0" u="none" strike="noStrike" cap="none" normalizeH="0" baseline="0" dirty="0">
+                <a:ln>
+                  <a:noFill/>
+                </a:ln>
+                <a:solidFill>
+                  <a:srgbClr val="6A8759"/>
+                </a:solidFill>
+                <a:latin typeface="Courier New" panose="02070309020205020404" pitchFamily="49" charset="0"/>
+                <a:cs typeface="Courier New" panose="02070309020205020404" pitchFamily="49" charset="0"/>
+              </a:rPr>
+              <a:t>s*"</a:t>
+            </a:r>
+            <a:r>
+              <a:rPr kumimoji="0" lang="uk-UA" altLang="uk-UA" sz="1200" b="1" i="0" u="none" strike="noStrike" cap="none" normalizeH="0" baseline="0" dirty="0">
+                <a:ln>
+                  <a:noFill/>
+                </a:ln>
+                <a:solidFill>
+                  <a:srgbClr val="A9B7C6"/>
+                </a:solidFill>
+                <a:latin typeface="Courier New" panose="02070309020205020404" pitchFamily="49" charset="0"/>
+                <a:cs typeface="Courier New" panose="02070309020205020404" pitchFamily="49" charset="0"/>
+              </a:rPr>
+              <a:t>)</a:t>
+            </a:r>
+            <a:r>
+              <a:rPr kumimoji="0" lang="uk-UA" altLang="uk-UA" sz="1200" b="1" i="0" u="none" strike="noStrike" cap="none" normalizeH="0" baseline="0" dirty="0">
+                <a:ln>
+                  <a:noFill/>
+                </a:ln>
+                <a:solidFill>
+                  <a:srgbClr val="CC7832"/>
+                </a:solidFill>
+                <a:latin typeface="Courier New" panose="02070309020205020404" pitchFamily="49" charset="0"/>
+                <a:cs typeface="Courier New" panose="02070309020205020404" pitchFamily="49" charset="0"/>
+              </a:rPr>
+              <a:t>;</a:t>
+            </a:r>
+            <a:br>
+              <a:rPr kumimoji="0" lang="uk-UA" altLang="uk-UA" sz="1200" b="1" i="0" u="none" strike="noStrike" cap="none" normalizeH="0" baseline="0" dirty="0">
+                <a:ln>
+                  <a:noFill/>
+                </a:ln>
+                <a:solidFill>
+                  <a:srgbClr val="CC7832"/>
+                </a:solidFill>
+                <a:latin typeface="Courier New" panose="02070309020205020404" pitchFamily="49" charset="0"/>
+                <a:cs typeface="Courier New" panose="02070309020205020404" pitchFamily="49" charset="0"/>
+              </a:rPr>
+            </a:br>
+            <a:r>
+              <a:rPr kumimoji="0" lang="uk-UA" altLang="uk-UA" sz="1200" b="1" i="0" u="none" strike="noStrike" cap="none" normalizeH="0" baseline="0" dirty="0" err="1">
+                <a:ln>
+                  <a:noFill/>
+                </a:ln>
+                <a:solidFill>
+                  <a:srgbClr val="CC7832"/>
+                </a:solidFill>
+                <a:latin typeface="Courier New" panose="02070309020205020404" pitchFamily="49" charset="0"/>
+                <a:cs typeface="Courier New" panose="02070309020205020404" pitchFamily="49" charset="0"/>
+              </a:rPr>
+              <a:t>while</a:t>
+            </a:r>
+            <a:r>
+              <a:rPr kumimoji="0" lang="uk-UA" altLang="uk-UA" sz="1200" b="1" i="0" u="none" strike="noStrike" cap="none" normalizeH="0" baseline="0" dirty="0">
+                <a:ln>
+                  <a:noFill/>
+                </a:ln>
+                <a:solidFill>
+                  <a:srgbClr val="CC7832"/>
+                </a:solidFill>
+                <a:latin typeface="Courier New" panose="02070309020205020404" pitchFamily="49" charset="0"/>
+                <a:cs typeface="Courier New" panose="02070309020205020404" pitchFamily="49" charset="0"/>
+              </a:rPr>
+              <a:t> </a:t>
+            </a:r>
+            <a:r>
+              <a:rPr kumimoji="0" lang="uk-UA" altLang="uk-UA" sz="1200" b="1" i="0" u="none" strike="noStrike" cap="none" normalizeH="0" baseline="0" dirty="0">
+                <a:ln>
+                  <a:noFill/>
+                </a:ln>
+                <a:solidFill>
+                  <a:srgbClr val="A9B7C6"/>
+                </a:solidFill>
+                <a:latin typeface="Courier New" panose="02070309020205020404" pitchFamily="49" charset="0"/>
+                <a:cs typeface="Courier New" panose="02070309020205020404" pitchFamily="49" charset="0"/>
+              </a:rPr>
+              <a:t>(</a:t>
+            </a:r>
+            <a:r>
+              <a:rPr kumimoji="0" lang="uk-UA" altLang="uk-UA" sz="1200" b="1" i="0" u="none" strike="noStrike" cap="none" normalizeH="0" baseline="0" dirty="0" err="1">
+                <a:ln>
+                  <a:noFill/>
+                </a:ln>
+                <a:solidFill>
+                  <a:srgbClr val="A9B7C6"/>
+                </a:solidFill>
+                <a:latin typeface="Courier New" panose="02070309020205020404" pitchFamily="49" charset="0"/>
+                <a:cs typeface="Courier New" panose="02070309020205020404" pitchFamily="49" charset="0"/>
+              </a:rPr>
+              <a:t>sc.hasNext</a:t>
+            </a:r>
+            <a:r>
+              <a:rPr kumimoji="0" lang="uk-UA" altLang="uk-UA" sz="1200" b="1" i="0" u="none" strike="noStrike" cap="none" normalizeH="0" baseline="0" dirty="0">
+                <a:ln>
+                  <a:noFill/>
+                </a:ln>
+                <a:solidFill>
+                  <a:srgbClr val="A9B7C6"/>
+                </a:solidFill>
+                <a:latin typeface="Courier New" panose="02070309020205020404" pitchFamily="49" charset="0"/>
+                <a:cs typeface="Courier New" panose="02070309020205020404" pitchFamily="49" charset="0"/>
+              </a:rPr>
+              <a:t>())</a:t>
+            </a:r>
+            <a:br>
+              <a:rPr kumimoji="0" lang="uk-UA" altLang="uk-UA" sz="1200" b="1" i="0" u="none" strike="noStrike" cap="none" normalizeH="0" baseline="0" dirty="0">
+                <a:ln>
+                  <a:noFill/>
+                </a:ln>
+                <a:solidFill>
+                  <a:srgbClr val="A9B7C6"/>
+                </a:solidFill>
+                <a:latin typeface="Courier New" panose="02070309020205020404" pitchFamily="49" charset="0"/>
+                <a:cs typeface="Courier New" panose="02070309020205020404" pitchFamily="49" charset="0"/>
+              </a:rPr>
+            </a:br>
+            <a:r>
+              <a:rPr kumimoji="0" lang="uk-UA" altLang="uk-UA" sz="1200" b="1" i="0" u="none" strike="noStrike" cap="none" normalizeH="0" baseline="0" dirty="0">
+                <a:ln>
+                  <a:noFill/>
+                </a:ln>
+                <a:solidFill>
+                  <a:srgbClr val="A9B7C6"/>
+                </a:solidFill>
+                <a:latin typeface="Courier New" panose="02070309020205020404" pitchFamily="49" charset="0"/>
+                <a:cs typeface="Courier New" panose="02070309020205020404" pitchFamily="49" charset="0"/>
+              </a:rPr>
+              <a:t>    </a:t>
+            </a:r>
+            <a:r>
+              <a:rPr kumimoji="0" lang="uk-UA" altLang="uk-UA" sz="1200" b="1" i="0" u="none" strike="noStrike" cap="none" normalizeH="0" baseline="0" dirty="0" err="1">
+                <a:ln>
+                  <a:noFill/>
+                </a:ln>
+                <a:solidFill>
+                  <a:srgbClr val="A9B7C6"/>
+                </a:solidFill>
+                <a:latin typeface="Courier New" panose="02070309020205020404" pitchFamily="49" charset="0"/>
+                <a:cs typeface="Courier New" panose="02070309020205020404" pitchFamily="49" charset="0"/>
+              </a:rPr>
+              <a:t>System.</a:t>
+            </a:r>
+            <a:r>
+              <a:rPr kumimoji="0" lang="uk-UA" altLang="uk-UA" sz="1200" b="1" i="1" u="none" strike="noStrike" cap="none" normalizeH="0" baseline="0" dirty="0" err="1">
+                <a:ln>
+                  <a:noFill/>
+                </a:ln>
+                <a:solidFill>
+                  <a:srgbClr val="9876AA"/>
+                </a:solidFill>
+                <a:latin typeface="Courier New" panose="02070309020205020404" pitchFamily="49" charset="0"/>
+                <a:cs typeface="Courier New" panose="02070309020205020404" pitchFamily="49" charset="0"/>
+              </a:rPr>
+              <a:t>out</a:t>
+            </a:r>
+            <a:r>
+              <a:rPr kumimoji="0" lang="uk-UA" altLang="uk-UA" sz="1200" b="1" i="0" u="none" strike="noStrike" cap="none" normalizeH="0" baseline="0" dirty="0" err="1">
+                <a:ln>
+                  <a:noFill/>
+                </a:ln>
+                <a:solidFill>
+                  <a:srgbClr val="A9B7C6"/>
+                </a:solidFill>
+                <a:latin typeface="Courier New" panose="02070309020205020404" pitchFamily="49" charset="0"/>
+                <a:cs typeface="Courier New" panose="02070309020205020404" pitchFamily="49" charset="0"/>
+              </a:rPr>
+              <a:t>.println</a:t>
+            </a:r>
+            <a:r>
+              <a:rPr kumimoji="0" lang="uk-UA" altLang="uk-UA" sz="1200" b="1" i="0" u="none" strike="noStrike" cap="none" normalizeH="0" baseline="0" dirty="0">
+                <a:ln>
+                  <a:noFill/>
+                </a:ln>
+                <a:solidFill>
+                  <a:srgbClr val="A9B7C6"/>
+                </a:solidFill>
+                <a:latin typeface="Courier New" panose="02070309020205020404" pitchFamily="49" charset="0"/>
+                <a:cs typeface="Courier New" panose="02070309020205020404" pitchFamily="49" charset="0"/>
+              </a:rPr>
+              <a:t>(</a:t>
+            </a:r>
+            <a:r>
+              <a:rPr kumimoji="0" lang="uk-UA" altLang="uk-UA" sz="1200" b="1" i="0" u="none" strike="noStrike" cap="none" normalizeH="0" baseline="0" dirty="0" err="1">
+                <a:ln>
+                  <a:noFill/>
+                </a:ln>
+                <a:solidFill>
+                  <a:srgbClr val="A9B7C6"/>
+                </a:solidFill>
+                <a:latin typeface="Courier New" panose="02070309020205020404" pitchFamily="49" charset="0"/>
+                <a:cs typeface="Courier New" panose="02070309020205020404" pitchFamily="49" charset="0"/>
+              </a:rPr>
+              <a:t>sc.next</a:t>
+            </a:r>
+            <a:r>
+              <a:rPr kumimoji="0" lang="uk-UA" altLang="uk-UA" sz="1200" b="1" i="0" u="none" strike="noStrike" cap="none" normalizeH="0" baseline="0" dirty="0">
+                <a:ln>
+                  <a:noFill/>
+                </a:ln>
+                <a:solidFill>
+                  <a:srgbClr val="A9B7C6"/>
+                </a:solidFill>
+                <a:latin typeface="Courier New" panose="02070309020205020404" pitchFamily="49" charset="0"/>
+                <a:cs typeface="Courier New" panose="02070309020205020404" pitchFamily="49" charset="0"/>
+              </a:rPr>
+              <a:t>())</a:t>
+            </a:r>
+            <a:r>
+              <a:rPr kumimoji="0" lang="uk-UA" altLang="uk-UA" sz="1200" b="1" i="0" u="none" strike="noStrike" cap="none" normalizeH="0" baseline="0" dirty="0">
+                <a:ln>
+                  <a:noFill/>
+                </a:ln>
+                <a:solidFill>
+                  <a:srgbClr val="CC7832"/>
+                </a:solidFill>
+                <a:latin typeface="Courier New" panose="02070309020205020404" pitchFamily="49" charset="0"/>
+                <a:cs typeface="Courier New" panose="02070309020205020404" pitchFamily="49" charset="0"/>
+              </a:rPr>
+              <a:t>;</a:t>
+            </a:r>
+            <a:br>
+              <a:rPr kumimoji="0" lang="uk-UA" altLang="uk-UA" sz="1200" b="1" i="0" u="none" strike="noStrike" cap="none" normalizeH="0" baseline="0" dirty="0">
+                <a:ln>
+                  <a:noFill/>
+                </a:ln>
+                <a:solidFill>
+                  <a:srgbClr val="CC7832"/>
+                </a:solidFill>
+                <a:latin typeface="Courier New" panose="02070309020205020404" pitchFamily="49" charset="0"/>
+                <a:cs typeface="Courier New" panose="02070309020205020404" pitchFamily="49" charset="0"/>
+              </a:rPr>
+            </a:br>
+            <a:r>
+              <a:rPr kumimoji="0" lang="uk-UA" altLang="uk-UA" sz="1200" b="1" i="0" u="none" strike="noStrike" cap="none" normalizeH="0" baseline="0" dirty="0" err="1">
+                <a:ln>
+                  <a:noFill/>
+                </a:ln>
+                <a:solidFill>
+                  <a:srgbClr val="A9B7C6"/>
+                </a:solidFill>
+                <a:latin typeface="Courier New" panose="02070309020205020404" pitchFamily="49" charset="0"/>
+                <a:cs typeface="Courier New" panose="02070309020205020404" pitchFamily="49" charset="0"/>
+              </a:rPr>
+              <a:t>sc.close</a:t>
+            </a:r>
+            <a:r>
+              <a:rPr kumimoji="0" lang="uk-UA" altLang="uk-UA" sz="1200" b="1" i="0" u="none" strike="noStrike" cap="none" normalizeH="0" baseline="0" dirty="0">
+                <a:ln>
+                  <a:noFill/>
+                </a:ln>
+                <a:solidFill>
+                  <a:srgbClr val="A9B7C6"/>
+                </a:solidFill>
+                <a:latin typeface="Courier New" panose="02070309020205020404" pitchFamily="49" charset="0"/>
+                <a:cs typeface="Courier New" panose="02070309020205020404" pitchFamily="49" charset="0"/>
+              </a:rPr>
+              <a:t>()</a:t>
+            </a:r>
+            <a:r>
+              <a:rPr kumimoji="0" lang="uk-UA" altLang="uk-UA" sz="1200" b="1" i="0" u="none" strike="noStrike" cap="none" normalizeH="0" baseline="0" dirty="0">
+                <a:ln>
+                  <a:noFill/>
+                </a:ln>
+                <a:solidFill>
+                  <a:srgbClr val="CC7832"/>
+                </a:solidFill>
+                <a:latin typeface="Courier New" panose="02070309020205020404" pitchFamily="49" charset="0"/>
+                <a:cs typeface="Courier New" panose="02070309020205020404" pitchFamily="49" charset="0"/>
+              </a:rPr>
+              <a:t>;</a:t>
+            </a:r>
+            <a:endParaRPr kumimoji="0" lang="uk-UA" altLang="uk-UA" sz="1200" b="1" i="0" u="none" strike="noStrike" cap="none" normalizeH="0" baseline="0" dirty="0">
+              <a:ln>
+                <a:noFill/>
+              </a:ln>
+              <a:solidFill>
+                <a:schemeClr val="tx1"/>
+              </a:solidFill>
+              <a:latin typeface="Courier New" panose="02070309020205020404" pitchFamily="49" charset="0"/>
+              <a:cs typeface="Courier New" panose="02070309020205020404" pitchFamily="49" charset="0"/>
+            </a:endParaRPr>
+          </a:p>
+        </p:txBody>
+      </p:sp>
+      <p:pic>
+        <p:nvPicPr>
+          <p:cNvPr id="10" name="Рисунок 9">
+            <a:extLst>
+              <a:ext uri="{FF2B5EF4-FFF2-40B4-BE49-F238E27FC236}">
+                <a16:creationId xmlns:a16="http://schemas.microsoft.com/office/drawing/2014/main" id="{D3D33262-50EC-4E65-BE2A-5D9F0A453E8A}"/>
+              </a:ext>
+            </a:extLst>
+          </p:cNvPr>
+          <p:cNvPicPr>
+            <a:picLocks noChangeAspect="1"/>
+          </p:cNvPicPr>
+          <p:nvPr/>
+        </p:nvPicPr>
+        <p:blipFill>
+          <a:blip r:embed="rId4"/>
+          <a:stretch>
+            <a:fillRect/>
+          </a:stretch>
+        </p:blipFill>
+        <p:spPr>
+          <a:xfrm>
+            <a:off x="8129587" y="5016312"/>
+            <a:ext cx="885825" cy="1257300"/>
+          </a:xfrm>
+          <a:prstGeom prst="rect">
+            <a:avLst/>
+          </a:prstGeom>
+        </p:spPr>
+      </p:pic>
+    </p:spTree>
+    <p:extLst>
+      <p:ext uri="{BB962C8B-B14F-4D97-AF65-F5344CB8AC3E}">
+        <p14:creationId xmlns:p14="http://schemas.microsoft.com/office/powerpoint/2010/main" val="2322014862"/>
+      </p:ext>
+    </p:extLst>
+  </p:cSld>
+  <p:clrMapOvr>
+    <a:masterClrMapping/>
+  </p:clrMapOvr>
+</p:sld>
+</file>
+
 <file path=ppt/slides/slide2.xml><?xml version="1.0" encoding="utf-8"?>
 <p:sld xmlns:a="http://schemas.openxmlformats.org/drawingml/2006/main" xmlns:r="http://schemas.openxmlformats.org/officeDocument/2006/relationships" xmlns:p="http://schemas.openxmlformats.org/presentationml/2006/main">
   <p:cSld>
@@ -7187,6 +13494,690 @@
     <p:extLst>
       <p:ext uri="{BB962C8B-B14F-4D97-AF65-F5344CB8AC3E}">
         <p14:creationId xmlns:p14="http://schemas.microsoft.com/office/powerpoint/2010/main" val="476010948"/>
+      </p:ext>
+    </p:extLst>
+  </p:cSld>
+  <p:clrMapOvr>
+    <a:masterClrMapping/>
+  </p:clrMapOvr>
+</p:sld>
+</file>
+
+<file path=ppt/slides/slide9.xml><?xml version="1.0" encoding="utf-8"?>
+<p:sld xmlns:a="http://schemas.openxmlformats.org/drawingml/2006/main" xmlns:r="http://schemas.openxmlformats.org/officeDocument/2006/relationships" xmlns:p="http://schemas.openxmlformats.org/presentationml/2006/main">
+  <p:cSld>
+    <p:spTree>
+      <p:nvGrpSpPr>
+        <p:cNvPr id="1" name=""/>
+        <p:cNvGrpSpPr/>
+        <p:nvPr/>
+      </p:nvGrpSpPr>
+      <p:grpSpPr>
+        <a:xfrm>
+          <a:off x="0" y="0"/>
+          <a:ext cx="0" cy="0"/>
+          <a:chOff x="0" y="0"/>
+          <a:chExt cx="0" cy="0"/>
+        </a:xfrm>
+      </p:grpSpPr>
+      <p:sp>
+        <p:nvSpPr>
+          <p:cNvPr id="2" name="TextBox 1">
+            <a:extLst>
+              <a:ext uri="{FF2B5EF4-FFF2-40B4-BE49-F238E27FC236}">
+                <a16:creationId xmlns:a16="http://schemas.microsoft.com/office/drawing/2014/main" id="{C81C3C46-C2EB-455E-86F3-D4A5174512B0}"/>
+              </a:ext>
+            </a:extLst>
+          </p:cNvPr>
+          <p:cNvSpPr txBox="1"/>
+          <p:nvPr/>
+        </p:nvSpPr>
+        <p:spPr>
+          <a:xfrm>
+            <a:off x="581321" y="3429000"/>
+            <a:ext cx="6315958" cy="2862322"/>
+          </a:xfrm>
+          <a:prstGeom prst="rect">
+            <a:avLst/>
+          </a:prstGeom>
+          <a:noFill/>
+        </p:spPr>
+        <p:txBody>
+          <a:bodyPr wrap="square" rtlCol="0">
+            <a:spAutoFit/>
+          </a:bodyPr>
+          <a:lstStyle/>
+          <a:p>
+            <a:r>
+              <a:rPr lang="en-US" sz="2000" b="1" i="0" dirty="0">
+                <a:solidFill>
+                  <a:srgbClr val="000080"/>
+                </a:solidFill>
+                <a:effectLst/>
+                <a:latin typeface="Courier New" panose="02070309020205020404" pitchFamily="49" charset="0"/>
+                <a:cs typeface="Courier New" panose="02070309020205020404" pitchFamily="49" charset="0"/>
+              </a:rPr>
+              <a:t>public</a:t>
+            </a:r>
+            <a:r>
+              <a:rPr lang="en-US" sz="2000" b="0" i="0" dirty="0">
+                <a:solidFill>
+                  <a:srgbClr val="000000"/>
+                </a:solidFill>
+                <a:effectLst/>
+                <a:latin typeface="Courier New" panose="02070309020205020404" pitchFamily="49" charset="0"/>
+                <a:cs typeface="Courier New" panose="02070309020205020404" pitchFamily="49" charset="0"/>
+              </a:rPr>
+              <a:t> </a:t>
+            </a:r>
+            <a:r>
+              <a:rPr lang="en-US" sz="2000" b="1" i="0" dirty="0">
+                <a:solidFill>
+                  <a:srgbClr val="000080"/>
+                </a:solidFill>
+                <a:effectLst/>
+                <a:latin typeface="Courier New" panose="02070309020205020404" pitchFamily="49" charset="0"/>
+                <a:cs typeface="Courier New" panose="02070309020205020404" pitchFamily="49" charset="0"/>
+              </a:rPr>
+              <a:t>class</a:t>
+            </a:r>
+            <a:r>
+              <a:rPr lang="en-US" sz="2000" b="0" i="0" dirty="0">
+                <a:solidFill>
+                  <a:srgbClr val="000000"/>
+                </a:solidFill>
+                <a:effectLst/>
+                <a:latin typeface="Courier New" panose="02070309020205020404" pitchFamily="49" charset="0"/>
+                <a:cs typeface="Courier New" panose="02070309020205020404" pitchFamily="49" charset="0"/>
+              </a:rPr>
+              <a:t> Main { </a:t>
+            </a:r>
+            <a:endParaRPr lang="ru-RU" sz="2000" b="0" i="0" dirty="0">
+              <a:solidFill>
+                <a:srgbClr val="000000"/>
+              </a:solidFill>
+              <a:effectLst/>
+              <a:latin typeface="Courier New" panose="02070309020205020404" pitchFamily="49" charset="0"/>
+              <a:cs typeface="Courier New" panose="02070309020205020404" pitchFamily="49" charset="0"/>
+            </a:endParaRPr>
+          </a:p>
+          <a:p>
+            <a:r>
+              <a:rPr lang="en-US" sz="2000" b="1" i="0" dirty="0">
+                <a:solidFill>
+                  <a:srgbClr val="000080"/>
+                </a:solidFill>
+                <a:effectLst/>
+                <a:latin typeface="Courier New" panose="02070309020205020404" pitchFamily="49" charset="0"/>
+                <a:cs typeface="Courier New" panose="02070309020205020404" pitchFamily="49" charset="0"/>
+              </a:rPr>
+              <a:t>public</a:t>
+            </a:r>
+            <a:r>
+              <a:rPr lang="en-US" sz="2000" b="0" i="0" dirty="0">
+                <a:solidFill>
+                  <a:srgbClr val="000000"/>
+                </a:solidFill>
+                <a:effectLst/>
+                <a:latin typeface="Courier New" panose="02070309020205020404" pitchFamily="49" charset="0"/>
+                <a:cs typeface="Courier New" panose="02070309020205020404" pitchFamily="49" charset="0"/>
+              </a:rPr>
+              <a:t> </a:t>
+            </a:r>
+            <a:r>
+              <a:rPr lang="en-US" sz="2000" b="1" i="0" dirty="0">
+                <a:solidFill>
+                  <a:srgbClr val="000080"/>
+                </a:solidFill>
+                <a:effectLst/>
+                <a:latin typeface="Courier New" panose="02070309020205020404" pitchFamily="49" charset="0"/>
+                <a:cs typeface="Courier New" panose="02070309020205020404" pitchFamily="49" charset="0"/>
+              </a:rPr>
+              <a:t>static</a:t>
+            </a:r>
+            <a:r>
+              <a:rPr lang="en-US" sz="2000" b="0" i="0" dirty="0">
+                <a:solidFill>
+                  <a:srgbClr val="000000"/>
+                </a:solidFill>
+                <a:effectLst/>
+                <a:latin typeface="Courier New" panose="02070309020205020404" pitchFamily="49" charset="0"/>
+                <a:cs typeface="Courier New" panose="02070309020205020404" pitchFamily="49" charset="0"/>
+              </a:rPr>
+              <a:t> </a:t>
+            </a:r>
+            <a:r>
+              <a:rPr lang="en-US" sz="2000" b="1" i="0" dirty="0">
+                <a:solidFill>
+                  <a:srgbClr val="000080"/>
+                </a:solidFill>
+                <a:effectLst/>
+                <a:latin typeface="Courier New" panose="02070309020205020404" pitchFamily="49" charset="0"/>
+                <a:cs typeface="Courier New" panose="02070309020205020404" pitchFamily="49" charset="0"/>
+              </a:rPr>
+              <a:t>void</a:t>
+            </a:r>
+            <a:r>
+              <a:rPr lang="en-US" sz="2000" b="0" i="0" dirty="0">
+                <a:solidFill>
+                  <a:srgbClr val="000000"/>
+                </a:solidFill>
+                <a:effectLst/>
+                <a:latin typeface="Courier New" panose="02070309020205020404" pitchFamily="49" charset="0"/>
+                <a:cs typeface="Courier New" panose="02070309020205020404" pitchFamily="49" charset="0"/>
+              </a:rPr>
+              <a:t> </a:t>
+            </a:r>
+            <a:r>
+              <a:rPr lang="en-US" sz="2000" b="0" i="0" dirty="0">
+                <a:solidFill>
+                  <a:srgbClr val="900606"/>
+                </a:solidFill>
+                <a:effectLst/>
+                <a:latin typeface="Courier New" panose="02070309020205020404" pitchFamily="49" charset="0"/>
+                <a:cs typeface="Courier New" panose="02070309020205020404" pitchFamily="49" charset="0"/>
+              </a:rPr>
+              <a:t>main</a:t>
+            </a:r>
+            <a:r>
+              <a:rPr lang="en-US" sz="2000" b="0" i="0" dirty="0">
+                <a:solidFill>
+                  <a:srgbClr val="000000"/>
+                </a:solidFill>
+                <a:effectLst/>
+                <a:latin typeface="Courier New" panose="02070309020205020404" pitchFamily="49" charset="0"/>
+                <a:cs typeface="Courier New" panose="02070309020205020404" pitchFamily="49" charset="0"/>
+              </a:rPr>
+              <a:t>(String[] </a:t>
+            </a:r>
+            <a:r>
+              <a:rPr lang="en-US" sz="2000" b="0" i="0" dirty="0" err="1">
+                <a:solidFill>
+                  <a:srgbClr val="000000"/>
+                </a:solidFill>
+                <a:effectLst/>
+                <a:latin typeface="Courier New" panose="02070309020205020404" pitchFamily="49" charset="0"/>
+                <a:cs typeface="Courier New" panose="02070309020205020404" pitchFamily="49" charset="0"/>
+              </a:rPr>
+              <a:t>args</a:t>
+            </a:r>
+            <a:r>
+              <a:rPr lang="en-US" sz="2000" b="0" i="0" dirty="0">
+                <a:solidFill>
+                  <a:srgbClr val="000000"/>
+                </a:solidFill>
+                <a:effectLst/>
+                <a:latin typeface="Courier New" panose="02070309020205020404" pitchFamily="49" charset="0"/>
+                <a:cs typeface="Courier New" panose="02070309020205020404" pitchFamily="49" charset="0"/>
+              </a:rPr>
+              <a:t>) { </a:t>
+            </a:r>
+            <a:endParaRPr lang="ru-RU" sz="2000" b="0" i="0" dirty="0">
+              <a:solidFill>
+                <a:srgbClr val="000000"/>
+              </a:solidFill>
+              <a:effectLst/>
+              <a:latin typeface="Courier New" panose="02070309020205020404" pitchFamily="49" charset="0"/>
+              <a:cs typeface="Courier New" panose="02070309020205020404" pitchFamily="49" charset="0"/>
+            </a:endParaRPr>
+          </a:p>
+          <a:p>
+            <a:r>
+              <a:rPr lang="en-US" sz="2000" b="0" i="0" dirty="0">
+                <a:solidFill>
+                  <a:srgbClr val="000000"/>
+                </a:solidFill>
+                <a:effectLst/>
+                <a:latin typeface="Courier New" panose="02070309020205020404" pitchFamily="49" charset="0"/>
+                <a:cs typeface="Courier New" panose="02070309020205020404" pitchFamily="49" charset="0"/>
+              </a:rPr>
+              <a:t>Scanner </a:t>
+            </a:r>
+            <a:r>
+              <a:rPr lang="en-US" sz="2000" b="0" i="0" dirty="0" err="1">
+                <a:solidFill>
+                  <a:srgbClr val="000000"/>
+                </a:solidFill>
+                <a:effectLst/>
+                <a:latin typeface="Courier New" panose="02070309020205020404" pitchFamily="49" charset="0"/>
+                <a:cs typeface="Courier New" panose="02070309020205020404" pitchFamily="49" charset="0"/>
+              </a:rPr>
+              <a:t>sc</a:t>
+            </a:r>
+            <a:r>
+              <a:rPr lang="en-US" sz="2000" b="0" i="0" dirty="0">
+                <a:solidFill>
+                  <a:srgbClr val="000000"/>
+                </a:solidFill>
+                <a:effectLst/>
+                <a:latin typeface="Courier New" panose="02070309020205020404" pitchFamily="49" charset="0"/>
+                <a:cs typeface="Courier New" panose="02070309020205020404" pitchFamily="49" charset="0"/>
+              </a:rPr>
+              <a:t> = </a:t>
+            </a:r>
+            <a:r>
+              <a:rPr lang="en-US" sz="2000" b="1" i="0" dirty="0">
+                <a:solidFill>
+                  <a:srgbClr val="000080"/>
+                </a:solidFill>
+                <a:effectLst/>
+                <a:latin typeface="Courier New" panose="02070309020205020404" pitchFamily="49" charset="0"/>
+                <a:cs typeface="Courier New" panose="02070309020205020404" pitchFamily="49" charset="0"/>
+              </a:rPr>
+              <a:t>new</a:t>
+            </a:r>
+            <a:r>
+              <a:rPr lang="en-US" sz="2000" b="0" i="0" dirty="0">
+                <a:solidFill>
+                  <a:srgbClr val="000000"/>
+                </a:solidFill>
+                <a:effectLst/>
+                <a:latin typeface="Courier New" panose="02070309020205020404" pitchFamily="49" charset="0"/>
+                <a:cs typeface="Courier New" panose="02070309020205020404" pitchFamily="49" charset="0"/>
+              </a:rPr>
+              <a:t> Scanner(System.in); </a:t>
+            </a:r>
+            <a:endParaRPr lang="ru-RU" sz="2000" b="0" i="0" dirty="0">
+              <a:solidFill>
+                <a:srgbClr val="000000"/>
+              </a:solidFill>
+              <a:effectLst/>
+              <a:latin typeface="Courier New" panose="02070309020205020404" pitchFamily="49" charset="0"/>
+              <a:cs typeface="Courier New" panose="02070309020205020404" pitchFamily="49" charset="0"/>
+            </a:endParaRPr>
+          </a:p>
+          <a:p>
+            <a:r>
+              <a:rPr lang="en-US" sz="2000" b="0" i="0" dirty="0" err="1">
+                <a:solidFill>
+                  <a:srgbClr val="000000"/>
+                </a:solidFill>
+                <a:effectLst/>
+                <a:latin typeface="Courier New" panose="02070309020205020404" pitchFamily="49" charset="0"/>
+                <a:cs typeface="Courier New" panose="02070309020205020404" pitchFamily="49" charset="0"/>
+              </a:rPr>
+              <a:t>System.out.</a:t>
+            </a:r>
+            <a:r>
+              <a:rPr lang="en-US" sz="2000" b="0" i="0" dirty="0" err="1">
+                <a:solidFill>
+                  <a:srgbClr val="900606"/>
+                </a:solidFill>
+                <a:effectLst/>
+                <a:latin typeface="Courier New" panose="02070309020205020404" pitchFamily="49" charset="0"/>
+                <a:cs typeface="Courier New" panose="02070309020205020404" pitchFamily="49" charset="0"/>
+              </a:rPr>
+              <a:t>println</a:t>
+            </a:r>
+            <a:r>
+              <a:rPr lang="en-US" sz="2000" b="0" i="0" dirty="0">
+                <a:solidFill>
+                  <a:srgbClr val="000000"/>
+                </a:solidFill>
+                <a:effectLst/>
+                <a:latin typeface="Courier New" panose="02070309020205020404" pitchFamily="49" charset="0"/>
+                <a:cs typeface="Courier New" panose="02070309020205020404" pitchFamily="49" charset="0"/>
+              </a:rPr>
+              <a:t>(</a:t>
+            </a:r>
+            <a:r>
+              <a:rPr lang="en-US" sz="2000" b="0" i="0" dirty="0">
+                <a:solidFill>
+                  <a:srgbClr val="008000"/>
+                </a:solidFill>
+                <a:effectLst/>
+                <a:latin typeface="Courier New" panose="02070309020205020404" pitchFamily="49" charset="0"/>
+                <a:cs typeface="Courier New" panose="02070309020205020404" pitchFamily="49" charset="0"/>
+              </a:rPr>
+              <a:t>"</a:t>
+            </a:r>
+            <a:r>
+              <a:rPr lang="uk-UA" sz="2000" b="0" i="0" dirty="0">
+                <a:solidFill>
+                  <a:srgbClr val="008000"/>
+                </a:solidFill>
+                <a:effectLst/>
+                <a:latin typeface="Courier New" panose="02070309020205020404" pitchFamily="49" charset="0"/>
+                <a:cs typeface="Courier New" panose="02070309020205020404" pitchFamily="49" charset="0"/>
+              </a:rPr>
+              <a:t>Введіть число:"</a:t>
+            </a:r>
+            <a:r>
+              <a:rPr lang="uk-UA" sz="2000" b="0" i="0" dirty="0">
+                <a:solidFill>
+                  <a:srgbClr val="000000"/>
+                </a:solidFill>
+                <a:effectLst/>
+                <a:latin typeface="Courier New" panose="02070309020205020404" pitchFamily="49" charset="0"/>
+                <a:cs typeface="Courier New" panose="02070309020205020404" pitchFamily="49" charset="0"/>
+              </a:rPr>
+              <a:t>); </a:t>
+            </a:r>
+          </a:p>
+          <a:p>
+            <a:r>
+              <a:rPr lang="en-US" sz="2000" b="1" i="0" dirty="0">
+                <a:solidFill>
+                  <a:srgbClr val="000080"/>
+                </a:solidFill>
+                <a:effectLst/>
+                <a:latin typeface="Courier New" panose="02070309020205020404" pitchFamily="49" charset="0"/>
+                <a:cs typeface="Courier New" panose="02070309020205020404" pitchFamily="49" charset="0"/>
+              </a:rPr>
+              <a:t>int</a:t>
+            </a:r>
+            <a:r>
+              <a:rPr lang="en-US" sz="2000" b="0" i="0" dirty="0">
+                <a:solidFill>
+                  <a:srgbClr val="000000"/>
+                </a:solidFill>
+                <a:effectLst/>
+                <a:latin typeface="Courier New" panose="02070309020205020404" pitchFamily="49" charset="0"/>
+                <a:cs typeface="Courier New" panose="02070309020205020404" pitchFamily="49" charset="0"/>
+              </a:rPr>
+              <a:t> number = </a:t>
+            </a:r>
+            <a:r>
+              <a:rPr lang="en-US" sz="2000" b="0" i="0" dirty="0" err="1">
+                <a:solidFill>
+                  <a:srgbClr val="000000"/>
+                </a:solidFill>
+                <a:effectLst/>
+                <a:latin typeface="Courier New" panose="02070309020205020404" pitchFamily="49" charset="0"/>
+                <a:cs typeface="Courier New" panose="02070309020205020404" pitchFamily="49" charset="0"/>
+              </a:rPr>
+              <a:t>sc.</a:t>
+            </a:r>
+            <a:r>
+              <a:rPr lang="en-US" sz="2000" b="0" i="0" dirty="0" err="1">
+                <a:solidFill>
+                  <a:srgbClr val="900606"/>
+                </a:solidFill>
+                <a:effectLst/>
+                <a:latin typeface="Courier New" panose="02070309020205020404" pitchFamily="49" charset="0"/>
+                <a:cs typeface="Courier New" panose="02070309020205020404" pitchFamily="49" charset="0"/>
+              </a:rPr>
+              <a:t>nextInt</a:t>
+            </a:r>
+            <a:r>
+              <a:rPr lang="en-US" sz="2000" b="0" i="0" dirty="0">
+                <a:solidFill>
+                  <a:srgbClr val="000000"/>
+                </a:solidFill>
+                <a:effectLst/>
+                <a:latin typeface="Courier New" panose="02070309020205020404" pitchFamily="49" charset="0"/>
+                <a:cs typeface="Courier New" panose="02070309020205020404" pitchFamily="49" charset="0"/>
+              </a:rPr>
+              <a:t>(); </a:t>
+            </a:r>
+            <a:endParaRPr lang="ru-RU" sz="2000" b="0" i="0" dirty="0">
+              <a:solidFill>
+                <a:srgbClr val="000000"/>
+              </a:solidFill>
+              <a:effectLst/>
+              <a:latin typeface="Courier New" panose="02070309020205020404" pitchFamily="49" charset="0"/>
+              <a:cs typeface="Courier New" panose="02070309020205020404" pitchFamily="49" charset="0"/>
+            </a:endParaRPr>
+          </a:p>
+          <a:p>
+            <a:r>
+              <a:rPr lang="en-US" sz="2000" b="0" i="0" dirty="0" err="1">
+                <a:solidFill>
+                  <a:srgbClr val="000000"/>
+                </a:solidFill>
+                <a:effectLst/>
+                <a:latin typeface="Courier New" panose="02070309020205020404" pitchFamily="49" charset="0"/>
+                <a:cs typeface="Courier New" panose="02070309020205020404" pitchFamily="49" charset="0"/>
+              </a:rPr>
+              <a:t>System.out.</a:t>
+            </a:r>
+            <a:r>
+              <a:rPr lang="en-US" sz="2000" b="0" i="0" dirty="0" err="1">
+                <a:solidFill>
+                  <a:srgbClr val="900606"/>
+                </a:solidFill>
+                <a:effectLst/>
+                <a:latin typeface="Courier New" panose="02070309020205020404" pitchFamily="49" charset="0"/>
+                <a:cs typeface="Courier New" panose="02070309020205020404" pitchFamily="49" charset="0"/>
+              </a:rPr>
+              <a:t>println</a:t>
+            </a:r>
+            <a:r>
+              <a:rPr lang="en-US" sz="2000" b="0" i="0" dirty="0">
+                <a:solidFill>
+                  <a:srgbClr val="000000"/>
+                </a:solidFill>
+                <a:effectLst/>
+                <a:latin typeface="Courier New" panose="02070309020205020404" pitchFamily="49" charset="0"/>
+                <a:cs typeface="Courier New" panose="02070309020205020404" pitchFamily="49" charset="0"/>
+              </a:rPr>
+              <a:t>(</a:t>
+            </a:r>
+            <a:r>
+              <a:rPr lang="en-US" sz="2000" b="0" i="0" dirty="0">
+                <a:solidFill>
+                  <a:srgbClr val="008000"/>
+                </a:solidFill>
+                <a:effectLst/>
+                <a:latin typeface="Courier New" panose="02070309020205020404" pitchFamily="49" charset="0"/>
+                <a:cs typeface="Courier New" panose="02070309020205020404" pitchFamily="49" charset="0"/>
+              </a:rPr>
+              <a:t>"</a:t>
+            </a:r>
+            <a:r>
+              <a:rPr lang="uk-UA" sz="2000" b="0" i="0" dirty="0">
+                <a:solidFill>
+                  <a:srgbClr val="008000"/>
+                </a:solidFill>
+                <a:effectLst/>
+                <a:latin typeface="Courier New" panose="02070309020205020404" pitchFamily="49" charset="0"/>
+                <a:cs typeface="Courier New" panose="02070309020205020404" pitchFamily="49" charset="0"/>
+              </a:rPr>
+              <a:t>Дякую! Ви ввели число "</a:t>
+            </a:r>
+            <a:r>
+              <a:rPr lang="uk-UA" sz="2000" b="0" i="0" dirty="0">
+                <a:solidFill>
+                  <a:srgbClr val="000000"/>
+                </a:solidFill>
+                <a:effectLst/>
+                <a:latin typeface="Courier New" panose="02070309020205020404" pitchFamily="49" charset="0"/>
+                <a:cs typeface="Courier New" panose="02070309020205020404" pitchFamily="49" charset="0"/>
+              </a:rPr>
+              <a:t> + </a:t>
+            </a:r>
+            <a:r>
+              <a:rPr lang="en-US" sz="2000" b="0" i="0" dirty="0">
+                <a:solidFill>
+                  <a:srgbClr val="000000"/>
+                </a:solidFill>
+                <a:effectLst/>
+                <a:latin typeface="Courier New" panose="02070309020205020404" pitchFamily="49" charset="0"/>
+                <a:cs typeface="Courier New" panose="02070309020205020404" pitchFamily="49" charset="0"/>
+              </a:rPr>
+              <a:t>number); </a:t>
+            </a:r>
+            <a:endParaRPr lang="ru-RU" sz="2000" b="0" i="0" dirty="0">
+              <a:solidFill>
+                <a:srgbClr val="000000"/>
+              </a:solidFill>
+              <a:effectLst/>
+              <a:latin typeface="Courier New" panose="02070309020205020404" pitchFamily="49" charset="0"/>
+              <a:cs typeface="Courier New" panose="02070309020205020404" pitchFamily="49" charset="0"/>
+            </a:endParaRPr>
+          </a:p>
+          <a:p>
+            <a:r>
+              <a:rPr lang="en-US" sz="2000" b="0" i="0" dirty="0">
+                <a:solidFill>
+                  <a:srgbClr val="000000"/>
+                </a:solidFill>
+                <a:effectLst/>
+                <a:latin typeface="Courier New" panose="02070309020205020404" pitchFamily="49" charset="0"/>
+                <a:cs typeface="Courier New" panose="02070309020205020404" pitchFamily="49" charset="0"/>
+              </a:rPr>
+              <a:t>} </a:t>
+            </a:r>
+            <a:endParaRPr lang="ru-RU" sz="2000" b="0" i="0" dirty="0">
+              <a:solidFill>
+                <a:srgbClr val="000000"/>
+              </a:solidFill>
+              <a:effectLst/>
+              <a:latin typeface="Courier New" panose="02070309020205020404" pitchFamily="49" charset="0"/>
+              <a:cs typeface="Courier New" panose="02070309020205020404" pitchFamily="49" charset="0"/>
+            </a:endParaRPr>
+          </a:p>
+          <a:p>
+            <a:r>
+              <a:rPr lang="en-US" sz="2000" b="0" i="0" dirty="0">
+                <a:solidFill>
+                  <a:srgbClr val="000000"/>
+                </a:solidFill>
+                <a:effectLst/>
+                <a:latin typeface="Courier New" panose="02070309020205020404" pitchFamily="49" charset="0"/>
+                <a:cs typeface="Courier New" panose="02070309020205020404" pitchFamily="49" charset="0"/>
+              </a:rPr>
+              <a:t>}</a:t>
+            </a:r>
+            <a:endParaRPr lang="uk-UA" sz="2000" dirty="0">
+              <a:latin typeface="Courier New" panose="02070309020205020404" pitchFamily="49" charset="0"/>
+              <a:cs typeface="Courier New" panose="02070309020205020404" pitchFamily="49" charset="0"/>
+            </a:endParaRPr>
+          </a:p>
+        </p:txBody>
+      </p:sp>
+      <p:sp>
+        <p:nvSpPr>
+          <p:cNvPr id="4" name="TextBox 3">
+            <a:extLst>
+              <a:ext uri="{FF2B5EF4-FFF2-40B4-BE49-F238E27FC236}">
+                <a16:creationId xmlns:a16="http://schemas.microsoft.com/office/drawing/2014/main" id="{ABD31A08-3FF3-484F-8424-F53EDDB9F185}"/>
+              </a:ext>
+            </a:extLst>
+          </p:cNvPr>
+          <p:cNvSpPr txBox="1"/>
+          <p:nvPr/>
+        </p:nvSpPr>
+        <p:spPr>
+          <a:xfrm>
+            <a:off x="581321" y="1393324"/>
+            <a:ext cx="11029359" cy="1323439"/>
+          </a:xfrm>
+          <a:prstGeom prst="rect">
+            <a:avLst/>
+          </a:prstGeom>
+          <a:noFill/>
+        </p:spPr>
+        <p:txBody>
+          <a:bodyPr wrap="square">
+            <a:spAutoFit/>
+          </a:bodyPr>
+          <a:lstStyle/>
+          <a:p>
+            <a:pPr algn="just"/>
+            <a:r>
+              <a:rPr lang="uk-UA" sz="2000" b="0" i="0" dirty="0">
+                <a:effectLst/>
+                <a:latin typeface="Times New Roman" panose="02020603050405020304" pitchFamily="18" charset="0"/>
+                <a:cs typeface="Times New Roman" panose="02020603050405020304" pitchFamily="18" charset="0"/>
+              </a:rPr>
+              <a:t>Перше і головне, з чим нам потрібно познайомитися, – клас </a:t>
+            </a:r>
+            <a:r>
+              <a:rPr lang="en-US" sz="2000" b="0" i="0" dirty="0" err="1">
+                <a:effectLst/>
+                <a:latin typeface="Times New Roman" panose="02020603050405020304" pitchFamily="18" charset="0"/>
+                <a:cs typeface="Times New Roman" panose="02020603050405020304" pitchFamily="18" charset="0"/>
+              </a:rPr>
+              <a:t>java.util.Scanner</a:t>
+            </a:r>
+            <a:r>
+              <a:rPr lang="en-US" sz="2000" b="0" i="0" dirty="0">
+                <a:effectLst/>
+                <a:latin typeface="Times New Roman" panose="02020603050405020304" pitchFamily="18" charset="0"/>
+                <a:cs typeface="Times New Roman" panose="02020603050405020304" pitchFamily="18" charset="0"/>
+              </a:rPr>
+              <a:t>. </a:t>
+            </a:r>
+            <a:r>
+              <a:rPr lang="uk-UA" sz="2000" b="0" i="0" dirty="0">
+                <a:effectLst/>
+                <a:latin typeface="Times New Roman" panose="02020603050405020304" pitchFamily="18" charset="0"/>
+                <a:cs typeface="Times New Roman" panose="02020603050405020304" pitchFamily="18" charset="0"/>
+              </a:rPr>
+              <a:t>Його функціональність дуже проста. Він, немов справжній сканер, зчитує дані з джерела, яке ти для нього </a:t>
+            </a:r>
+            <a:r>
+              <a:rPr lang="uk-UA" sz="2000" b="0" i="0" dirty="0" err="1">
+                <a:effectLst/>
+                <a:latin typeface="Times New Roman" panose="02020603050405020304" pitchFamily="18" charset="0"/>
+                <a:cs typeface="Times New Roman" panose="02020603050405020304" pitchFamily="18" charset="0"/>
+              </a:rPr>
+              <a:t>вкажеш</a:t>
+            </a:r>
+            <a:r>
+              <a:rPr lang="uk-UA" sz="2000" b="0" i="0" dirty="0">
+                <a:effectLst/>
+                <a:latin typeface="Times New Roman" panose="02020603050405020304" pitchFamily="18" charset="0"/>
+                <a:cs typeface="Times New Roman" panose="02020603050405020304" pitchFamily="18" charset="0"/>
+              </a:rPr>
+              <a:t>. Наприклад, із рядка, з файлу, з консолі. Далі він розпізнає цю інформацію й обробляє потрібним чином. Наведемо найпростіший приклад:</a:t>
+            </a:r>
+            <a:endParaRPr lang="uk-UA" sz="2000" dirty="0">
+              <a:latin typeface="Times New Roman" panose="02020603050405020304" pitchFamily="18" charset="0"/>
+              <a:cs typeface="Times New Roman" panose="02020603050405020304" pitchFamily="18" charset="0"/>
+            </a:endParaRPr>
+          </a:p>
+        </p:txBody>
+      </p:sp>
+      <p:sp>
+        <p:nvSpPr>
+          <p:cNvPr id="6" name="TextBox 5">
+            <a:extLst>
+              <a:ext uri="{FF2B5EF4-FFF2-40B4-BE49-F238E27FC236}">
+                <a16:creationId xmlns:a16="http://schemas.microsoft.com/office/drawing/2014/main" id="{A1D26550-3F49-4A77-97C5-3E2A3FF207AC}"/>
+              </a:ext>
+            </a:extLst>
+          </p:cNvPr>
+          <p:cNvSpPr txBox="1"/>
+          <p:nvPr/>
+        </p:nvSpPr>
+        <p:spPr>
+          <a:xfrm>
+            <a:off x="3113987" y="235670"/>
+            <a:ext cx="5964023" cy="707886"/>
+          </a:xfrm>
+          <a:prstGeom prst="rect">
+            <a:avLst/>
+          </a:prstGeom>
+          <a:noFill/>
+        </p:spPr>
+        <p:txBody>
+          <a:bodyPr wrap="square" rtlCol="0">
+            <a:spAutoFit/>
+          </a:bodyPr>
+          <a:lstStyle/>
+          <a:p>
+            <a:pPr algn="ctr"/>
+            <a:r>
+              <a:rPr lang="en-US" sz="4000" b="0" i="0" dirty="0">
+                <a:effectLst/>
+                <a:latin typeface="Times New Roman" panose="02020603050405020304" pitchFamily="18" charset="0"/>
+                <a:cs typeface="Times New Roman" panose="02020603050405020304" pitchFamily="18" charset="0"/>
+              </a:rPr>
+              <a:t>Scanner</a:t>
+            </a:r>
+            <a:endParaRPr lang="uk-UA" sz="4000" dirty="0">
+              <a:latin typeface="Times New Roman" panose="02020603050405020304" pitchFamily="18" charset="0"/>
+              <a:cs typeface="Times New Roman" panose="02020603050405020304" pitchFamily="18" charset="0"/>
+            </a:endParaRPr>
+          </a:p>
+        </p:txBody>
+      </p:sp>
+    </p:spTree>
+    <p:extLst>
+      <p:ext uri="{BB962C8B-B14F-4D97-AF65-F5344CB8AC3E}">
+        <p14:creationId xmlns:p14="http://schemas.microsoft.com/office/powerpoint/2010/main" val="472587981"/>
       </p:ext>
     </p:extLst>
   </p:cSld>

--- a/Java Урок 3 ifelse switch.pptx
+++ b/Java Урок 3 ifelse switch.pptx
@@ -287,7 +287,7 @@
           <a:p>
             <a:fld id="{E461E9BA-8501-4193-BA88-839E340A9D5A}" type="datetimeFigureOut">
               <a:rPr lang="uk-UA" smtClean="0"/>
-              <a:t>08.02.2024</a:t>
+              <a:t>09.02.2024</a:t>
             </a:fld>
             <a:endParaRPr lang="uk-UA"/>
           </a:p>
@@ -487,7 +487,7 @@
           <a:p>
             <a:fld id="{E461E9BA-8501-4193-BA88-839E340A9D5A}" type="datetimeFigureOut">
               <a:rPr lang="uk-UA" smtClean="0"/>
-              <a:t>08.02.2024</a:t>
+              <a:t>09.02.2024</a:t>
             </a:fld>
             <a:endParaRPr lang="uk-UA"/>
           </a:p>
@@ -697,7 +697,7 @@
           <a:p>
             <a:fld id="{E461E9BA-8501-4193-BA88-839E340A9D5A}" type="datetimeFigureOut">
               <a:rPr lang="uk-UA" smtClean="0"/>
-              <a:t>08.02.2024</a:t>
+              <a:t>09.02.2024</a:t>
             </a:fld>
             <a:endParaRPr lang="uk-UA"/>
           </a:p>
@@ -897,7 +897,7 @@
           <a:p>
             <a:fld id="{E461E9BA-8501-4193-BA88-839E340A9D5A}" type="datetimeFigureOut">
               <a:rPr lang="uk-UA" smtClean="0"/>
-              <a:t>08.02.2024</a:t>
+              <a:t>09.02.2024</a:t>
             </a:fld>
             <a:endParaRPr lang="uk-UA"/>
           </a:p>
@@ -1173,7 +1173,7 @@
           <a:p>
             <a:fld id="{E461E9BA-8501-4193-BA88-839E340A9D5A}" type="datetimeFigureOut">
               <a:rPr lang="uk-UA" smtClean="0"/>
-              <a:t>08.02.2024</a:t>
+              <a:t>09.02.2024</a:t>
             </a:fld>
             <a:endParaRPr lang="uk-UA"/>
           </a:p>
@@ -1441,7 +1441,7 @@
           <a:p>
             <a:fld id="{E461E9BA-8501-4193-BA88-839E340A9D5A}" type="datetimeFigureOut">
               <a:rPr lang="uk-UA" smtClean="0"/>
-              <a:t>08.02.2024</a:t>
+              <a:t>09.02.2024</a:t>
             </a:fld>
             <a:endParaRPr lang="uk-UA"/>
           </a:p>
@@ -1856,7 +1856,7 @@
           <a:p>
             <a:fld id="{E461E9BA-8501-4193-BA88-839E340A9D5A}" type="datetimeFigureOut">
               <a:rPr lang="uk-UA" smtClean="0"/>
-              <a:t>08.02.2024</a:t>
+              <a:t>09.02.2024</a:t>
             </a:fld>
             <a:endParaRPr lang="uk-UA"/>
           </a:p>
@@ -1998,7 +1998,7 @@
           <a:p>
             <a:fld id="{E461E9BA-8501-4193-BA88-839E340A9D5A}" type="datetimeFigureOut">
               <a:rPr lang="uk-UA" smtClean="0"/>
-              <a:t>08.02.2024</a:t>
+              <a:t>09.02.2024</a:t>
             </a:fld>
             <a:endParaRPr lang="uk-UA"/>
           </a:p>
@@ -2111,7 +2111,7 @@
           <a:p>
             <a:fld id="{E461E9BA-8501-4193-BA88-839E340A9D5A}" type="datetimeFigureOut">
               <a:rPr lang="uk-UA" smtClean="0"/>
-              <a:t>08.02.2024</a:t>
+              <a:t>09.02.2024</a:t>
             </a:fld>
             <a:endParaRPr lang="uk-UA"/>
           </a:p>
@@ -2424,7 +2424,7 @@
           <a:p>
             <a:fld id="{E461E9BA-8501-4193-BA88-839E340A9D5A}" type="datetimeFigureOut">
               <a:rPr lang="uk-UA" smtClean="0"/>
-              <a:t>08.02.2024</a:t>
+              <a:t>09.02.2024</a:t>
             </a:fld>
             <a:endParaRPr lang="uk-UA"/>
           </a:p>
@@ -2713,7 +2713,7 @@
           <a:p>
             <a:fld id="{E461E9BA-8501-4193-BA88-839E340A9D5A}" type="datetimeFigureOut">
               <a:rPr lang="uk-UA" smtClean="0"/>
-              <a:t>08.02.2024</a:t>
+              <a:t>09.02.2024</a:t>
             </a:fld>
             <a:endParaRPr lang="uk-UA"/>
           </a:p>
@@ -2956,7 +2956,7 @@
           <a:p>
             <a:fld id="{E461E9BA-8501-4193-BA88-839E340A9D5A}" type="datetimeFigureOut">
               <a:rPr lang="uk-UA" smtClean="0"/>
-              <a:t>08.02.2024</a:t>
+              <a:t>09.02.2024</a:t>
             </a:fld>
             <a:endParaRPr lang="uk-UA"/>
           </a:p>

--- a/Java Урок 3 ifelse switch.pptx
+++ b/Java Урок 3 ifelse switch.pptx
@@ -223,7 +223,7 @@
           <a:p>
             <a:fld id="{7B418C3B-5615-4532-8AB6-D80322BC11BA}" type="datetimeFigureOut">
               <a:rPr lang="uk-UA" smtClean="0"/>
-              <a:t>02.03.2024</a:t>
+              <a:t>03.03.2024</a:t>
             </a:fld>
             <a:endParaRPr lang="uk-UA"/>
           </a:p>
@@ -640,7 +640,7 @@
           <a:p>
             <a:fld id="{E461E9BA-8501-4193-BA88-839E340A9D5A}" type="datetimeFigureOut">
               <a:rPr lang="uk-UA" smtClean="0"/>
-              <a:t>02.03.2024</a:t>
+              <a:t>03.03.2024</a:t>
             </a:fld>
             <a:endParaRPr lang="uk-UA"/>
           </a:p>
@@ -840,7 +840,7 @@
           <a:p>
             <a:fld id="{E461E9BA-8501-4193-BA88-839E340A9D5A}" type="datetimeFigureOut">
               <a:rPr lang="uk-UA" smtClean="0"/>
-              <a:t>02.03.2024</a:t>
+              <a:t>03.03.2024</a:t>
             </a:fld>
             <a:endParaRPr lang="uk-UA"/>
           </a:p>
@@ -1050,7 +1050,7 @@
           <a:p>
             <a:fld id="{E461E9BA-8501-4193-BA88-839E340A9D5A}" type="datetimeFigureOut">
               <a:rPr lang="uk-UA" smtClean="0"/>
-              <a:t>02.03.2024</a:t>
+              <a:t>03.03.2024</a:t>
             </a:fld>
             <a:endParaRPr lang="uk-UA"/>
           </a:p>
@@ -1250,7 +1250,7 @@
           <a:p>
             <a:fld id="{E461E9BA-8501-4193-BA88-839E340A9D5A}" type="datetimeFigureOut">
               <a:rPr lang="uk-UA" smtClean="0"/>
-              <a:t>02.03.2024</a:t>
+              <a:t>03.03.2024</a:t>
             </a:fld>
             <a:endParaRPr lang="uk-UA"/>
           </a:p>
@@ -1526,7 +1526,7 @@
           <a:p>
             <a:fld id="{E461E9BA-8501-4193-BA88-839E340A9D5A}" type="datetimeFigureOut">
               <a:rPr lang="uk-UA" smtClean="0"/>
-              <a:t>02.03.2024</a:t>
+              <a:t>03.03.2024</a:t>
             </a:fld>
             <a:endParaRPr lang="uk-UA"/>
           </a:p>
@@ -1794,7 +1794,7 @@
           <a:p>
             <a:fld id="{E461E9BA-8501-4193-BA88-839E340A9D5A}" type="datetimeFigureOut">
               <a:rPr lang="uk-UA" smtClean="0"/>
-              <a:t>02.03.2024</a:t>
+              <a:t>03.03.2024</a:t>
             </a:fld>
             <a:endParaRPr lang="uk-UA"/>
           </a:p>
@@ -2209,7 +2209,7 @@
           <a:p>
             <a:fld id="{E461E9BA-8501-4193-BA88-839E340A9D5A}" type="datetimeFigureOut">
               <a:rPr lang="uk-UA" smtClean="0"/>
-              <a:t>02.03.2024</a:t>
+              <a:t>03.03.2024</a:t>
             </a:fld>
             <a:endParaRPr lang="uk-UA"/>
           </a:p>
@@ -2351,7 +2351,7 @@
           <a:p>
             <a:fld id="{E461E9BA-8501-4193-BA88-839E340A9D5A}" type="datetimeFigureOut">
               <a:rPr lang="uk-UA" smtClean="0"/>
-              <a:t>02.03.2024</a:t>
+              <a:t>03.03.2024</a:t>
             </a:fld>
             <a:endParaRPr lang="uk-UA"/>
           </a:p>
@@ -2464,7 +2464,7 @@
           <a:p>
             <a:fld id="{E461E9BA-8501-4193-BA88-839E340A9D5A}" type="datetimeFigureOut">
               <a:rPr lang="uk-UA" smtClean="0"/>
-              <a:t>02.03.2024</a:t>
+              <a:t>03.03.2024</a:t>
             </a:fld>
             <a:endParaRPr lang="uk-UA"/>
           </a:p>
@@ -2777,7 +2777,7 @@
           <a:p>
             <a:fld id="{E461E9BA-8501-4193-BA88-839E340A9D5A}" type="datetimeFigureOut">
               <a:rPr lang="uk-UA" smtClean="0"/>
-              <a:t>02.03.2024</a:t>
+              <a:t>03.03.2024</a:t>
             </a:fld>
             <a:endParaRPr lang="uk-UA"/>
           </a:p>
@@ -3066,7 +3066,7 @@
           <a:p>
             <a:fld id="{E461E9BA-8501-4193-BA88-839E340A9D5A}" type="datetimeFigureOut">
               <a:rPr lang="uk-UA" smtClean="0"/>
-              <a:t>02.03.2024</a:t>
+              <a:t>03.03.2024</a:t>
             </a:fld>
             <a:endParaRPr lang="uk-UA"/>
           </a:p>
@@ -3309,7 +3309,7 @@
           <a:p>
             <a:fld id="{E461E9BA-8501-4193-BA88-839E340A9D5A}" type="datetimeFigureOut">
               <a:rPr lang="uk-UA" smtClean="0"/>
-              <a:t>02.03.2024</a:t>
+              <a:t>03.03.2024</a:t>
             </a:fld>
             <a:endParaRPr lang="uk-UA"/>
           </a:p>

--- a/Java Урок 3 ifelse switch.pptx
+++ b/Java Урок 3 ifelse switch.pptx
@@ -5,7 +5,7 @@
     <p:sldMasterId id="2147483648" r:id="rId1"/>
   </p:sldMasterIdLst>
   <p:notesMasterIdLst>
-    <p:notesMasterId r:id="rId17"/>
+    <p:notesMasterId r:id="rId16"/>
   </p:notesMasterIdLst>
   <p:sldIdLst>
     <p:sldId id="257" r:id="rId2"/>
@@ -22,7 +22,6 @@
     <p:sldId id="269" r:id="rId13"/>
     <p:sldId id="270" r:id="rId14"/>
     <p:sldId id="707" r:id="rId15"/>
-    <p:sldId id="706" r:id="rId16"/>
   </p:sldIdLst>
   <p:sldSz cx="12192000" cy="6858000"/>
   <p:notesSz cx="6858000" cy="9144000"/>
@@ -223,7 +222,7 @@
           <a:p>
             <a:fld id="{7B418C3B-5615-4532-8AB6-D80322BC11BA}" type="datetimeFigureOut">
               <a:rPr lang="uk-UA" smtClean="0"/>
-              <a:t>03.03.2024</a:t>
+              <a:t>15.03.2024</a:t>
             </a:fld>
             <a:endParaRPr lang="uk-UA"/>
           </a:p>
@@ -640,7 +639,7 @@
           <a:p>
             <a:fld id="{E461E9BA-8501-4193-BA88-839E340A9D5A}" type="datetimeFigureOut">
               <a:rPr lang="uk-UA" smtClean="0"/>
-              <a:t>03.03.2024</a:t>
+              <a:t>15.03.2024</a:t>
             </a:fld>
             <a:endParaRPr lang="uk-UA"/>
           </a:p>
@@ -840,7 +839,7 @@
           <a:p>
             <a:fld id="{E461E9BA-8501-4193-BA88-839E340A9D5A}" type="datetimeFigureOut">
               <a:rPr lang="uk-UA" smtClean="0"/>
-              <a:t>03.03.2024</a:t>
+              <a:t>15.03.2024</a:t>
             </a:fld>
             <a:endParaRPr lang="uk-UA"/>
           </a:p>
@@ -1050,7 +1049,7 @@
           <a:p>
             <a:fld id="{E461E9BA-8501-4193-BA88-839E340A9D5A}" type="datetimeFigureOut">
               <a:rPr lang="uk-UA" smtClean="0"/>
-              <a:t>03.03.2024</a:t>
+              <a:t>15.03.2024</a:t>
             </a:fld>
             <a:endParaRPr lang="uk-UA"/>
           </a:p>
@@ -1250,7 +1249,7 @@
           <a:p>
             <a:fld id="{E461E9BA-8501-4193-BA88-839E340A9D5A}" type="datetimeFigureOut">
               <a:rPr lang="uk-UA" smtClean="0"/>
-              <a:t>03.03.2024</a:t>
+              <a:t>15.03.2024</a:t>
             </a:fld>
             <a:endParaRPr lang="uk-UA"/>
           </a:p>
@@ -1526,7 +1525,7 @@
           <a:p>
             <a:fld id="{E461E9BA-8501-4193-BA88-839E340A9D5A}" type="datetimeFigureOut">
               <a:rPr lang="uk-UA" smtClean="0"/>
-              <a:t>03.03.2024</a:t>
+              <a:t>15.03.2024</a:t>
             </a:fld>
             <a:endParaRPr lang="uk-UA"/>
           </a:p>
@@ -1794,7 +1793,7 @@
           <a:p>
             <a:fld id="{E461E9BA-8501-4193-BA88-839E340A9D5A}" type="datetimeFigureOut">
               <a:rPr lang="uk-UA" smtClean="0"/>
-              <a:t>03.03.2024</a:t>
+              <a:t>15.03.2024</a:t>
             </a:fld>
             <a:endParaRPr lang="uk-UA"/>
           </a:p>
@@ -2209,7 +2208,7 @@
           <a:p>
             <a:fld id="{E461E9BA-8501-4193-BA88-839E340A9D5A}" type="datetimeFigureOut">
               <a:rPr lang="uk-UA" smtClean="0"/>
-              <a:t>03.03.2024</a:t>
+              <a:t>15.03.2024</a:t>
             </a:fld>
             <a:endParaRPr lang="uk-UA"/>
           </a:p>
@@ -2351,7 +2350,7 @@
           <a:p>
             <a:fld id="{E461E9BA-8501-4193-BA88-839E340A9D5A}" type="datetimeFigureOut">
               <a:rPr lang="uk-UA" smtClean="0"/>
-              <a:t>03.03.2024</a:t>
+              <a:t>15.03.2024</a:t>
             </a:fld>
             <a:endParaRPr lang="uk-UA"/>
           </a:p>
@@ -2464,7 +2463,7 @@
           <a:p>
             <a:fld id="{E461E9BA-8501-4193-BA88-839E340A9D5A}" type="datetimeFigureOut">
               <a:rPr lang="uk-UA" smtClean="0"/>
-              <a:t>03.03.2024</a:t>
+              <a:t>15.03.2024</a:t>
             </a:fld>
             <a:endParaRPr lang="uk-UA"/>
           </a:p>
@@ -2777,7 +2776,7 @@
           <a:p>
             <a:fld id="{E461E9BA-8501-4193-BA88-839E340A9D5A}" type="datetimeFigureOut">
               <a:rPr lang="uk-UA" smtClean="0"/>
-              <a:t>03.03.2024</a:t>
+              <a:t>15.03.2024</a:t>
             </a:fld>
             <a:endParaRPr lang="uk-UA"/>
           </a:p>
@@ -3066,7 +3065,7 @@
           <a:p>
             <a:fld id="{E461E9BA-8501-4193-BA88-839E340A9D5A}" type="datetimeFigureOut">
               <a:rPr lang="uk-UA" smtClean="0"/>
-              <a:t>03.03.2024</a:t>
+              <a:t>15.03.2024</a:t>
             </a:fld>
             <a:endParaRPr lang="uk-UA"/>
           </a:p>
@@ -3309,7 +3308,7 @@
           <a:p>
             <a:fld id="{E461E9BA-8501-4193-BA88-839E340A9D5A}" type="datetimeFigureOut">
               <a:rPr lang="uk-UA" smtClean="0"/>
-              <a:t>03.03.2024</a:t>
+              <a:t>15.03.2024</a:t>
             </a:fld>
             <a:endParaRPr lang="uk-UA"/>
           </a:p>
@@ -17472,2506 +17471,6 @@
 </p:sld>
 </file>
 
-<file path=ppt/slides/slide15.xml><?xml version="1.0" encoding="utf-8"?>
-<p:sld xmlns:a="http://schemas.openxmlformats.org/drawingml/2006/main" xmlns:r="http://schemas.openxmlformats.org/officeDocument/2006/relationships" xmlns:p="http://schemas.openxmlformats.org/presentationml/2006/main">
-  <p:cSld>
-    <p:spTree>
-      <p:nvGrpSpPr>
-        <p:cNvPr id="1" name=""/>
-        <p:cNvGrpSpPr/>
-        <p:nvPr/>
-      </p:nvGrpSpPr>
-      <p:grpSpPr>
-        <a:xfrm>
-          <a:off x="0" y="0"/>
-          <a:ext cx="0" cy="0"/>
-          <a:chOff x="0" y="0"/>
-          <a:chExt cx="0" cy="0"/>
-        </a:xfrm>
-      </p:grpSpPr>
-      <p:graphicFrame>
-        <p:nvGraphicFramePr>
-          <p:cNvPr id="2" name="Таблица 2">
-            <a:extLst>
-              <a:ext uri="{FF2B5EF4-FFF2-40B4-BE49-F238E27FC236}">
-                <a16:creationId xmlns:a16="http://schemas.microsoft.com/office/drawing/2014/main" id="{B5E6CF14-F0DC-4B25-8838-B1FBDF84C9B9}"/>
-              </a:ext>
-            </a:extLst>
-          </p:cNvPr>
-          <p:cNvGraphicFramePr>
-            <a:graphicFrameLocks noGrp="1"/>
-          </p:cNvGraphicFramePr>
-          <p:nvPr>
-            <p:extLst>
-              <p:ext uri="{D42A27DB-BD31-4B8C-83A1-F6EECF244321}">
-                <p14:modId xmlns:p14="http://schemas.microsoft.com/office/powerpoint/2010/main" val="3538417193"/>
-              </p:ext>
-            </p:extLst>
-          </p:nvPr>
-        </p:nvGraphicFramePr>
-        <p:xfrm>
-          <a:off x="1147975" y="729092"/>
-          <a:ext cx="9896050" cy="5125720"/>
-        </p:xfrm>
-        <a:graphic>
-          <a:graphicData uri="http://schemas.openxmlformats.org/drawingml/2006/table">
-            <a:tbl>
-              <a:tblPr firstRow="1" bandRow="1">
-                <a:tableStyleId>{5C22544A-7EE6-4342-B048-85BDC9FD1C3A}</a:tableStyleId>
-              </a:tblPr>
-              <a:tblGrid>
-                <a:gridCol w="4948025">
-                  <a:extLst>
-                    <a:ext uri="{9D8B030D-6E8A-4147-A177-3AD203B41FA5}">
-                      <a16:colId xmlns:a16="http://schemas.microsoft.com/office/drawing/2014/main" val="3803714491"/>
-                    </a:ext>
-                  </a:extLst>
-                </a:gridCol>
-                <a:gridCol w="4948025">
-                  <a:extLst>
-                    <a:ext uri="{9D8B030D-6E8A-4147-A177-3AD203B41FA5}">
-                      <a16:colId xmlns:a16="http://schemas.microsoft.com/office/drawing/2014/main" val="824041308"/>
-                    </a:ext>
-                  </a:extLst>
-                </a:gridCol>
-              </a:tblGrid>
-              <a:tr h="370840">
-                <a:tc>
-                  <a:txBody>
-                    <a:bodyPr/>
-                    <a:lstStyle/>
-                    <a:p>
-                      <a:r>
-                        <a:rPr lang="ru-RU" sz="1400" dirty="0"/>
-                        <a:t>код</a:t>
-                      </a:r>
-                      <a:endParaRPr lang="uk-UA" sz="1400" dirty="0"/>
-                    </a:p>
-                  </a:txBody>
-                  <a:tcPr/>
-                </a:tc>
-                <a:tc>
-                  <a:txBody>
-                    <a:bodyPr/>
-                    <a:lstStyle/>
-                    <a:p>
-                      <a:r>
-                        <a:rPr lang="ru-RU" sz="1400" dirty="0"/>
-                        <a:t>приклад</a:t>
-                      </a:r>
-                      <a:endParaRPr lang="uk-UA" sz="1400" dirty="0"/>
-                    </a:p>
-                  </a:txBody>
-                  <a:tcPr/>
-                </a:tc>
-                <a:extLst>
-                  <a:ext uri="{0D108BD9-81ED-4DB2-BD59-A6C34878D82A}">
-                    <a16:rowId xmlns:a16="http://schemas.microsoft.com/office/drawing/2014/main" val="3100146502"/>
-                  </a:ext>
-                </a:extLst>
-              </a:tr>
-              <a:tr h="370840">
-                <a:tc>
-                  <a:txBody>
-                    <a:bodyPr/>
-                    <a:lstStyle/>
-                    <a:p>
-                      <a:pPr marL="0" marR="0" lvl="0" indent="0" algn="l" defTabSz="914400" rtl="0" eaLnBrk="1" fontAlgn="auto" latinLnBrk="0" hangingPunct="1">
-                        <a:lnSpc>
-                          <a:spcPct val="100000"/>
-                        </a:lnSpc>
-                        <a:spcBef>
-                          <a:spcPts val="0"/>
-                        </a:spcBef>
-                        <a:spcAft>
-                          <a:spcPts val="0"/>
-                        </a:spcAft>
-                        <a:buClrTx/>
-                        <a:buSzTx/>
-                        <a:buFontTx/>
-                        <a:buNone/>
-                        <a:tabLst/>
-                        <a:defRPr/>
-                      </a:pPr>
-                      <a:r>
-                        <a:rPr kumimoji="0" lang="uk-UA" altLang="uk-UA" sz="1400" b="1" i="0" u="none" strike="noStrike" cap="none" normalizeH="0" baseline="0" dirty="0" err="1">
-                          <a:ln>
-                            <a:noFill/>
-                          </a:ln>
-                          <a:solidFill>
-                            <a:srgbClr val="A9B7C6"/>
-                          </a:solidFill>
-                          <a:effectLst/>
-                          <a:latin typeface="Courier New" panose="02070309020205020404" pitchFamily="49" charset="0"/>
-                          <a:cs typeface="Courier New" panose="02070309020205020404" pitchFamily="49" charset="0"/>
-                        </a:rPr>
-                        <a:t>String</a:t>
-                      </a:r>
-                      <a:r>
-                        <a:rPr kumimoji="0" lang="uk-UA" altLang="uk-UA" sz="1400" b="1" i="0" u="none" strike="noStrike" cap="none" normalizeH="0" baseline="0" dirty="0">
-                          <a:ln>
-                            <a:noFill/>
-                          </a:ln>
-                          <a:solidFill>
-                            <a:srgbClr val="A9B7C6"/>
-                          </a:solidFill>
-                          <a:effectLst/>
-                          <a:latin typeface="Courier New" panose="02070309020205020404" pitchFamily="49" charset="0"/>
-                          <a:cs typeface="Courier New" panose="02070309020205020404" pitchFamily="49" charset="0"/>
-                        </a:rPr>
-                        <a:t> </a:t>
-                      </a:r>
-                      <a:r>
-                        <a:rPr kumimoji="0" lang="uk-UA" altLang="uk-UA" sz="1400" b="1" i="0" u="none" strike="noStrike" cap="none" normalizeH="0" baseline="0" dirty="0" err="1">
-                          <a:ln>
-                            <a:noFill/>
-                          </a:ln>
-                          <a:solidFill>
-                            <a:srgbClr val="A9B7C6"/>
-                          </a:solidFill>
-                          <a:effectLst/>
-                          <a:latin typeface="Courier New" panose="02070309020205020404" pitchFamily="49" charset="0"/>
-                          <a:cs typeface="Courier New" panose="02070309020205020404" pitchFamily="49" charset="0"/>
-                        </a:rPr>
-                        <a:t>string</a:t>
-                      </a:r>
-                      <a:r>
-                        <a:rPr kumimoji="0" lang="uk-UA" altLang="uk-UA" sz="1400" b="1" i="0" u="none" strike="noStrike" cap="none" normalizeH="0" baseline="0" dirty="0">
-                          <a:ln>
-                            <a:noFill/>
-                          </a:ln>
-                          <a:solidFill>
-                            <a:srgbClr val="A9B7C6"/>
-                          </a:solidFill>
-                          <a:effectLst/>
-                          <a:latin typeface="Courier New" panose="02070309020205020404" pitchFamily="49" charset="0"/>
-                          <a:cs typeface="Courier New" panose="02070309020205020404" pitchFamily="49" charset="0"/>
-                        </a:rPr>
-                        <a:t> = </a:t>
-                      </a:r>
-                      <a:r>
-                        <a:rPr kumimoji="0" lang="uk-UA" altLang="uk-UA" sz="1400" b="1" i="0" u="none" strike="noStrike" cap="none" normalizeH="0" baseline="0" dirty="0">
-                          <a:ln>
-                            <a:noFill/>
-                          </a:ln>
-                          <a:solidFill>
-                            <a:srgbClr val="6A8759"/>
-                          </a:solidFill>
-                          <a:effectLst/>
-                          <a:latin typeface="Courier New" panose="02070309020205020404" pitchFamily="49" charset="0"/>
-                          <a:cs typeface="Courier New" panose="02070309020205020404" pitchFamily="49" charset="0"/>
-                        </a:rPr>
-                        <a:t>"</a:t>
-                      </a:r>
-                      <a:r>
-                        <a:rPr kumimoji="0" lang="uk-UA" altLang="uk-UA" sz="1400" b="1" i="0" u="none" strike="noStrike" cap="none" normalizeH="0" baseline="0" dirty="0" err="1">
-                          <a:ln>
-                            <a:noFill/>
-                          </a:ln>
-                          <a:solidFill>
-                            <a:srgbClr val="6A8759"/>
-                          </a:solidFill>
-                          <a:effectLst/>
-                          <a:latin typeface="Courier New" panose="02070309020205020404" pitchFamily="49" charset="0"/>
-                          <a:cs typeface="Courier New" panose="02070309020205020404" pitchFamily="49" charset="0"/>
-                        </a:rPr>
-                        <a:t>We</a:t>
-                      </a:r>
-                      <a:r>
-                        <a:rPr kumimoji="0" lang="uk-UA" altLang="uk-UA" sz="1400" b="1" i="0" u="none" strike="noStrike" cap="none" normalizeH="0" baseline="0" dirty="0">
-                          <a:ln>
-                            <a:noFill/>
-                          </a:ln>
-                          <a:solidFill>
-                            <a:srgbClr val="6A8759"/>
-                          </a:solidFill>
-                          <a:effectLst/>
-                          <a:latin typeface="Courier New" panose="02070309020205020404" pitchFamily="49" charset="0"/>
-                          <a:cs typeface="Courier New" panose="02070309020205020404" pitchFamily="49" charset="0"/>
-                        </a:rPr>
-                        <a:t> </a:t>
-                      </a:r>
-                      <a:r>
-                        <a:rPr kumimoji="0" lang="uk-UA" altLang="uk-UA" sz="1400" b="1" i="0" u="none" strike="noStrike" cap="none" normalizeH="0" baseline="0" dirty="0" err="1">
-                          <a:ln>
-                            <a:noFill/>
-                          </a:ln>
-                          <a:solidFill>
-                            <a:srgbClr val="6A8759"/>
-                          </a:solidFill>
-                          <a:effectLst/>
-                          <a:latin typeface="Courier New" panose="02070309020205020404" pitchFamily="49" charset="0"/>
-                          <a:cs typeface="Courier New" panose="02070309020205020404" pitchFamily="49" charset="0"/>
-                        </a:rPr>
-                        <a:t>have</a:t>
-                      </a:r>
-                      <a:r>
-                        <a:rPr kumimoji="0" lang="uk-UA" altLang="uk-UA" sz="1400" b="1" i="0" u="none" strike="noStrike" cap="none" normalizeH="0" baseline="0" dirty="0">
-                          <a:ln>
-                            <a:noFill/>
-                          </a:ln>
-                          <a:solidFill>
-                            <a:srgbClr val="6A8759"/>
-                          </a:solidFill>
-                          <a:effectLst/>
-                          <a:latin typeface="Courier New" panose="02070309020205020404" pitchFamily="49" charset="0"/>
-                          <a:cs typeface="Courier New" panose="02070309020205020404" pitchFamily="49" charset="0"/>
-                        </a:rPr>
-                        <a:t> </a:t>
-                      </a:r>
-                      <a:r>
-                        <a:rPr kumimoji="0" lang="uk-UA" altLang="uk-UA" sz="1400" b="1" i="0" u="none" strike="noStrike" cap="none" normalizeH="0" baseline="0" dirty="0" err="1">
-                          <a:ln>
-                            <a:noFill/>
-                          </a:ln>
-                          <a:solidFill>
-                            <a:srgbClr val="6A8759"/>
-                          </a:solidFill>
-                          <a:effectLst/>
-                          <a:latin typeface="Courier New" panose="02070309020205020404" pitchFamily="49" charset="0"/>
-                          <a:cs typeface="Courier New" panose="02070309020205020404" pitchFamily="49" charset="0"/>
-                        </a:rPr>
-                        <a:t>some</a:t>
-                      </a:r>
-                      <a:r>
-                        <a:rPr kumimoji="0" lang="uk-UA" altLang="uk-UA" sz="1400" b="1" i="0" u="none" strike="noStrike" cap="none" normalizeH="0" baseline="0" dirty="0">
-                          <a:ln>
-                            <a:noFill/>
-                          </a:ln>
-                          <a:solidFill>
-                            <a:srgbClr val="6A8759"/>
-                          </a:solidFill>
-                          <a:effectLst/>
-                          <a:latin typeface="Courier New" panose="02070309020205020404" pitchFamily="49" charset="0"/>
-                          <a:cs typeface="Courier New" panose="02070309020205020404" pitchFamily="49" charset="0"/>
-                        </a:rPr>
-                        <a:t> </a:t>
-                      </a:r>
-                      <a:r>
-                        <a:rPr kumimoji="0" lang="uk-UA" altLang="uk-UA" sz="1400" b="1" i="0" u="none" strike="noStrike" cap="none" normalizeH="0" baseline="0" dirty="0" err="1">
-                          <a:ln>
-                            <a:noFill/>
-                          </a:ln>
-                          <a:solidFill>
-                            <a:srgbClr val="6A8759"/>
-                          </a:solidFill>
-                          <a:effectLst/>
-                          <a:latin typeface="Courier New" panose="02070309020205020404" pitchFamily="49" charset="0"/>
-                          <a:cs typeface="Courier New" panose="02070309020205020404" pitchFamily="49" charset="0"/>
-                        </a:rPr>
-                        <a:t>text</a:t>
-                      </a:r>
-                      <a:r>
-                        <a:rPr kumimoji="0" lang="uk-UA" altLang="uk-UA" sz="1400" b="1" i="0" u="none" strike="noStrike" cap="none" normalizeH="0" baseline="0" dirty="0">
-                          <a:ln>
-                            <a:noFill/>
-                          </a:ln>
-                          <a:solidFill>
-                            <a:srgbClr val="6A8759"/>
-                          </a:solidFill>
-                          <a:effectLst/>
-                          <a:latin typeface="Courier New" panose="02070309020205020404" pitchFamily="49" charset="0"/>
-                          <a:cs typeface="Courier New" panose="02070309020205020404" pitchFamily="49" charset="0"/>
-                        </a:rPr>
-                        <a:t>, </a:t>
-                      </a:r>
-                      <a:r>
-                        <a:rPr kumimoji="0" lang="uk-UA" altLang="uk-UA" sz="1400" b="1" i="0" u="none" strike="noStrike" cap="none" normalizeH="0" baseline="0" dirty="0" err="1">
-                          <a:ln>
-                            <a:noFill/>
-                          </a:ln>
-                          <a:solidFill>
-                            <a:srgbClr val="6A8759"/>
-                          </a:solidFill>
-                          <a:effectLst/>
-                          <a:latin typeface="Courier New" panose="02070309020205020404" pitchFamily="49" charset="0"/>
-                          <a:cs typeface="Courier New" panose="02070309020205020404" pitchFamily="49" charset="0"/>
-                        </a:rPr>
-                        <a:t>for</a:t>
-                      </a:r>
-                      <a:r>
-                        <a:rPr kumimoji="0" lang="uk-UA" altLang="uk-UA" sz="1400" b="1" i="0" u="none" strike="noStrike" cap="none" normalizeH="0" baseline="0" dirty="0">
-                          <a:ln>
-                            <a:noFill/>
-                          </a:ln>
-                          <a:solidFill>
-                            <a:srgbClr val="6A8759"/>
-                          </a:solidFill>
-                          <a:effectLst/>
-                          <a:latin typeface="Courier New" panose="02070309020205020404" pitchFamily="49" charset="0"/>
-                          <a:cs typeface="Courier New" panose="02070309020205020404" pitchFamily="49" charset="0"/>
-                        </a:rPr>
-                        <a:t> </a:t>
-                      </a:r>
-                      <a:r>
-                        <a:rPr kumimoji="0" lang="uk-UA" altLang="uk-UA" sz="1400" b="1" i="0" u="none" strike="noStrike" cap="none" normalizeH="0" baseline="0" dirty="0" err="1">
-                          <a:ln>
-                            <a:noFill/>
-                          </a:ln>
-                          <a:solidFill>
-                            <a:srgbClr val="6A8759"/>
-                          </a:solidFill>
-                          <a:effectLst/>
-                          <a:latin typeface="Courier New" panose="02070309020205020404" pitchFamily="49" charset="0"/>
-                          <a:cs typeface="Courier New" panose="02070309020205020404" pitchFamily="49" charset="0"/>
-                        </a:rPr>
-                        <a:t>example</a:t>
-                      </a:r>
-                      <a:r>
-                        <a:rPr kumimoji="0" lang="uk-UA" altLang="uk-UA" sz="1400" b="1" i="0" u="none" strike="noStrike" cap="none" normalizeH="0" baseline="0" dirty="0">
-                          <a:ln>
-                            <a:noFill/>
-                          </a:ln>
-                          <a:solidFill>
-                            <a:srgbClr val="6A8759"/>
-                          </a:solidFill>
-                          <a:effectLst/>
-                          <a:latin typeface="Courier New" panose="02070309020205020404" pitchFamily="49" charset="0"/>
-                          <a:cs typeface="Courier New" panose="02070309020205020404" pitchFamily="49" charset="0"/>
-                        </a:rPr>
-                        <a:t>."</a:t>
-                      </a:r>
-                      <a:r>
-                        <a:rPr kumimoji="0" lang="uk-UA" altLang="uk-UA" sz="1400" b="1" i="0" u="none" strike="noStrike" cap="none" normalizeH="0" baseline="0" dirty="0">
-                          <a:ln>
-                            <a:noFill/>
-                          </a:ln>
-                          <a:solidFill>
-                            <a:srgbClr val="CC7832"/>
-                          </a:solidFill>
-                          <a:effectLst/>
-                          <a:latin typeface="Courier New" panose="02070309020205020404" pitchFamily="49" charset="0"/>
-                          <a:cs typeface="Courier New" panose="02070309020205020404" pitchFamily="49" charset="0"/>
-                        </a:rPr>
-                        <a:t>;</a:t>
-                      </a:r>
-                      <a:br>
-                        <a:rPr kumimoji="0" lang="uk-UA" altLang="uk-UA" sz="1400" b="1" i="0" u="none" strike="noStrike" cap="none" normalizeH="0" baseline="0" dirty="0">
-                          <a:ln>
-                            <a:noFill/>
-                          </a:ln>
-                          <a:solidFill>
-                            <a:srgbClr val="CC7832"/>
-                          </a:solidFill>
-                          <a:effectLst/>
-                          <a:latin typeface="Courier New" panose="02070309020205020404" pitchFamily="49" charset="0"/>
-                          <a:cs typeface="Courier New" panose="02070309020205020404" pitchFamily="49" charset="0"/>
-                        </a:rPr>
-                      </a:br>
-                      <a:r>
-                        <a:rPr kumimoji="0" lang="uk-UA" altLang="uk-UA" sz="1400" b="1" i="0" u="none" strike="noStrike" cap="none" normalizeH="0" baseline="0" dirty="0" err="1">
-                          <a:ln>
-                            <a:noFill/>
-                          </a:ln>
-                          <a:solidFill>
-                            <a:srgbClr val="A9B7C6"/>
-                          </a:solidFill>
-                          <a:effectLst/>
-                          <a:latin typeface="Courier New" panose="02070309020205020404" pitchFamily="49" charset="0"/>
-                          <a:cs typeface="Courier New" panose="02070309020205020404" pitchFamily="49" charset="0"/>
-                        </a:rPr>
-                        <a:t>Scanner</a:t>
-                      </a:r>
-                      <a:r>
-                        <a:rPr kumimoji="0" lang="uk-UA" altLang="uk-UA" sz="1400" b="1" i="0" u="none" strike="noStrike" cap="none" normalizeH="0" baseline="0" dirty="0">
-                          <a:ln>
-                            <a:noFill/>
-                          </a:ln>
-                          <a:solidFill>
-                            <a:srgbClr val="A9B7C6"/>
-                          </a:solidFill>
-                          <a:effectLst/>
-                          <a:latin typeface="Courier New" panose="02070309020205020404" pitchFamily="49" charset="0"/>
-                          <a:cs typeface="Courier New" panose="02070309020205020404" pitchFamily="49" charset="0"/>
-                        </a:rPr>
-                        <a:t> </a:t>
-                      </a:r>
-                      <a:r>
-                        <a:rPr kumimoji="0" lang="uk-UA" altLang="uk-UA" sz="1400" b="1" i="0" u="none" strike="noStrike" cap="none" normalizeH="0" baseline="0" dirty="0" err="1">
-                          <a:ln>
-                            <a:noFill/>
-                          </a:ln>
-                          <a:solidFill>
-                            <a:srgbClr val="A9B7C6"/>
-                          </a:solidFill>
-                          <a:effectLst/>
-                          <a:latin typeface="Courier New" panose="02070309020205020404" pitchFamily="49" charset="0"/>
-                          <a:cs typeface="Courier New" panose="02070309020205020404" pitchFamily="49" charset="0"/>
-                        </a:rPr>
-                        <a:t>sc</a:t>
-                      </a:r>
-                      <a:r>
-                        <a:rPr kumimoji="0" lang="uk-UA" altLang="uk-UA" sz="1400" b="1" i="0" u="none" strike="noStrike" cap="none" normalizeH="0" baseline="0" dirty="0">
-                          <a:ln>
-                            <a:noFill/>
-                          </a:ln>
-                          <a:solidFill>
-                            <a:srgbClr val="A9B7C6"/>
-                          </a:solidFill>
-                          <a:effectLst/>
-                          <a:latin typeface="Courier New" panose="02070309020205020404" pitchFamily="49" charset="0"/>
-                          <a:cs typeface="Courier New" panose="02070309020205020404" pitchFamily="49" charset="0"/>
-                        </a:rPr>
-                        <a:t> = </a:t>
-                      </a:r>
-                      <a:r>
-                        <a:rPr kumimoji="0" lang="uk-UA" altLang="uk-UA" sz="1400" b="1" i="0" u="none" strike="noStrike" cap="none" normalizeH="0" baseline="0" dirty="0" err="1">
-                          <a:ln>
-                            <a:noFill/>
-                          </a:ln>
-                          <a:solidFill>
-                            <a:srgbClr val="CC7832"/>
-                          </a:solidFill>
-                          <a:effectLst/>
-                          <a:latin typeface="Courier New" panose="02070309020205020404" pitchFamily="49" charset="0"/>
-                          <a:cs typeface="Courier New" panose="02070309020205020404" pitchFamily="49" charset="0"/>
-                        </a:rPr>
-                        <a:t>new</a:t>
-                      </a:r>
-                      <a:r>
-                        <a:rPr kumimoji="0" lang="uk-UA" altLang="uk-UA" sz="1400" b="1" i="0" u="none" strike="noStrike" cap="none" normalizeH="0" baseline="0" dirty="0">
-                          <a:ln>
-                            <a:noFill/>
-                          </a:ln>
-                          <a:solidFill>
-                            <a:srgbClr val="CC7832"/>
-                          </a:solidFill>
-                          <a:effectLst/>
-                          <a:latin typeface="Courier New" panose="02070309020205020404" pitchFamily="49" charset="0"/>
-                          <a:cs typeface="Courier New" panose="02070309020205020404" pitchFamily="49" charset="0"/>
-                        </a:rPr>
-                        <a:t> </a:t>
-                      </a:r>
-                      <a:r>
-                        <a:rPr kumimoji="0" lang="uk-UA" altLang="uk-UA" sz="1400" b="1" i="0" u="none" strike="noStrike" cap="none" normalizeH="0" baseline="0" dirty="0" err="1">
-                          <a:ln>
-                            <a:noFill/>
-                          </a:ln>
-                          <a:solidFill>
-                            <a:srgbClr val="A9B7C6"/>
-                          </a:solidFill>
-                          <a:effectLst/>
-                          <a:latin typeface="Courier New" panose="02070309020205020404" pitchFamily="49" charset="0"/>
-                          <a:cs typeface="Courier New" panose="02070309020205020404" pitchFamily="49" charset="0"/>
-                        </a:rPr>
-                        <a:t>Scanner</a:t>
-                      </a:r>
-                      <a:r>
-                        <a:rPr kumimoji="0" lang="uk-UA" altLang="uk-UA" sz="1400" b="1" i="0" u="none" strike="noStrike" cap="none" normalizeH="0" baseline="0" dirty="0">
-                          <a:ln>
-                            <a:noFill/>
-                          </a:ln>
-                          <a:solidFill>
-                            <a:srgbClr val="A9B7C6"/>
-                          </a:solidFill>
-                          <a:effectLst/>
-                          <a:latin typeface="Courier New" panose="02070309020205020404" pitchFamily="49" charset="0"/>
-                          <a:cs typeface="Courier New" panose="02070309020205020404" pitchFamily="49" charset="0"/>
-                        </a:rPr>
-                        <a:t>(</a:t>
-                      </a:r>
-                      <a:r>
-                        <a:rPr kumimoji="0" lang="uk-UA" altLang="uk-UA" sz="1400" b="1" i="0" u="none" strike="noStrike" cap="none" normalizeH="0" baseline="0" dirty="0" err="1">
-                          <a:ln>
-                            <a:noFill/>
-                          </a:ln>
-                          <a:solidFill>
-                            <a:srgbClr val="A9B7C6"/>
-                          </a:solidFill>
-                          <a:effectLst/>
-                          <a:latin typeface="Courier New" panose="02070309020205020404" pitchFamily="49" charset="0"/>
-                          <a:cs typeface="Courier New" panose="02070309020205020404" pitchFamily="49" charset="0"/>
-                        </a:rPr>
-                        <a:t>string</a:t>
-                      </a:r>
-                      <a:r>
-                        <a:rPr kumimoji="0" lang="uk-UA" altLang="uk-UA" sz="1400" b="1" i="0" u="none" strike="noStrike" cap="none" normalizeH="0" baseline="0" dirty="0">
-                          <a:ln>
-                            <a:noFill/>
-                          </a:ln>
-                          <a:solidFill>
-                            <a:srgbClr val="A9B7C6"/>
-                          </a:solidFill>
-                          <a:effectLst/>
-                          <a:latin typeface="Courier New" panose="02070309020205020404" pitchFamily="49" charset="0"/>
-                          <a:cs typeface="Courier New" panose="02070309020205020404" pitchFamily="49" charset="0"/>
-                        </a:rPr>
-                        <a:t>)</a:t>
-                      </a:r>
-                      <a:r>
-                        <a:rPr kumimoji="0" lang="uk-UA" altLang="uk-UA" sz="1400" b="1" i="0" u="none" strike="noStrike" cap="none" normalizeH="0" baseline="0" dirty="0">
-                          <a:ln>
-                            <a:noFill/>
-                          </a:ln>
-                          <a:solidFill>
-                            <a:srgbClr val="CC7832"/>
-                          </a:solidFill>
-                          <a:effectLst/>
-                          <a:latin typeface="Courier New" panose="02070309020205020404" pitchFamily="49" charset="0"/>
-                          <a:cs typeface="Courier New" panose="02070309020205020404" pitchFamily="49" charset="0"/>
-                        </a:rPr>
-                        <a:t>;</a:t>
-                      </a:r>
-                      <a:br>
-                        <a:rPr kumimoji="0" lang="uk-UA" altLang="uk-UA" sz="1400" b="1" i="0" u="none" strike="noStrike" cap="none" normalizeH="0" baseline="0" dirty="0">
-                          <a:ln>
-                            <a:noFill/>
-                          </a:ln>
-                          <a:solidFill>
-                            <a:srgbClr val="CC7832"/>
-                          </a:solidFill>
-                          <a:effectLst/>
-                          <a:latin typeface="Courier New" panose="02070309020205020404" pitchFamily="49" charset="0"/>
-                          <a:cs typeface="Courier New" panose="02070309020205020404" pitchFamily="49" charset="0"/>
-                        </a:rPr>
-                      </a:br>
-                      <a:r>
-                        <a:rPr kumimoji="0" lang="uk-UA" altLang="uk-UA" sz="1400" b="1" i="0" u="none" strike="noStrike" cap="none" normalizeH="0" baseline="0" dirty="0" err="1">
-                          <a:ln>
-                            <a:noFill/>
-                          </a:ln>
-                          <a:solidFill>
-                            <a:srgbClr val="CC7832"/>
-                          </a:solidFill>
-                          <a:effectLst/>
-                          <a:latin typeface="Courier New" panose="02070309020205020404" pitchFamily="49" charset="0"/>
-                          <a:cs typeface="Courier New" panose="02070309020205020404" pitchFamily="49" charset="0"/>
-                        </a:rPr>
-                        <a:t>while</a:t>
-                      </a:r>
-                      <a:r>
-                        <a:rPr kumimoji="0" lang="uk-UA" altLang="uk-UA" sz="1400" b="1" i="0" u="none" strike="noStrike" cap="none" normalizeH="0" baseline="0" dirty="0">
-                          <a:ln>
-                            <a:noFill/>
-                          </a:ln>
-                          <a:solidFill>
-                            <a:srgbClr val="CC7832"/>
-                          </a:solidFill>
-                          <a:effectLst/>
-                          <a:latin typeface="Courier New" panose="02070309020205020404" pitchFamily="49" charset="0"/>
-                          <a:cs typeface="Courier New" panose="02070309020205020404" pitchFamily="49" charset="0"/>
-                        </a:rPr>
-                        <a:t> </a:t>
-                      </a:r>
-                      <a:r>
-                        <a:rPr kumimoji="0" lang="uk-UA" altLang="uk-UA" sz="1400" b="1" i="0" u="none" strike="noStrike" cap="none" normalizeH="0" baseline="0" dirty="0">
-                          <a:ln>
-                            <a:noFill/>
-                          </a:ln>
-                          <a:solidFill>
-                            <a:srgbClr val="A9B7C6"/>
-                          </a:solidFill>
-                          <a:effectLst/>
-                          <a:latin typeface="Courier New" panose="02070309020205020404" pitchFamily="49" charset="0"/>
-                          <a:cs typeface="Courier New" panose="02070309020205020404" pitchFamily="49" charset="0"/>
-                        </a:rPr>
-                        <a:t>(</a:t>
-                      </a:r>
-                      <a:r>
-                        <a:rPr kumimoji="0" lang="uk-UA" altLang="uk-UA" sz="1400" b="1" i="0" u="none" strike="noStrike" cap="none" normalizeH="0" baseline="0" dirty="0" err="1">
-                          <a:ln>
-                            <a:noFill/>
-                          </a:ln>
-                          <a:solidFill>
-                            <a:srgbClr val="A9B7C6"/>
-                          </a:solidFill>
-                          <a:effectLst/>
-                          <a:latin typeface="Courier New" panose="02070309020205020404" pitchFamily="49" charset="0"/>
-                          <a:cs typeface="Courier New" panose="02070309020205020404" pitchFamily="49" charset="0"/>
-                        </a:rPr>
-                        <a:t>sc.hasNext</a:t>
-                      </a:r>
-                      <a:r>
-                        <a:rPr kumimoji="0" lang="uk-UA" altLang="uk-UA" sz="1400" b="1" i="0" u="none" strike="noStrike" cap="none" normalizeH="0" baseline="0" dirty="0">
-                          <a:ln>
-                            <a:noFill/>
-                          </a:ln>
-                          <a:solidFill>
-                            <a:srgbClr val="A9B7C6"/>
-                          </a:solidFill>
-                          <a:effectLst/>
-                          <a:latin typeface="Courier New" panose="02070309020205020404" pitchFamily="49" charset="0"/>
-                          <a:cs typeface="Courier New" panose="02070309020205020404" pitchFamily="49" charset="0"/>
-                        </a:rPr>
-                        <a:t>())</a:t>
-                      </a:r>
-                      <a:br>
-                        <a:rPr kumimoji="0" lang="uk-UA" altLang="uk-UA" sz="1400" b="1" i="0" u="none" strike="noStrike" cap="none" normalizeH="0" baseline="0" dirty="0">
-                          <a:ln>
-                            <a:noFill/>
-                          </a:ln>
-                          <a:solidFill>
-                            <a:srgbClr val="A9B7C6"/>
-                          </a:solidFill>
-                          <a:effectLst/>
-                          <a:latin typeface="Courier New" panose="02070309020205020404" pitchFamily="49" charset="0"/>
-                          <a:cs typeface="Courier New" panose="02070309020205020404" pitchFamily="49" charset="0"/>
-                        </a:rPr>
-                      </a:br>
-                      <a:r>
-                        <a:rPr kumimoji="0" lang="uk-UA" altLang="uk-UA" sz="1400" b="1" i="0" u="none" strike="noStrike" cap="none" normalizeH="0" baseline="0" dirty="0">
-                          <a:ln>
-                            <a:noFill/>
-                          </a:ln>
-                          <a:solidFill>
-                            <a:srgbClr val="A9B7C6"/>
-                          </a:solidFill>
-                          <a:effectLst/>
-                          <a:latin typeface="Courier New" panose="02070309020205020404" pitchFamily="49" charset="0"/>
-                          <a:cs typeface="Courier New" panose="02070309020205020404" pitchFamily="49" charset="0"/>
-                        </a:rPr>
-                        <a:t>    </a:t>
-                      </a:r>
-                      <a:r>
-                        <a:rPr kumimoji="0" lang="uk-UA" altLang="uk-UA" sz="1400" b="1" i="0" u="none" strike="noStrike" cap="none" normalizeH="0" baseline="0" dirty="0" err="1">
-                          <a:ln>
-                            <a:noFill/>
-                          </a:ln>
-                          <a:solidFill>
-                            <a:srgbClr val="A9B7C6"/>
-                          </a:solidFill>
-                          <a:effectLst/>
-                          <a:latin typeface="Courier New" panose="02070309020205020404" pitchFamily="49" charset="0"/>
-                          <a:cs typeface="Courier New" panose="02070309020205020404" pitchFamily="49" charset="0"/>
-                        </a:rPr>
-                        <a:t>System.</a:t>
-                      </a:r>
-                      <a:r>
-                        <a:rPr kumimoji="0" lang="uk-UA" altLang="uk-UA" sz="1400" b="1" i="1" u="none" strike="noStrike" cap="none" normalizeH="0" baseline="0" dirty="0" err="1">
-                          <a:ln>
-                            <a:noFill/>
-                          </a:ln>
-                          <a:solidFill>
-                            <a:srgbClr val="9876AA"/>
-                          </a:solidFill>
-                          <a:effectLst/>
-                          <a:latin typeface="Courier New" panose="02070309020205020404" pitchFamily="49" charset="0"/>
-                          <a:cs typeface="Courier New" panose="02070309020205020404" pitchFamily="49" charset="0"/>
-                        </a:rPr>
-                        <a:t>out</a:t>
-                      </a:r>
-                      <a:r>
-                        <a:rPr kumimoji="0" lang="uk-UA" altLang="uk-UA" sz="1400" b="1" i="0" u="none" strike="noStrike" cap="none" normalizeH="0" baseline="0" dirty="0" err="1">
-                          <a:ln>
-                            <a:noFill/>
-                          </a:ln>
-                          <a:solidFill>
-                            <a:srgbClr val="A9B7C6"/>
-                          </a:solidFill>
-                          <a:effectLst/>
-                          <a:latin typeface="Courier New" panose="02070309020205020404" pitchFamily="49" charset="0"/>
-                          <a:cs typeface="Courier New" panose="02070309020205020404" pitchFamily="49" charset="0"/>
-                        </a:rPr>
-                        <a:t>.println</a:t>
-                      </a:r>
-                      <a:r>
-                        <a:rPr kumimoji="0" lang="uk-UA" altLang="uk-UA" sz="1400" b="1" i="0" u="none" strike="noStrike" cap="none" normalizeH="0" baseline="0" dirty="0">
-                          <a:ln>
-                            <a:noFill/>
-                          </a:ln>
-                          <a:solidFill>
-                            <a:srgbClr val="A9B7C6"/>
-                          </a:solidFill>
-                          <a:effectLst/>
-                          <a:latin typeface="Courier New" panose="02070309020205020404" pitchFamily="49" charset="0"/>
-                          <a:cs typeface="Courier New" panose="02070309020205020404" pitchFamily="49" charset="0"/>
-                        </a:rPr>
-                        <a:t>(</a:t>
-                      </a:r>
-                      <a:r>
-                        <a:rPr kumimoji="0" lang="uk-UA" altLang="uk-UA" sz="1400" b="1" i="0" u="none" strike="noStrike" cap="none" normalizeH="0" baseline="0" dirty="0" err="1">
-                          <a:ln>
-                            <a:noFill/>
-                          </a:ln>
-                          <a:solidFill>
-                            <a:srgbClr val="A9B7C6"/>
-                          </a:solidFill>
-                          <a:effectLst/>
-                          <a:latin typeface="Courier New" panose="02070309020205020404" pitchFamily="49" charset="0"/>
-                          <a:cs typeface="Courier New" panose="02070309020205020404" pitchFamily="49" charset="0"/>
-                        </a:rPr>
-                        <a:t>sc.next</a:t>
-                      </a:r>
-                      <a:r>
-                        <a:rPr kumimoji="0" lang="uk-UA" altLang="uk-UA" sz="1400" b="1" i="0" u="none" strike="noStrike" cap="none" normalizeH="0" baseline="0" dirty="0">
-                          <a:ln>
-                            <a:noFill/>
-                          </a:ln>
-                          <a:solidFill>
-                            <a:srgbClr val="A9B7C6"/>
-                          </a:solidFill>
-                          <a:effectLst/>
-                          <a:latin typeface="Courier New" panose="02070309020205020404" pitchFamily="49" charset="0"/>
-                          <a:cs typeface="Courier New" panose="02070309020205020404" pitchFamily="49" charset="0"/>
-                        </a:rPr>
-                        <a:t>())</a:t>
-                      </a:r>
-                      <a:r>
-                        <a:rPr kumimoji="0" lang="uk-UA" altLang="uk-UA" sz="1400" b="1" i="0" u="none" strike="noStrike" cap="none" normalizeH="0" baseline="0" dirty="0">
-                          <a:ln>
-                            <a:noFill/>
-                          </a:ln>
-                          <a:solidFill>
-                            <a:srgbClr val="CC7832"/>
-                          </a:solidFill>
-                          <a:effectLst/>
-                          <a:latin typeface="Courier New" panose="02070309020205020404" pitchFamily="49" charset="0"/>
-                          <a:cs typeface="Courier New" panose="02070309020205020404" pitchFamily="49" charset="0"/>
-                        </a:rPr>
-                        <a:t>;</a:t>
-                      </a:r>
-                      <a:br>
-                        <a:rPr kumimoji="0" lang="uk-UA" altLang="uk-UA" sz="1400" b="1" i="0" u="none" strike="noStrike" cap="none" normalizeH="0" baseline="0" dirty="0">
-                          <a:ln>
-                            <a:noFill/>
-                          </a:ln>
-                          <a:solidFill>
-                            <a:srgbClr val="CC7832"/>
-                          </a:solidFill>
-                          <a:effectLst/>
-                          <a:latin typeface="Courier New" panose="02070309020205020404" pitchFamily="49" charset="0"/>
-                          <a:cs typeface="Courier New" panose="02070309020205020404" pitchFamily="49" charset="0"/>
-                        </a:rPr>
-                      </a:br>
-                      <a:r>
-                        <a:rPr kumimoji="0" lang="uk-UA" altLang="uk-UA" sz="1400" b="1" i="0" u="none" strike="noStrike" cap="none" normalizeH="0" baseline="0" dirty="0" err="1">
-                          <a:ln>
-                            <a:noFill/>
-                          </a:ln>
-                          <a:solidFill>
-                            <a:srgbClr val="A9B7C6"/>
-                          </a:solidFill>
-                          <a:effectLst/>
-                          <a:latin typeface="Courier New" panose="02070309020205020404" pitchFamily="49" charset="0"/>
-                          <a:cs typeface="Courier New" panose="02070309020205020404" pitchFamily="49" charset="0"/>
-                        </a:rPr>
-                        <a:t>sc.close</a:t>
-                      </a:r>
-                      <a:r>
-                        <a:rPr kumimoji="0" lang="uk-UA" altLang="uk-UA" sz="1400" b="1" i="0" u="none" strike="noStrike" cap="none" normalizeH="0" baseline="0" dirty="0">
-                          <a:ln>
-                            <a:noFill/>
-                          </a:ln>
-                          <a:solidFill>
-                            <a:srgbClr val="A9B7C6"/>
-                          </a:solidFill>
-                          <a:effectLst/>
-                          <a:latin typeface="Courier New" panose="02070309020205020404" pitchFamily="49" charset="0"/>
-                          <a:cs typeface="Courier New" panose="02070309020205020404" pitchFamily="49" charset="0"/>
-                        </a:rPr>
-                        <a:t>()</a:t>
-                      </a:r>
-                      <a:r>
-                        <a:rPr kumimoji="0" lang="uk-UA" altLang="uk-UA" sz="1400" b="1" i="0" u="none" strike="noStrike" cap="none" normalizeH="0" baseline="0" dirty="0">
-                          <a:ln>
-                            <a:noFill/>
-                          </a:ln>
-                          <a:solidFill>
-                            <a:srgbClr val="CC7832"/>
-                          </a:solidFill>
-                          <a:effectLst/>
-                          <a:latin typeface="Courier New" panose="02070309020205020404" pitchFamily="49" charset="0"/>
-                          <a:cs typeface="Courier New" panose="02070309020205020404" pitchFamily="49" charset="0"/>
-                        </a:rPr>
-                        <a:t>;</a:t>
-                      </a:r>
-                      <a:endParaRPr kumimoji="0" lang="uk-UA" altLang="uk-UA" sz="3200" b="1" i="0" u="none" strike="noStrike" cap="none" normalizeH="0" baseline="0" dirty="0">
-                        <a:ln>
-                          <a:noFill/>
-                        </a:ln>
-                        <a:solidFill>
-                          <a:schemeClr val="tx1"/>
-                        </a:solidFill>
-                        <a:effectLst/>
-                        <a:latin typeface="Courier New" panose="02070309020205020404" pitchFamily="49" charset="0"/>
-                        <a:cs typeface="Courier New" panose="02070309020205020404" pitchFamily="49" charset="0"/>
-                      </a:endParaRPr>
-                    </a:p>
-                    <a:p>
-                      <a:endParaRPr lang="uk-UA" sz="1400" dirty="0"/>
-                    </a:p>
-                  </a:txBody>
-                  <a:tcPr/>
-                </a:tc>
-                <a:tc>
-                  <a:txBody>
-                    <a:bodyPr/>
-                    <a:lstStyle/>
-                    <a:p>
-                      <a:r>
-                        <a:rPr kumimoji="0" lang="uk-UA" altLang="uk-UA" sz="1400" b="1" i="0" u="none" strike="noStrike" cap="none" normalizeH="0" baseline="0" dirty="0" err="1">
-                          <a:ln>
-                            <a:noFill/>
-                          </a:ln>
-                          <a:solidFill>
-                            <a:schemeClr val="tx1"/>
-                          </a:solidFill>
-                          <a:effectLst/>
-                          <a:latin typeface="Courier New" panose="02070309020205020404" pitchFamily="49" charset="0"/>
-                          <a:cs typeface="Courier New" panose="02070309020205020404" pitchFamily="49" charset="0"/>
-                        </a:rPr>
-                        <a:t>We</a:t>
-                      </a:r>
-                      <a:r>
-                        <a:rPr kumimoji="0" lang="uk-UA" altLang="uk-UA" sz="1400" b="1" i="0" u="none" strike="noStrike" cap="none" normalizeH="0" baseline="0" dirty="0">
-                          <a:ln>
-                            <a:noFill/>
-                          </a:ln>
-                          <a:solidFill>
-                            <a:schemeClr val="tx1"/>
-                          </a:solidFill>
-                          <a:effectLst/>
-                          <a:latin typeface="Courier New" panose="02070309020205020404" pitchFamily="49" charset="0"/>
-                          <a:cs typeface="Courier New" panose="02070309020205020404" pitchFamily="49" charset="0"/>
-                        </a:rPr>
-                        <a:t> </a:t>
-                      </a:r>
-                    </a:p>
-                    <a:p>
-                      <a:r>
-                        <a:rPr kumimoji="0" lang="uk-UA" altLang="uk-UA" sz="1400" b="1" i="0" u="none" strike="noStrike" cap="none" normalizeH="0" baseline="0" dirty="0" err="1">
-                          <a:ln>
-                            <a:noFill/>
-                          </a:ln>
-                          <a:solidFill>
-                            <a:schemeClr val="tx1"/>
-                          </a:solidFill>
-                          <a:effectLst/>
-                          <a:latin typeface="Courier New" panose="02070309020205020404" pitchFamily="49" charset="0"/>
-                          <a:cs typeface="Courier New" panose="02070309020205020404" pitchFamily="49" charset="0"/>
-                        </a:rPr>
-                        <a:t>have</a:t>
-                      </a:r>
-                      <a:r>
-                        <a:rPr kumimoji="0" lang="uk-UA" altLang="uk-UA" sz="1400" b="1" i="0" u="none" strike="noStrike" cap="none" normalizeH="0" baseline="0" dirty="0">
-                          <a:ln>
-                            <a:noFill/>
-                          </a:ln>
-                          <a:solidFill>
-                            <a:schemeClr val="tx1"/>
-                          </a:solidFill>
-                          <a:effectLst/>
-                          <a:latin typeface="Courier New" panose="02070309020205020404" pitchFamily="49" charset="0"/>
-                          <a:cs typeface="Courier New" panose="02070309020205020404" pitchFamily="49" charset="0"/>
-                        </a:rPr>
-                        <a:t> </a:t>
-                      </a:r>
-                    </a:p>
-                    <a:p>
-                      <a:r>
-                        <a:rPr kumimoji="0" lang="uk-UA" altLang="uk-UA" sz="1400" b="1" i="0" u="none" strike="noStrike" cap="none" normalizeH="0" baseline="0" dirty="0" err="1">
-                          <a:ln>
-                            <a:noFill/>
-                          </a:ln>
-                          <a:solidFill>
-                            <a:schemeClr val="tx1"/>
-                          </a:solidFill>
-                          <a:effectLst/>
-                          <a:latin typeface="Courier New" panose="02070309020205020404" pitchFamily="49" charset="0"/>
-                          <a:cs typeface="Courier New" panose="02070309020205020404" pitchFamily="49" charset="0"/>
-                        </a:rPr>
-                        <a:t>some</a:t>
-                      </a:r>
-                      <a:r>
-                        <a:rPr kumimoji="0" lang="uk-UA" altLang="uk-UA" sz="1400" b="1" i="0" u="none" strike="noStrike" cap="none" normalizeH="0" baseline="0" dirty="0">
-                          <a:ln>
-                            <a:noFill/>
-                          </a:ln>
-                          <a:solidFill>
-                            <a:schemeClr val="tx1"/>
-                          </a:solidFill>
-                          <a:effectLst/>
-                          <a:latin typeface="Courier New" panose="02070309020205020404" pitchFamily="49" charset="0"/>
-                          <a:cs typeface="Courier New" panose="02070309020205020404" pitchFamily="49" charset="0"/>
-                        </a:rPr>
-                        <a:t> </a:t>
-                      </a:r>
-                    </a:p>
-                    <a:p>
-                      <a:r>
-                        <a:rPr kumimoji="0" lang="uk-UA" altLang="uk-UA" sz="1400" b="1" i="0" u="none" strike="noStrike" cap="none" normalizeH="0" baseline="0" dirty="0" err="1">
-                          <a:ln>
-                            <a:noFill/>
-                          </a:ln>
-                          <a:solidFill>
-                            <a:schemeClr val="tx1"/>
-                          </a:solidFill>
-                          <a:effectLst/>
-                          <a:latin typeface="Courier New" panose="02070309020205020404" pitchFamily="49" charset="0"/>
-                          <a:cs typeface="Courier New" panose="02070309020205020404" pitchFamily="49" charset="0"/>
-                        </a:rPr>
-                        <a:t>text</a:t>
-                      </a:r>
-                      <a:r>
-                        <a:rPr kumimoji="0" lang="uk-UA" altLang="uk-UA" sz="1400" b="1" i="0" u="none" strike="noStrike" cap="none" normalizeH="0" baseline="0" dirty="0">
-                          <a:ln>
-                            <a:noFill/>
-                          </a:ln>
-                          <a:solidFill>
-                            <a:schemeClr val="tx1"/>
-                          </a:solidFill>
-                          <a:effectLst/>
-                          <a:latin typeface="Courier New" panose="02070309020205020404" pitchFamily="49" charset="0"/>
-                          <a:cs typeface="Courier New" panose="02070309020205020404" pitchFamily="49" charset="0"/>
-                        </a:rPr>
-                        <a:t>, </a:t>
-                      </a:r>
-                    </a:p>
-                    <a:p>
-                      <a:r>
-                        <a:rPr kumimoji="0" lang="uk-UA" altLang="uk-UA" sz="1400" b="1" i="0" u="none" strike="noStrike" cap="none" normalizeH="0" baseline="0" dirty="0" err="1">
-                          <a:ln>
-                            <a:noFill/>
-                          </a:ln>
-                          <a:solidFill>
-                            <a:schemeClr val="tx1"/>
-                          </a:solidFill>
-                          <a:effectLst/>
-                          <a:latin typeface="Courier New" panose="02070309020205020404" pitchFamily="49" charset="0"/>
-                          <a:cs typeface="Courier New" panose="02070309020205020404" pitchFamily="49" charset="0"/>
-                        </a:rPr>
-                        <a:t>for</a:t>
-                      </a:r>
-                      <a:r>
-                        <a:rPr kumimoji="0" lang="uk-UA" altLang="uk-UA" sz="1400" b="1" i="0" u="none" strike="noStrike" cap="none" normalizeH="0" baseline="0" dirty="0">
-                          <a:ln>
-                            <a:noFill/>
-                          </a:ln>
-                          <a:solidFill>
-                            <a:schemeClr val="tx1"/>
-                          </a:solidFill>
-                          <a:effectLst/>
-                          <a:latin typeface="Courier New" panose="02070309020205020404" pitchFamily="49" charset="0"/>
-                          <a:cs typeface="Courier New" panose="02070309020205020404" pitchFamily="49" charset="0"/>
-                        </a:rPr>
-                        <a:t> </a:t>
-                      </a:r>
-                    </a:p>
-                    <a:p>
-                      <a:r>
-                        <a:rPr kumimoji="0" lang="uk-UA" altLang="uk-UA" sz="1400" b="1" i="0" u="none" strike="noStrike" cap="none" normalizeH="0" baseline="0" dirty="0" err="1">
-                          <a:ln>
-                            <a:noFill/>
-                          </a:ln>
-                          <a:solidFill>
-                            <a:schemeClr val="tx1"/>
-                          </a:solidFill>
-                          <a:effectLst/>
-                          <a:latin typeface="Courier New" panose="02070309020205020404" pitchFamily="49" charset="0"/>
-                          <a:cs typeface="Courier New" panose="02070309020205020404" pitchFamily="49" charset="0"/>
-                        </a:rPr>
-                        <a:t>example</a:t>
-                      </a:r>
-                      <a:r>
-                        <a:rPr kumimoji="0" lang="uk-UA" altLang="uk-UA" sz="1400" b="1" i="0" u="none" strike="noStrike" cap="none" normalizeH="0" baseline="0" dirty="0">
-                          <a:ln>
-                            <a:noFill/>
-                          </a:ln>
-                          <a:solidFill>
-                            <a:schemeClr val="tx1"/>
-                          </a:solidFill>
-                          <a:effectLst/>
-                          <a:latin typeface="Courier New" panose="02070309020205020404" pitchFamily="49" charset="0"/>
-                          <a:cs typeface="Courier New" panose="02070309020205020404" pitchFamily="49" charset="0"/>
-                        </a:rPr>
-                        <a:t>.</a:t>
-                      </a:r>
-                      <a:endParaRPr lang="uk-UA" sz="1400" dirty="0">
-                        <a:solidFill>
-                          <a:schemeClr val="tx1"/>
-                        </a:solidFill>
-                      </a:endParaRPr>
-                    </a:p>
-                  </a:txBody>
-                  <a:tcPr/>
-                </a:tc>
-                <a:extLst>
-                  <a:ext uri="{0D108BD9-81ED-4DB2-BD59-A6C34878D82A}">
-                    <a16:rowId xmlns:a16="http://schemas.microsoft.com/office/drawing/2014/main" val="1762609904"/>
-                  </a:ext>
-                </a:extLst>
-              </a:tr>
-              <a:tr h="370840">
-                <a:tc>
-                  <a:txBody>
-                    <a:bodyPr/>
-                    <a:lstStyle/>
-                    <a:p>
-                      <a:pPr marL="0" marR="0" lvl="0" indent="0" algn="l" defTabSz="914400" rtl="0" eaLnBrk="1" fontAlgn="auto" latinLnBrk="0" hangingPunct="1">
-                        <a:lnSpc>
-                          <a:spcPct val="100000"/>
-                        </a:lnSpc>
-                        <a:spcBef>
-                          <a:spcPts val="0"/>
-                        </a:spcBef>
-                        <a:spcAft>
-                          <a:spcPts val="0"/>
-                        </a:spcAft>
-                        <a:buClrTx/>
-                        <a:buSzTx/>
-                        <a:buFontTx/>
-                        <a:buNone/>
-                        <a:tabLst/>
-                        <a:defRPr/>
-                      </a:pPr>
-                      <a:r>
-                        <a:rPr kumimoji="0" lang="uk-UA" altLang="uk-UA" sz="1400" b="1" i="0" u="none" strike="noStrike" cap="none" normalizeH="0" baseline="0" dirty="0" err="1">
-                          <a:ln>
-                            <a:noFill/>
-                          </a:ln>
-                          <a:solidFill>
-                            <a:srgbClr val="A9B7C6"/>
-                          </a:solidFill>
-                          <a:latin typeface="Courier New" panose="02070309020205020404" pitchFamily="49" charset="0"/>
-                          <a:cs typeface="Courier New" panose="02070309020205020404" pitchFamily="49" charset="0"/>
-                        </a:rPr>
-                        <a:t>String</a:t>
-                      </a:r>
-                      <a:r>
-                        <a:rPr kumimoji="0" lang="uk-UA" altLang="uk-UA" sz="1400" b="1" i="0" u="none" strike="noStrike" cap="none" normalizeH="0" baseline="0" dirty="0">
-                          <a:ln>
-                            <a:noFill/>
-                          </a:ln>
-                          <a:solidFill>
-                            <a:srgbClr val="A9B7C6"/>
-                          </a:solidFill>
-                          <a:latin typeface="Courier New" panose="02070309020205020404" pitchFamily="49" charset="0"/>
-                          <a:cs typeface="Courier New" panose="02070309020205020404" pitchFamily="49" charset="0"/>
-                        </a:rPr>
-                        <a:t> </a:t>
-                      </a:r>
-                      <a:r>
-                        <a:rPr kumimoji="0" lang="uk-UA" altLang="uk-UA" sz="1400" b="1" i="0" u="none" strike="noStrike" cap="none" normalizeH="0" baseline="0" dirty="0" err="1">
-                          <a:ln>
-                            <a:noFill/>
-                          </a:ln>
-                          <a:solidFill>
-                            <a:srgbClr val="A9B7C6"/>
-                          </a:solidFill>
-                          <a:latin typeface="Courier New" panose="02070309020205020404" pitchFamily="49" charset="0"/>
-                          <a:cs typeface="Courier New" panose="02070309020205020404" pitchFamily="49" charset="0"/>
-                        </a:rPr>
-                        <a:t>string</a:t>
-                      </a:r>
-                      <a:r>
-                        <a:rPr kumimoji="0" lang="uk-UA" altLang="uk-UA" sz="1400" b="1" i="0" u="none" strike="noStrike" cap="none" normalizeH="0" baseline="0" dirty="0">
-                          <a:ln>
-                            <a:noFill/>
-                          </a:ln>
-                          <a:solidFill>
-                            <a:srgbClr val="A9B7C6"/>
-                          </a:solidFill>
-                          <a:latin typeface="Courier New" panose="02070309020205020404" pitchFamily="49" charset="0"/>
-                          <a:cs typeface="Courier New" panose="02070309020205020404" pitchFamily="49" charset="0"/>
-                        </a:rPr>
-                        <a:t> = </a:t>
-                      </a:r>
-                      <a:r>
-                        <a:rPr kumimoji="0" lang="uk-UA" altLang="uk-UA" sz="1400" b="1" i="0" u="none" strike="noStrike" cap="none" normalizeH="0" baseline="0" dirty="0">
-                          <a:ln>
-                            <a:noFill/>
-                          </a:ln>
-                          <a:solidFill>
-                            <a:srgbClr val="6A8759"/>
-                          </a:solidFill>
-                          <a:latin typeface="Courier New" panose="02070309020205020404" pitchFamily="49" charset="0"/>
-                          <a:cs typeface="Courier New" panose="02070309020205020404" pitchFamily="49" charset="0"/>
-                        </a:rPr>
-                        <a:t>"10 11 12 13 14 15 99"</a:t>
-                      </a:r>
-                      <a:r>
-                        <a:rPr kumimoji="0" lang="uk-UA" altLang="uk-UA" sz="1400" b="1" i="0" u="none" strike="noStrike" cap="none" normalizeH="0" baseline="0" dirty="0">
-                          <a:ln>
-                            <a:noFill/>
-                          </a:ln>
-                          <a:solidFill>
-                            <a:srgbClr val="CC7832"/>
-                          </a:solidFill>
-                          <a:latin typeface="Courier New" panose="02070309020205020404" pitchFamily="49" charset="0"/>
-                          <a:cs typeface="Courier New" panose="02070309020205020404" pitchFamily="49" charset="0"/>
-                        </a:rPr>
-                        <a:t>;</a:t>
-                      </a:r>
-                      <a:br>
-                        <a:rPr kumimoji="0" lang="uk-UA" altLang="uk-UA" sz="1400" b="1" i="0" u="none" strike="noStrike" cap="none" normalizeH="0" baseline="0" dirty="0">
-                          <a:ln>
-                            <a:noFill/>
-                          </a:ln>
-                          <a:solidFill>
-                            <a:srgbClr val="CC7832"/>
-                          </a:solidFill>
-                          <a:latin typeface="Courier New" panose="02070309020205020404" pitchFamily="49" charset="0"/>
-                          <a:cs typeface="Courier New" panose="02070309020205020404" pitchFamily="49" charset="0"/>
-                        </a:rPr>
-                      </a:br>
-                      <a:r>
-                        <a:rPr kumimoji="0" lang="uk-UA" altLang="uk-UA" sz="1400" b="1" i="0" u="none" strike="noStrike" cap="none" normalizeH="0" baseline="0" dirty="0" err="1">
-                          <a:ln>
-                            <a:noFill/>
-                          </a:ln>
-                          <a:solidFill>
-                            <a:srgbClr val="A9B7C6"/>
-                          </a:solidFill>
-                          <a:latin typeface="Courier New" panose="02070309020205020404" pitchFamily="49" charset="0"/>
-                          <a:cs typeface="Courier New" panose="02070309020205020404" pitchFamily="49" charset="0"/>
-                        </a:rPr>
-                        <a:t>Scanner</a:t>
-                      </a:r>
-                      <a:r>
-                        <a:rPr kumimoji="0" lang="uk-UA" altLang="uk-UA" sz="1400" b="1" i="0" u="none" strike="noStrike" cap="none" normalizeH="0" baseline="0" dirty="0">
-                          <a:ln>
-                            <a:noFill/>
-                          </a:ln>
-                          <a:solidFill>
-                            <a:srgbClr val="A9B7C6"/>
-                          </a:solidFill>
-                          <a:latin typeface="Courier New" panose="02070309020205020404" pitchFamily="49" charset="0"/>
-                          <a:cs typeface="Courier New" panose="02070309020205020404" pitchFamily="49" charset="0"/>
-                        </a:rPr>
-                        <a:t> </a:t>
-                      </a:r>
-                      <a:r>
-                        <a:rPr kumimoji="0" lang="uk-UA" altLang="uk-UA" sz="1400" b="1" i="0" u="none" strike="noStrike" cap="none" normalizeH="0" baseline="0" dirty="0" err="1">
-                          <a:ln>
-                            <a:noFill/>
-                          </a:ln>
-                          <a:solidFill>
-                            <a:srgbClr val="A9B7C6"/>
-                          </a:solidFill>
-                          <a:latin typeface="Courier New" panose="02070309020205020404" pitchFamily="49" charset="0"/>
-                          <a:cs typeface="Courier New" panose="02070309020205020404" pitchFamily="49" charset="0"/>
-                        </a:rPr>
-                        <a:t>sc</a:t>
-                      </a:r>
-                      <a:r>
-                        <a:rPr kumimoji="0" lang="uk-UA" altLang="uk-UA" sz="1400" b="1" i="0" u="none" strike="noStrike" cap="none" normalizeH="0" baseline="0" dirty="0">
-                          <a:ln>
-                            <a:noFill/>
-                          </a:ln>
-                          <a:solidFill>
-                            <a:srgbClr val="A9B7C6"/>
-                          </a:solidFill>
-                          <a:latin typeface="Courier New" panose="02070309020205020404" pitchFamily="49" charset="0"/>
-                          <a:cs typeface="Courier New" panose="02070309020205020404" pitchFamily="49" charset="0"/>
-                        </a:rPr>
-                        <a:t> = </a:t>
-                      </a:r>
-                      <a:r>
-                        <a:rPr kumimoji="0" lang="uk-UA" altLang="uk-UA" sz="1400" b="1" i="0" u="none" strike="noStrike" cap="none" normalizeH="0" baseline="0" dirty="0" err="1">
-                          <a:ln>
-                            <a:noFill/>
-                          </a:ln>
-                          <a:solidFill>
-                            <a:srgbClr val="CC7832"/>
-                          </a:solidFill>
-                          <a:latin typeface="Courier New" panose="02070309020205020404" pitchFamily="49" charset="0"/>
-                          <a:cs typeface="Courier New" panose="02070309020205020404" pitchFamily="49" charset="0"/>
-                        </a:rPr>
-                        <a:t>new</a:t>
-                      </a:r>
-                      <a:r>
-                        <a:rPr kumimoji="0" lang="uk-UA" altLang="uk-UA" sz="1400" b="1" i="0" u="none" strike="noStrike" cap="none" normalizeH="0" baseline="0" dirty="0">
-                          <a:ln>
-                            <a:noFill/>
-                          </a:ln>
-                          <a:solidFill>
-                            <a:srgbClr val="CC7832"/>
-                          </a:solidFill>
-                          <a:latin typeface="Courier New" panose="02070309020205020404" pitchFamily="49" charset="0"/>
-                          <a:cs typeface="Courier New" panose="02070309020205020404" pitchFamily="49" charset="0"/>
-                        </a:rPr>
-                        <a:t> </a:t>
-                      </a:r>
-                      <a:r>
-                        <a:rPr kumimoji="0" lang="uk-UA" altLang="uk-UA" sz="1400" b="1" i="0" u="none" strike="noStrike" cap="none" normalizeH="0" baseline="0" dirty="0" err="1">
-                          <a:ln>
-                            <a:noFill/>
-                          </a:ln>
-                          <a:solidFill>
-                            <a:srgbClr val="A9B7C6"/>
-                          </a:solidFill>
-                          <a:latin typeface="Courier New" panose="02070309020205020404" pitchFamily="49" charset="0"/>
-                          <a:cs typeface="Courier New" panose="02070309020205020404" pitchFamily="49" charset="0"/>
-                        </a:rPr>
-                        <a:t>Scanner</a:t>
-                      </a:r>
-                      <a:r>
-                        <a:rPr kumimoji="0" lang="uk-UA" altLang="uk-UA" sz="1400" b="1" i="0" u="none" strike="noStrike" cap="none" normalizeH="0" baseline="0" dirty="0">
-                          <a:ln>
-                            <a:noFill/>
-                          </a:ln>
-                          <a:solidFill>
-                            <a:srgbClr val="A9B7C6"/>
-                          </a:solidFill>
-                          <a:latin typeface="Courier New" panose="02070309020205020404" pitchFamily="49" charset="0"/>
-                          <a:cs typeface="Courier New" panose="02070309020205020404" pitchFamily="49" charset="0"/>
-                        </a:rPr>
-                        <a:t>(</a:t>
-                      </a:r>
-                      <a:r>
-                        <a:rPr kumimoji="0" lang="uk-UA" altLang="uk-UA" sz="1400" b="1" i="0" u="none" strike="noStrike" cap="none" normalizeH="0" baseline="0" dirty="0" err="1">
-                          <a:ln>
-                            <a:noFill/>
-                          </a:ln>
-                          <a:solidFill>
-                            <a:srgbClr val="A9B7C6"/>
-                          </a:solidFill>
-                          <a:latin typeface="Courier New" panose="02070309020205020404" pitchFamily="49" charset="0"/>
-                          <a:cs typeface="Courier New" panose="02070309020205020404" pitchFamily="49" charset="0"/>
-                        </a:rPr>
-                        <a:t>string</a:t>
-                      </a:r>
-                      <a:r>
-                        <a:rPr kumimoji="0" lang="uk-UA" altLang="uk-UA" sz="1400" b="1" i="0" u="none" strike="noStrike" cap="none" normalizeH="0" baseline="0" dirty="0">
-                          <a:ln>
-                            <a:noFill/>
-                          </a:ln>
-                          <a:solidFill>
-                            <a:srgbClr val="A9B7C6"/>
-                          </a:solidFill>
-                          <a:latin typeface="Courier New" panose="02070309020205020404" pitchFamily="49" charset="0"/>
-                          <a:cs typeface="Courier New" panose="02070309020205020404" pitchFamily="49" charset="0"/>
-                        </a:rPr>
-                        <a:t>)</a:t>
-                      </a:r>
-                      <a:r>
-                        <a:rPr kumimoji="0" lang="uk-UA" altLang="uk-UA" sz="1400" b="1" i="0" u="none" strike="noStrike" cap="none" normalizeH="0" baseline="0" dirty="0">
-                          <a:ln>
-                            <a:noFill/>
-                          </a:ln>
-                          <a:solidFill>
-                            <a:srgbClr val="CC7832"/>
-                          </a:solidFill>
-                          <a:latin typeface="Courier New" panose="02070309020205020404" pitchFamily="49" charset="0"/>
-                          <a:cs typeface="Courier New" panose="02070309020205020404" pitchFamily="49" charset="0"/>
-                        </a:rPr>
-                        <a:t>;</a:t>
-                      </a:r>
-                      <a:br>
-                        <a:rPr kumimoji="0" lang="uk-UA" altLang="uk-UA" sz="1400" b="1" i="0" u="none" strike="noStrike" cap="none" normalizeH="0" baseline="0" dirty="0">
-                          <a:ln>
-                            <a:noFill/>
-                          </a:ln>
-                          <a:solidFill>
-                            <a:srgbClr val="CC7832"/>
-                          </a:solidFill>
-                          <a:latin typeface="Courier New" panose="02070309020205020404" pitchFamily="49" charset="0"/>
-                          <a:cs typeface="Courier New" panose="02070309020205020404" pitchFamily="49" charset="0"/>
-                        </a:rPr>
-                      </a:br>
-                      <a:r>
-                        <a:rPr kumimoji="0" lang="uk-UA" altLang="uk-UA" sz="1400" b="1" i="0" u="none" strike="noStrike" cap="none" normalizeH="0" baseline="0" dirty="0" err="1">
-                          <a:ln>
-                            <a:noFill/>
-                          </a:ln>
-                          <a:solidFill>
-                            <a:srgbClr val="CC7832"/>
-                          </a:solidFill>
-                          <a:latin typeface="Courier New" panose="02070309020205020404" pitchFamily="49" charset="0"/>
-                          <a:cs typeface="Courier New" panose="02070309020205020404" pitchFamily="49" charset="0"/>
-                        </a:rPr>
-                        <a:t>while</a:t>
-                      </a:r>
-                      <a:r>
-                        <a:rPr kumimoji="0" lang="uk-UA" altLang="uk-UA" sz="1400" b="1" i="0" u="none" strike="noStrike" cap="none" normalizeH="0" baseline="0" dirty="0">
-                          <a:ln>
-                            <a:noFill/>
-                          </a:ln>
-                          <a:solidFill>
-                            <a:srgbClr val="CC7832"/>
-                          </a:solidFill>
-                          <a:latin typeface="Courier New" panose="02070309020205020404" pitchFamily="49" charset="0"/>
-                          <a:cs typeface="Courier New" panose="02070309020205020404" pitchFamily="49" charset="0"/>
-                        </a:rPr>
-                        <a:t> </a:t>
-                      </a:r>
-                      <a:r>
-                        <a:rPr kumimoji="0" lang="uk-UA" altLang="uk-UA" sz="1400" b="1" i="0" u="none" strike="noStrike" cap="none" normalizeH="0" baseline="0" dirty="0">
-                          <a:ln>
-                            <a:noFill/>
-                          </a:ln>
-                          <a:solidFill>
-                            <a:srgbClr val="A9B7C6"/>
-                          </a:solidFill>
-                          <a:latin typeface="Courier New" panose="02070309020205020404" pitchFamily="49" charset="0"/>
-                          <a:cs typeface="Courier New" panose="02070309020205020404" pitchFamily="49" charset="0"/>
-                        </a:rPr>
-                        <a:t>(</a:t>
-                      </a:r>
-                      <a:r>
-                        <a:rPr kumimoji="0" lang="uk-UA" altLang="uk-UA" sz="1400" b="1" i="0" u="none" strike="noStrike" cap="none" normalizeH="0" baseline="0" dirty="0" err="1">
-                          <a:ln>
-                            <a:noFill/>
-                          </a:ln>
-                          <a:solidFill>
-                            <a:srgbClr val="A9B7C6"/>
-                          </a:solidFill>
-                          <a:latin typeface="Courier New" panose="02070309020205020404" pitchFamily="49" charset="0"/>
-                          <a:cs typeface="Courier New" panose="02070309020205020404" pitchFamily="49" charset="0"/>
-                        </a:rPr>
-                        <a:t>sc.hasNext</a:t>
-                      </a:r>
-                      <a:r>
-                        <a:rPr kumimoji="0" lang="uk-UA" altLang="uk-UA" sz="1400" b="1" i="0" u="none" strike="noStrike" cap="none" normalizeH="0" baseline="0" dirty="0">
-                          <a:ln>
-                            <a:noFill/>
-                          </a:ln>
-                          <a:solidFill>
-                            <a:srgbClr val="A9B7C6"/>
-                          </a:solidFill>
-                          <a:latin typeface="Courier New" panose="02070309020205020404" pitchFamily="49" charset="0"/>
-                          <a:cs typeface="Courier New" panose="02070309020205020404" pitchFamily="49" charset="0"/>
-                        </a:rPr>
-                        <a:t>())</a:t>
-                      </a:r>
-                      <a:br>
-                        <a:rPr kumimoji="0" lang="uk-UA" altLang="uk-UA" sz="1400" b="1" i="0" u="none" strike="noStrike" cap="none" normalizeH="0" baseline="0" dirty="0">
-                          <a:ln>
-                            <a:noFill/>
-                          </a:ln>
-                          <a:solidFill>
-                            <a:srgbClr val="A9B7C6"/>
-                          </a:solidFill>
-                          <a:latin typeface="Courier New" panose="02070309020205020404" pitchFamily="49" charset="0"/>
-                          <a:cs typeface="Courier New" panose="02070309020205020404" pitchFamily="49" charset="0"/>
-                        </a:rPr>
-                      </a:br>
-                      <a:r>
-                        <a:rPr kumimoji="0" lang="uk-UA" altLang="uk-UA" sz="1400" b="1" i="0" u="none" strike="noStrike" cap="none" normalizeH="0" baseline="0" dirty="0">
-                          <a:ln>
-                            <a:noFill/>
-                          </a:ln>
-                          <a:solidFill>
-                            <a:srgbClr val="A9B7C6"/>
-                          </a:solidFill>
-                          <a:latin typeface="Courier New" panose="02070309020205020404" pitchFamily="49" charset="0"/>
-                          <a:cs typeface="Courier New" panose="02070309020205020404" pitchFamily="49" charset="0"/>
-                        </a:rPr>
-                        <a:t>    </a:t>
-                      </a:r>
-                      <a:r>
-                        <a:rPr kumimoji="0" lang="uk-UA" altLang="uk-UA" sz="1400" b="1" i="0" u="none" strike="noStrike" cap="none" normalizeH="0" baseline="0" dirty="0" err="1">
-                          <a:ln>
-                            <a:noFill/>
-                          </a:ln>
-                          <a:solidFill>
-                            <a:srgbClr val="A9B7C6"/>
-                          </a:solidFill>
-                          <a:latin typeface="Courier New" panose="02070309020205020404" pitchFamily="49" charset="0"/>
-                          <a:cs typeface="Courier New" panose="02070309020205020404" pitchFamily="49" charset="0"/>
-                        </a:rPr>
-                        <a:t>System.</a:t>
-                      </a:r>
-                      <a:r>
-                        <a:rPr kumimoji="0" lang="uk-UA" altLang="uk-UA" sz="1400" b="1" i="1" u="none" strike="noStrike" cap="none" normalizeH="0" baseline="0" dirty="0" err="1">
-                          <a:ln>
-                            <a:noFill/>
-                          </a:ln>
-                          <a:solidFill>
-                            <a:srgbClr val="9876AA"/>
-                          </a:solidFill>
-                          <a:latin typeface="Courier New" panose="02070309020205020404" pitchFamily="49" charset="0"/>
-                          <a:cs typeface="Courier New" panose="02070309020205020404" pitchFamily="49" charset="0"/>
-                        </a:rPr>
-                        <a:t>out</a:t>
-                      </a:r>
-                      <a:r>
-                        <a:rPr kumimoji="0" lang="uk-UA" altLang="uk-UA" sz="1400" b="1" i="0" u="none" strike="noStrike" cap="none" normalizeH="0" baseline="0" dirty="0" err="1">
-                          <a:ln>
-                            <a:noFill/>
-                          </a:ln>
-                          <a:solidFill>
-                            <a:srgbClr val="A9B7C6"/>
-                          </a:solidFill>
-                          <a:latin typeface="Courier New" panose="02070309020205020404" pitchFamily="49" charset="0"/>
-                          <a:cs typeface="Courier New" panose="02070309020205020404" pitchFamily="49" charset="0"/>
-                        </a:rPr>
-                        <a:t>.println</a:t>
-                      </a:r>
-                      <a:r>
-                        <a:rPr kumimoji="0" lang="uk-UA" altLang="uk-UA" sz="1400" b="1" i="0" u="none" strike="noStrike" cap="none" normalizeH="0" baseline="0" dirty="0">
-                          <a:ln>
-                            <a:noFill/>
-                          </a:ln>
-                          <a:solidFill>
-                            <a:srgbClr val="A9B7C6"/>
-                          </a:solidFill>
-                          <a:latin typeface="Courier New" panose="02070309020205020404" pitchFamily="49" charset="0"/>
-                          <a:cs typeface="Courier New" panose="02070309020205020404" pitchFamily="49" charset="0"/>
-                        </a:rPr>
-                        <a:t>(</a:t>
-                      </a:r>
-                      <a:r>
-                        <a:rPr kumimoji="0" lang="uk-UA" altLang="uk-UA" sz="1400" b="1" i="0" u="none" strike="noStrike" cap="none" normalizeH="0" baseline="0" dirty="0" err="1">
-                          <a:ln>
-                            <a:noFill/>
-                          </a:ln>
-                          <a:solidFill>
-                            <a:srgbClr val="A9B7C6"/>
-                          </a:solidFill>
-                          <a:latin typeface="Courier New" panose="02070309020205020404" pitchFamily="49" charset="0"/>
-                          <a:cs typeface="Courier New" panose="02070309020205020404" pitchFamily="49" charset="0"/>
-                        </a:rPr>
-                        <a:t>sc.nextInt</a:t>
-                      </a:r>
-                      <a:r>
-                        <a:rPr kumimoji="0" lang="uk-UA" altLang="uk-UA" sz="1400" b="1" i="0" u="none" strike="noStrike" cap="none" normalizeH="0" baseline="0" dirty="0">
-                          <a:ln>
-                            <a:noFill/>
-                          </a:ln>
-                          <a:solidFill>
-                            <a:srgbClr val="A9B7C6"/>
-                          </a:solidFill>
-                          <a:latin typeface="Courier New" panose="02070309020205020404" pitchFamily="49" charset="0"/>
-                          <a:cs typeface="Courier New" panose="02070309020205020404" pitchFamily="49" charset="0"/>
-                        </a:rPr>
-                        <a:t>())</a:t>
-                      </a:r>
-                      <a:r>
-                        <a:rPr kumimoji="0" lang="uk-UA" altLang="uk-UA" sz="1400" b="1" i="0" u="none" strike="noStrike" cap="none" normalizeH="0" baseline="0" dirty="0">
-                          <a:ln>
-                            <a:noFill/>
-                          </a:ln>
-                          <a:solidFill>
-                            <a:srgbClr val="CC7832"/>
-                          </a:solidFill>
-                          <a:latin typeface="Courier New" panose="02070309020205020404" pitchFamily="49" charset="0"/>
-                          <a:cs typeface="Courier New" panose="02070309020205020404" pitchFamily="49" charset="0"/>
-                        </a:rPr>
-                        <a:t>;</a:t>
-                      </a:r>
-                      <a:br>
-                        <a:rPr kumimoji="0" lang="uk-UA" altLang="uk-UA" sz="1400" b="1" i="0" u="none" strike="noStrike" cap="none" normalizeH="0" baseline="0" dirty="0">
-                          <a:ln>
-                            <a:noFill/>
-                          </a:ln>
-                          <a:solidFill>
-                            <a:srgbClr val="CC7832"/>
-                          </a:solidFill>
-                          <a:latin typeface="Courier New" panose="02070309020205020404" pitchFamily="49" charset="0"/>
-                          <a:cs typeface="Courier New" panose="02070309020205020404" pitchFamily="49" charset="0"/>
-                        </a:rPr>
-                      </a:br>
-                      <a:r>
-                        <a:rPr kumimoji="0" lang="uk-UA" altLang="uk-UA" sz="1400" b="1" i="0" u="none" strike="noStrike" cap="none" normalizeH="0" baseline="0" dirty="0" err="1">
-                          <a:ln>
-                            <a:noFill/>
-                          </a:ln>
-                          <a:solidFill>
-                            <a:srgbClr val="A9B7C6"/>
-                          </a:solidFill>
-                          <a:latin typeface="Courier New" panose="02070309020205020404" pitchFamily="49" charset="0"/>
-                          <a:cs typeface="Courier New" panose="02070309020205020404" pitchFamily="49" charset="0"/>
-                        </a:rPr>
-                        <a:t>sc.close</a:t>
-                      </a:r>
-                      <a:r>
-                        <a:rPr kumimoji="0" lang="uk-UA" altLang="uk-UA" sz="1400" b="1" i="0" u="none" strike="noStrike" cap="none" normalizeH="0" baseline="0" dirty="0">
-                          <a:ln>
-                            <a:noFill/>
-                          </a:ln>
-                          <a:solidFill>
-                            <a:srgbClr val="A9B7C6"/>
-                          </a:solidFill>
-                          <a:latin typeface="Courier New" panose="02070309020205020404" pitchFamily="49" charset="0"/>
-                          <a:cs typeface="Courier New" panose="02070309020205020404" pitchFamily="49" charset="0"/>
-                        </a:rPr>
-                        <a:t>()</a:t>
-                      </a:r>
-                      <a:r>
-                        <a:rPr kumimoji="0" lang="uk-UA" altLang="uk-UA" sz="1400" b="1" i="0" u="none" strike="noStrike" cap="none" normalizeH="0" baseline="0" dirty="0">
-                          <a:ln>
-                            <a:noFill/>
-                          </a:ln>
-                          <a:solidFill>
-                            <a:srgbClr val="CC7832"/>
-                          </a:solidFill>
-                          <a:latin typeface="Courier New" panose="02070309020205020404" pitchFamily="49" charset="0"/>
-                          <a:cs typeface="Courier New" panose="02070309020205020404" pitchFamily="49" charset="0"/>
-                        </a:rPr>
-                        <a:t>;</a:t>
-                      </a:r>
-                      <a:endParaRPr kumimoji="0" lang="uk-UA" altLang="uk-UA" sz="3200" b="1" i="0" u="none" strike="noStrike" cap="none" normalizeH="0" baseline="0" dirty="0">
-                        <a:ln>
-                          <a:noFill/>
-                        </a:ln>
-                        <a:solidFill>
-                          <a:schemeClr val="tx1"/>
-                        </a:solidFill>
-                        <a:latin typeface="Courier New" panose="02070309020205020404" pitchFamily="49" charset="0"/>
-                        <a:cs typeface="Courier New" panose="02070309020205020404" pitchFamily="49" charset="0"/>
-                      </a:endParaRPr>
-                    </a:p>
-                    <a:p>
-                      <a:endParaRPr lang="uk-UA" sz="1400" dirty="0"/>
-                    </a:p>
-                  </a:txBody>
-                  <a:tcPr/>
-                </a:tc>
-                <a:tc>
-                  <a:txBody>
-                    <a:bodyPr/>
-                    <a:lstStyle/>
-                    <a:p>
-                      <a:r>
-                        <a:rPr kumimoji="0" lang="uk-UA" altLang="uk-UA" sz="1400" b="1" i="0" u="none" strike="noStrike" cap="none" normalizeH="0" baseline="0" dirty="0">
-                          <a:ln>
-                            <a:noFill/>
-                          </a:ln>
-                          <a:solidFill>
-                            <a:schemeClr val="tx1"/>
-                          </a:solidFill>
-                          <a:latin typeface="Courier New" panose="02070309020205020404" pitchFamily="49" charset="0"/>
-                          <a:cs typeface="Courier New" panose="02070309020205020404" pitchFamily="49" charset="0"/>
-                        </a:rPr>
-                        <a:t>10 </a:t>
-                      </a:r>
-                    </a:p>
-                    <a:p>
-                      <a:r>
-                        <a:rPr kumimoji="0" lang="uk-UA" altLang="uk-UA" sz="1400" b="1" i="0" u="none" strike="noStrike" cap="none" normalizeH="0" baseline="0" dirty="0">
-                          <a:ln>
-                            <a:noFill/>
-                          </a:ln>
-                          <a:solidFill>
-                            <a:schemeClr val="tx1"/>
-                          </a:solidFill>
-                          <a:latin typeface="Courier New" panose="02070309020205020404" pitchFamily="49" charset="0"/>
-                          <a:cs typeface="Courier New" panose="02070309020205020404" pitchFamily="49" charset="0"/>
-                        </a:rPr>
-                        <a:t>11 </a:t>
-                      </a:r>
-                    </a:p>
-                    <a:p>
-                      <a:r>
-                        <a:rPr kumimoji="0" lang="uk-UA" altLang="uk-UA" sz="1400" b="1" i="0" u="none" strike="noStrike" cap="none" normalizeH="0" baseline="0" dirty="0">
-                          <a:ln>
-                            <a:noFill/>
-                          </a:ln>
-                          <a:solidFill>
-                            <a:schemeClr val="tx1"/>
-                          </a:solidFill>
-                          <a:latin typeface="Courier New" panose="02070309020205020404" pitchFamily="49" charset="0"/>
-                          <a:cs typeface="Courier New" panose="02070309020205020404" pitchFamily="49" charset="0"/>
-                        </a:rPr>
-                        <a:t>12 </a:t>
-                      </a:r>
-                    </a:p>
-                    <a:p>
-                      <a:r>
-                        <a:rPr kumimoji="0" lang="uk-UA" altLang="uk-UA" sz="1400" b="1" i="0" u="none" strike="noStrike" cap="none" normalizeH="0" baseline="0" dirty="0">
-                          <a:ln>
-                            <a:noFill/>
-                          </a:ln>
-                          <a:solidFill>
-                            <a:schemeClr val="tx1"/>
-                          </a:solidFill>
-                          <a:latin typeface="Courier New" panose="02070309020205020404" pitchFamily="49" charset="0"/>
-                          <a:cs typeface="Courier New" panose="02070309020205020404" pitchFamily="49" charset="0"/>
-                        </a:rPr>
-                        <a:t>13 </a:t>
-                      </a:r>
-                    </a:p>
-                    <a:p>
-                      <a:r>
-                        <a:rPr kumimoji="0" lang="uk-UA" altLang="uk-UA" sz="1400" b="1" i="0" u="none" strike="noStrike" cap="none" normalizeH="0" baseline="0" dirty="0">
-                          <a:ln>
-                            <a:noFill/>
-                          </a:ln>
-                          <a:solidFill>
-                            <a:schemeClr val="tx1"/>
-                          </a:solidFill>
-                          <a:latin typeface="Courier New" panose="02070309020205020404" pitchFamily="49" charset="0"/>
-                          <a:cs typeface="Courier New" panose="02070309020205020404" pitchFamily="49" charset="0"/>
-                        </a:rPr>
-                        <a:t>14 </a:t>
-                      </a:r>
-                    </a:p>
-                    <a:p>
-                      <a:r>
-                        <a:rPr kumimoji="0" lang="uk-UA" altLang="uk-UA" sz="1400" b="1" i="0" u="none" strike="noStrike" cap="none" normalizeH="0" baseline="0" dirty="0">
-                          <a:ln>
-                            <a:noFill/>
-                          </a:ln>
-                          <a:solidFill>
-                            <a:schemeClr val="tx1"/>
-                          </a:solidFill>
-                          <a:latin typeface="Courier New" panose="02070309020205020404" pitchFamily="49" charset="0"/>
-                          <a:cs typeface="Courier New" panose="02070309020205020404" pitchFamily="49" charset="0"/>
-                        </a:rPr>
-                        <a:t>15 </a:t>
-                      </a:r>
-                    </a:p>
-                    <a:p>
-                      <a:r>
-                        <a:rPr kumimoji="0" lang="uk-UA" altLang="uk-UA" sz="1400" b="1" i="0" u="none" strike="noStrike" cap="none" normalizeH="0" baseline="0" dirty="0">
-                          <a:ln>
-                            <a:noFill/>
-                          </a:ln>
-                          <a:solidFill>
-                            <a:schemeClr val="tx1"/>
-                          </a:solidFill>
-                          <a:latin typeface="Courier New" panose="02070309020205020404" pitchFamily="49" charset="0"/>
-                          <a:cs typeface="Courier New" panose="02070309020205020404" pitchFamily="49" charset="0"/>
-                        </a:rPr>
-                        <a:t>99</a:t>
-                      </a:r>
-                      <a:endParaRPr lang="uk-UA" sz="1400" dirty="0">
-                        <a:solidFill>
-                          <a:schemeClr val="tx1"/>
-                        </a:solidFill>
-                      </a:endParaRPr>
-                    </a:p>
-                  </a:txBody>
-                  <a:tcPr/>
-                </a:tc>
-                <a:extLst>
-                  <a:ext uri="{0D108BD9-81ED-4DB2-BD59-A6C34878D82A}">
-                    <a16:rowId xmlns:a16="http://schemas.microsoft.com/office/drawing/2014/main" val="1536149289"/>
-                  </a:ext>
-                </a:extLst>
-              </a:tr>
-              <a:tr h="370840">
-                <a:tc>
-                  <a:txBody>
-                    <a:bodyPr/>
-                    <a:lstStyle/>
-                    <a:p>
-                      <a:pPr marL="0" marR="0" lvl="0" indent="0" algn="l" defTabSz="914400" rtl="0" eaLnBrk="1" fontAlgn="auto" latinLnBrk="0" hangingPunct="1">
-                        <a:lnSpc>
-                          <a:spcPct val="100000"/>
-                        </a:lnSpc>
-                        <a:spcBef>
-                          <a:spcPts val="0"/>
-                        </a:spcBef>
-                        <a:spcAft>
-                          <a:spcPts val="0"/>
-                        </a:spcAft>
-                        <a:buClrTx/>
-                        <a:buSzTx/>
-                        <a:buFontTx/>
-                        <a:buNone/>
-                        <a:tabLst/>
-                        <a:defRPr/>
-                      </a:pPr>
-                      <a:r>
-                        <a:rPr kumimoji="0" lang="uk-UA" altLang="uk-UA" sz="1400" b="1" i="0" u="none" strike="noStrike" cap="none" normalizeH="0" baseline="0" dirty="0" err="1">
-                          <a:ln>
-                            <a:noFill/>
-                          </a:ln>
-                          <a:solidFill>
-                            <a:srgbClr val="A9B7C6"/>
-                          </a:solidFill>
-                          <a:latin typeface="Courier New" panose="02070309020205020404" pitchFamily="49" charset="0"/>
-                          <a:cs typeface="Courier New" panose="02070309020205020404" pitchFamily="49" charset="0"/>
-                        </a:rPr>
-                        <a:t>String</a:t>
-                      </a:r>
-                      <a:r>
-                        <a:rPr kumimoji="0" lang="uk-UA" altLang="uk-UA" sz="1400" b="1" i="0" u="none" strike="noStrike" cap="none" normalizeH="0" baseline="0" dirty="0">
-                          <a:ln>
-                            <a:noFill/>
-                          </a:ln>
-                          <a:solidFill>
-                            <a:srgbClr val="A9B7C6"/>
-                          </a:solidFill>
-                          <a:latin typeface="Courier New" panose="02070309020205020404" pitchFamily="49" charset="0"/>
-                          <a:cs typeface="Courier New" panose="02070309020205020404" pitchFamily="49" charset="0"/>
-                        </a:rPr>
-                        <a:t> </a:t>
-                      </a:r>
-                      <a:r>
-                        <a:rPr kumimoji="0" lang="uk-UA" altLang="uk-UA" sz="1400" b="1" i="0" u="none" strike="noStrike" cap="none" normalizeH="0" baseline="0" dirty="0" err="1">
-                          <a:ln>
-                            <a:noFill/>
-                          </a:ln>
-                          <a:solidFill>
-                            <a:srgbClr val="A9B7C6"/>
-                          </a:solidFill>
-                          <a:latin typeface="Courier New" panose="02070309020205020404" pitchFamily="49" charset="0"/>
-                          <a:cs typeface="Courier New" panose="02070309020205020404" pitchFamily="49" charset="0"/>
-                        </a:rPr>
-                        <a:t>string</a:t>
-                      </a:r>
-                      <a:r>
-                        <a:rPr kumimoji="0" lang="uk-UA" altLang="uk-UA" sz="1400" b="1" i="0" u="none" strike="noStrike" cap="none" normalizeH="0" baseline="0" dirty="0">
-                          <a:ln>
-                            <a:noFill/>
-                          </a:ln>
-                          <a:solidFill>
-                            <a:srgbClr val="A9B7C6"/>
-                          </a:solidFill>
-                          <a:latin typeface="Courier New" panose="02070309020205020404" pitchFamily="49" charset="0"/>
-                          <a:cs typeface="Courier New" panose="02070309020205020404" pitchFamily="49" charset="0"/>
-                        </a:rPr>
-                        <a:t> = </a:t>
-                      </a:r>
-                      <a:r>
-                        <a:rPr kumimoji="0" lang="uk-UA" altLang="uk-UA" sz="1400" b="1" i="0" u="none" strike="noStrike" cap="none" normalizeH="0" baseline="0" dirty="0">
-                          <a:ln>
-                            <a:noFill/>
-                          </a:ln>
-                          <a:solidFill>
-                            <a:srgbClr val="6A8759"/>
-                          </a:solidFill>
-                          <a:latin typeface="Courier New" panose="02070309020205020404" pitchFamily="49" charset="0"/>
-                          <a:cs typeface="Courier New" panose="02070309020205020404" pitchFamily="49" charset="0"/>
-                        </a:rPr>
-                        <a:t>"10as </a:t>
-                      </a:r>
-                      <a:r>
-                        <a:rPr kumimoji="0" lang="uk-UA" altLang="uk-UA" sz="1400" b="1" i="0" u="none" strike="noStrike" cap="none" normalizeH="0" baseline="0" dirty="0" err="1">
-                          <a:ln>
-                            <a:noFill/>
-                          </a:ln>
-                          <a:solidFill>
-                            <a:srgbClr val="6A8759"/>
-                          </a:solidFill>
-                          <a:latin typeface="Courier New" panose="02070309020205020404" pitchFamily="49" charset="0"/>
-                          <a:cs typeface="Courier New" panose="02070309020205020404" pitchFamily="49" charset="0"/>
-                        </a:rPr>
-                        <a:t>ads</a:t>
-                      </a:r>
-                      <a:r>
-                        <a:rPr kumimoji="0" lang="uk-UA" altLang="uk-UA" sz="1400" b="1" i="0" u="none" strike="noStrike" cap="none" normalizeH="0" baseline="0" dirty="0">
-                          <a:ln>
-                            <a:noFill/>
-                          </a:ln>
-                          <a:solidFill>
-                            <a:srgbClr val="6A8759"/>
-                          </a:solidFill>
-                          <a:latin typeface="Courier New" panose="02070309020205020404" pitchFamily="49" charset="0"/>
-                          <a:cs typeface="Courier New" panose="02070309020205020404" pitchFamily="49" charset="0"/>
-                        </a:rPr>
-                        <a:t> </a:t>
-                      </a:r>
-                      <a:r>
-                        <a:rPr kumimoji="0" lang="uk-UA" altLang="uk-UA" sz="1400" b="1" i="0" u="none" strike="noStrike" cap="none" normalizeH="0" baseline="0" dirty="0" err="1">
-                          <a:ln>
-                            <a:noFill/>
-                          </a:ln>
-                          <a:solidFill>
-                            <a:srgbClr val="6A8759"/>
-                          </a:solidFill>
-                          <a:latin typeface="Courier New" panose="02070309020205020404" pitchFamily="49" charset="0"/>
-                          <a:cs typeface="Courier New" panose="02070309020205020404" pitchFamily="49" charset="0"/>
-                        </a:rPr>
-                        <a:t>dg</a:t>
-                      </a:r>
-                      <a:r>
-                        <a:rPr kumimoji="0" lang="uk-UA" altLang="uk-UA" sz="1400" b="1" i="0" u="none" strike="noStrike" cap="none" normalizeH="0" baseline="0" dirty="0">
-                          <a:ln>
-                            <a:noFill/>
-                          </a:ln>
-                          <a:solidFill>
-                            <a:srgbClr val="6A8759"/>
-                          </a:solidFill>
-                          <a:latin typeface="Courier New" panose="02070309020205020404" pitchFamily="49" charset="0"/>
-                          <a:cs typeface="Courier New" panose="02070309020205020404" pitchFamily="49" charset="0"/>
-                        </a:rPr>
-                        <a:t> as13 133as 15 9as9"</a:t>
-                      </a:r>
-                      <a:r>
-                        <a:rPr kumimoji="0" lang="uk-UA" altLang="uk-UA" sz="1400" b="1" i="0" u="none" strike="noStrike" cap="none" normalizeH="0" baseline="0" dirty="0">
-                          <a:ln>
-                            <a:noFill/>
-                          </a:ln>
-                          <a:solidFill>
-                            <a:srgbClr val="CC7832"/>
-                          </a:solidFill>
-                          <a:latin typeface="Courier New" panose="02070309020205020404" pitchFamily="49" charset="0"/>
-                          <a:cs typeface="Courier New" panose="02070309020205020404" pitchFamily="49" charset="0"/>
-                        </a:rPr>
-                        <a:t>;</a:t>
-                      </a:r>
-                      <a:br>
-                        <a:rPr kumimoji="0" lang="uk-UA" altLang="uk-UA" sz="1400" b="1" i="0" u="none" strike="noStrike" cap="none" normalizeH="0" baseline="0" dirty="0">
-                          <a:ln>
-                            <a:noFill/>
-                          </a:ln>
-                          <a:solidFill>
-                            <a:srgbClr val="CC7832"/>
-                          </a:solidFill>
-                          <a:latin typeface="Courier New" panose="02070309020205020404" pitchFamily="49" charset="0"/>
-                          <a:cs typeface="Courier New" panose="02070309020205020404" pitchFamily="49" charset="0"/>
-                        </a:rPr>
-                      </a:br>
-                      <a:r>
-                        <a:rPr kumimoji="0" lang="uk-UA" altLang="uk-UA" sz="1400" b="1" i="0" u="none" strike="noStrike" cap="none" normalizeH="0" baseline="0" dirty="0" err="1">
-                          <a:ln>
-                            <a:noFill/>
-                          </a:ln>
-                          <a:solidFill>
-                            <a:srgbClr val="A9B7C6"/>
-                          </a:solidFill>
-                          <a:latin typeface="Courier New" panose="02070309020205020404" pitchFamily="49" charset="0"/>
-                          <a:cs typeface="Courier New" panose="02070309020205020404" pitchFamily="49" charset="0"/>
-                        </a:rPr>
-                        <a:t>Scanner</a:t>
-                      </a:r>
-                      <a:r>
-                        <a:rPr kumimoji="0" lang="uk-UA" altLang="uk-UA" sz="1400" b="1" i="0" u="none" strike="noStrike" cap="none" normalizeH="0" baseline="0" dirty="0">
-                          <a:ln>
-                            <a:noFill/>
-                          </a:ln>
-                          <a:solidFill>
-                            <a:srgbClr val="A9B7C6"/>
-                          </a:solidFill>
-                          <a:latin typeface="Courier New" panose="02070309020205020404" pitchFamily="49" charset="0"/>
-                          <a:cs typeface="Courier New" panose="02070309020205020404" pitchFamily="49" charset="0"/>
-                        </a:rPr>
-                        <a:t> </a:t>
-                      </a:r>
-                      <a:r>
-                        <a:rPr kumimoji="0" lang="uk-UA" altLang="uk-UA" sz="1400" b="1" i="0" u="none" strike="noStrike" cap="none" normalizeH="0" baseline="0" dirty="0" err="1">
-                          <a:ln>
-                            <a:noFill/>
-                          </a:ln>
-                          <a:solidFill>
-                            <a:srgbClr val="A9B7C6"/>
-                          </a:solidFill>
-                          <a:latin typeface="Courier New" panose="02070309020205020404" pitchFamily="49" charset="0"/>
-                          <a:cs typeface="Courier New" panose="02070309020205020404" pitchFamily="49" charset="0"/>
-                        </a:rPr>
-                        <a:t>sc</a:t>
-                      </a:r>
-                      <a:r>
-                        <a:rPr kumimoji="0" lang="uk-UA" altLang="uk-UA" sz="1400" b="1" i="0" u="none" strike="noStrike" cap="none" normalizeH="0" baseline="0" dirty="0">
-                          <a:ln>
-                            <a:noFill/>
-                          </a:ln>
-                          <a:solidFill>
-                            <a:srgbClr val="A9B7C6"/>
-                          </a:solidFill>
-                          <a:latin typeface="Courier New" panose="02070309020205020404" pitchFamily="49" charset="0"/>
-                          <a:cs typeface="Courier New" panose="02070309020205020404" pitchFamily="49" charset="0"/>
-                        </a:rPr>
-                        <a:t> = </a:t>
-                      </a:r>
-                      <a:r>
-                        <a:rPr kumimoji="0" lang="uk-UA" altLang="uk-UA" sz="1400" b="1" i="0" u="none" strike="noStrike" cap="none" normalizeH="0" baseline="0" dirty="0" err="1">
-                          <a:ln>
-                            <a:noFill/>
-                          </a:ln>
-                          <a:solidFill>
-                            <a:srgbClr val="CC7832"/>
-                          </a:solidFill>
-                          <a:latin typeface="Courier New" panose="02070309020205020404" pitchFamily="49" charset="0"/>
-                          <a:cs typeface="Courier New" panose="02070309020205020404" pitchFamily="49" charset="0"/>
-                        </a:rPr>
-                        <a:t>new</a:t>
-                      </a:r>
-                      <a:r>
-                        <a:rPr kumimoji="0" lang="uk-UA" altLang="uk-UA" sz="1400" b="1" i="0" u="none" strike="noStrike" cap="none" normalizeH="0" baseline="0" dirty="0">
-                          <a:ln>
-                            <a:noFill/>
-                          </a:ln>
-                          <a:solidFill>
-                            <a:srgbClr val="CC7832"/>
-                          </a:solidFill>
-                          <a:latin typeface="Courier New" panose="02070309020205020404" pitchFamily="49" charset="0"/>
-                          <a:cs typeface="Courier New" panose="02070309020205020404" pitchFamily="49" charset="0"/>
-                        </a:rPr>
-                        <a:t> </a:t>
-                      </a:r>
-                      <a:r>
-                        <a:rPr kumimoji="0" lang="uk-UA" altLang="uk-UA" sz="1400" b="1" i="0" u="none" strike="noStrike" cap="none" normalizeH="0" baseline="0" dirty="0" err="1">
-                          <a:ln>
-                            <a:noFill/>
-                          </a:ln>
-                          <a:solidFill>
-                            <a:srgbClr val="A9B7C6"/>
-                          </a:solidFill>
-                          <a:latin typeface="Courier New" panose="02070309020205020404" pitchFamily="49" charset="0"/>
-                          <a:cs typeface="Courier New" panose="02070309020205020404" pitchFamily="49" charset="0"/>
-                        </a:rPr>
-                        <a:t>Scanner</a:t>
-                      </a:r>
-                      <a:r>
-                        <a:rPr kumimoji="0" lang="uk-UA" altLang="uk-UA" sz="1400" b="1" i="0" u="none" strike="noStrike" cap="none" normalizeH="0" baseline="0" dirty="0">
-                          <a:ln>
-                            <a:noFill/>
-                          </a:ln>
-                          <a:solidFill>
-                            <a:srgbClr val="A9B7C6"/>
-                          </a:solidFill>
-                          <a:latin typeface="Courier New" panose="02070309020205020404" pitchFamily="49" charset="0"/>
-                          <a:cs typeface="Courier New" panose="02070309020205020404" pitchFamily="49" charset="0"/>
-                        </a:rPr>
-                        <a:t>(</a:t>
-                      </a:r>
-                      <a:r>
-                        <a:rPr kumimoji="0" lang="uk-UA" altLang="uk-UA" sz="1400" b="1" i="0" u="none" strike="noStrike" cap="none" normalizeH="0" baseline="0" dirty="0" err="1">
-                          <a:ln>
-                            <a:noFill/>
-                          </a:ln>
-                          <a:solidFill>
-                            <a:srgbClr val="A9B7C6"/>
-                          </a:solidFill>
-                          <a:latin typeface="Courier New" panose="02070309020205020404" pitchFamily="49" charset="0"/>
-                          <a:cs typeface="Courier New" panose="02070309020205020404" pitchFamily="49" charset="0"/>
-                        </a:rPr>
-                        <a:t>string</a:t>
-                      </a:r>
-                      <a:r>
-                        <a:rPr kumimoji="0" lang="uk-UA" altLang="uk-UA" sz="1400" b="1" i="0" u="none" strike="noStrike" cap="none" normalizeH="0" baseline="0" dirty="0">
-                          <a:ln>
-                            <a:noFill/>
-                          </a:ln>
-                          <a:solidFill>
-                            <a:srgbClr val="A9B7C6"/>
-                          </a:solidFill>
-                          <a:latin typeface="Courier New" panose="02070309020205020404" pitchFamily="49" charset="0"/>
-                          <a:cs typeface="Courier New" panose="02070309020205020404" pitchFamily="49" charset="0"/>
-                        </a:rPr>
-                        <a:t>)</a:t>
-                      </a:r>
-                      <a:r>
-                        <a:rPr kumimoji="0" lang="uk-UA" altLang="uk-UA" sz="1400" b="1" i="0" u="none" strike="noStrike" cap="none" normalizeH="0" baseline="0" dirty="0">
-                          <a:ln>
-                            <a:noFill/>
-                          </a:ln>
-                          <a:solidFill>
-                            <a:srgbClr val="CC7832"/>
-                          </a:solidFill>
-                          <a:latin typeface="Courier New" panose="02070309020205020404" pitchFamily="49" charset="0"/>
-                          <a:cs typeface="Courier New" panose="02070309020205020404" pitchFamily="49" charset="0"/>
-                        </a:rPr>
-                        <a:t>;</a:t>
-                      </a:r>
-                      <a:br>
-                        <a:rPr kumimoji="0" lang="uk-UA" altLang="uk-UA" sz="1400" b="1" i="0" u="none" strike="noStrike" cap="none" normalizeH="0" baseline="0" dirty="0">
-                          <a:ln>
-                            <a:noFill/>
-                          </a:ln>
-                          <a:solidFill>
-                            <a:srgbClr val="CC7832"/>
-                          </a:solidFill>
-                          <a:latin typeface="Courier New" panose="02070309020205020404" pitchFamily="49" charset="0"/>
-                          <a:cs typeface="Courier New" panose="02070309020205020404" pitchFamily="49" charset="0"/>
-                        </a:rPr>
-                      </a:br>
-                      <a:r>
-                        <a:rPr kumimoji="0" lang="uk-UA" altLang="uk-UA" sz="1400" b="1" i="0" u="none" strike="noStrike" cap="none" normalizeH="0" baseline="0" dirty="0" err="1">
-                          <a:ln>
-                            <a:noFill/>
-                          </a:ln>
-                          <a:solidFill>
-                            <a:srgbClr val="A9B7C6"/>
-                          </a:solidFill>
-                          <a:latin typeface="Courier New" panose="02070309020205020404" pitchFamily="49" charset="0"/>
-                          <a:cs typeface="Courier New" panose="02070309020205020404" pitchFamily="49" charset="0"/>
-                        </a:rPr>
-                        <a:t>sc.useDelimiter</a:t>
-                      </a:r>
-                      <a:r>
-                        <a:rPr kumimoji="0" lang="uk-UA" altLang="uk-UA" sz="1400" b="1" i="0" u="none" strike="noStrike" cap="none" normalizeH="0" baseline="0" dirty="0">
-                          <a:ln>
-                            <a:noFill/>
-                          </a:ln>
-                          <a:solidFill>
-                            <a:srgbClr val="A9B7C6"/>
-                          </a:solidFill>
-                          <a:latin typeface="Courier New" panose="02070309020205020404" pitchFamily="49" charset="0"/>
-                          <a:cs typeface="Courier New" panose="02070309020205020404" pitchFamily="49" charset="0"/>
-                        </a:rPr>
-                        <a:t>(</a:t>
-                      </a:r>
-                      <a:r>
-                        <a:rPr kumimoji="0" lang="uk-UA" altLang="uk-UA" sz="1400" b="1" i="0" u="none" strike="noStrike" cap="none" normalizeH="0" baseline="0" dirty="0">
-                          <a:ln>
-                            <a:noFill/>
-                          </a:ln>
-                          <a:solidFill>
-                            <a:srgbClr val="6A8759"/>
-                          </a:solidFill>
-                          <a:latin typeface="Courier New" panose="02070309020205020404" pitchFamily="49" charset="0"/>
-                          <a:cs typeface="Courier New" panose="02070309020205020404" pitchFamily="49" charset="0"/>
-                        </a:rPr>
-                        <a:t>"</a:t>
-                      </a:r>
-                      <a:r>
-                        <a:rPr kumimoji="0" lang="uk-UA" altLang="uk-UA" sz="1400" b="1" i="0" u="none" strike="noStrike" cap="none" normalizeH="0" baseline="0" dirty="0">
-                          <a:ln>
-                            <a:noFill/>
-                          </a:ln>
-                          <a:solidFill>
-                            <a:srgbClr val="CC7832"/>
-                          </a:solidFill>
-                          <a:latin typeface="Courier New" panose="02070309020205020404" pitchFamily="49" charset="0"/>
-                          <a:cs typeface="Courier New" panose="02070309020205020404" pitchFamily="49" charset="0"/>
-                        </a:rPr>
-                        <a:t>\\</a:t>
-                      </a:r>
-                      <a:r>
-                        <a:rPr kumimoji="0" lang="uk-UA" altLang="uk-UA" sz="1400" b="1" i="0" u="none" strike="noStrike" cap="none" normalizeH="0" baseline="0" dirty="0">
-                          <a:ln>
-                            <a:noFill/>
-                          </a:ln>
-                          <a:solidFill>
-                            <a:srgbClr val="6A8759"/>
-                          </a:solidFill>
-                          <a:latin typeface="Courier New" panose="02070309020205020404" pitchFamily="49" charset="0"/>
-                          <a:cs typeface="Courier New" panose="02070309020205020404" pitchFamily="49" charset="0"/>
-                        </a:rPr>
-                        <a:t>s*as</a:t>
-                      </a:r>
-                      <a:r>
-                        <a:rPr kumimoji="0" lang="uk-UA" altLang="uk-UA" sz="1400" b="1" i="0" u="none" strike="noStrike" cap="none" normalizeH="0" baseline="0" dirty="0">
-                          <a:ln>
-                            <a:noFill/>
-                          </a:ln>
-                          <a:solidFill>
-                            <a:srgbClr val="CC7832"/>
-                          </a:solidFill>
-                          <a:latin typeface="Courier New" panose="02070309020205020404" pitchFamily="49" charset="0"/>
-                          <a:cs typeface="Courier New" panose="02070309020205020404" pitchFamily="49" charset="0"/>
-                        </a:rPr>
-                        <a:t>\\</a:t>
-                      </a:r>
-                      <a:r>
-                        <a:rPr kumimoji="0" lang="uk-UA" altLang="uk-UA" sz="1400" b="1" i="0" u="none" strike="noStrike" cap="none" normalizeH="0" baseline="0" dirty="0">
-                          <a:ln>
-                            <a:noFill/>
-                          </a:ln>
-                          <a:solidFill>
-                            <a:srgbClr val="6A8759"/>
-                          </a:solidFill>
-                          <a:latin typeface="Courier New" panose="02070309020205020404" pitchFamily="49" charset="0"/>
-                          <a:cs typeface="Courier New" panose="02070309020205020404" pitchFamily="49" charset="0"/>
-                        </a:rPr>
-                        <a:t>s*"</a:t>
-                      </a:r>
-                      <a:r>
-                        <a:rPr kumimoji="0" lang="uk-UA" altLang="uk-UA" sz="1400" b="1" i="0" u="none" strike="noStrike" cap="none" normalizeH="0" baseline="0" dirty="0">
-                          <a:ln>
-                            <a:noFill/>
-                          </a:ln>
-                          <a:solidFill>
-                            <a:srgbClr val="A9B7C6"/>
-                          </a:solidFill>
-                          <a:latin typeface="Courier New" panose="02070309020205020404" pitchFamily="49" charset="0"/>
-                          <a:cs typeface="Courier New" panose="02070309020205020404" pitchFamily="49" charset="0"/>
-                        </a:rPr>
-                        <a:t>)</a:t>
-                      </a:r>
-                      <a:r>
-                        <a:rPr kumimoji="0" lang="uk-UA" altLang="uk-UA" sz="1400" b="1" i="0" u="none" strike="noStrike" cap="none" normalizeH="0" baseline="0" dirty="0">
-                          <a:ln>
-                            <a:noFill/>
-                          </a:ln>
-                          <a:solidFill>
-                            <a:srgbClr val="CC7832"/>
-                          </a:solidFill>
-                          <a:latin typeface="Courier New" panose="02070309020205020404" pitchFamily="49" charset="0"/>
-                          <a:cs typeface="Courier New" panose="02070309020205020404" pitchFamily="49" charset="0"/>
-                        </a:rPr>
-                        <a:t>;</a:t>
-                      </a:r>
-                      <a:br>
-                        <a:rPr kumimoji="0" lang="uk-UA" altLang="uk-UA" sz="1400" b="1" i="0" u="none" strike="noStrike" cap="none" normalizeH="0" baseline="0" dirty="0">
-                          <a:ln>
-                            <a:noFill/>
-                          </a:ln>
-                          <a:solidFill>
-                            <a:srgbClr val="CC7832"/>
-                          </a:solidFill>
-                          <a:latin typeface="Courier New" panose="02070309020205020404" pitchFamily="49" charset="0"/>
-                          <a:cs typeface="Courier New" panose="02070309020205020404" pitchFamily="49" charset="0"/>
-                        </a:rPr>
-                      </a:br>
-                      <a:r>
-                        <a:rPr kumimoji="0" lang="uk-UA" altLang="uk-UA" sz="1400" b="1" i="0" u="none" strike="noStrike" cap="none" normalizeH="0" baseline="0" dirty="0" err="1">
-                          <a:ln>
-                            <a:noFill/>
-                          </a:ln>
-                          <a:solidFill>
-                            <a:srgbClr val="CC7832"/>
-                          </a:solidFill>
-                          <a:latin typeface="Courier New" panose="02070309020205020404" pitchFamily="49" charset="0"/>
-                          <a:cs typeface="Courier New" panose="02070309020205020404" pitchFamily="49" charset="0"/>
-                        </a:rPr>
-                        <a:t>while</a:t>
-                      </a:r>
-                      <a:r>
-                        <a:rPr kumimoji="0" lang="uk-UA" altLang="uk-UA" sz="1400" b="1" i="0" u="none" strike="noStrike" cap="none" normalizeH="0" baseline="0" dirty="0">
-                          <a:ln>
-                            <a:noFill/>
-                          </a:ln>
-                          <a:solidFill>
-                            <a:srgbClr val="CC7832"/>
-                          </a:solidFill>
-                          <a:latin typeface="Courier New" panose="02070309020205020404" pitchFamily="49" charset="0"/>
-                          <a:cs typeface="Courier New" panose="02070309020205020404" pitchFamily="49" charset="0"/>
-                        </a:rPr>
-                        <a:t> </a:t>
-                      </a:r>
-                      <a:r>
-                        <a:rPr kumimoji="0" lang="uk-UA" altLang="uk-UA" sz="1400" b="1" i="0" u="none" strike="noStrike" cap="none" normalizeH="0" baseline="0" dirty="0">
-                          <a:ln>
-                            <a:noFill/>
-                          </a:ln>
-                          <a:solidFill>
-                            <a:srgbClr val="A9B7C6"/>
-                          </a:solidFill>
-                          <a:latin typeface="Courier New" panose="02070309020205020404" pitchFamily="49" charset="0"/>
-                          <a:cs typeface="Courier New" panose="02070309020205020404" pitchFamily="49" charset="0"/>
-                        </a:rPr>
-                        <a:t>(</a:t>
-                      </a:r>
-                      <a:r>
-                        <a:rPr kumimoji="0" lang="uk-UA" altLang="uk-UA" sz="1400" b="1" i="0" u="none" strike="noStrike" cap="none" normalizeH="0" baseline="0" dirty="0" err="1">
-                          <a:ln>
-                            <a:noFill/>
-                          </a:ln>
-                          <a:solidFill>
-                            <a:srgbClr val="A9B7C6"/>
-                          </a:solidFill>
-                          <a:latin typeface="Courier New" panose="02070309020205020404" pitchFamily="49" charset="0"/>
-                          <a:cs typeface="Courier New" panose="02070309020205020404" pitchFamily="49" charset="0"/>
-                        </a:rPr>
-                        <a:t>sc.hasNext</a:t>
-                      </a:r>
-                      <a:r>
-                        <a:rPr kumimoji="0" lang="uk-UA" altLang="uk-UA" sz="1400" b="1" i="0" u="none" strike="noStrike" cap="none" normalizeH="0" baseline="0" dirty="0">
-                          <a:ln>
-                            <a:noFill/>
-                          </a:ln>
-                          <a:solidFill>
-                            <a:srgbClr val="A9B7C6"/>
-                          </a:solidFill>
-                          <a:latin typeface="Courier New" panose="02070309020205020404" pitchFamily="49" charset="0"/>
-                          <a:cs typeface="Courier New" panose="02070309020205020404" pitchFamily="49" charset="0"/>
-                        </a:rPr>
-                        <a:t>())</a:t>
-                      </a:r>
-                      <a:br>
-                        <a:rPr kumimoji="0" lang="uk-UA" altLang="uk-UA" sz="1400" b="1" i="0" u="none" strike="noStrike" cap="none" normalizeH="0" baseline="0" dirty="0">
-                          <a:ln>
-                            <a:noFill/>
-                          </a:ln>
-                          <a:solidFill>
-                            <a:srgbClr val="A9B7C6"/>
-                          </a:solidFill>
-                          <a:latin typeface="Courier New" panose="02070309020205020404" pitchFamily="49" charset="0"/>
-                          <a:cs typeface="Courier New" panose="02070309020205020404" pitchFamily="49" charset="0"/>
-                        </a:rPr>
-                      </a:br>
-                      <a:r>
-                        <a:rPr kumimoji="0" lang="uk-UA" altLang="uk-UA" sz="1400" b="1" i="0" u="none" strike="noStrike" cap="none" normalizeH="0" baseline="0" dirty="0">
-                          <a:ln>
-                            <a:noFill/>
-                          </a:ln>
-                          <a:solidFill>
-                            <a:srgbClr val="A9B7C6"/>
-                          </a:solidFill>
-                          <a:latin typeface="Courier New" panose="02070309020205020404" pitchFamily="49" charset="0"/>
-                          <a:cs typeface="Courier New" panose="02070309020205020404" pitchFamily="49" charset="0"/>
-                        </a:rPr>
-                        <a:t>    </a:t>
-                      </a:r>
-                      <a:r>
-                        <a:rPr kumimoji="0" lang="uk-UA" altLang="uk-UA" sz="1400" b="1" i="0" u="none" strike="noStrike" cap="none" normalizeH="0" baseline="0" dirty="0" err="1">
-                          <a:ln>
-                            <a:noFill/>
-                          </a:ln>
-                          <a:solidFill>
-                            <a:srgbClr val="A9B7C6"/>
-                          </a:solidFill>
-                          <a:latin typeface="Courier New" panose="02070309020205020404" pitchFamily="49" charset="0"/>
-                          <a:cs typeface="Courier New" panose="02070309020205020404" pitchFamily="49" charset="0"/>
-                        </a:rPr>
-                        <a:t>System.</a:t>
-                      </a:r>
-                      <a:r>
-                        <a:rPr kumimoji="0" lang="uk-UA" altLang="uk-UA" sz="1400" b="1" i="1" u="none" strike="noStrike" cap="none" normalizeH="0" baseline="0" dirty="0" err="1">
-                          <a:ln>
-                            <a:noFill/>
-                          </a:ln>
-                          <a:solidFill>
-                            <a:srgbClr val="9876AA"/>
-                          </a:solidFill>
-                          <a:latin typeface="Courier New" panose="02070309020205020404" pitchFamily="49" charset="0"/>
-                          <a:cs typeface="Courier New" panose="02070309020205020404" pitchFamily="49" charset="0"/>
-                        </a:rPr>
-                        <a:t>out</a:t>
-                      </a:r>
-                      <a:r>
-                        <a:rPr kumimoji="0" lang="uk-UA" altLang="uk-UA" sz="1400" b="1" i="0" u="none" strike="noStrike" cap="none" normalizeH="0" baseline="0" dirty="0" err="1">
-                          <a:ln>
-                            <a:noFill/>
-                          </a:ln>
-                          <a:solidFill>
-                            <a:srgbClr val="A9B7C6"/>
-                          </a:solidFill>
-                          <a:latin typeface="Courier New" panose="02070309020205020404" pitchFamily="49" charset="0"/>
-                          <a:cs typeface="Courier New" panose="02070309020205020404" pitchFamily="49" charset="0"/>
-                        </a:rPr>
-                        <a:t>.println</a:t>
-                      </a:r>
-                      <a:r>
-                        <a:rPr kumimoji="0" lang="uk-UA" altLang="uk-UA" sz="1400" b="1" i="0" u="none" strike="noStrike" cap="none" normalizeH="0" baseline="0" dirty="0">
-                          <a:ln>
-                            <a:noFill/>
-                          </a:ln>
-                          <a:solidFill>
-                            <a:srgbClr val="A9B7C6"/>
-                          </a:solidFill>
-                          <a:latin typeface="Courier New" panose="02070309020205020404" pitchFamily="49" charset="0"/>
-                          <a:cs typeface="Courier New" panose="02070309020205020404" pitchFamily="49" charset="0"/>
-                        </a:rPr>
-                        <a:t>(</a:t>
-                      </a:r>
-                      <a:r>
-                        <a:rPr kumimoji="0" lang="uk-UA" altLang="uk-UA" sz="1400" b="1" i="0" u="none" strike="noStrike" cap="none" normalizeH="0" baseline="0" dirty="0" err="1">
-                          <a:ln>
-                            <a:noFill/>
-                          </a:ln>
-                          <a:solidFill>
-                            <a:srgbClr val="A9B7C6"/>
-                          </a:solidFill>
-                          <a:latin typeface="Courier New" panose="02070309020205020404" pitchFamily="49" charset="0"/>
-                          <a:cs typeface="Courier New" panose="02070309020205020404" pitchFamily="49" charset="0"/>
-                        </a:rPr>
-                        <a:t>sc.next</a:t>
-                      </a:r>
-                      <a:r>
-                        <a:rPr kumimoji="0" lang="uk-UA" altLang="uk-UA" sz="1400" b="1" i="0" u="none" strike="noStrike" cap="none" normalizeH="0" baseline="0" dirty="0">
-                          <a:ln>
-                            <a:noFill/>
-                          </a:ln>
-                          <a:solidFill>
-                            <a:srgbClr val="A9B7C6"/>
-                          </a:solidFill>
-                          <a:latin typeface="Courier New" panose="02070309020205020404" pitchFamily="49" charset="0"/>
-                          <a:cs typeface="Courier New" panose="02070309020205020404" pitchFamily="49" charset="0"/>
-                        </a:rPr>
-                        <a:t>())</a:t>
-                      </a:r>
-                      <a:r>
-                        <a:rPr kumimoji="0" lang="uk-UA" altLang="uk-UA" sz="1400" b="1" i="0" u="none" strike="noStrike" cap="none" normalizeH="0" baseline="0" dirty="0">
-                          <a:ln>
-                            <a:noFill/>
-                          </a:ln>
-                          <a:solidFill>
-                            <a:srgbClr val="CC7832"/>
-                          </a:solidFill>
-                          <a:latin typeface="Courier New" panose="02070309020205020404" pitchFamily="49" charset="0"/>
-                          <a:cs typeface="Courier New" panose="02070309020205020404" pitchFamily="49" charset="0"/>
-                        </a:rPr>
-                        <a:t>;</a:t>
-                      </a:r>
-                      <a:br>
-                        <a:rPr kumimoji="0" lang="uk-UA" altLang="uk-UA" sz="1400" b="1" i="0" u="none" strike="noStrike" cap="none" normalizeH="0" baseline="0" dirty="0">
-                          <a:ln>
-                            <a:noFill/>
-                          </a:ln>
-                          <a:solidFill>
-                            <a:srgbClr val="CC7832"/>
-                          </a:solidFill>
-                          <a:latin typeface="Courier New" panose="02070309020205020404" pitchFamily="49" charset="0"/>
-                          <a:cs typeface="Courier New" panose="02070309020205020404" pitchFamily="49" charset="0"/>
-                        </a:rPr>
-                      </a:br>
-                      <a:r>
-                        <a:rPr kumimoji="0" lang="uk-UA" altLang="uk-UA" sz="1400" b="1" i="0" u="none" strike="noStrike" cap="none" normalizeH="0" baseline="0" dirty="0" err="1">
-                          <a:ln>
-                            <a:noFill/>
-                          </a:ln>
-                          <a:solidFill>
-                            <a:srgbClr val="A9B7C6"/>
-                          </a:solidFill>
-                          <a:latin typeface="Courier New" panose="02070309020205020404" pitchFamily="49" charset="0"/>
-                          <a:cs typeface="Courier New" panose="02070309020205020404" pitchFamily="49" charset="0"/>
-                        </a:rPr>
-                        <a:t>sc.close</a:t>
-                      </a:r>
-                      <a:r>
-                        <a:rPr kumimoji="0" lang="uk-UA" altLang="uk-UA" sz="1400" b="1" i="0" u="none" strike="noStrike" cap="none" normalizeH="0" baseline="0" dirty="0">
-                          <a:ln>
-                            <a:noFill/>
-                          </a:ln>
-                          <a:solidFill>
-                            <a:srgbClr val="A9B7C6"/>
-                          </a:solidFill>
-                          <a:latin typeface="Courier New" panose="02070309020205020404" pitchFamily="49" charset="0"/>
-                          <a:cs typeface="Courier New" panose="02070309020205020404" pitchFamily="49" charset="0"/>
-                        </a:rPr>
-                        <a:t>()</a:t>
-                      </a:r>
-                      <a:r>
-                        <a:rPr kumimoji="0" lang="uk-UA" altLang="uk-UA" sz="1400" b="1" i="0" u="none" strike="noStrike" cap="none" normalizeH="0" baseline="0" dirty="0">
-                          <a:ln>
-                            <a:noFill/>
-                          </a:ln>
-                          <a:solidFill>
-                            <a:srgbClr val="CC7832"/>
-                          </a:solidFill>
-                          <a:latin typeface="Courier New" panose="02070309020205020404" pitchFamily="49" charset="0"/>
-                          <a:cs typeface="Courier New" panose="02070309020205020404" pitchFamily="49" charset="0"/>
-                        </a:rPr>
-                        <a:t>;</a:t>
-                      </a:r>
-                      <a:endParaRPr kumimoji="0" lang="uk-UA" altLang="uk-UA" sz="1400" b="1" i="0" u="none" strike="noStrike" cap="none" normalizeH="0" baseline="0" dirty="0">
-                        <a:ln>
-                          <a:noFill/>
-                        </a:ln>
-                        <a:solidFill>
-                          <a:schemeClr val="tx1"/>
-                        </a:solidFill>
-                        <a:latin typeface="Courier New" panose="02070309020205020404" pitchFamily="49" charset="0"/>
-                        <a:cs typeface="Courier New" panose="02070309020205020404" pitchFamily="49" charset="0"/>
-                      </a:endParaRPr>
-                    </a:p>
-                  </a:txBody>
-                  <a:tcPr/>
-                </a:tc>
-                <a:tc>
-                  <a:txBody>
-                    <a:bodyPr/>
-                    <a:lstStyle/>
-                    <a:p>
-                      <a:r>
-                        <a:rPr kumimoji="0" lang="uk-UA" altLang="uk-UA" sz="1400" b="1" i="0" u="none" strike="noStrike" cap="none" normalizeH="0" baseline="0" dirty="0">
-                          <a:ln>
-                            <a:noFill/>
-                          </a:ln>
-                          <a:solidFill>
-                            <a:schemeClr val="tx1"/>
-                          </a:solidFill>
-                          <a:latin typeface="Courier New" panose="02070309020205020404" pitchFamily="49" charset="0"/>
-                          <a:cs typeface="Courier New" panose="02070309020205020404" pitchFamily="49" charset="0"/>
-                        </a:rPr>
-                        <a:t>10</a:t>
-                      </a:r>
-                    </a:p>
-                    <a:p>
-                      <a:r>
-                        <a:rPr kumimoji="0" lang="uk-UA" altLang="uk-UA" sz="1400" b="1" i="0" u="none" strike="noStrike" cap="none" normalizeH="0" baseline="0" dirty="0" err="1">
-                          <a:ln>
-                            <a:noFill/>
-                          </a:ln>
-                          <a:solidFill>
-                            <a:schemeClr val="tx1"/>
-                          </a:solidFill>
-                          <a:latin typeface="Courier New" panose="02070309020205020404" pitchFamily="49" charset="0"/>
-                          <a:cs typeface="Courier New" panose="02070309020205020404" pitchFamily="49" charset="0"/>
-                        </a:rPr>
-                        <a:t>ads</a:t>
-                      </a:r>
-                      <a:r>
-                        <a:rPr kumimoji="0" lang="uk-UA" altLang="uk-UA" sz="1400" b="1" i="0" u="none" strike="noStrike" cap="none" normalizeH="0" baseline="0" dirty="0">
-                          <a:ln>
-                            <a:noFill/>
-                          </a:ln>
-                          <a:solidFill>
-                            <a:schemeClr val="tx1"/>
-                          </a:solidFill>
-                          <a:latin typeface="Courier New" panose="02070309020205020404" pitchFamily="49" charset="0"/>
-                          <a:cs typeface="Courier New" panose="02070309020205020404" pitchFamily="49" charset="0"/>
-                        </a:rPr>
-                        <a:t> </a:t>
-                      </a:r>
-                      <a:r>
-                        <a:rPr kumimoji="0" lang="uk-UA" altLang="uk-UA" sz="1400" b="1" i="0" u="none" strike="noStrike" cap="none" normalizeH="0" baseline="0" dirty="0" err="1">
-                          <a:ln>
-                            <a:noFill/>
-                          </a:ln>
-                          <a:solidFill>
-                            <a:schemeClr val="tx1"/>
-                          </a:solidFill>
-                          <a:latin typeface="Courier New" panose="02070309020205020404" pitchFamily="49" charset="0"/>
-                          <a:cs typeface="Courier New" panose="02070309020205020404" pitchFamily="49" charset="0"/>
-                        </a:rPr>
-                        <a:t>dg</a:t>
-                      </a:r>
-                      <a:endParaRPr kumimoji="0" lang="uk-UA" altLang="uk-UA" sz="1400" b="1" i="0" u="none" strike="noStrike" cap="none" normalizeH="0" baseline="0" dirty="0">
-                        <a:ln>
-                          <a:noFill/>
-                        </a:ln>
-                        <a:solidFill>
-                          <a:schemeClr val="tx1"/>
-                        </a:solidFill>
-                        <a:latin typeface="Courier New" panose="02070309020205020404" pitchFamily="49" charset="0"/>
-                        <a:cs typeface="Courier New" panose="02070309020205020404" pitchFamily="49" charset="0"/>
-                      </a:endParaRPr>
-                    </a:p>
-                    <a:p>
-                      <a:r>
-                        <a:rPr kumimoji="0" lang="uk-UA" altLang="uk-UA" sz="1400" b="1" i="0" u="none" strike="noStrike" cap="none" normalizeH="0" baseline="0" dirty="0">
-                          <a:ln>
-                            <a:noFill/>
-                          </a:ln>
-                          <a:solidFill>
-                            <a:schemeClr val="tx1"/>
-                          </a:solidFill>
-                          <a:latin typeface="Courier New" panose="02070309020205020404" pitchFamily="49" charset="0"/>
-                          <a:cs typeface="Courier New" panose="02070309020205020404" pitchFamily="49" charset="0"/>
-                        </a:rPr>
-                        <a:t>13 133</a:t>
-                      </a:r>
-                    </a:p>
-                    <a:p>
-                      <a:r>
-                        <a:rPr kumimoji="0" lang="uk-UA" altLang="uk-UA" sz="1400" b="1" i="0" u="none" strike="noStrike" cap="none" normalizeH="0" baseline="0" dirty="0">
-                          <a:ln>
-                            <a:noFill/>
-                          </a:ln>
-                          <a:solidFill>
-                            <a:schemeClr val="tx1"/>
-                          </a:solidFill>
-                          <a:latin typeface="Courier New" panose="02070309020205020404" pitchFamily="49" charset="0"/>
-                          <a:cs typeface="Courier New" panose="02070309020205020404" pitchFamily="49" charset="0"/>
-                        </a:rPr>
-                        <a:t>15 9</a:t>
-                      </a:r>
-                    </a:p>
-                    <a:p>
-                      <a:r>
-                        <a:rPr kumimoji="0" lang="uk-UA" altLang="uk-UA" sz="1400" b="1" i="0" u="none" strike="noStrike" cap="none" normalizeH="0" baseline="0" dirty="0">
-                          <a:ln>
-                            <a:noFill/>
-                          </a:ln>
-                          <a:solidFill>
-                            <a:schemeClr val="tx1"/>
-                          </a:solidFill>
-                          <a:latin typeface="Courier New" panose="02070309020205020404" pitchFamily="49" charset="0"/>
-                          <a:cs typeface="Courier New" panose="02070309020205020404" pitchFamily="49" charset="0"/>
-                        </a:rPr>
-                        <a:t>9</a:t>
-                      </a:r>
-                      <a:endParaRPr lang="uk-UA" sz="1400" dirty="0">
-                        <a:solidFill>
-                          <a:schemeClr val="tx1"/>
-                        </a:solidFill>
-                      </a:endParaRPr>
-                    </a:p>
-                  </a:txBody>
-                  <a:tcPr/>
-                </a:tc>
-                <a:extLst>
-                  <a:ext uri="{0D108BD9-81ED-4DB2-BD59-A6C34878D82A}">
-                    <a16:rowId xmlns:a16="http://schemas.microsoft.com/office/drawing/2014/main" val="3586418525"/>
-                  </a:ext>
-                </a:extLst>
-              </a:tr>
-            </a:tbl>
-          </a:graphicData>
-        </a:graphic>
-      </p:graphicFrame>
-    </p:spTree>
-    <p:extLst>
-      <p:ext uri="{BB962C8B-B14F-4D97-AF65-F5344CB8AC3E}">
-        <p14:creationId xmlns:p14="http://schemas.microsoft.com/office/powerpoint/2010/main" val="814953294"/>
-      </p:ext>
-    </p:extLst>
-  </p:cSld>
-  <p:clrMapOvr>
-    <a:masterClrMapping/>
-  </p:clrMapOvr>
-</p:sld>
-</file>
-
 <file path=ppt/slides/slide2.xml><?xml version="1.0" encoding="utf-8"?>
 <p:sld xmlns:a="http://schemas.openxmlformats.org/drawingml/2006/main" xmlns:r="http://schemas.openxmlformats.org/officeDocument/2006/relationships" xmlns:p="http://schemas.openxmlformats.org/presentationml/2006/main">
   <p:cSld>
@@ -21915,7 +19414,7 @@
               </a:lnSpc>
             </a:pPr>
             <a:r>
-              <a:rPr lang="uk-UA" sz="2400" dirty="0">
+              <a:rPr lang="en-US" sz="2400" dirty="0">
                 <a:ln>
                   <a:solidFill>
                     <a:schemeClr val="bg1">
@@ -21932,8 +19431,25 @@
                   <a:srgbClr val="FFFF00"/>
                 </a:highlight>
               </a:rPr>
-              <a:t>інакше</a:t>
-            </a:r>
+              <a:t>else</a:t>
+            </a:r>
+            <a:endParaRPr lang="uk-UA" sz="2400" dirty="0">
+              <a:ln>
+                <a:solidFill>
+                  <a:schemeClr val="bg1">
+                    <a:lumMod val="50000"/>
+                  </a:schemeClr>
+                </a:solidFill>
+              </a:ln>
+              <a:solidFill>
+                <a:schemeClr val="bg1">
+                  <a:lumMod val="65000"/>
+                </a:schemeClr>
+              </a:solidFill>
+              <a:highlight>
+                <a:srgbClr val="FFFF00"/>
+              </a:highlight>
+            </a:endParaRPr>
           </a:p>
           <a:p>
             <a:pPr>
@@ -26725,7 +24241,7 @@
                 </a:lnSpc>
               </a:pPr>
               <a:r>
-                <a:rPr lang="en-US" sz="1200" i="1" dirty="0">
+                <a:rPr lang="en-US" i="1" dirty="0">
                   <a:solidFill>
                     <a:srgbClr val="272525"/>
                   </a:solidFill>
@@ -26735,7 +24251,7 @@
                 </a:rPr>
                 <a:t>На екран буде виведено напис:</a:t>
               </a:r>
-              <a:endParaRPr lang="en-US" sz="1200" dirty="0"/>
+              <a:endParaRPr lang="en-US" dirty="0"/>
             </a:p>
           </p:txBody>
         </p:sp>
@@ -26772,7 +24288,7 @@
                 </a:lnSpc>
               </a:pPr>
               <a:r>
-                <a:rPr lang="en-US" sz="1200" dirty="0">
+                <a:rPr lang="en-US" sz="2000" dirty="0">
                   <a:solidFill>
                     <a:srgbClr val="272525"/>
                   </a:solidFill>
@@ -26782,7 +24298,7 @@
                 </a:rPr>
                 <a:t>Ви ще дитина!</a:t>
               </a:r>
-              <a:endParaRPr lang="en-US" sz="1200" dirty="0"/>
+              <a:endParaRPr lang="en-US" sz="2000" dirty="0"/>
             </a:p>
           </p:txBody>
         </p:sp>
@@ -27158,7 +24674,7 @@
                 </a:lnSpc>
               </a:pPr>
               <a:r>
-                <a:rPr lang="en-US" sz="1200" i="1" dirty="0">
+                <a:rPr lang="en-US" i="1" dirty="0">
                   <a:solidFill>
                     <a:srgbClr val="272525"/>
                   </a:solidFill>
@@ -27168,7 +24684,7 @@
                 </a:rPr>
                 <a:t>На екран буде виведено напис:</a:t>
               </a:r>
-              <a:endParaRPr lang="en-US" sz="1200" dirty="0"/>
+              <a:endParaRPr lang="en-US" dirty="0"/>
             </a:p>
           </p:txBody>
         </p:sp>
@@ -27205,7 +24721,7 @@
                 </a:lnSpc>
               </a:pPr>
               <a:r>
-                <a:rPr lang="en-US" sz="1200" dirty="0">
+                <a:rPr lang="en-US" sz="2000" dirty="0">
                   <a:solidFill>
                     <a:srgbClr val="272525"/>
                   </a:solidFill>
@@ -27215,7 +24731,7 @@
                 </a:rPr>
                 <a:t>Тепло</a:t>
               </a:r>
-              <a:endParaRPr lang="en-US" sz="1200" dirty="0"/>
+              <a:endParaRPr lang="en-US" sz="2000" dirty="0"/>
             </a:p>
           </p:txBody>
         </p:sp>
@@ -27591,7 +25107,7 @@
                 </a:lnSpc>
               </a:pPr>
               <a:r>
-                <a:rPr lang="en-US" sz="1200" i="1" dirty="0">
+                <a:rPr lang="en-US" i="1" dirty="0">
                   <a:solidFill>
                     <a:srgbClr val="272525"/>
                   </a:solidFill>
@@ -27601,7 +25117,7 @@
                 </a:rPr>
                 <a:t>На екран буде виведено напис:</a:t>
               </a:r>
-              <a:endParaRPr lang="en-US" sz="1200" dirty="0"/>
+              <a:endParaRPr lang="en-US" dirty="0"/>
             </a:p>
           </p:txBody>
         </p:sp>
@@ -27638,7 +25154,7 @@
                 </a:lnSpc>
               </a:pPr>
               <a:r>
-                <a:rPr lang="en-US" sz="1200" dirty="0">
+                <a:rPr lang="en-US" sz="2000" dirty="0">
                   <a:solidFill>
                     <a:srgbClr val="272525"/>
                   </a:solidFill>
@@ -27648,7 +25164,7 @@
                 </a:rPr>
                 <a:t>З’явіться до ТЦК</a:t>
               </a:r>
-              <a:endParaRPr lang="en-US" sz="1200" dirty="0"/>
+              <a:endParaRPr lang="en-US" sz="2000" dirty="0"/>
             </a:p>
           </p:txBody>
         </p:sp>
